--- a/presentations/Updates 8-4-20.pptx
+++ b/presentations/Updates 8-4-20.pptx
@@ -5,7 +5,7 @@
     <p:sldMasterId id="2147483648" r:id="rId1"/>
   </p:sldMasterIdLst>
   <p:notesMasterIdLst>
-    <p:notesMasterId r:id="rId34"/>
+    <p:notesMasterId r:id="rId37"/>
   </p:notesMasterIdLst>
   <p:sldIdLst>
     <p:sldId id="256" r:id="rId2"/>
@@ -28,18 +28,21 @@
     <p:sldId id="295" r:id="rId19"/>
     <p:sldId id="297" r:id="rId20"/>
     <p:sldId id="298" r:id="rId21"/>
-    <p:sldId id="293" r:id="rId22"/>
-    <p:sldId id="281" r:id="rId23"/>
-    <p:sldId id="282" r:id="rId24"/>
-    <p:sldId id="264" r:id="rId25"/>
-    <p:sldId id="294" r:id="rId26"/>
-    <p:sldId id="289" r:id="rId27"/>
-    <p:sldId id="277" r:id="rId28"/>
-    <p:sldId id="279" r:id="rId29"/>
-    <p:sldId id="272" r:id="rId30"/>
-    <p:sldId id="276" r:id="rId31"/>
-    <p:sldId id="283" r:id="rId32"/>
-    <p:sldId id="284" r:id="rId33"/>
+    <p:sldId id="300" r:id="rId22"/>
+    <p:sldId id="301" r:id="rId23"/>
+    <p:sldId id="293" r:id="rId24"/>
+    <p:sldId id="281" r:id="rId25"/>
+    <p:sldId id="282" r:id="rId26"/>
+    <p:sldId id="264" r:id="rId27"/>
+    <p:sldId id="294" r:id="rId28"/>
+    <p:sldId id="289" r:id="rId29"/>
+    <p:sldId id="299" r:id="rId30"/>
+    <p:sldId id="277" r:id="rId31"/>
+    <p:sldId id="279" r:id="rId32"/>
+    <p:sldId id="272" r:id="rId33"/>
+    <p:sldId id="276" r:id="rId34"/>
+    <p:sldId id="283" r:id="rId35"/>
+    <p:sldId id="284" r:id="rId36"/>
   </p:sldIdLst>
   <p:sldSz cx="12192000" cy="6858000"/>
   <p:notesSz cx="6858000" cy="9144000"/>
@@ -144,6 +147,199 @@
     </p:ext>
   </p:extLst>
 </p:presentation>
+</file>
+
+<file path=ppt/revisionInfo.xml><?xml version="1.0" encoding="utf-8"?>
+<p1510:revInfo xmlns:a="http://schemas.openxmlformats.org/drawingml/2006/main" xmlns:r="http://schemas.openxmlformats.org/officeDocument/2006/relationships" xmlns:p1510="http://schemas.microsoft.com/office/powerpoint/2015/10/main">
+  <p1510:revLst>
+    <p1510:client id="{593DE006-A78F-1A44-90CA-63CFD0BF0D77}" v="4" dt="2020-08-07T08:57:16.916"/>
+  </p1510:revLst>
+</p1510:revInfo>
+</file>
+
+<file path=ppt/changesInfos/changesInfo1.xml><?xml version="1.0" encoding="utf-8"?>
+<pc:chgInfo xmlns:a="http://schemas.openxmlformats.org/drawingml/2006/main" xmlns:r="http://schemas.openxmlformats.org/officeDocument/2006/relationships" xmlns:ac="http://schemas.microsoft.com/office/drawing/2013/main/command" xmlns:pc="http://schemas.microsoft.com/office/powerpoint/2013/main/command">
+  <pc:docChgLst>
+    <pc:chgData name="Akash Levy" userId="0f662538-7453-45f3-952a-fc9f1a7c515e" providerId="ADAL" clId="{593DE006-A78F-1A44-90CA-63CFD0BF0D77}"/>
+    <pc:docChg chg="custSel mod addSld modSld">
+      <pc:chgData name="Akash Levy" userId="0f662538-7453-45f3-952a-fc9f1a7c515e" providerId="ADAL" clId="{593DE006-A78F-1A44-90CA-63CFD0BF0D77}" dt="2020-08-07T08:57:25.723" v="103" actId="20577"/>
+      <pc:docMkLst>
+        <pc:docMk/>
+      </pc:docMkLst>
+      <pc:sldChg chg="modSp mod">
+        <pc:chgData name="Akash Levy" userId="0f662538-7453-45f3-952a-fc9f1a7c515e" providerId="ADAL" clId="{593DE006-A78F-1A44-90CA-63CFD0BF0D77}" dt="2020-08-07T03:08:18.195" v="37" actId="12"/>
+        <pc:sldMkLst>
+          <pc:docMk/>
+          <pc:sldMk cId="3025206054" sldId="271"/>
+        </pc:sldMkLst>
+        <pc:spChg chg="mod">
+          <ac:chgData name="Akash Levy" userId="0f662538-7453-45f3-952a-fc9f1a7c515e" providerId="ADAL" clId="{593DE006-A78F-1A44-90CA-63CFD0BF0D77}" dt="2020-08-07T03:08:18.195" v="37" actId="12"/>
+          <ac:spMkLst>
+            <pc:docMk/>
+            <pc:sldMk cId="3025206054" sldId="271"/>
+            <ac:spMk id="3" creationId="{3B94A307-89B7-A843-B5DD-76DC70E2A558}"/>
+          </ac:spMkLst>
+        </pc:spChg>
+      </pc:sldChg>
+      <pc:sldChg chg="modSp mod">
+        <pc:chgData name="Akash Levy" userId="0f662538-7453-45f3-952a-fc9f1a7c515e" providerId="ADAL" clId="{593DE006-A78F-1A44-90CA-63CFD0BF0D77}" dt="2020-08-07T02:58:46.756" v="12" actId="20577"/>
+        <pc:sldMkLst>
+          <pc:docMk/>
+          <pc:sldMk cId="2670080495" sldId="289"/>
+        </pc:sldMkLst>
+        <pc:spChg chg="mod">
+          <ac:chgData name="Akash Levy" userId="0f662538-7453-45f3-952a-fc9f1a7c515e" providerId="ADAL" clId="{593DE006-A78F-1A44-90CA-63CFD0BF0D77}" dt="2020-08-07T02:58:46.756" v="12" actId="20577"/>
+          <ac:spMkLst>
+            <pc:docMk/>
+            <pc:sldMk cId="2670080495" sldId="289"/>
+            <ac:spMk id="2" creationId="{FC47B41E-90B5-D14B-82FA-CC03960D78D5}"/>
+          </ac:spMkLst>
+        </pc:spChg>
+      </pc:sldChg>
+      <pc:sldChg chg="addSp delSp modSp add mod setBg delDesignElem">
+        <pc:chgData name="Akash Levy" userId="0f662538-7453-45f3-952a-fc9f1a7c515e" providerId="ADAL" clId="{593DE006-A78F-1A44-90CA-63CFD0BF0D77}" dt="2020-08-07T08:54:59.952" v="45" actId="26606"/>
+        <pc:sldMkLst>
+          <pc:docMk/>
+          <pc:sldMk cId="234706686" sldId="299"/>
+        </pc:sldMkLst>
+        <pc:spChg chg="mod">
+          <ac:chgData name="Akash Levy" userId="0f662538-7453-45f3-952a-fc9f1a7c515e" providerId="ADAL" clId="{593DE006-A78F-1A44-90CA-63CFD0BF0D77}" dt="2020-08-07T02:59:42.526" v="18" actId="26606"/>
+          <ac:spMkLst>
+            <pc:docMk/>
+            <pc:sldMk cId="234706686" sldId="299"/>
+            <ac:spMk id="2" creationId="{FC47B41E-90B5-D14B-82FA-CC03960D78D5}"/>
+          </ac:spMkLst>
+        </pc:spChg>
+        <pc:spChg chg="add del">
+          <ac:chgData name="Akash Levy" userId="0f662538-7453-45f3-952a-fc9f1a7c515e" providerId="ADAL" clId="{593DE006-A78F-1A44-90CA-63CFD0BF0D77}" dt="2020-08-07T02:59:42.526" v="18" actId="26606"/>
+          <ac:spMkLst>
+            <pc:docMk/>
+            <pc:sldMk cId="234706686" sldId="299"/>
+            <ac:spMk id="21" creationId="{D4771268-CB57-404A-9271-370EB28F6090}"/>
+          </ac:spMkLst>
+        </pc:spChg>
+        <pc:spChg chg="add del">
+          <ac:chgData name="Akash Levy" userId="0f662538-7453-45f3-952a-fc9f1a7c515e" providerId="ADAL" clId="{593DE006-A78F-1A44-90CA-63CFD0BF0D77}" dt="2020-08-07T08:54:59.952" v="45" actId="26606"/>
+          <ac:spMkLst>
+            <pc:docMk/>
+            <pc:sldMk cId="234706686" sldId="299"/>
+            <ac:spMk id="26" creationId="{6753252F-4873-4F63-801D-CC719279A7D5}"/>
+          </ac:spMkLst>
+        </pc:spChg>
+        <pc:spChg chg="add del">
+          <ac:chgData name="Akash Levy" userId="0f662538-7453-45f3-952a-fc9f1a7c515e" providerId="ADAL" clId="{593DE006-A78F-1A44-90CA-63CFD0BF0D77}" dt="2020-08-07T08:54:59.952" v="45" actId="26606"/>
+          <ac:spMkLst>
+            <pc:docMk/>
+            <pc:sldMk cId="234706686" sldId="299"/>
+            <ac:spMk id="28" creationId="{047C8CCB-F95D-4249-92DD-651249D3535A}"/>
+          </ac:spMkLst>
+        </pc:spChg>
+        <pc:spChg chg="add">
+          <ac:chgData name="Akash Levy" userId="0f662538-7453-45f3-952a-fc9f1a7c515e" providerId="ADAL" clId="{593DE006-A78F-1A44-90CA-63CFD0BF0D77}" dt="2020-08-07T08:54:59.952" v="45" actId="26606"/>
+          <ac:spMkLst>
+            <pc:docMk/>
+            <pc:sldMk cId="234706686" sldId="299"/>
+            <ac:spMk id="33" creationId="{6753252F-4873-4F63-801D-CC719279A7D5}"/>
+          </ac:spMkLst>
+        </pc:spChg>
+        <pc:spChg chg="add">
+          <ac:chgData name="Akash Levy" userId="0f662538-7453-45f3-952a-fc9f1a7c515e" providerId="ADAL" clId="{593DE006-A78F-1A44-90CA-63CFD0BF0D77}" dt="2020-08-07T08:54:59.952" v="45" actId="26606"/>
+          <ac:spMkLst>
+            <pc:docMk/>
+            <pc:sldMk cId="234706686" sldId="299"/>
+            <ac:spMk id="35" creationId="{047C8CCB-F95D-4249-92DD-651249D3535A}"/>
+          </ac:spMkLst>
+        </pc:spChg>
+        <pc:spChg chg="del">
+          <ac:chgData name="Akash Levy" userId="0f662538-7453-45f3-952a-fc9f1a7c515e" providerId="ADAL" clId="{593DE006-A78F-1A44-90CA-63CFD0BF0D77}" dt="2020-08-07T02:58:55.742" v="14"/>
+          <ac:spMkLst>
+            <pc:docMk/>
+            <pc:sldMk cId="234706686" sldId="299"/>
+            <ac:spMk id="51" creationId="{6753252F-4873-4F63-801D-CC719279A7D5}"/>
+          </ac:spMkLst>
+        </pc:spChg>
+        <pc:spChg chg="del">
+          <ac:chgData name="Akash Levy" userId="0f662538-7453-45f3-952a-fc9f1a7c515e" providerId="ADAL" clId="{593DE006-A78F-1A44-90CA-63CFD0BF0D77}" dt="2020-08-07T02:58:55.742" v="14"/>
+          <ac:spMkLst>
+            <pc:docMk/>
+            <pc:sldMk cId="234706686" sldId="299"/>
+            <ac:spMk id="53" creationId="{047C8CCB-F95D-4249-92DD-651249D3535A}"/>
+          </ac:spMkLst>
+        </pc:spChg>
+        <pc:graphicFrameChg chg="mod modGraphic">
+          <ac:chgData name="Akash Levy" userId="0f662538-7453-45f3-952a-fc9f1a7c515e" providerId="ADAL" clId="{593DE006-A78F-1A44-90CA-63CFD0BF0D77}" dt="2020-08-07T08:54:59.952" v="45" actId="26606"/>
+          <ac:graphicFrameMkLst>
+            <pc:docMk/>
+            <pc:sldMk cId="234706686" sldId="299"/>
+            <ac:graphicFrameMk id="16" creationId="{6DFCCF45-5481-BF4A-8082-752758907726}"/>
+          </ac:graphicFrameMkLst>
+        </pc:graphicFrameChg>
+      </pc:sldChg>
+      <pc:sldChg chg="addSp delSp modSp add mod setBg">
+        <pc:chgData name="Akash Levy" userId="0f662538-7453-45f3-952a-fc9f1a7c515e" providerId="ADAL" clId="{593DE006-A78F-1A44-90CA-63CFD0BF0D77}" dt="2020-08-07T08:57:03.674" v="76" actId="26606"/>
+        <pc:sldMkLst>
+          <pc:docMk/>
+          <pc:sldMk cId="398005232" sldId="300"/>
+        </pc:sldMkLst>
+        <pc:spChg chg="mod">
+          <ac:chgData name="Akash Levy" userId="0f662538-7453-45f3-952a-fc9f1a7c515e" providerId="ADAL" clId="{593DE006-A78F-1A44-90CA-63CFD0BF0D77}" dt="2020-08-07T08:57:03.674" v="76" actId="26606"/>
+          <ac:spMkLst>
+            <pc:docMk/>
+            <pc:sldMk cId="398005232" sldId="300"/>
+            <ac:spMk id="2" creationId="{539C9AFE-744D-B64E-811F-5BD7788CE7C8}"/>
+          </ac:spMkLst>
+        </pc:spChg>
+        <pc:spChg chg="del">
+          <ac:chgData name="Akash Levy" userId="0f662538-7453-45f3-952a-fc9f1a7c515e" providerId="ADAL" clId="{593DE006-A78F-1A44-90CA-63CFD0BF0D77}" dt="2020-08-07T08:57:00.568" v="75" actId="931"/>
+          <ac:spMkLst>
+            <pc:docMk/>
+            <pc:sldMk cId="398005232" sldId="300"/>
+            <ac:spMk id="3" creationId="{A8A70700-1F66-F14A-85B0-9B93FA185E0A}"/>
+          </ac:spMkLst>
+        </pc:spChg>
+        <pc:spChg chg="add">
+          <ac:chgData name="Akash Levy" userId="0f662538-7453-45f3-952a-fc9f1a7c515e" providerId="ADAL" clId="{593DE006-A78F-1A44-90CA-63CFD0BF0D77}" dt="2020-08-07T08:57:03.674" v="76" actId="26606"/>
+          <ac:spMkLst>
+            <pc:docMk/>
+            <pc:sldMk cId="398005232" sldId="300"/>
+            <ac:spMk id="10" creationId="{6753252F-4873-4F63-801D-CC719279A7D5}"/>
+          </ac:spMkLst>
+        </pc:spChg>
+        <pc:spChg chg="add">
+          <ac:chgData name="Akash Levy" userId="0f662538-7453-45f3-952a-fc9f1a7c515e" providerId="ADAL" clId="{593DE006-A78F-1A44-90CA-63CFD0BF0D77}" dt="2020-08-07T08:57:03.674" v="76" actId="26606"/>
+          <ac:spMkLst>
+            <pc:docMk/>
+            <pc:sldMk cId="398005232" sldId="300"/>
+            <ac:spMk id="12" creationId="{047C8CCB-F95D-4249-92DD-651249D3535A}"/>
+          </ac:spMkLst>
+        </pc:spChg>
+        <pc:picChg chg="add mod">
+          <ac:chgData name="Akash Levy" userId="0f662538-7453-45f3-952a-fc9f1a7c515e" providerId="ADAL" clId="{593DE006-A78F-1A44-90CA-63CFD0BF0D77}" dt="2020-08-07T08:57:03.674" v="76" actId="26606"/>
+          <ac:picMkLst>
+            <pc:docMk/>
+            <pc:sldMk cId="398005232" sldId="300"/>
+            <ac:picMk id="5" creationId="{9003658E-16E7-734B-92B4-2DC2AA4D33A3}"/>
+          </ac:picMkLst>
+        </pc:picChg>
+      </pc:sldChg>
+      <pc:sldChg chg="modSp add mod">
+        <pc:chgData name="Akash Levy" userId="0f662538-7453-45f3-952a-fc9f1a7c515e" providerId="ADAL" clId="{593DE006-A78F-1A44-90CA-63CFD0BF0D77}" dt="2020-08-07T08:57:25.723" v="103" actId="20577"/>
+        <pc:sldMkLst>
+          <pc:docMk/>
+          <pc:sldMk cId="2945584954" sldId="301"/>
+        </pc:sldMkLst>
+        <pc:spChg chg="mod">
+          <ac:chgData name="Akash Levy" userId="0f662538-7453-45f3-952a-fc9f1a7c515e" providerId="ADAL" clId="{593DE006-A78F-1A44-90CA-63CFD0BF0D77}" dt="2020-08-07T08:57:25.723" v="103" actId="20577"/>
+          <ac:spMkLst>
+            <pc:docMk/>
+            <pc:sldMk cId="2945584954" sldId="301"/>
+            <ac:spMk id="2" creationId="{717067CB-3D09-A046-9EB4-C894F3604B77}"/>
+          </ac:spMkLst>
+        </pc:spChg>
+      </pc:sldChg>
+    </pc:docChg>
+  </pc:docChgLst>
+</pc:chgInfo>
 </file>
 
 <file path=ppt/diagrams/colors1.xml><?xml version="1.0" encoding="utf-8"?>
@@ -4299,7 +4495,7 @@
           <a:p>
             <a:fld id="{8FB244FF-1FFB-514F-A5D9-580791D347E8}" type="datetimeFigureOut">
               <a:rPr lang="en-US" smtClean="0"/>
-              <a:t>8/2/20</a:t>
+              <a:t>8/6/20</a:t>
             </a:fld>
             <a:endParaRPr lang="en-US"/>
           </a:p>
@@ -4883,7 +5079,7 @@
           <a:p>
             <a:fld id="{C6F3DA7C-EC83-4247-A7C9-512D14D879DF}" type="slidenum">
               <a:rPr lang="en-US" smtClean="0"/>
-              <a:t>24</a:t>
+              <a:t>26</a:t>
             </a:fld>
             <a:endParaRPr lang="en-US"/>
           </a:p>
@@ -4967,7 +5163,7 @@
           <a:p>
             <a:fld id="{C6F3DA7C-EC83-4247-A7C9-512D14D879DF}" type="slidenum">
               <a:rPr lang="en-US" smtClean="0"/>
-              <a:t>27</a:t>
+              <a:t>30</a:t>
             </a:fld>
             <a:endParaRPr lang="en-US"/>
           </a:p>
@@ -5133,7 +5329,7 @@
           <a:p>
             <a:fld id="{8C0AA0B7-332D-774C-A1C2-95B9048EE1A4}" type="datetimeFigureOut">
               <a:rPr lang="en-US" smtClean="0"/>
-              <a:t>8/2/20</a:t>
+              <a:t>8/6/20</a:t>
             </a:fld>
             <a:endParaRPr lang="en-US"/>
           </a:p>
@@ -5331,7 +5527,7 @@
           <a:p>
             <a:fld id="{8C0AA0B7-332D-774C-A1C2-95B9048EE1A4}" type="datetimeFigureOut">
               <a:rPr lang="en-US" smtClean="0"/>
-              <a:t>8/2/20</a:t>
+              <a:t>8/6/20</a:t>
             </a:fld>
             <a:endParaRPr lang="en-US"/>
           </a:p>
@@ -5539,7 +5735,7 @@
           <a:p>
             <a:fld id="{8C0AA0B7-332D-774C-A1C2-95B9048EE1A4}" type="datetimeFigureOut">
               <a:rPr lang="en-US" smtClean="0"/>
-              <a:t>8/2/20</a:t>
+              <a:t>8/6/20</a:t>
             </a:fld>
             <a:endParaRPr lang="en-US"/>
           </a:p>
@@ -5737,7 +5933,7 @@
           <a:p>
             <a:fld id="{8C0AA0B7-332D-774C-A1C2-95B9048EE1A4}" type="datetimeFigureOut">
               <a:rPr lang="en-US" smtClean="0"/>
-              <a:t>8/2/20</a:t>
+              <a:t>8/6/20</a:t>
             </a:fld>
             <a:endParaRPr lang="en-US"/>
           </a:p>
@@ -6012,7 +6208,7 @@
           <a:p>
             <a:fld id="{8C0AA0B7-332D-774C-A1C2-95B9048EE1A4}" type="datetimeFigureOut">
               <a:rPr lang="en-US" smtClean="0"/>
-              <a:t>8/2/20</a:t>
+              <a:t>8/6/20</a:t>
             </a:fld>
             <a:endParaRPr lang="en-US"/>
           </a:p>
@@ -6277,7 +6473,7 @@
           <a:p>
             <a:fld id="{8C0AA0B7-332D-774C-A1C2-95B9048EE1A4}" type="datetimeFigureOut">
               <a:rPr lang="en-US" smtClean="0"/>
-              <a:t>8/2/20</a:t>
+              <a:t>8/6/20</a:t>
             </a:fld>
             <a:endParaRPr lang="en-US"/>
           </a:p>
@@ -6689,7 +6885,7 @@
           <a:p>
             <a:fld id="{8C0AA0B7-332D-774C-A1C2-95B9048EE1A4}" type="datetimeFigureOut">
               <a:rPr lang="en-US" smtClean="0"/>
-              <a:t>8/2/20</a:t>
+              <a:t>8/6/20</a:t>
             </a:fld>
             <a:endParaRPr lang="en-US"/>
           </a:p>
@@ -6830,7 +7026,7 @@
           <a:p>
             <a:fld id="{8C0AA0B7-332D-774C-A1C2-95B9048EE1A4}" type="datetimeFigureOut">
               <a:rPr lang="en-US" smtClean="0"/>
-              <a:t>8/2/20</a:t>
+              <a:t>8/6/20</a:t>
             </a:fld>
             <a:endParaRPr lang="en-US"/>
           </a:p>
@@ -6943,7 +7139,7 @@
           <a:p>
             <a:fld id="{8C0AA0B7-332D-774C-A1C2-95B9048EE1A4}" type="datetimeFigureOut">
               <a:rPr lang="en-US" smtClean="0"/>
-              <a:t>8/2/20</a:t>
+              <a:t>8/6/20</a:t>
             </a:fld>
             <a:endParaRPr lang="en-US"/>
           </a:p>
@@ -7254,7 +7450,7 @@
           <a:p>
             <a:fld id="{8C0AA0B7-332D-774C-A1C2-95B9048EE1A4}" type="datetimeFigureOut">
               <a:rPr lang="en-US" smtClean="0"/>
-              <a:t>8/2/20</a:t>
+              <a:t>8/6/20</a:t>
             </a:fld>
             <a:endParaRPr lang="en-US"/>
           </a:p>
@@ -7542,7 +7738,7 @@
           <a:p>
             <a:fld id="{8C0AA0B7-332D-774C-A1C2-95B9048EE1A4}" type="datetimeFigureOut">
               <a:rPr lang="en-US" smtClean="0"/>
-              <a:t>8/2/20</a:t>
+              <a:t>8/6/20</a:t>
             </a:fld>
             <a:endParaRPr lang="en-US"/>
           </a:p>
@@ -7783,7 +7979,7 @@
           <a:p>
             <a:fld id="{8C0AA0B7-332D-774C-A1C2-95B9048EE1A4}" type="datetimeFigureOut">
               <a:rPr lang="en-US" smtClean="0"/>
-              <a:t>8/2/20</a:t>
+              <a:t>8/6/20</a:t>
             </a:fld>
             <a:endParaRPr lang="en-US"/>
           </a:p>
@@ -19773,6 +19969,339 @@
           <a:chExt cx="0" cy="0"/>
         </a:xfrm>
       </p:grpSpPr>
+      <p:sp>
+        <p:nvSpPr>
+          <p:cNvPr id="10" name="Rectangle 9">
+            <a:extLst>
+              <a:ext uri="{FF2B5EF4-FFF2-40B4-BE49-F238E27FC236}">
+                <a16:creationId xmlns:a16="http://schemas.microsoft.com/office/drawing/2014/main" id="{6753252F-4873-4F63-801D-CC719279A7D5}"/>
+              </a:ext>
+              <a:ext uri="{C183D7F6-B498-43B3-948B-1728B52AA6E4}">
+                <adec:decorative xmlns:adec="http://schemas.microsoft.com/office/drawing/2017/decorative" val="1"/>
+              </a:ext>
+            </a:extLst>
+          </p:cNvPr>
+          <p:cNvSpPr>
+            <a:spLocks noGrp="1" noRot="1" noChangeAspect="1" noMove="1" noResize="1" noEditPoints="1" noAdjustHandles="1" noChangeArrowheads="1" noChangeShapeType="1" noTextEdit="1"/>
+          </p:cNvSpPr>
+          <p:nvPr>
+            <p:extLst>
+              <p:ext uri="{386F3935-93C4-4BCD-93E2-E3B085C9AB24}">
+                <p16:designElem xmlns:p16="http://schemas.microsoft.com/office/powerpoint/2015/main" val="1"/>
+              </p:ext>
+            </p:extLst>
+          </p:nvPr>
+        </p:nvSpPr>
+        <p:spPr>
+          <a:xfrm>
+            <a:off x="0" y="0"/>
+            <a:ext cx="12192000" cy="6858000"/>
+          </a:xfrm>
+          <a:prstGeom prst="rect">
+            <a:avLst/>
+          </a:prstGeom>
+          <a:solidFill>
+            <a:srgbClr val="FFFFFF"/>
+          </a:solidFill>
+          <a:ln>
+            <a:noFill/>
+          </a:ln>
+        </p:spPr>
+        <p:style>
+          <a:lnRef idx="2">
+            <a:schemeClr val="accent1">
+              <a:shade val="50000"/>
+            </a:schemeClr>
+          </a:lnRef>
+          <a:fillRef idx="1">
+            <a:schemeClr val="accent1"/>
+          </a:fillRef>
+          <a:effectRef idx="0">
+            <a:schemeClr val="accent1"/>
+          </a:effectRef>
+          <a:fontRef idx="minor">
+            <a:schemeClr val="lt1"/>
+          </a:fontRef>
+        </p:style>
+        <p:txBody>
+          <a:bodyPr rtlCol="0" anchor="ctr"/>
+          <a:lstStyle/>
+          <a:p>
+            <a:pPr algn="ctr"/>
+            <a:endParaRPr lang="en-US"/>
+          </a:p>
+        </p:txBody>
+      </p:sp>
+      <p:sp>
+        <p:nvSpPr>
+          <p:cNvPr id="12" name="Rectangle 11">
+            <a:extLst>
+              <a:ext uri="{FF2B5EF4-FFF2-40B4-BE49-F238E27FC236}">
+                <a16:creationId xmlns:a16="http://schemas.microsoft.com/office/drawing/2014/main" id="{047C8CCB-F95D-4249-92DD-651249D3535A}"/>
+              </a:ext>
+              <a:ext uri="{C183D7F6-B498-43B3-948B-1728B52AA6E4}">
+                <adec:decorative xmlns:adec="http://schemas.microsoft.com/office/drawing/2017/decorative" val="1"/>
+              </a:ext>
+            </a:extLst>
+          </p:cNvPr>
+          <p:cNvSpPr>
+            <a:spLocks noGrp="1" noRot="1" noChangeAspect="1" noMove="1" noResize="1" noEditPoints="1" noAdjustHandles="1" noChangeArrowheads="1" noChangeShapeType="1" noTextEdit="1"/>
+          </p:cNvSpPr>
+          <p:nvPr>
+            <p:extLst>
+              <p:ext uri="{386F3935-93C4-4BCD-93E2-E3B085C9AB24}">
+                <p16:designElem xmlns:p16="http://schemas.microsoft.com/office/powerpoint/2015/main" val="1"/>
+              </p:ext>
+            </p:extLst>
+          </p:nvPr>
+        </p:nvSpPr>
+        <p:spPr>
+          <a:xfrm>
+            <a:off x="0" y="0"/>
+            <a:ext cx="2013557" cy="6858000"/>
+          </a:xfrm>
+          <a:prstGeom prst="rect">
+            <a:avLst/>
+          </a:prstGeom>
+          <a:solidFill>
+            <a:srgbClr val="7F7F7F"/>
+          </a:solidFill>
+          <a:ln>
+            <a:noFill/>
+          </a:ln>
+        </p:spPr>
+        <p:style>
+          <a:lnRef idx="2">
+            <a:schemeClr val="accent1">
+              <a:shade val="50000"/>
+            </a:schemeClr>
+          </a:lnRef>
+          <a:fillRef idx="1">
+            <a:schemeClr val="accent1"/>
+          </a:fillRef>
+          <a:effectRef idx="0">
+            <a:schemeClr val="accent1"/>
+          </a:effectRef>
+          <a:fontRef idx="minor">
+            <a:schemeClr val="lt1"/>
+          </a:fontRef>
+        </p:style>
+        <p:txBody>
+          <a:bodyPr rtlCol="0" anchor="ctr"/>
+          <a:lstStyle/>
+          <a:p>
+            <a:pPr algn="ctr"/>
+            <a:endParaRPr lang="en-US"/>
+          </a:p>
+        </p:txBody>
+      </p:sp>
+      <p:sp>
+        <p:nvSpPr>
+          <p:cNvPr id="2" name="Title 1">
+            <a:extLst>
+              <a:ext uri="{FF2B5EF4-FFF2-40B4-BE49-F238E27FC236}">
+                <a16:creationId xmlns:a16="http://schemas.microsoft.com/office/drawing/2014/main" id="{539C9AFE-744D-B64E-811F-5BD7788CE7C8}"/>
+              </a:ext>
+            </a:extLst>
+          </p:cNvPr>
+          <p:cNvSpPr>
+            <a:spLocks noGrp="1"/>
+          </p:cNvSpPr>
+          <p:nvPr>
+            <p:ph type="title"/>
+          </p:nvPr>
+        </p:nvSpPr>
+        <p:spPr>
+          <a:xfrm>
+            <a:off x="640080" y="2074363"/>
+            <a:ext cx="2752354" cy="2709275"/>
+          </a:xfrm>
+          <a:prstGeom prst="ellipse">
+            <a:avLst/>
+          </a:prstGeom>
+          <a:solidFill>
+            <a:srgbClr val="262626"/>
+          </a:solidFill>
+          <a:ln w="174625" cmpd="thinThick">
+            <a:solidFill>
+              <a:srgbClr val="262626"/>
+            </a:solidFill>
+          </a:ln>
+        </p:spPr>
+        <p:txBody>
+          <a:bodyPr vert="horz" lIns="91440" tIns="45720" rIns="91440" bIns="45720" rtlCol="0" anchor="ctr">
+            <a:normAutofit/>
+          </a:bodyPr>
+          <a:lstStyle/>
+          <a:p>
+            <a:pPr algn="ctr"/>
+            <a:r>
+              <a:rPr lang="en-US" sz="2600" kern="1200">
+                <a:solidFill>
+                  <a:srgbClr val="FFFFFF"/>
+                </a:solidFill>
+                <a:latin typeface="+mj-lt"/>
+                <a:ea typeface="+mj-ea"/>
+                <a:cs typeface="+mj-cs"/>
+              </a:rPr>
+              <a:t>VBL Step Size Optimization</a:t>
+            </a:r>
+          </a:p>
+        </p:txBody>
+      </p:sp>
+      <p:pic>
+        <p:nvPicPr>
+          <p:cNvPr id="5" name="Content Placeholder 4">
+            <a:extLst>
+              <a:ext uri="{FF2B5EF4-FFF2-40B4-BE49-F238E27FC236}">
+                <a16:creationId xmlns:a16="http://schemas.microsoft.com/office/drawing/2014/main" id="{9003658E-16E7-734B-92B4-2DC2AA4D33A3}"/>
+              </a:ext>
+            </a:extLst>
+          </p:cNvPr>
+          <p:cNvPicPr>
+            <a:picLocks noGrp="1" noChangeAspect="1"/>
+          </p:cNvPicPr>
+          <p:nvPr>
+            <p:ph idx="1"/>
+          </p:nvPr>
+        </p:nvPicPr>
+        <p:blipFill>
+          <a:blip r:embed="rId2"/>
+          <a:stretch>
+            <a:fillRect/>
+          </a:stretch>
+        </p:blipFill>
+        <p:spPr>
+          <a:xfrm>
+            <a:off x="4345375" y="961812"/>
+            <a:ext cx="6574649" cy="4930987"/>
+          </a:xfrm>
+          <a:prstGeom prst="rect">
+            <a:avLst/>
+          </a:prstGeom>
+        </p:spPr>
+      </p:pic>
+    </p:spTree>
+    <p:extLst>
+      <p:ext uri="{BB962C8B-B14F-4D97-AF65-F5344CB8AC3E}">
+        <p14:creationId xmlns:p14="http://schemas.microsoft.com/office/powerpoint/2010/main" val="398005232"/>
+      </p:ext>
+    </p:extLst>
+  </p:cSld>
+  <p:clrMapOvr>
+    <a:masterClrMapping/>
+  </p:clrMapOvr>
+</p:sld>
+</file>
+
+<file path=ppt/slides/slide22.xml><?xml version="1.0" encoding="utf-8"?>
+<p:sld xmlns:a="http://schemas.openxmlformats.org/drawingml/2006/main" xmlns:r="http://schemas.openxmlformats.org/officeDocument/2006/relationships" xmlns:p="http://schemas.openxmlformats.org/presentationml/2006/main">
+  <p:cSld>
+    <p:spTree>
+      <p:nvGrpSpPr>
+        <p:cNvPr id="1" name=""/>
+        <p:cNvGrpSpPr/>
+        <p:nvPr/>
+      </p:nvGrpSpPr>
+      <p:grpSpPr>
+        <a:xfrm>
+          <a:off x="0" y="0"/>
+          <a:ext cx="0" cy="0"/>
+          <a:chOff x="0" y="0"/>
+          <a:chExt cx="0" cy="0"/>
+        </a:xfrm>
+      </p:grpSpPr>
+      <p:sp>
+        <p:nvSpPr>
+          <p:cNvPr id="2" name="Title 1">
+            <a:extLst>
+              <a:ext uri="{FF2B5EF4-FFF2-40B4-BE49-F238E27FC236}">
+                <a16:creationId xmlns:a16="http://schemas.microsoft.com/office/drawing/2014/main" id="{717067CB-3D09-A046-9EB4-C894F3604B77}"/>
+              </a:ext>
+            </a:extLst>
+          </p:cNvPr>
+          <p:cNvSpPr>
+            <a:spLocks noGrp="1"/>
+          </p:cNvSpPr>
+          <p:nvPr>
+            <p:ph type="title"/>
+          </p:nvPr>
+        </p:nvSpPr>
+        <p:spPr/>
+        <p:txBody>
+          <a:bodyPr/>
+          <a:lstStyle/>
+          <a:p>
+            <a:r>
+              <a:rPr lang="en-US" dirty="0"/>
+              <a:t>VSL Step Size Optimization</a:t>
+            </a:r>
+          </a:p>
+        </p:txBody>
+      </p:sp>
+      <p:sp>
+        <p:nvSpPr>
+          <p:cNvPr id="3" name="Content Placeholder 2">
+            <a:extLst>
+              <a:ext uri="{FF2B5EF4-FFF2-40B4-BE49-F238E27FC236}">
+                <a16:creationId xmlns:a16="http://schemas.microsoft.com/office/drawing/2014/main" id="{517AEB37-14AF-714A-8B45-0676AE86C9EB}"/>
+              </a:ext>
+            </a:extLst>
+          </p:cNvPr>
+          <p:cNvSpPr>
+            <a:spLocks noGrp="1"/>
+          </p:cNvSpPr>
+          <p:nvPr>
+            <p:ph idx="1"/>
+          </p:nvPr>
+        </p:nvSpPr>
+        <p:spPr/>
+        <p:txBody>
+          <a:bodyPr/>
+          <a:lstStyle/>
+          <a:p>
+            <a:endParaRPr lang="en-US" dirty="0"/>
+          </a:p>
+        </p:txBody>
+      </p:sp>
+    </p:spTree>
+    <p:extLst>
+      <p:ext uri="{BB962C8B-B14F-4D97-AF65-F5344CB8AC3E}">
+        <p14:creationId xmlns:p14="http://schemas.microsoft.com/office/powerpoint/2010/main" val="2945584954"/>
+      </p:ext>
+    </p:extLst>
+  </p:cSld>
+  <p:clrMapOvr>
+    <a:masterClrMapping/>
+  </p:clrMapOvr>
+</p:sld>
+</file>
+
+<file path=ppt/slides/slide23.xml><?xml version="1.0" encoding="utf-8"?>
+<p:sld xmlns:a="http://schemas.openxmlformats.org/drawingml/2006/main" xmlns:r="http://schemas.openxmlformats.org/officeDocument/2006/relationships" xmlns:p="http://schemas.openxmlformats.org/presentationml/2006/main">
+  <p:cSld>
+    <p:bg>
+      <p:bgPr>
+        <a:solidFill>
+          <a:schemeClr val="bg1"/>
+        </a:solidFill>
+        <a:effectLst/>
+      </p:bgPr>
+    </p:bg>
+    <p:spTree>
+      <p:nvGrpSpPr>
+        <p:cNvPr id="1" name=""/>
+        <p:cNvGrpSpPr/>
+        <p:nvPr/>
+      </p:nvGrpSpPr>
+      <p:grpSpPr>
+        <a:xfrm>
+          <a:off x="0" y="0"/>
+          <a:ext cx="0" cy="0"/>
+          <a:chOff x="0" y="0"/>
+          <a:chExt cx="0" cy="0"/>
+        </a:xfrm>
+      </p:grpSpPr>
       <p:sp useBgFill="1">
         <p:nvSpPr>
           <p:cNvPr id="19" name="Rectangle 21">
@@ -20188,7 +20717,7 @@
 </p:sld>
 </file>
 
-<file path=ppt/slides/slide22.xml><?xml version="1.0" encoding="utf-8"?>
+<file path=ppt/slides/slide24.xml><?xml version="1.0" encoding="utf-8"?>
 <p:sld xmlns:a="http://schemas.openxmlformats.org/drawingml/2006/main" xmlns:r="http://schemas.openxmlformats.org/officeDocument/2006/relationships" xmlns:p="http://schemas.openxmlformats.org/presentationml/2006/main">
   <p:cSld>
     <p:bg>
@@ -20435,7 +20964,7 @@
 </p:sld>
 </file>
 
-<file path=ppt/slides/slide23.xml><?xml version="1.0" encoding="utf-8"?>
+<file path=ppt/slides/slide25.xml><?xml version="1.0" encoding="utf-8"?>
 <p:sld xmlns:a="http://schemas.openxmlformats.org/drawingml/2006/main" xmlns:r="http://schemas.openxmlformats.org/officeDocument/2006/relationships" xmlns:p="http://schemas.openxmlformats.org/presentationml/2006/main">
   <p:cSld>
     <p:bg>
@@ -20684,7 +21213,7 @@
 </p:sld>
 </file>
 
-<file path=ppt/slides/slide24.xml><?xml version="1.0" encoding="utf-8"?>
+<file path=ppt/slides/slide26.xml><?xml version="1.0" encoding="utf-8"?>
 <p:sld xmlns:a="http://schemas.openxmlformats.org/drawingml/2006/main" xmlns:r="http://schemas.openxmlformats.org/officeDocument/2006/relationships" xmlns:p="http://schemas.openxmlformats.org/presentationml/2006/main">
   <p:cSld>
     <p:bg>
@@ -20930,7 +21459,7 @@
 </p:sld>
 </file>
 
-<file path=ppt/slides/slide25.xml><?xml version="1.0" encoding="utf-8"?>
+<file path=ppt/slides/slide27.xml><?xml version="1.0" encoding="utf-8"?>
 <p:sld xmlns:a="http://schemas.openxmlformats.org/drawingml/2006/main" xmlns:r="http://schemas.openxmlformats.org/officeDocument/2006/relationships" xmlns:p="http://schemas.openxmlformats.org/presentationml/2006/main">
   <p:cSld>
     <p:bg>
@@ -21370,7 +21899,7 @@
 </p:sld>
 </file>
 
-<file path=ppt/slides/slide26.xml><?xml version="1.0" encoding="utf-8"?>
+<file path=ppt/slides/slide28.xml><?xml version="1.0" encoding="utf-8"?>
 <p:sld xmlns:a="http://schemas.openxmlformats.org/drawingml/2006/main" xmlns:r="http://schemas.openxmlformats.org/officeDocument/2006/relationships" xmlns:p="http://schemas.openxmlformats.org/presentationml/2006/main">
   <p:cSld>
     <p:bg>
@@ -21628,7 +22157,7 @@
                 <a:ea typeface="+mj-ea"/>
                 <a:cs typeface="+mj-cs"/>
               </a:rPr>
-              <a:t>Pre-Optimization Parameters </a:t>
+              <a:t>3bpc Pre-Optimization Parameters </a:t>
             </a:r>
           </a:p>
         </p:txBody>
@@ -23833,8 +24362,8 @@
 </p:sld>
 </file>
 
-<file path=ppt/slides/slide27.xml><?xml version="1.0" encoding="utf-8"?>
-<p:sld xmlns:a="http://schemas.openxmlformats.org/drawingml/2006/main" xmlns:r="http://schemas.openxmlformats.org/officeDocument/2006/relationships" xmlns:p="http://schemas.openxmlformats.org/presentationml/2006/main" show="0">
+<file path=ppt/slides/slide29.xml><?xml version="1.0" encoding="utf-8"?>
+<p:sld xmlns:a="http://schemas.openxmlformats.org/drawingml/2006/main" xmlns:r="http://schemas.openxmlformats.org/officeDocument/2006/relationships" xmlns:p="http://schemas.openxmlformats.org/presentationml/2006/main">
   <p:cSld>
     <p:bg>
       <p:bgPr>
@@ -23860,7 +24389,7 @@
       </p:grpSpPr>
       <p:sp>
         <p:nvSpPr>
-          <p:cNvPr id="14" name="Rectangle 13">
+          <p:cNvPr id="33" name="Rectangle 32">
             <a:extLst>
               <a:ext uri="{FF2B5EF4-FFF2-40B4-BE49-F238E27FC236}">
                 <a16:creationId xmlns:a16="http://schemas.microsoft.com/office/drawing/2014/main" id="{6753252F-4873-4F63-801D-CC719279A7D5}"/>
@@ -23923,7 +24452,7 @@
       </p:sp>
       <p:sp>
         <p:nvSpPr>
-          <p:cNvPr id="16" name="Rectangle 15">
+          <p:cNvPr id="35" name="Rectangle 34">
             <a:extLst>
               <a:ext uri="{FF2B5EF4-FFF2-40B4-BE49-F238E27FC236}">
                 <a16:creationId xmlns:a16="http://schemas.microsoft.com/office/drawing/2014/main" id="{047C8CCB-F95D-4249-92DD-651249D3535A}"/>
@@ -23989,7 +24518,7 @@
           <p:cNvPr id="2" name="Title 1">
             <a:extLst>
               <a:ext uri="{FF2B5EF4-FFF2-40B4-BE49-F238E27FC236}">
-                <a16:creationId xmlns:a16="http://schemas.microsoft.com/office/drawing/2014/main" id="{67F017A3-29CD-954D-BFF9-0C2279F1BC5A}"/>
+                <a16:creationId xmlns:a16="http://schemas.microsoft.com/office/drawing/2014/main" id="{FC47B41E-90B5-D14B-82FA-CC03960D78D5}"/>
               </a:ext>
             </a:extLst>
           </p:cNvPr>
@@ -24033,135 +24562,17 @@
                 <a:ea typeface="+mj-ea"/>
                 <a:cs typeface="+mj-cs"/>
               </a:rPr>
-              <a:t>Retention BER plot full</a:t>
+              <a:t>2bpc Pre-Optimization Parameters </a:t>
             </a:r>
           </a:p>
         </p:txBody>
       </p:sp>
-      <p:pic>
-        <p:nvPicPr>
-          <p:cNvPr id="9" name="Content Placeholder 8">
+      <p:sp>
+        <p:nvSpPr>
+          <p:cNvPr id="3" name="TextBox 2">
             <a:extLst>
               <a:ext uri="{FF2B5EF4-FFF2-40B4-BE49-F238E27FC236}">
-                <a16:creationId xmlns:a16="http://schemas.microsoft.com/office/drawing/2014/main" id="{28D436FB-8435-4B46-BA52-798E5DFAF6E3}"/>
-              </a:ext>
-            </a:extLst>
-          </p:cNvPr>
-          <p:cNvPicPr>
-            <a:picLocks noGrp="1" noChangeAspect="1"/>
-          </p:cNvPicPr>
-          <p:nvPr>
-            <p:ph idx="1"/>
-          </p:nvPr>
-        </p:nvPicPr>
-        <p:blipFill>
-          <a:blip r:embed="rId3"/>
-          <a:stretch>
-            <a:fillRect/>
-          </a:stretch>
-        </p:blipFill>
-        <p:spPr>
-          <a:xfrm>
-            <a:off x="4345375" y="961812"/>
-            <a:ext cx="6574649" cy="4930987"/>
-          </a:xfrm>
-          <a:prstGeom prst="rect">
-            <a:avLst/>
-          </a:prstGeom>
-        </p:spPr>
-      </p:pic>
-    </p:spTree>
-    <p:extLst>
-      <p:ext uri="{BB962C8B-B14F-4D97-AF65-F5344CB8AC3E}">
-        <p14:creationId xmlns:p14="http://schemas.microsoft.com/office/powerpoint/2010/main" val="4127877217"/>
-      </p:ext>
-    </p:extLst>
-  </p:cSld>
-  <p:clrMapOvr>
-    <a:masterClrMapping/>
-  </p:clrMapOvr>
-</p:sld>
-</file>
-
-<file path=ppt/slides/slide28.xml><?xml version="1.0" encoding="utf-8"?>
-<p:sld xmlns:a="http://schemas.openxmlformats.org/drawingml/2006/main" xmlns:r="http://schemas.openxmlformats.org/officeDocument/2006/relationships" xmlns:p="http://schemas.openxmlformats.org/presentationml/2006/main" show="0">
-  <p:cSld>
-    <p:spTree>
-      <p:nvGrpSpPr>
-        <p:cNvPr id="1" name=""/>
-        <p:cNvGrpSpPr/>
-        <p:nvPr/>
-      </p:nvGrpSpPr>
-      <p:grpSpPr>
-        <a:xfrm>
-          <a:off x="0" y="0"/>
-          <a:ext cx="0" cy="0"/>
-          <a:chOff x="0" y="0"/>
-          <a:chExt cx="0" cy="0"/>
-        </a:xfrm>
-      </p:grpSpPr>
-      <p:sp>
-        <p:nvSpPr>
-          <p:cNvPr id="2" name="Title 1">
-            <a:extLst>
-              <a:ext uri="{FF2B5EF4-FFF2-40B4-BE49-F238E27FC236}">
-                <a16:creationId xmlns:a16="http://schemas.microsoft.com/office/drawing/2014/main" id="{D8115B46-FE7B-1044-8D50-F98F59B9AE32}"/>
-              </a:ext>
-            </a:extLst>
-          </p:cNvPr>
-          <p:cNvSpPr>
-            <a:spLocks noGrp="1"/>
-          </p:cNvSpPr>
-          <p:nvPr>
-            <p:ph type="title"/>
-          </p:nvPr>
-        </p:nvSpPr>
-        <p:spPr/>
-        <p:txBody>
-          <a:bodyPr/>
-          <a:lstStyle/>
-          <a:p>
-            <a:r>
-              <a:rPr lang="en-US" dirty="0"/>
-              <a:t>Combined Pre/Post-Bake Distribution Plot</a:t>
-            </a:r>
-          </a:p>
-        </p:txBody>
-      </p:sp>
-      <p:pic>
-        <p:nvPicPr>
-          <p:cNvPr id="7" name="Content Placeholder 6">
-            <a:extLst>
-              <a:ext uri="{FF2B5EF4-FFF2-40B4-BE49-F238E27FC236}">
-                <a16:creationId xmlns:a16="http://schemas.microsoft.com/office/drawing/2014/main" id="{6F02FD58-41DD-2448-BECF-A980D8B6D080}"/>
-              </a:ext>
-            </a:extLst>
-          </p:cNvPr>
-          <p:cNvPicPr>
-            <a:picLocks noGrp="1" noChangeAspect="1"/>
-          </p:cNvPicPr>
-          <p:nvPr>
-            <p:ph idx="1"/>
-          </p:nvPr>
-        </p:nvPicPr>
-        <p:blipFill>
-          <a:blip r:embed="rId2"/>
-          <a:srcRect/>
-          <a:stretch/>
-        </p:blipFill>
-        <p:spPr>
-          <a:xfrm>
-            <a:off x="3920331" y="1825625"/>
-            <a:ext cx="4351338" cy="4351338"/>
-          </a:xfrm>
-        </p:spPr>
-      </p:pic>
-      <p:sp>
-        <p:nvSpPr>
-          <p:cNvPr id="8" name="TextBox 7">
-            <a:extLst>
-              <a:ext uri="{FF2B5EF4-FFF2-40B4-BE49-F238E27FC236}">
-                <a16:creationId xmlns:a16="http://schemas.microsoft.com/office/drawing/2014/main" id="{CAB8FFD3-3EDF-4141-9919-0166E151A56C}"/>
+                <a16:creationId xmlns:a16="http://schemas.microsoft.com/office/drawing/2014/main" id="{7D7BFA4A-1D1B-F441-9E92-47BCC56548F8}"/>
               </a:ext>
             </a:extLst>
           </p:cNvPr>
@@ -24170,8 +24581,8 @@
         </p:nvSpPr>
         <p:spPr>
           <a:xfrm>
-            <a:off x="3483993" y="2910840"/>
-            <a:ext cx="441146" cy="369332"/>
+            <a:off x="4627756" y="6411951"/>
+            <a:ext cx="184731" cy="369332"/>
           </a:xfrm>
           <a:prstGeom prst="rect">
             <a:avLst/>
@@ -24184,258 +24595,1140 @@
           </a:bodyPr>
           <a:lstStyle/>
           <a:p>
-            <a:r>
-              <a:rPr lang="en-US" dirty="0">
-                <a:latin typeface="Times New Roman" panose="02020603050405020304" pitchFamily="18" charset="0"/>
-                <a:cs typeface="Times New Roman" panose="02020603050405020304" pitchFamily="18" charset="0"/>
-              </a:rPr>
-              <a:t>(a)</a:t>
-            </a:r>
+            <a:pPr marL="0" marR="0" lvl="0" indent="0" algn="l" defTabSz="914400" rtl="0" eaLnBrk="1" fontAlgn="auto" latinLnBrk="0" hangingPunct="1">
+              <a:lnSpc>
+                <a:spcPct val="100000"/>
+              </a:lnSpc>
+              <a:spcBef>
+                <a:spcPts val="0"/>
+              </a:spcBef>
+              <a:spcAft>
+                <a:spcPts val="0"/>
+              </a:spcAft>
+              <a:buClrTx/>
+              <a:buSzTx/>
+              <a:buFontTx/>
+              <a:buNone/>
+              <a:tabLst/>
+              <a:defRPr/>
+            </a:pPr>
+            <a:endParaRPr kumimoji="0" lang="en-US" sz="1800" b="0" i="0" u="none" strike="noStrike" kern="1200" cap="none" spc="0" normalizeH="0" baseline="0" noProof="0" dirty="0">
+              <a:ln>
+                <a:noFill/>
+              </a:ln>
+              <a:solidFill>
+                <a:prstClr val="black"/>
+              </a:solidFill>
+              <a:effectLst/>
+              <a:uLnTx/>
+              <a:uFillTx/>
+              <a:latin typeface="Calibri" panose="020F0502020204030204"/>
+              <a:ea typeface="+mn-ea"/>
+              <a:cs typeface="+mn-cs"/>
+            </a:endParaRPr>
           </a:p>
         </p:txBody>
       </p:sp>
-      <p:sp>
-        <p:nvSpPr>
-          <p:cNvPr id="9" name="TextBox 8">
+      <p:graphicFrame>
+        <p:nvGraphicFramePr>
+          <p:cNvPr id="16" name="Content Placeholder 3">
             <a:extLst>
               <a:ext uri="{FF2B5EF4-FFF2-40B4-BE49-F238E27FC236}">
-                <a16:creationId xmlns:a16="http://schemas.microsoft.com/office/drawing/2014/main" id="{5B8517E0-93D7-4A49-A059-F611917D5EBD}"/>
+                <a16:creationId xmlns:a16="http://schemas.microsoft.com/office/drawing/2014/main" id="{6DFCCF45-5481-BF4A-8082-752758907726}"/>
               </a:ext>
             </a:extLst>
           </p:cNvPr>
-          <p:cNvSpPr txBox="1"/>
-          <p:nvPr/>
-        </p:nvSpPr>
-        <p:spPr>
-          <a:xfrm>
-            <a:off x="3483993" y="4724400"/>
-            <a:ext cx="453970" cy="369332"/>
-          </a:xfrm>
-          <a:prstGeom prst="rect">
-            <a:avLst/>
-          </a:prstGeom>
-          <a:noFill/>
-        </p:spPr>
-        <p:txBody>
-          <a:bodyPr wrap="none" rtlCol="0">
-            <a:spAutoFit/>
-          </a:bodyPr>
-          <a:lstStyle/>
-          <a:p>
-            <a:r>
-              <a:rPr lang="en-US" dirty="0">
-                <a:latin typeface="Times New Roman" panose="02020603050405020304" pitchFamily="18" charset="0"/>
-                <a:cs typeface="Times New Roman" panose="02020603050405020304" pitchFamily="18" charset="0"/>
-              </a:rPr>
-              <a:t>(b)</a:t>
-            </a:r>
-          </a:p>
-        </p:txBody>
-      </p:sp>
+          <p:cNvGraphicFramePr>
+            <a:graphicFrameLocks/>
+          </p:cNvGraphicFramePr>
+          <p:nvPr>
+            <p:extLst>
+              <p:ext uri="{D42A27DB-BD31-4B8C-83A1-F6EECF244321}">
+                <p14:modId xmlns:p14="http://schemas.microsoft.com/office/powerpoint/2010/main" val="4238738294"/>
+              </p:ext>
+            </p:extLst>
+          </p:nvPr>
+        </p:nvGraphicFramePr>
+        <p:xfrm>
+          <a:off x="4451721" y="961812"/>
+          <a:ext cx="6361959" cy="4930990"/>
+        </p:xfrm>
+        <a:graphic>
+          <a:graphicData uri="http://schemas.openxmlformats.org/drawingml/2006/table">
+            <a:tbl>
+              <a:tblPr firstRow="1" bandRow="1">
+                <a:tableStyleId>{8EC20E35-A176-4012-BC5E-935CFFF8708E}</a:tableStyleId>
+              </a:tblPr>
+              <a:tblGrid>
+                <a:gridCol w="1482582">
+                  <a:extLst>
+                    <a:ext uri="{9D8B030D-6E8A-4147-A177-3AD203B41FA5}">
+                      <a16:colId xmlns:a16="http://schemas.microsoft.com/office/drawing/2014/main" val="1960723173"/>
+                    </a:ext>
+                  </a:extLst>
+                </a:gridCol>
+                <a:gridCol w="1264817">
+                  <a:extLst>
+                    <a:ext uri="{9D8B030D-6E8A-4147-A177-3AD203B41FA5}">
+                      <a16:colId xmlns:a16="http://schemas.microsoft.com/office/drawing/2014/main" val="3542743656"/>
+                    </a:ext>
+                  </a:extLst>
+                </a:gridCol>
+                <a:gridCol w="1264817">
+                  <a:extLst>
+                    <a:ext uri="{9D8B030D-6E8A-4147-A177-3AD203B41FA5}">
+                      <a16:colId xmlns:a16="http://schemas.microsoft.com/office/drawing/2014/main" val="129346160"/>
+                    </a:ext>
+                  </a:extLst>
+                </a:gridCol>
+                <a:gridCol w="1184340">
+                  <a:extLst>
+                    <a:ext uri="{9D8B030D-6E8A-4147-A177-3AD203B41FA5}">
+                      <a16:colId xmlns:a16="http://schemas.microsoft.com/office/drawing/2014/main" val="2023039964"/>
+                    </a:ext>
+                  </a:extLst>
+                </a:gridCol>
+                <a:gridCol w="1165403">
+                  <a:extLst>
+                    <a:ext uri="{9D8B030D-6E8A-4147-A177-3AD203B41FA5}">
+                      <a16:colId xmlns:a16="http://schemas.microsoft.com/office/drawing/2014/main" val="2192817691"/>
+                    </a:ext>
+                  </a:extLst>
+                </a:gridCol>
+              </a:tblGrid>
+              <a:tr h="1868998">
+                <a:tc>
+                  <a:txBody>
+                    <a:bodyPr/>
+                    <a:lstStyle/>
+                    <a:p>
+                      <a:endParaRPr lang="en-US" sz="2800"/>
+                    </a:p>
+                  </a:txBody>
+                  <a:tcPr marL="135969" marR="135969" marT="67986" marB="67986">
+                    <a:lnL w="12700" cap="flat" cmpd="sng" algn="ctr">
+                      <a:solidFill>
+                        <a:schemeClr val="tx1"/>
+                      </a:solidFill>
+                      <a:prstDash val="solid"/>
+                      <a:round/>
+                      <a:headEnd type="none" w="med" len="med"/>
+                      <a:tailEnd type="none" w="med" len="med"/>
+                    </a:lnL>
+                    <a:lnR w="12700" cap="flat" cmpd="sng" algn="ctr">
+                      <a:solidFill>
+                        <a:schemeClr val="tx1"/>
+                      </a:solidFill>
+                      <a:prstDash val="solid"/>
+                      <a:round/>
+                      <a:headEnd type="none" w="med" len="med"/>
+                      <a:tailEnd type="none" w="med" len="med"/>
+                    </a:lnR>
+                    <a:lnT w="12700" cap="flat" cmpd="sng" algn="ctr">
+                      <a:solidFill>
+                        <a:schemeClr val="tx1"/>
+                      </a:solidFill>
+                      <a:prstDash val="solid"/>
+                      <a:round/>
+                      <a:headEnd type="none" w="med" len="med"/>
+                      <a:tailEnd type="none" w="med" len="med"/>
+                    </a:lnT>
+                    <a:lnB w="12700" cap="flat" cmpd="sng" algn="ctr">
+                      <a:solidFill>
+                        <a:schemeClr val="tx1"/>
+                      </a:solidFill>
+                      <a:prstDash val="solid"/>
+                      <a:round/>
+                      <a:headEnd type="none" w="med" len="med"/>
+                      <a:tailEnd type="none" w="med" len="med"/>
+                    </a:lnB>
+                  </a:tcPr>
+                </a:tc>
+                <a:tc>
+                  <a:txBody>
+                    <a:bodyPr/>
+                    <a:lstStyle/>
+                    <a:p>
+                      <a:r>
+                        <a:rPr lang="en-US" sz="2800"/>
+                        <a:t>VBL Start (V): Seed</a:t>
+                      </a:r>
+                    </a:p>
+                  </a:txBody>
+                  <a:tcPr marL="135969" marR="135969" marT="67986" marB="67986">
+                    <a:lnL w="12700" cap="flat" cmpd="sng" algn="ctr">
+                      <a:solidFill>
+                        <a:schemeClr val="tx1"/>
+                      </a:solidFill>
+                      <a:prstDash val="solid"/>
+                      <a:round/>
+                      <a:headEnd type="none" w="med" len="med"/>
+                      <a:tailEnd type="none" w="med" len="med"/>
+                    </a:lnL>
+                    <a:lnR w="12700" cap="flat" cmpd="sng" algn="ctr">
+                      <a:solidFill>
+                        <a:schemeClr val="tx1"/>
+                      </a:solidFill>
+                      <a:prstDash val="solid"/>
+                      <a:round/>
+                      <a:headEnd type="none" w="med" len="med"/>
+                      <a:tailEnd type="none" w="med" len="med"/>
+                    </a:lnR>
+                    <a:lnT w="12700" cap="flat" cmpd="sng" algn="ctr">
+                      <a:solidFill>
+                        <a:schemeClr val="tx1"/>
+                      </a:solidFill>
+                      <a:prstDash val="solid"/>
+                      <a:round/>
+                      <a:headEnd type="none" w="med" len="med"/>
+                      <a:tailEnd type="none" w="med" len="med"/>
+                    </a:lnT>
+                    <a:lnB w="12700" cap="flat" cmpd="sng" algn="ctr">
+                      <a:solidFill>
+                        <a:schemeClr val="tx1"/>
+                      </a:solidFill>
+                      <a:prstDash val="solid"/>
+                      <a:round/>
+                      <a:headEnd type="none" w="med" len="med"/>
+                      <a:tailEnd type="none" w="med" len="med"/>
+                    </a:lnB>
+                  </a:tcPr>
+                </a:tc>
+                <a:tc>
+                  <a:txBody>
+                    <a:bodyPr/>
+                    <a:lstStyle/>
+                    <a:p>
+                      <a:r>
+                        <a:rPr lang="en-US" sz="2800"/>
+                        <a:t>VBL Step (V): Seed</a:t>
+                      </a:r>
+                    </a:p>
+                  </a:txBody>
+                  <a:tcPr marL="135969" marR="135969" marT="67986" marB="67986">
+                    <a:lnL w="12700" cap="flat" cmpd="sng" algn="ctr">
+                      <a:solidFill>
+                        <a:schemeClr val="tx1"/>
+                      </a:solidFill>
+                      <a:prstDash val="solid"/>
+                      <a:round/>
+                      <a:headEnd type="none" w="med" len="med"/>
+                      <a:tailEnd type="none" w="med" len="med"/>
+                    </a:lnL>
+                    <a:lnR w="12700" cap="flat" cmpd="sng" algn="ctr">
+                      <a:solidFill>
+                        <a:schemeClr val="tx1"/>
+                      </a:solidFill>
+                      <a:prstDash val="solid"/>
+                      <a:round/>
+                      <a:headEnd type="none" w="med" len="med"/>
+                      <a:tailEnd type="none" w="med" len="med"/>
+                    </a:lnR>
+                    <a:lnT w="12700" cap="flat" cmpd="sng" algn="ctr">
+                      <a:solidFill>
+                        <a:schemeClr val="tx1"/>
+                      </a:solidFill>
+                      <a:prstDash val="solid"/>
+                      <a:round/>
+                      <a:headEnd type="none" w="med" len="med"/>
+                      <a:tailEnd type="none" w="med" len="med"/>
+                    </a:lnT>
+                    <a:lnB w="12700" cap="flat" cmpd="sng" algn="ctr">
+                      <a:solidFill>
+                        <a:schemeClr val="tx1"/>
+                      </a:solidFill>
+                      <a:prstDash val="solid"/>
+                      <a:round/>
+                      <a:headEnd type="none" w="med" len="med"/>
+                      <a:tailEnd type="none" w="med" len="med"/>
+                    </a:lnB>
+                  </a:tcPr>
+                </a:tc>
+                <a:tc>
+                  <a:txBody>
+                    <a:bodyPr/>
+                    <a:lstStyle/>
+                    <a:p>
+                      <a:r>
+                        <a:rPr lang="en-US" sz="2800"/>
+                        <a:t>VSL Start (V)</a:t>
+                      </a:r>
+                    </a:p>
+                  </a:txBody>
+                  <a:tcPr marL="135969" marR="135969" marT="67986" marB="67986">
+                    <a:lnL w="12700" cap="flat" cmpd="sng" algn="ctr">
+                      <a:solidFill>
+                        <a:schemeClr val="tx1"/>
+                      </a:solidFill>
+                      <a:prstDash val="solid"/>
+                      <a:round/>
+                      <a:headEnd type="none" w="med" len="med"/>
+                      <a:tailEnd type="none" w="med" len="med"/>
+                    </a:lnL>
+                    <a:lnR w="12700" cap="flat" cmpd="sng" algn="ctr">
+                      <a:solidFill>
+                        <a:schemeClr val="tx1"/>
+                      </a:solidFill>
+                      <a:prstDash val="solid"/>
+                      <a:round/>
+                      <a:headEnd type="none" w="med" len="med"/>
+                      <a:tailEnd type="none" w="med" len="med"/>
+                    </a:lnR>
+                    <a:lnT w="12700" cap="flat" cmpd="sng" algn="ctr">
+                      <a:solidFill>
+                        <a:schemeClr val="tx1"/>
+                      </a:solidFill>
+                      <a:prstDash val="solid"/>
+                      <a:round/>
+                      <a:headEnd type="none" w="med" len="med"/>
+                      <a:tailEnd type="none" w="med" len="med"/>
+                    </a:lnT>
+                    <a:lnB w="12700" cap="flat" cmpd="sng" algn="ctr">
+                      <a:solidFill>
+                        <a:schemeClr val="tx1"/>
+                      </a:solidFill>
+                      <a:prstDash val="solid"/>
+                      <a:round/>
+                      <a:headEnd type="none" w="med" len="med"/>
+                      <a:tailEnd type="none" w="med" len="med"/>
+                    </a:lnB>
+                  </a:tcPr>
+                </a:tc>
+                <a:tc>
+                  <a:txBody>
+                    <a:bodyPr/>
+                    <a:lstStyle/>
+                    <a:p>
+                      <a:r>
+                        <a:rPr lang="en-US" sz="2800"/>
+                        <a:t>VSL Step (V)</a:t>
+                      </a:r>
+                    </a:p>
+                  </a:txBody>
+                  <a:tcPr marL="135969" marR="135969" marT="67986" marB="67986">
+                    <a:lnL w="12700" cap="flat" cmpd="sng" algn="ctr">
+                      <a:solidFill>
+                        <a:schemeClr val="tx1"/>
+                      </a:solidFill>
+                      <a:prstDash val="solid"/>
+                      <a:round/>
+                      <a:headEnd type="none" w="med" len="med"/>
+                      <a:tailEnd type="none" w="med" len="med"/>
+                    </a:lnL>
+                    <a:lnR w="12700" cap="flat" cmpd="sng" algn="ctr">
+                      <a:solidFill>
+                        <a:schemeClr val="tx1"/>
+                      </a:solidFill>
+                      <a:prstDash val="solid"/>
+                      <a:round/>
+                      <a:headEnd type="none" w="med" len="med"/>
+                      <a:tailEnd type="none" w="med" len="med"/>
+                    </a:lnR>
+                    <a:lnT w="12700" cap="flat" cmpd="sng" algn="ctr">
+                      <a:solidFill>
+                        <a:schemeClr val="tx1"/>
+                      </a:solidFill>
+                      <a:prstDash val="solid"/>
+                      <a:round/>
+                      <a:headEnd type="none" w="med" len="med"/>
+                      <a:tailEnd type="none" w="med" len="med"/>
+                    </a:lnT>
+                    <a:lnB w="12700" cap="flat" cmpd="sng" algn="ctr">
+                      <a:solidFill>
+                        <a:schemeClr val="tx1"/>
+                      </a:solidFill>
+                      <a:prstDash val="solid"/>
+                      <a:round/>
+                      <a:headEnd type="none" w="med" len="med"/>
+                      <a:tailEnd type="none" w="med" len="med"/>
+                    </a:lnB>
+                  </a:tcPr>
+                </a:tc>
+                <a:extLst>
+                  <a:ext uri="{0D108BD9-81ED-4DB2-BD59-A6C34878D82A}">
+                    <a16:rowId xmlns:a16="http://schemas.microsoft.com/office/drawing/2014/main" val="2303816687"/>
+                  </a:ext>
+                </a:extLst>
+              </a:tr>
+              <a:tr h="1020664">
+                <a:tc>
+                  <a:txBody>
+                    <a:bodyPr/>
+                    <a:lstStyle/>
+                    <a:p>
+                      <a:r>
+                        <a:rPr lang="en-US" sz="2800"/>
+                        <a:t>Range 0</a:t>
+                      </a:r>
+                    </a:p>
+                  </a:txBody>
+                  <a:tcPr marL="135969" marR="135969" marT="67986" marB="67986">
+                    <a:lnL w="12700" cap="flat" cmpd="sng" algn="ctr">
+                      <a:solidFill>
+                        <a:schemeClr val="tx1"/>
+                      </a:solidFill>
+                      <a:prstDash val="solid"/>
+                      <a:round/>
+                      <a:headEnd type="none" w="med" len="med"/>
+                      <a:tailEnd type="none" w="med" len="med"/>
+                    </a:lnL>
+                    <a:lnR w="12700" cap="flat" cmpd="sng" algn="ctr">
+                      <a:solidFill>
+                        <a:schemeClr val="tx1"/>
+                      </a:solidFill>
+                      <a:prstDash val="solid"/>
+                      <a:round/>
+                      <a:headEnd type="none" w="med" len="med"/>
+                      <a:tailEnd type="none" w="med" len="med"/>
+                    </a:lnR>
+                    <a:lnT w="12700" cap="flat" cmpd="sng" algn="ctr">
+                      <a:solidFill>
+                        <a:schemeClr val="tx1"/>
+                      </a:solidFill>
+                      <a:prstDash val="solid"/>
+                      <a:round/>
+                      <a:headEnd type="none" w="med" len="med"/>
+                      <a:tailEnd type="none" w="med" len="med"/>
+                    </a:lnT>
+                    <a:lnB w="12700" cap="flat" cmpd="sng" algn="ctr">
+                      <a:solidFill>
+                        <a:schemeClr val="tx1"/>
+                      </a:solidFill>
+                      <a:prstDash val="solid"/>
+                      <a:round/>
+                      <a:headEnd type="none" w="med" len="med"/>
+                      <a:tailEnd type="none" w="med" len="med"/>
+                    </a:lnB>
+                  </a:tcPr>
+                </a:tc>
+                <a:tc>
+                  <a:txBody>
+                    <a:bodyPr/>
+                    <a:lstStyle/>
+                    <a:p>
+                      <a:r>
+                        <a:rPr lang="en-US" sz="2800"/>
+                        <a:t>0.4</a:t>
+                      </a:r>
+                    </a:p>
+                  </a:txBody>
+                  <a:tcPr marL="135969" marR="135969" marT="67986" marB="67986">
+                    <a:lnL w="12700" cap="flat" cmpd="sng" algn="ctr">
+                      <a:solidFill>
+                        <a:schemeClr val="tx1"/>
+                      </a:solidFill>
+                      <a:prstDash val="solid"/>
+                      <a:round/>
+                      <a:headEnd type="none" w="med" len="med"/>
+                      <a:tailEnd type="none" w="med" len="med"/>
+                    </a:lnL>
+                    <a:lnR w="12700" cap="flat" cmpd="sng" algn="ctr">
+                      <a:solidFill>
+                        <a:schemeClr val="tx1"/>
+                      </a:solidFill>
+                      <a:prstDash val="solid"/>
+                      <a:round/>
+                      <a:headEnd type="none" w="med" len="med"/>
+                      <a:tailEnd type="none" w="med" len="med"/>
+                    </a:lnR>
+                    <a:lnT w="12700" cap="flat" cmpd="sng" algn="ctr">
+                      <a:solidFill>
+                        <a:schemeClr val="tx1"/>
+                      </a:solidFill>
+                      <a:prstDash val="solid"/>
+                      <a:round/>
+                      <a:headEnd type="none" w="med" len="med"/>
+                      <a:tailEnd type="none" w="med" len="med"/>
+                    </a:lnT>
+                    <a:lnB w="12700" cap="flat" cmpd="sng" algn="ctr">
+                      <a:solidFill>
+                        <a:schemeClr val="tx1"/>
+                      </a:solidFill>
+                      <a:prstDash val="solid"/>
+                      <a:round/>
+                      <a:headEnd type="none" w="med" len="med"/>
+                      <a:tailEnd type="none" w="med" len="med"/>
+                    </a:lnB>
+                  </a:tcPr>
+                </a:tc>
+                <a:tc>
+                  <a:txBody>
+                    <a:bodyPr/>
+                    <a:lstStyle/>
+                    <a:p>
+                      <a:r>
+                        <a:rPr lang="en-US" sz="2800"/>
+                        <a:t>0.04</a:t>
+                      </a:r>
+                    </a:p>
+                  </a:txBody>
+                  <a:tcPr marL="135969" marR="135969" marT="67986" marB="67986">
+                    <a:lnL w="12700" cap="flat" cmpd="sng" algn="ctr">
+                      <a:solidFill>
+                        <a:schemeClr val="tx1"/>
+                      </a:solidFill>
+                      <a:prstDash val="solid"/>
+                      <a:round/>
+                      <a:headEnd type="none" w="med" len="med"/>
+                      <a:tailEnd type="none" w="med" len="med"/>
+                    </a:lnL>
+                    <a:lnR w="12700" cap="flat" cmpd="sng" algn="ctr">
+                      <a:solidFill>
+                        <a:schemeClr val="tx1"/>
+                      </a:solidFill>
+                      <a:prstDash val="solid"/>
+                      <a:round/>
+                      <a:headEnd type="none" w="med" len="med"/>
+                      <a:tailEnd type="none" w="med" len="med"/>
+                    </a:lnR>
+                    <a:lnT w="12700" cap="flat" cmpd="sng" algn="ctr">
+                      <a:solidFill>
+                        <a:schemeClr val="tx1"/>
+                      </a:solidFill>
+                      <a:prstDash val="solid"/>
+                      <a:round/>
+                      <a:headEnd type="none" w="med" len="med"/>
+                      <a:tailEnd type="none" w="med" len="med"/>
+                    </a:lnT>
+                    <a:lnB w="12700" cap="flat" cmpd="sng" algn="ctr">
+                      <a:solidFill>
+                        <a:schemeClr val="tx1"/>
+                      </a:solidFill>
+                      <a:prstDash val="solid"/>
+                      <a:round/>
+                      <a:headEnd type="none" w="med" len="med"/>
+                      <a:tailEnd type="none" w="med" len="med"/>
+                    </a:lnB>
+                  </a:tcPr>
+                </a:tc>
+                <a:tc>
+                  <a:txBody>
+                    <a:bodyPr/>
+                    <a:lstStyle/>
+                    <a:p>
+                      <a:r>
+                        <a:rPr lang="en-US" sz="2800"/>
+                        <a:t>N/A</a:t>
+                      </a:r>
+                    </a:p>
+                  </a:txBody>
+                  <a:tcPr marL="135969" marR="135969" marT="67986" marB="67986">
+                    <a:lnL w="12700" cap="flat" cmpd="sng" algn="ctr">
+                      <a:solidFill>
+                        <a:schemeClr val="tx1"/>
+                      </a:solidFill>
+                      <a:prstDash val="solid"/>
+                      <a:round/>
+                      <a:headEnd type="none" w="med" len="med"/>
+                      <a:tailEnd type="none" w="med" len="med"/>
+                    </a:lnL>
+                    <a:lnR w="12700" cap="flat" cmpd="sng" algn="ctr">
+                      <a:solidFill>
+                        <a:schemeClr val="tx1"/>
+                      </a:solidFill>
+                      <a:prstDash val="solid"/>
+                      <a:round/>
+                      <a:headEnd type="none" w="med" len="med"/>
+                      <a:tailEnd type="none" w="med" len="med"/>
+                    </a:lnR>
+                    <a:lnT w="12700" cap="flat" cmpd="sng" algn="ctr">
+                      <a:solidFill>
+                        <a:schemeClr val="tx1"/>
+                      </a:solidFill>
+                      <a:prstDash val="solid"/>
+                      <a:round/>
+                      <a:headEnd type="none" w="med" len="med"/>
+                      <a:tailEnd type="none" w="med" len="med"/>
+                    </a:lnT>
+                    <a:lnB w="12700" cap="flat" cmpd="sng" algn="ctr">
+                      <a:solidFill>
+                        <a:schemeClr val="tx1"/>
+                      </a:solidFill>
+                      <a:prstDash val="solid"/>
+                      <a:round/>
+                      <a:headEnd type="none" w="med" len="med"/>
+                      <a:tailEnd type="none" w="med" len="med"/>
+                    </a:lnB>
+                  </a:tcPr>
+                </a:tc>
+                <a:tc>
+                  <a:txBody>
+                    <a:bodyPr/>
+                    <a:lstStyle/>
+                    <a:p>
+                      <a:r>
+                        <a:rPr lang="en-US" sz="2800"/>
+                        <a:t>N/A</a:t>
+                      </a:r>
+                    </a:p>
+                  </a:txBody>
+                  <a:tcPr marL="135969" marR="135969" marT="67986" marB="67986">
+                    <a:lnL w="12700" cap="flat" cmpd="sng" algn="ctr">
+                      <a:solidFill>
+                        <a:schemeClr val="tx1"/>
+                      </a:solidFill>
+                      <a:prstDash val="solid"/>
+                      <a:round/>
+                      <a:headEnd type="none" w="med" len="med"/>
+                      <a:tailEnd type="none" w="med" len="med"/>
+                    </a:lnL>
+                    <a:lnR w="12700" cap="flat" cmpd="sng" algn="ctr">
+                      <a:solidFill>
+                        <a:schemeClr val="tx1"/>
+                      </a:solidFill>
+                      <a:prstDash val="solid"/>
+                      <a:round/>
+                      <a:headEnd type="none" w="med" len="med"/>
+                      <a:tailEnd type="none" w="med" len="med"/>
+                    </a:lnR>
+                    <a:lnT w="12700" cap="flat" cmpd="sng" algn="ctr">
+                      <a:solidFill>
+                        <a:schemeClr val="tx1"/>
+                      </a:solidFill>
+                      <a:prstDash val="solid"/>
+                      <a:round/>
+                      <a:headEnd type="none" w="med" len="med"/>
+                      <a:tailEnd type="none" w="med" len="med"/>
+                    </a:lnT>
+                    <a:lnB w="12700" cap="flat" cmpd="sng" algn="ctr">
+                      <a:solidFill>
+                        <a:schemeClr val="tx1"/>
+                      </a:solidFill>
+                      <a:prstDash val="solid"/>
+                      <a:round/>
+                      <a:headEnd type="none" w="med" len="med"/>
+                      <a:tailEnd type="none" w="med" len="med"/>
+                    </a:lnB>
+                  </a:tcPr>
+                </a:tc>
+                <a:extLst>
+                  <a:ext uri="{0D108BD9-81ED-4DB2-BD59-A6C34878D82A}">
+                    <a16:rowId xmlns:a16="http://schemas.microsoft.com/office/drawing/2014/main" val="313025389"/>
+                  </a:ext>
+                </a:extLst>
+              </a:tr>
+              <a:tr h="1020664">
+                <a:tc>
+                  <a:txBody>
+                    <a:bodyPr/>
+                    <a:lstStyle/>
+                    <a:p>
+                      <a:r>
+                        <a:rPr lang="en-US" sz="2800"/>
+                        <a:t>Range 1</a:t>
+                      </a:r>
+                    </a:p>
+                  </a:txBody>
+                  <a:tcPr marL="135969" marR="135969" marT="67986" marB="67986">
+                    <a:lnL w="12700" cap="flat" cmpd="sng" algn="ctr">
+                      <a:solidFill>
+                        <a:schemeClr val="tx1"/>
+                      </a:solidFill>
+                      <a:prstDash val="solid"/>
+                      <a:round/>
+                      <a:headEnd type="none" w="med" len="med"/>
+                      <a:tailEnd type="none" w="med" len="med"/>
+                    </a:lnL>
+                    <a:lnR w="12700" cap="flat" cmpd="sng" algn="ctr">
+                      <a:solidFill>
+                        <a:schemeClr val="tx1"/>
+                      </a:solidFill>
+                      <a:prstDash val="solid"/>
+                      <a:round/>
+                      <a:headEnd type="none" w="med" len="med"/>
+                      <a:tailEnd type="none" w="med" len="med"/>
+                    </a:lnR>
+                    <a:lnT w="12700" cap="flat" cmpd="sng" algn="ctr">
+                      <a:solidFill>
+                        <a:schemeClr val="tx1"/>
+                      </a:solidFill>
+                      <a:prstDash val="solid"/>
+                      <a:round/>
+                      <a:headEnd type="none" w="med" len="med"/>
+                      <a:tailEnd type="none" w="med" len="med"/>
+                    </a:lnT>
+                    <a:lnB w="12700" cap="flat" cmpd="sng" algn="ctr">
+                      <a:solidFill>
+                        <a:schemeClr val="tx1"/>
+                      </a:solidFill>
+                      <a:prstDash val="solid"/>
+                      <a:round/>
+                      <a:headEnd type="none" w="med" len="med"/>
+                      <a:tailEnd type="none" w="med" len="med"/>
+                    </a:lnB>
+                  </a:tcPr>
+                </a:tc>
+                <a:tc>
+                  <a:txBody>
+                    <a:bodyPr/>
+                    <a:lstStyle/>
+                    <a:p>
+                      <a:r>
+                        <a:rPr lang="en-US" sz="2800"/>
+                        <a:t>0.4</a:t>
+                      </a:r>
+                    </a:p>
+                  </a:txBody>
+                  <a:tcPr marL="135969" marR="135969" marT="67986" marB="67986">
+                    <a:lnL w="12700" cap="flat" cmpd="sng" algn="ctr">
+                      <a:solidFill>
+                        <a:schemeClr val="tx1"/>
+                      </a:solidFill>
+                      <a:prstDash val="solid"/>
+                      <a:round/>
+                      <a:headEnd type="none" w="med" len="med"/>
+                      <a:tailEnd type="none" w="med" len="med"/>
+                    </a:lnL>
+                    <a:lnR w="12700" cap="flat" cmpd="sng" algn="ctr">
+                      <a:solidFill>
+                        <a:schemeClr val="tx1"/>
+                      </a:solidFill>
+                      <a:prstDash val="solid"/>
+                      <a:round/>
+                      <a:headEnd type="none" w="med" len="med"/>
+                      <a:tailEnd type="none" w="med" len="med"/>
+                    </a:lnR>
+                    <a:lnT w="12700" cap="flat" cmpd="sng" algn="ctr">
+                      <a:solidFill>
+                        <a:schemeClr val="tx1"/>
+                      </a:solidFill>
+                      <a:prstDash val="solid"/>
+                      <a:round/>
+                      <a:headEnd type="none" w="med" len="med"/>
+                      <a:tailEnd type="none" w="med" len="med"/>
+                    </a:lnT>
+                    <a:lnB w="12700" cap="flat" cmpd="sng" algn="ctr">
+                      <a:solidFill>
+                        <a:schemeClr val="tx1"/>
+                      </a:solidFill>
+                      <a:prstDash val="solid"/>
+                      <a:round/>
+                      <a:headEnd type="none" w="med" len="med"/>
+                      <a:tailEnd type="none" w="med" len="med"/>
+                    </a:lnB>
+                  </a:tcPr>
+                </a:tc>
+                <a:tc>
+                  <a:txBody>
+                    <a:bodyPr/>
+                    <a:lstStyle/>
+                    <a:p>
+                      <a:r>
+                        <a:rPr lang="en-US" sz="2800"/>
+                        <a:t>0.04</a:t>
+                      </a:r>
+                    </a:p>
+                  </a:txBody>
+                  <a:tcPr marL="135969" marR="135969" marT="67986" marB="67986">
+                    <a:lnL w="12700" cap="flat" cmpd="sng" algn="ctr">
+                      <a:solidFill>
+                        <a:schemeClr val="tx1"/>
+                      </a:solidFill>
+                      <a:prstDash val="solid"/>
+                      <a:round/>
+                      <a:headEnd type="none" w="med" len="med"/>
+                      <a:tailEnd type="none" w="med" len="med"/>
+                    </a:lnL>
+                    <a:lnR w="12700" cap="flat" cmpd="sng" algn="ctr">
+                      <a:solidFill>
+                        <a:schemeClr val="tx1"/>
+                      </a:solidFill>
+                      <a:prstDash val="solid"/>
+                      <a:round/>
+                      <a:headEnd type="none" w="med" len="med"/>
+                      <a:tailEnd type="none" w="med" len="med"/>
+                    </a:lnR>
+                    <a:lnT w="12700" cap="flat" cmpd="sng" algn="ctr">
+                      <a:solidFill>
+                        <a:schemeClr val="tx1"/>
+                      </a:solidFill>
+                      <a:prstDash val="solid"/>
+                      <a:round/>
+                      <a:headEnd type="none" w="med" len="med"/>
+                      <a:tailEnd type="none" w="med" len="med"/>
+                    </a:lnT>
+                    <a:lnB w="12700" cap="flat" cmpd="sng" algn="ctr">
+                      <a:solidFill>
+                        <a:schemeClr val="tx1"/>
+                      </a:solidFill>
+                      <a:prstDash val="solid"/>
+                      <a:round/>
+                      <a:headEnd type="none" w="med" len="med"/>
+                      <a:tailEnd type="none" w="med" len="med"/>
+                    </a:lnB>
+                  </a:tcPr>
+                </a:tc>
+                <a:tc>
+                  <a:txBody>
+                    <a:bodyPr/>
+                    <a:lstStyle/>
+                    <a:p>
+                      <a:r>
+                        <a:rPr lang="en-US" sz="2800" dirty="0"/>
+                        <a:t>0</a:t>
+                      </a:r>
+                    </a:p>
+                  </a:txBody>
+                  <a:tcPr marL="135969" marR="135969" marT="67986" marB="67986">
+                    <a:lnL w="12700" cap="flat" cmpd="sng" algn="ctr">
+                      <a:solidFill>
+                        <a:schemeClr val="tx1"/>
+                      </a:solidFill>
+                      <a:prstDash val="solid"/>
+                      <a:round/>
+                      <a:headEnd type="none" w="med" len="med"/>
+                      <a:tailEnd type="none" w="med" len="med"/>
+                    </a:lnL>
+                    <a:lnR w="12700" cap="flat" cmpd="sng" algn="ctr">
+                      <a:solidFill>
+                        <a:schemeClr val="tx1"/>
+                      </a:solidFill>
+                      <a:prstDash val="solid"/>
+                      <a:round/>
+                      <a:headEnd type="none" w="med" len="med"/>
+                      <a:tailEnd type="none" w="med" len="med"/>
+                    </a:lnR>
+                    <a:lnT w="12700" cap="flat" cmpd="sng" algn="ctr">
+                      <a:solidFill>
+                        <a:schemeClr val="tx1"/>
+                      </a:solidFill>
+                      <a:prstDash val="solid"/>
+                      <a:round/>
+                      <a:headEnd type="none" w="med" len="med"/>
+                      <a:tailEnd type="none" w="med" len="med"/>
+                    </a:lnT>
+                    <a:lnB w="12700" cap="flat" cmpd="sng" algn="ctr">
+                      <a:solidFill>
+                        <a:schemeClr val="tx1"/>
+                      </a:solidFill>
+                      <a:prstDash val="solid"/>
+                      <a:round/>
+                      <a:headEnd type="none" w="med" len="med"/>
+                      <a:tailEnd type="none" w="med" len="med"/>
+                    </a:lnB>
+                  </a:tcPr>
+                </a:tc>
+                <a:tc>
+                  <a:txBody>
+                    <a:bodyPr/>
+                    <a:lstStyle/>
+                    <a:p>
+                      <a:r>
+                        <a:rPr lang="en-US" sz="2800" dirty="0"/>
+                        <a:t>0.15</a:t>
+                      </a:r>
+                    </a:p>
+                  </a:txBody>
+                  <a:tcPr marL="135969" marR="135969" marT="67986" marB="67986">
+                    <a:lnL w="12700" cap="flat" cmpd="sng" algn="ctr">
+                      <a:solidFill>
+                        <a:schemeClr val="tx1"/>
+                      </a:solidFill>
+                      <a:prstDash val="solid"/>
+                      <a:round/>
+                      <a:headEnd type="none" w="med" len="med"/>
+                      <a:tailEnd type="none" w="med" len="med"/>
+                    </a:lnL>
+                    <a:lnR w="12700" cap="flat" cmpd="sng" algn="ctr">
+                      <a:solidFill>
+                        <a:schemeClr val="tx1"/>
+                      </a:solidFill>
+                      <a:prstDash val="solid"/>
+                      <a:round/>
+                      <a:headEnd type="none" w="med" len="med"/>
+                      <a:tailEnd type="none" w="med" len="med"/>
+                    </a:lnR>
+                    <a:lnT w="12700" cap="flat" cmpd="sng" algn="ctr">
+                      <a:solidFill>
+                        <a:schemeClr val="tx1"/>
+                      </a:solidFill>
+                      <a:prstDash val="solid"/>
+                      <a:round/>
+                      <a:headEnd type="none" w="med" len="med"/>
+                      <a:tailEnd type="none" w="med" len="med"/>
+                    </a:lnT>
+                    <a:lnB w="12700" cap="flat" cmpd="sng" algn="ctr">
+                      <a:solidFill>
+                        <a:schemeClr val="tx1"/>
+                      </a:solidFill>
+                      <a:prstDash val="solid"/>
+                      <a:round/>
+                      <a:headEnd type="none" w="med" len="med"/>
+                      <a:tailEnd type="none" w="med" len="med"/>
+                    </a:lnB>
+                  </a:tcPr>
+                </a:tc>
+                <a:extLst>
+                  <a:ext uri="{0D108BD9-81ED-4DB2-BD59-A6C34878D82A}">
+                    <a16:rowId xmlns:a16="http://schemas.microsoft.com/office/drawing/2014/main" val="1871411977"/>
+                  </a:ext>
+                </a:extLst>
+              </a:tr>
+              <a:tr h="1020664">
+                <a:tc>
+                  <a:txBody>
+                    <a:bodyPr/>
+                    <a:lstStyle/>
+                    <a:p>
+                      <a:r>
+                        <a:rPr lang="en-US" sz="2800"/>
+                        <a:t>Range 2</a:t>
+                      </a:r>
+                    </a:p>
+                  </a:txBody>
+                  <a:tcPr marL="135969" marR="135969" marT="67986" marB="67986">
+                    <a:lnL w="12700" cap="flat" cmpd="sng" algn="ctr">
+                      <a:solidFill>
+                        <a:schemeClr val="tx1"/>
+                      </a:solidFill>
+                      <a:prstDash val="solid"/>
+                      <a:round/>
+                      <a:headEnd type="none" w="med" len="med"/>
+                      <a:tailEnd type="none" w="med" len="med"/>
+                    </a:lnL>
+                    <a:lnR w="12700" cap="flat" cmpd="sng" algn="ctr">
+                      <a:solidFill>
+                        <a:schemeClr val="tx1"/>
+                      </a:solidFill>
+                      <a:prstDash val="solid"/>
+                      <a:round/>
+                      <a:headEnd type="none" w="med" len="med"/>
+                      <a:tailEnd type="none" w="med" len="med"/>
+                    </a:lnR>
+                    <a:lnT w="12700" cap="flat" cmpd="sng" algn="ctr">
+                      <a:solidFill>
+                        <a:schemeClr val="tx1"/>
+                      </a:solidFill>
+                      <a:prstDash val="solid"/>
+                      <a:round/>
+                      <a:headEnd type="none" w="med" len="med"/>
+                      <a:tailEnd type="none" w="med" len="med"/>
+                    </a:lnT>
+                    <a:lnB w="12700" cap="flat" cmpd="sng" algn="ctr">
+                      <a:solidFill>
+                        <a:schemeClr val="tx1"/>
+                      </a:solidFill>
+                      <a:prstDash val="solid"/>
+                      <a:round/>
+                      <a:headEnd type="none" w="med" len="med"/>
+                      <a:tailEnd type="none" w="med" len="med"/>
+                    </a:lnB>
+                  </a:tcPr>
+                </a:tc>
+                <a:tc>
+                  <a:txBody>
+                    <a:bodyPr/>
+                    <a:lstStyle/>
+                    <a:p>
+                      <a:r>
+                        <a:rPr lang="en-US" sz="2800"/>
+                        <a:t>0.4</a:t>
+                      </a:r>
+                    </a:p>
+                  </a:txBody>
+                  <a:tcPr marL="135969" marR="135969" marT="67986" marB="67986">
+                    <a:lnL w="12700" cap="flat" cmpd="sng" algn="ctr">
+                      <a:solidFill>
+                        <a:schemeClr val="tx1"/>
+                      </a:solidFill>
+                      <a:prstDash val="solid"/>
+                      <a:round/>
+                      <a:headEnd type="none" w="med" len="med"/>
+                      <a:tailEnd type="none" w="med" len="med"/>
+                    </a:lnL>
+                    <a:lnR w="12700" cap="flat" cmpd="sng" algn="ctr">
+                      <a:solidFill>
+                        <a:schemeClr val="tx1"/>
+                      </a:solidFill>
+                      <a:prstDash val="solid"/>
+                      <a:round/>
+                      <a:headEnd type="none" w="med" len="med"/>
+                      <a:tailEnd type="none" w="med" len="med"/>
+                    </a:lnR>
+                    <a:lnT w="12700" cap="flat" cmpd="sng" algn="ctr">
+                      <a:solidFill>
+                        <a:schemeClr val="tx1"/>
+                      </a:solidFill>
+                      <a:prstDash val="solid"/>
+                      <a:round/>
+                      <a:headEnd type="none" w="med" len="med"/>
+                      <a:tailEnd type="none" w="med" len="med"/>
+                    </a:lnT>
+                    <a:lnB w="12700" cap="flat" cmpd="sng" algn="ctr">
+                      <a:solidFill>
+                        <a:schemeClr val="tx1"/>
+                      </a:solidFill>
+                      <a:prstDash val="solid"/>
+                      <a:round/>
+                      <a:headEnd type="none" w="med" len="med"/>
+                      <a:tailEnd type="none" w="med" len="med"/>
+                    </a:lnB>
+                  </a:tcPr>
+                </a:tc>
+                <a:tc>
+                  <a:txBody>
+                    <a:bodyPr/>
+                    <a:lstStyle/>
+                    <a:p>
+                      <a:r>
+                        <a:rPr lang="en-US" sz="2800"/>
+                        <a:t>0.04</a:t>
+                      </a:r>
+                    </a:p>
+                  </a:txBody>
+                  <a:tcPr marL="135969" marR="135969" marT="67986" marB="67986">
+                    <a:lnL w="12700" cap="flat" cmpd="sng" algn="ctr">
+                      <a:solidFill>
+                        <a:schemeClr val="tx1"/>
+                      </a:solidFill>
+                      <a:prstDash val="solid"/>
+                      <a:round/>
+                      <a:headEnd type="none" w="med" len="med"/>
+                      <a:tailEnd type="none" w="med" len="med"/>
+                    </a:lnL>
+                    <a:lnR w="12700" cap="flat" cmpd="sng" algn="ctr">
+                      <a:solidFill>
+                        <a:schemeClr val="tx1"/>
+                      </a:solidFill>
+                      <a:prstDash val="solid"/>
+                      <a:round/>
+                      <a:headEnd type="none" w="med" len="med"/>
+                      <a:tailEnd type="none" w="med" len="med"/>
+                    </a:lnR>
+                    <a:lnT w="12700" cap="flat" cmpd="sng" algn="ctr">
+                      <a:solidFill>
+                        <a:schemeClr val="tx1"/>
+                      </a:solidFill>
+                      <a:prstDash val="solid"/>
+                      <a:round/>
+                      <a:headEnd type="none" w="med" len="med"/>
+                      <a:tailEnd type="none" w="med" len="med"/>
+                    </a:lnT>
+                    <a:lnB w="12700" cap="flat" cmpd="sng" algn="ctr">
+                      <a:solidFill>
+                        <a:schemeClr val="tx1"/>
+                      </a:solidFill>
+                      <a:prstDash val="solid"/>
+                      <a:round/>
+                      <a:headEnd type="none" w="med" len="med"/>
+                      <a:tailEnd type="none" w="med" len="med"/>
+                    </a:lnB>
+                  </a:tcPr>
+                </a:tc>
+                <a:tc>
+                  <a:txBody>
+                    <a:bodyPr/>
+                    <a:lstStyle/>
+                    <a:p>
+                      <a:r>
+                        <a:rPr lang="en-US" sz="2800" dirty="0"/>
+                        <a:t>0</a:t>
+                      </a:r>
+                    </a:p>
+                  </a:txBody>
+                  <a:tcPr marL="135969" marR="135969" marT="67986" marB="67986">
+                    <a:lnL w="12700" cap="flat" cmpd="sng" algn="ctr">
+                      <a:solidFill>
+                        <a:schemeClr val="tx1"/>
+                      </a:solidFill>
+                      <a:prstDash val="solid"/>
+                      <a:round/>
+                      <a:headEnd type="none" w="med" len="med"/>
+                      <a:tailEnd type="none" w="med" len="med"/>
+                    </a:lnL>
+                    <a:lnR w="12700" cap="flat" cmpd="sng" algn="ctr">
+                      <a:solidFill>
+                        <a:schemeClr val="tx1"/>
+                      </a:solidFill>
+                      <a:prstDash val="solid"/>
+                      <a:round/>
+                      <a:headEnd type="none" w="med" len="med"/>
+                      <a:tailEnd type="none" w="med" len="med"/>
+                    </a:lnR>
+                    <a:lnT w="12700" cap="flat" cmpd="sng" algn="ctr">
+                      <a:solidFill>
+                        <a:schemeClr val="tx1"/>
+                      </a:solidFill>
+                      <a:prstDash val="solid"/>
+                      <a:round/>
+                      <a:headEnd type="none" w="med" len="med"/>
+                      <a:tailEnd type="none" w="med" len="med"/>
+                    </a:lnT>
+                    <a:lnB w="12700" cap="flat" cmpd="sng" algn="ctr">
+                      <a:solidFill>
+                        <a:schemeClr val="tx1"/>
+                      </a:solidFill>
+                      <a:prstDash val="solid"/>
+                      <a:round/>
+                      <a:headEnd type="none" w="med" len="med"/>
+                      <a:tailEnd type="none" w="med" len="med"/>
+                    </a:lnB>
+                  </a:tcPr>
+                </a:tc>
+                <a:tc>
+                  <a:txBody>
+                    <a:bodyPr/>
+                    <a:lstStyle/>
+                    <a:p>
+                      <a:r>
+                        <a:rPr lang="en-US" sz="2800" dirty="0"/>
+                        <a:t>0.10</a:t>
+                      </a:r>
+                    </a:p>
+                  </a:txBody>
+                  <a:tcPr marL="135969" marR="135969" marT="67986" marB="67986">
+                    <a:lnL w="12700" cap="flat" cmpd="sng" algn="ctr">
+                      <a:solidFill>
+                        <a:schemeClr val="tx1"/>
+                      </a:solidFill>
+                      <a:prstDash val="solid"/>
+                      <a:round/>
+                      <a:headEnd type="none" w="med" len="med"/>
+                      <a:tailEnd type="none" w="med" len="med"/>
+                    </a:lnL>
+                    <a:lnR w="12700" cap="flat" cmpd="sng" algn="ctr">
+                      <a:solidFill>
+                        <a:schemeClr val="tx1"/>
+                      </a:solidFill>
+                      <a:prstDash val="solid"/>
+                      <a:round/>
+                      <a:headEnd type="none" w="med" len="med"/>
+                      <a:tailEnd type="none" w="med" len="med"/>
+                    </a:lnR>
+                    <a:lnT w="12700" cap="flat" cmpd="sng" algn="ctr">
+                      <a:solidFill>
+                        <a:schemeClr val="tx1"/>
+                      </a:solidFill>
+                      <a:prstDash val="solid"/>
+                      <a:round/>
+                      <a:headEnd type="none" w="med" len="med"/>
+                      <a:tailEnd type="none" w="med" len="med"/>
+                    </a:lnT>
+                    <a:lnB w="12700" cap="flat" cmpd="sng" algn="ctr">
+                      <a:solidFill>
+                        <a:schemeClr val="tx1"/>
+                      </a:solidFill>
+                      <a:prstDash val="solid"/>
+                      <a:round/>
+                      <a:headEnd type="none" w="med" len="med"/>
+                      <a:tailEnd type="none" w="med" len="med"/>
+                    </a:lnB>
+                  </a:tcPr>
+                </a:tc>
+                <a:extLst>
+                  <a:ext uri="{0D108BD9-81ED-4DB2-BD59-A6C34878D82A}">
+                    <a16:rowId xmlns:a16="http://schemas.microsoft.com/office/drawing/2014/main" val="167111624"/>
+                  </a:ext>
+                </a:extLst>
+              </a:tr>
+            </a:tbl>
+          </a:graphicData>
+        </a:graphic>
+      </p:graphicFrame>
     </p:spTree>
     <p:extLst>
       <p:ext uri="{BB962C8B-B14F-4D97-AF65-F5344CB8AC3E}">
-        <p14:creationId xmlns:p14="http://schemas.microsoft.com/office/powerpoint/2010/main" val="3800919461"/>
-      </p:ext>
-    </p:extLst>
-  </p:cSld>
-  <p:clrMapOvr>
-    <a:masterClrMapping/>
-  </p:clrMapOvr>
-</p:sld>
-</file>
-
-<file path=ppt/slides/slide29.xml><?xml version="1.0" encoding="utf-8"?>
-<p:sld xmlns:a="http://schemas.openxmlformats.org/drawingml/2006/main" xmlns:r="http://schemas.openxmlformats.org/officeDocument/2006/relationships" xmlns:p="http://schemas.openxmlformats.org/presentationml/2006/main" show="0">
-  <p:cSld>
-    <p:spTree>
-      <p:nvGrpSpPr>
-        <p:cNvPr id="1" name=""/>
-        <p:cNvGrpSpPr/>
-        <p:nvPr/>
-      </p:nvGrpSpPr>
-      <p:grpSpPr>
-        <a:xfrm>
-          <a:off x="0" y="0"/>
-          <a:ext cx="0" cy="0"/>
-          <a:chOff x="0" y="0"/>
-          <a:chExt cx="0" cy="0"/>
-        </a:xfrm>
-      </p:grpSpPr>
-      <p:pic>
-        <p:nvPicPr>
-          <p:cNvPr id="16" name="Content Placeholder 15">
-            <a:extLst>
-              <a:ext uri="{FF2B5EF4-FFF2-40B4-BE49-F238E27FC236}">
-                <a16:creationId xmlns:a16="http://schemas.microsoft.com/office/drawing/2014/main" id="{9770E254-8A18-0847-8D17-2AD2222A61E9}"/>
-              </a:ext>
-            </a:extLst>
-          </p:cNvPr>
-          <p:cNvPicPr>
-            <a:picLocks noGrp="1" noChangeAspect="1"/>
-          </p:cNvPicPr>
-          <p:nvPr>
-            <p:ph idx="1"/>
-          </p:nvPr>
-        </p:nvPicPr>
-        <p:blipFill>
-          <a:blip r:embed="rId2"/>
-          <a:srcRect/>
-          <a:stretch/>
-        </p:blipFill>
-        <p:spPr>
-          <a:xfrm>
-            <a:off x="3757613" y="2035930"/>
-            <a:ext cx="5237182" cy="3930726"/>
-          </a:xfrm>
-        </p:spPr>
-      </p:pic>
-      <p:sp>
-        <p:nvSpPr>
-          <p:cNvPr id="2" name="Title 1">
-            <a:extLst>
-              <a:ext uri="{FF2B5EF4-FFF2-40B4-BE49-F238E27FC236}">
-                <a16:creationId xmlns:a16="http://schemas.microsoft.com/office/drawing/2014/main" id="{010B0EF1-1183-1F45-8E15-96E43B1A0326}"/>
-              </a:ext>
-            </a:extLst>
-          </p:cNvPr>
-          <p:cNvSpPr>
-            <a:spLocks noGrp="1"/>
-          </p:cNvSpPr>
-          <p:nvPr>
-            <p:ph type="title"/>
-          </p:nvPr>
-        </p:nvSpPr>
-        <p:spPr/>
-        <p:txBody>
-          <a:bodyPr/>
-          <a:lstStyle/>
-          <a:p>
-            <a:r>
-              <a:rPr lang="en-US" dirty="0"/>
-              <a:t>VBL Optimization</a:t>
-            </a:r>
-          </a:p>
-        </p:txBody>
-      </p:sp>
-      <p:cxnSp>
-        <p:nvCxnSpPr>
-          <p:cNvPr id="11" name="Straight Arrow Connector 10">
-            <a:extLst>
-              <a:ext uri="{FF2B5EF4-FFF2-40B4-BE49-F238E27FC236}">
-                <a16:creationId xmlns:a16="http://schemas.microsoft.com/office/drawing/2014/main" id="{50FF218F-F2D1-5C4A-BAC3-A55C1074DEAF}"/>
-              </a:ext>
-            </a:extLst>
-          </p:cNvPr>
-          <p:cNvCxnSpPr>
-            <a:cxnSpLocks/>
-            <a:stCxn id="12" idx="2"/>
-          </p:cNvCxnSpPr>
-          <p:nvPr/>
-        </p:nvCxnSpPr>
-        <p:spPr>
-          <a:xfrm flipH="1">
-            <a:off x="5413972" y="3492894"/>
-            <a:ext cx="373579" cy="1676635"/>
-          </a:xfrm>
-          <a:prstGeom prst="straightConnector1">
-            <a:avLst/>
-          </a:prstGeom>
-          <a:ln w="57150">
-            <a:solidFill>
-              <a:srgbClr val="FF0000"/>
-            </a:solidFill>
-            <a:tailEnd type="triangle"/>
-          </a:ln>
-        </p:spPr>
-        <p:style>
-          <a:lnRef idx="1">
-            <a:schemeClr val="accent1"/>
-          </a:lnRef>
-          <a:fillRef idx="0">
-            <a:schemeClr val="accent1"/>
-          </a:fillRef>
-          <a:effectRef idx="0">
-            <a:schemeClr val="accent1"/>
-          </a:effectRef>
-          <a:fontRef idx="minor">
-            <a:schemeClr val="tx1"/>
-          </a:fontRef>
-        </p:style>
-      </p:cxnSp>
-      <p:sp>
-        <p:nvSpPr>
-          <p:cNvPr id="12" name="TextBox 11">
-            <a:extLst>
-              <a:ext uri="{FF2B5EF4-FFF2-40B4-BE49-F238E27FC236}">
-                <a16:creationId xmlns:a16="http://schemas.microsoft.com/office/drawing/2014/main" id="{1E56ED6F-BA81-8246-B88C-60D460FDC251}"/>
-              </a:ext>
-            </a:extLst>
-          </p:cNvPr>
-          <p:cNvSpPr txBox="1"/>
-          <p:nvPr/>
-        </p:nvSpPr>
-        <p:spPr>
-          <a:xfrm>
-            <a:off x="4893644" y="2846563"/>
-            <a:ext cx="1787813" cy="646331"/>
-          </a:xfrm>
-          <a:prstGeom prst="rect">
-            <a:avLst/>
-          </a:prstGeom>
-          <a:solidFill>
-            <a:srgbClr val="FFFFFF">
-              <a:alpha val="70588"/>
-            </a:srgbClr>
-          </a:solidFill>
-        </p:spPr>
-        <p:txBody>
-          <a:bodyPr wrap="square" rtlCol="0">
-            <a:spAutoFit/>
-          </a:bodyPr>
-          <a:lstStyle/>
-          <a:p>
-            <a:r>
-              <a:rPr lang="en-US" sz="1200" b="1" dirty="0">
-                <a:solidFill>
-                  <a:srgbClr val="FF0000"/>
-                </a:solidFill>
-                <a:latin typeface="Times New Roman" panose="02020603050405020304" pitchFamily="18" charset="0"/>
-                <a:cs typeface="Times New Roman" panose="02020603050405020304" pitchFamily="18" charset="0"/>
-              </a:rPr>
-              <a:t>Optimal Parameter Set</a:t>
-            </a:r>
-          </a:p>
-          <a:p>
-            <a:r>
-              <a:rPr lang="en-US" sz="1200" dirty="0">
-                <a:solidFill>
-                  <a:srgbClr val="FF0000"/>
-                </a:solidFill>
-                <a:latin typeface="Times New Roman" panose="02020603050405020304" pitchFamily="18" charset="0"/>
-                <a:cs typeface="Times New Roman" panose="02020603050405020304" pitchFamily="18" charset="0"/>
-              </a:rPr>
-              <a:t>Step Size: 0.1V</a:t>
-            </a:r>
-          </a:p>
-          <a:p>
-            <a:r>
-              <a:rPr lang="en-US" sz="1200" dirty="0">
-                <a:solidFill>
-                  <a:srgbClr val="FF0000"/>
-                </a:solidFill>
-                <a:latin typeface="Times New Roman" panose="02020603050405020304" pitchFamily="18" charset="0"/>
-                <a:cs typeface="Times New Roman" panose="02020603050405020304" pitchFamily="18" charset="0"/>
-              </a:rPr>
-              <a:t>Start Voltage: 0V</a:t>
-            </a:r>
-          </a:p>
-        </p:txBody>
-      </p:sp>
-    </p:spTree>
-    <p:extLst>
-      <p:ext uri="{BB962C8B-B14F-4D97-AF65-F5344CB8AC3E}">
-        <p14:creationId xmlns:p14="http://schemas.microsoft.com/office/powerpoint/2010/main" val="734798000"/>
+        <p14:creationId xmlns:p14="http://schemas.microsoft.com/office/powerpoint/2010/main" val="234706686"/>
       </p:ext>
     </p:extLst>
   </p:cSld>
@@ -25043,6 +26336,10 @@
             </a:r>
           </a:p>
           <a:p>
+            <a:pPr>
+              <a:buFont typeface="Wingdings" pitchFamily="2" charset="2"/>
+              <a:buChar char="ü"/>
+            </a:pPr>
             <a:r>
               <a:rPr lang="en-US" sz="1500" dirty="0"/>
               <a:t>2bpc repeat all steps above</a:t>
@@ -25093,6 +26390,618 @@
 <file path=ppt/slides/slide30.xml><?xml version="1.0" encoding="utf-8"?>
 <p:sld xmlns:a="http://schemas.openxmlformats.org/drawingml/2006/main" xmlns:r="http://schemas.openxmlformats.org/officeDocument/2006/relationships" xmlns:p="http://schemas.openxmlformats.org/presentationml/2006/main" show="0">
   <p:cSld>
+    <p:bg>
+      <p:bgPr>
+        <a:solidFill>
+          <a:schemeClr val="bg1"/>
+        </a:solidFill>
+        <a:effectLst/>
+      </p:bgPr>
+    </p:bg>
+    <p:spTree>
+      <p:nvGrpSpPr>
+        <p:cNvPr id="1" name=""/>
+        <p:cNvGrpSpPr/>
+        <p:nvPr/>
+      </p:nvGrpSpPr>
+      <p:grpSpPr>
+        <a:xfrm>
+          <a:off x="0" y="0"/>
+          <a:ext cx="0" cy="0"/>
+          <a:chOff x="0" y="0"/>
+          <a:chExt cx="0" cy="0"/>
+        </a:xfrm>
+      </p:grpSpPr>
+      <p:sp>
+        <p:nvSpPr>
+          <p:cNvPr id="14" name="Rectangle 13">
+            <a:extLst>
+              <a:ext uri="{FF2B5EF4-FFF2-40B4-BE49-F238E27FC236}">
+                <a16:creationId xmlns:a16="http://schemas.microsoft.com/office/drawing/2014/main" id="{6753252F-4873-4F63-801D-CC719279A7D5}"/>
+              </a:ext>
+              <a:ext uri="{C183D7F6-B498-43B3-948B-1728B52AA6E4}">
+                <adec:decorative xmlns:adec="http://schemas.microsoft.com/office/drawing/2017/decorative" val="1"/>
+              </a:ext>
+            </a:extLst>
+          </p:cNvPr>
+          <p:cNvSpPr>
+            <a:spLocks noGrp="1" noRot="1" noChangeAspect="1" noMove="1" noResize="1" noEditPoints="1" noAdjustHandles="1" noChangeArrowheads="1" noChangeShapeType="1" noTextEdit="1"/>
+          </p:cNvSpPr>
+          <p:nvPr>
+            <p:extLst>
+              <p:ext uri="{386F3935-93C4-4BCD-93E2-E3B085C9AB24}">
+                <p16:designElem xmlns:p16="http://schemas.microsoft.com/office/powerpoint/2015/main" val="1"/>
+              </p:ext>
+            </p:extLst>
+          </p:nvPr>
+        </p:nvSpPr>
+        <p:spPr>
+          <a:xfrm>
+            <a:off x="0" y="0"/>
+            <a:ext cx="12192000" cy="6858000"/>
+          </a:xfrm>
+          <a:prstGeom prst="rect">
+            <a:avLst/>
+          </a:prstGeom>
+          <a:solidFill>
+            <a:srgbClr val="FFFFFF"/>
+          </a:solidFill>
+          <a:ln>
+            <a:noFill/>
+          </a:ln>
+        </p:spPr>
+        <p:style>
+          <a:lnRef idx="2">
+            <a:schemeClr val="accent1">
+              <a:shade val="50000"/>
+            </a:schemeClr>
+          </a:lnRef>
+          <a:fillRef idx="1">
+            <a:schemeClr val="accent1"/>
+          </a:fillRef>
+          <a:effectRef idx="0">
+            <a:schemeClr val="accent1"/>
+          </a:effectRef>
+          <a:fontRef idx="minor">
+            <a:schemeClr val="lt1"/>
+          </a:fontRef>
+        </p:style>
+        <p:txBody>
+          <a:bodyPr rtlCol="0" anchor="ctr"/>
+          <a:lstStyle/>
+          <a:p>
+            <a:pPr algn="ctr"/>
+            <a:endParaRPr lang="en-US"/>
+          </a:p>
+        </p:txBody>
+      </p:sp>
+      <p:sp>
+        <p:nvSpPr>
+          <p:cNvPr id="16" name="Rectangle 15">
+            <a:extLst>
+              <a:ext uri="{FF2B5EF4-FFF2-40B4-BE49-F238E27FC236}">
+                <a16:creationId xmlns:a16="http://schemas.microsoft.com/office/drawing/2014/main" id="{047C8CCB-F95D-4249-92DD-651249D3535A}"/>
+              </a:ext>
+              <a:ext uri="{C183D7F6-B498-43B3-948B-1728B52AA6E4}">
+                <adec:decorative xmlns:adec="http://schemas.microsoft.com/office/drawing/2017/decorative" val="1"/>
+              </a:ext>
+            </a:extLst>
+          </p:cNvPr>
+          <p:cNvSpPr>
+            <a:spLocks noGrp="1" noRot="1" noChangeAspect="1" noMove="1" noResize="1" noEditPoints="1" noAdjustHandles="1" noChangeArrowheads="1" noChangeShapeType="1" noTextEdit="1"/>
+          </p:cNvSpPr>
+          <p:nvPr>
+            <p:extLst>
+              <p:ext uri="{386F3935-93C4-4BCD-93E2-E3B085C9AB24}">
+                <p16:designElem xmlns:p16="http://schemas.microsoft.com/office/powerpoint/2015/main" val="1"/>
+              </p:ext>
+            </p:extLst>
+          </p:nvPr>
+        </p:nvSpPr>
+        <p:spPr>
+          <a:xfrm>
+            <a:off x="0" y="0"/>
+            <a:ext cx="2013557" cy="6858000"/>
+          </a:xfrm>
+          <a:prstGeom prst="rect">
+            <a:avLst/>
+          </a:prstGeom>
+          <a:solidFill>
+            <a:srgbClr val="7F7F7F"/>
+          </a:solidFill>
+          <a:ln>
+            <a:noFill/>
+          </a:ln>
+        </p:spPr>
+        <p:style>
+          <a:lnRef idx="2">
+            <a:schemeClr val="accent1">
+              <a:shade val="50000"/>
+            </a:schemeClr>
+          </a:lnRef>
+          <a:fillRef idx="1">
+            <a:schemeClr val="accent1"/>
+          </a:fillRef>
+          <a:effectRef idx="0">
+            <a:schemeClr val="accent1"/>
+          </a:effectRef>
+          <a:fontRef idx="minor">
+            <a:schemeClr val="lt1"/>
+          </a:fontRef>
+        </p:style>
+        <p:txBody>
+          <a:bodyPr rtlCol="0" anchor="ctr"/>
+          <a:lstStyle/>
+          <a:p>
+            <a:pPr algn="ctr"/>
+            <a:endParaRPr lang="en-US"/>
+          </a:p>
+        </p:txBody>
+      </p:sp>
+      <p:sp>
+        <p:nvSpPr>
+          <p:cNvPr id="2" name="Title 1">
+            <a:extLst>
+              <a:ext uri="{FF2B5EF4-FFF2-40B4-BE49-F238E27FC236}">
+                <a16:creationId xmlns:a16="http://schemas.microsoft.com/office/drawing/2014/main" id="{67F017A3-29CD-954D-BFF9-0C2279F1BC5A}"/>
+              </a:ext>
+            </a:extLst>
+          </p:cNvPr>
+          <p:cNvSpPr>
+            <a:spLocks noGrp="1"/>
+          </p:cNvSpPr>
+          <p:nvPr>
+            <p:ph type="title"/>
+          </p:nvPr>
+        </p:nvSpPr>
+        <p:spPr>
+          <a:xfrm>
+            <a:off x="640080" y="2074363"/>
+            <a:ext cx="2752354" cy="2709275"/>
+          </a:xfrm>
+          <a:prstGeom prst="ellipse">
+            <a:avLst/>
+          </a:prstGeom>
+          <a:solidFill>
+            <a:srgbClr val="262626"/>
+          </a:solidFill>
+          <a:ln w="174625" cmpd="thinThick">
+            <a:solidFill>
+              <a:srgbClr val="262626"/>
+            </a:solidFill>
+          </a:ln>
+        </p:spPr>
+        <p:txBody>
+          <a:bodyPr vert="horz" lIns="91440" tIns="45720" rIns="91440" bIns="45720" rtlCol="0" anchor="ctr">
+            <a:normAutofit/>
+          </a:bodyPr>
+          <a:lstStyle/>
+          <a:p>
+            <a:pPr algn="ctr"/>
+            <a:r>
+              <a:rPr lang="en-US" sz="2600" kern="1200">
+                <a:solidFill>
+                  <a:srgbClr val="FFFFFF"/>
+                </a:solidFill>
+                <a:latin typeface="+mj-lt"/>
+                <a:ea typeface="+mj-ea"/>
+                <a:cs typeface="+mj-cs"/>
+              </a:rPr>
+              <a:t>Retention BER plot full</a:t>
+            </a:r>
+          </a:p>
+        </p:txBody>
+      </p:sp>
+      <p:pic>
+        <p:nvPicPr>
+          <p:cNvPr id="9" name="Content Placeholder 8">
+            <a:extLst>
+              <a:ext uri="{FF2B5EF4-FFF2-40B4-BE49-F238E27FC236}">
+                <a16:creationId xmlns:a16="http://schemas.microsoft.com/office/drawing/2014/main" id="{28D436FB-8435-4B46-BA52-798E5DFAF6E3}"/>
+              </a:ext>
+            </a:extLst>
+          </p:cNvPr>
+          <p:cNvPicPr>
+            <a:picLocks noGrp="1" noChangeAspect="1"/>
+          </p:cNvPicPr>
+          <p:nvPr>
+            <p:ph idx="1"/>
+          </p:nvPr>
+        </p:nvPicPr>
+        <p:blipFill>
+          <a:blip r:embed="rId3"/>
+          <a:stretch>
+            <a:fillRect/>
+          </a:stretch>
+        </p:blipFill>
+        <p:spPr>
+          <a:xfrm>
+            <a:off x="4345375" y="961812"/>
+            <a:ext cx="6574649" cy="4930987"/>
+          </a:xfrm>
+          <a:prstGeom prst="rect">
+            <a:avLst/>
+          </a:prstGeom>
+        </p:spPr>
+      </p:pic>
+    </p:spTree>
+    <p:extLst>
+      <p:ext uri="{BB962C8B-B14F-4D97-AF65-F5344CB8AC3E}">
+        <p14:creationId xmlns:p14="http://schemas.microsoft.com/office/powerpoint/2010/main" val="4127877217"/>
+      </p:ext>
+    </p:extLst>
+  </p:cSld>
+  <p:clrMapOvr>
+    <a:masterClrMapping/>
+  </p:clrMapOvr>
+</p:sld>
+</file>
+
+<file path=ppt/slides/slide31.xml><?xml version="1.0" encoding="utf-8"?>
+<p:sld xmlns:a="http://schemas.openxmlformats.org/drawingml/2006/main" xmlns:r="http://schemas.openxmlformats.org/officeDocument/2006/relationships" xmlns:p="http://schemas.openxmlformats.org/presentationml/2006/main" show="0">
+  <p:cSld>
+    <p:spTree>
+      <p:nvGrpSpPr>
+        <p:cNvPr id="1" name=""/>
+        <p:cNvGrpSpPr/>
+        <p:nvPr/>
+      </p:nvGrpSpPr>
+      <p:grpSpPr>
+        <a:xfrm>
+          <a:off x="0" y="0"/>
+          <a:ext cx="0" cy="0"/>
+          <a:chOff x="0" y="0"/>
+          <a:chExt cx="0" cy="0"/>
+        </a:xfrm>
+      </p:grpSpPr>
+      <p:sp>
+        <p:nvSpPr>
+          <p:cNvPr id="2" name="Title 1">
+            <a:extLst>
+              <a:ext uri="{FF2B5EF4-FFF2-40B4-BE49-F238E27FC236}">
+                <a16:creationId xmlns:a16="http://schemas.microsoft.com/office/drawing/2014/main" id="{D8115B46-FE7B-1044-8D50-F98F59B9AE32}"/>
+              </a:ext>
+            </a:extLst>
+          </p:cNvPr>
+          <p:cNvSpPr>
+            <a:spLocks noGrp="1"/>
+          </p:cNvSpPr>
+          <p:nvPr>
+            <p:ph type="title"/>
+          </p:nvPr>
+        </p:nvSpPr>
+        <p:spPr/>
+        <p:txBody>
+          <a:bodyPr/>
+          <a:lstStyle/>
+          <a:p>
+            <a:r>
+              <a:rPr lang="en-US" dirty="0"/>
+              <a:t>Combined Pre/Post-Bake Distribution Plot</a:t>
+            </a:r>
+          </a:p>
+        </p:txBody>
+      </p:sp>
+      <p:pic>
+        <p:nvPicPr>
+          <p:cNvPr id="7" name="Content Placeholder 6">
+            <a:extLst>
+              <a:ext uri="{FF2B5EF4-FFF2-40B4-BE49-F238E27FC236}">
+                <a16:creationId xmlns:a16="http://schemas.microsoft.com/office/drawing/2014/main" id="{6F02FD58-41DD-2448-BECF-A980D8B6D080}"/>
+              </a:ext>
+            </a:extLst>
+          </p:cNvPr>
+          <p:cNvPicPr>
+            <a:picLocks noGrp="1" noChangeAspect="1"/>
+          </p:cNvPicPr>
+          <p:nvPr>
+            <p:ph idx="1"/>
+          </p:nvPr>
+        </p:nvPicPr>
+        <p:blipFill>
+          <a:blip r:embed="rId2"/>
+          <a:srcRect/>
+          <a:stretch/>
+        </p:blipFill>
+        <p:spPr>
+          <a:xfrm>
+            <a:off x="3920331" y="1825625"/>
+            <a:ext cx="4351338" cy="4351338"/>
+          </a:xfrm>
+        </p:spPr>
+      </p:pic>
+      <p:sp>
+        <p:nvSpPr>
+          <p:cNvPr id="8" name="TextBox 7">
+            <a:extLst>
+              <a:ext uri="{FF2B5EF4-FFF2-40B4-BE49-F238E27FC236}">
+                <a16:creationId xmlns:a16="http://schemas.microsoft.com/office/drawing/2014/main" id="{CAB8FFD3-3EDF-4141-9919-0166E151A56C}"/>
+              </a:ext>
+            </a:extLst>
+          </p:cNvPr>
+          <p:cNvSpPr txBox="1"/>
+          <p:nvPr/>
+        </p:nvSpPr>
+        <p:spPr>
+          <a:xfrm>
+            <a:off x="3483993" y="2910840"/>
+            <a:ext cx="441146" cy="369332"/>
+          </a:xfrm>
+          <a:prstGeom prst="rect">
+            <a:avLst/>
+          </a:prstGeom>
+          <a:noFill/>
+        </p:spPr>
+        <p:txBody>
+          <a:bodyPr wrap="none" rtlCol="0">
+            <a:spAutoFit/>
+          </a:bodyPr>
+          <a:lstStyle/>
+          <a:p>
+            <a:r>
+              <a:rPr lang="en-US" dirty="0">
+                <a:latin typeface="Times New Roman" panose="02020603050405020304" pitchFamily="18" charset="0"/>
+                <a:cs typeface="Times New Roman" panose="02020603050405020304" pitchFamily="18" charset="0"/>
+              </a:rPr>
+              <a:t>(a)</a:t>
+            </a:r>
+          </a:p>
+        </p:txBody>
+      </p:sp>
+      <p:sp>
+        <p:nvSpPr>
+          <p:cNvPr id="9" name="TextBox 8">
+            <a:extLst>
+              <a:ext uri="{FF2B5EF4-FFF2-40B4-BE49-F238E27FC236}">
+                <a16:creationId xmlns:a16="http://schemas.microsoft.com/office/drawing/2014/main" id="{5B8517E0-93D7-4A49-A059-F611917D5EBD}"/>
+              </a:ext>
+            </a:extLst>
+          </p:cNvPr>
+          <p:cNvSpPr txBox="1"/>
+          <p:nvPr/>
+        </p:nvSpPr>
+        <p:spPr>
+          <a:xfrm>
+            <a:off x="3483993" y="4724400"/>
+            <a:ext cx="453970" cy="369332"/>
+          </a:xfrm>
+          <a:prstGeom prst="rect">
+            <a:avLst/>
+          </a:prstGeom>
+          <a:noFill/>
+        </p:spPr>
+        <p:txBody>
+          <a:bodyPr wrap="none" rtlCol="0">
+            <a:spAutoFit/>
+          </a:bodyPr>
+          <a:lstStyle/>
+          <a:p>
+            <a:r>
+              <a:rPr lang="en-US" dirty="0">
+                <a:latin typeface="Times New Roman" panose="02020603050405020304" pitchFamily="18" charset="0"/>
+                <a:cs typeface="Times New Roman" panose="02020603050405020304" pitchFamily="18" charset="0"/>
+              </a:rPr>
+              <a:t>(b)</a:t>
+            </a:r>
+          </a:p>
+        </p:txBody>
+      </p:sp>
+    </p:spTree>
+    <p:extLst>
+      <p:ext uri="{BB962C8B-B14F-4D97-AF65-F5344CB8AC3E}">
+        <p14:creationId xmlns:p14="http://schemas.microsoft.com/office/powerpoint/2010/main" val="3800919461"/>
+      </p:ext>
+    </p:extLst>
+  </p:cSld>
+  <p:clrMapOvr>
+    <a:masterClrMapping/>
+  </p:clrMapOvr>
+</p:sld>
+</file>
+
+<file path=ppt/slides/slide32.xml><?xml version="1.0" encoding="utf-8"?>
+<p:sld xmlns:a="http://schemas.openxmlformats.org/drawingml/2006/main" xmlns:r="http://schemas.openxmlformats.org/officeDocument/2006/relationships" xmlns:p="http://schemas.openxmlformats.org/presentationml/2006/main" show="0">
+  <p:cSld>
+    <p:spTree>
+      <p:nvGrpSpPr>
+        <p:cNvPr id="1" name=""/>
+        <p:cNvGrpSpPr/>
+        <p:nvPr/>
+      </p:nvGrpSpPr>
+      <p:grpSpPr>
+        <a:xfrm>
+          <a:off x="0" y="0"/>
+          <a:ext cx="0" cy="0"/>
+          <a:chOff x="0" y="0"/>
+          <a:chExt cx="0" cy="0"/>
+        </a:xfrm>
+      </p:grpSpPr>
+      <p:pic>
+        <p:nvPicPr>
+          <p:cNvPr id="16" name="Content Placeholder 15">
+            <a:extLst>
+              <a:ext uri="{FF2B5EF4-FFF2-40B4-BE49-F238E27FC236}">
+                <a16:creationId xmlns:a16="http://schemas.microsoft.com/office/drawing/2014/main" id="{9770E254-8A18-0847-8D17-2AD2222A61E9}"/>
+              </a:ext>
+            </a:extLst>
+          </p:cNvPr>
+          <p:cNvPicPr>
+            <a:picLocks noGrp="1" noChangeAspect="1"/>
+          </p:cNvPicPr>
+          <p:nvPr>
+            <p:ph idx="1"/>
+          </p:nvPr>
+        </p:nvPicPr>
+        <p:blipFill>
+          <a:blip r:embed="rId2"/>
+          <a:srcRect/>
+          <a:stretch/>
+        </p:blipFill>
+        <p:spPr>
+          <a:xfrm>
+            <a:off x="3757613" y="2035930"/>
+            <a:ext cx="5237182" cy="3930726"/>
+          </a:xfrm>
+        </p:spPr>
+      </p:pic>
+      <p:sp>
+        <p:nvSpPr>
+          <p:cNvPr id="2" name="Title 1">
+            <a:extLst>
+              <a:ext uri="{FF2B5EF4-FFF2-40B4-BE49-F238E27FC236}">
+                <a16:creationId xmlns:a16="http://schemas.microsoft.com/office/drawing/2014/main" id="{010B0EF1-1183-1F45-8E15-96E43B1A0326}"/>
+              </a:ext>
+            </a:extLst>
+          </p:cNvPr>
+          <p:cNvSpPr>
+            <a:spLocks noGrp="1"/>
+          </p:cNvSpPr>
+          <p:nvPr>
+            <p:ph type="title"/>
+          </p:nvPr>
+        </p:nvSpPr>
+        <p:spPr/>
+        <p:txBody>
+          <a:bodyPr/>
+          <a:lstStyle/>
+          <a:p>
+            <a:r>
+              <a:rPr lang="en-US" dirty="0"/>
+              <a:t>VBL Optimization</a:t>
+            </a:r>
+          </a:p>
+        </p:txBody>
+      </p:sp>
+      <p:cxnSp>
+        <p:nvCxnSpPr>
+          <p:cNvPr id="11" name="Straight Arrow Connector 10">
+            <a:extLst>
+              <a:ext uri="{FF2B5EF4-FFF2-40B4-BE49-F238E27FC236}">
+                <a16:creationId xmlns:a16="http://schemas.microsoft.com/office/drawing/2014/main" id="{50FF218F-F2D1-5C4A-BAC3-A55C1074DEAF}"/>
+              </a:ext>
+            </a:extLst>
+          </p:cNvPr>
+          <p:cNvCxnSpPr>
+            <a:cxnSpLocks/>
+            <a:stCxn id="12" idx="2"/>
+          </p:cNvCxnSpPr>
+          <p:nvPr/>
+        </p:nvCxnSpPr>
+        <p:spPr>
+          <a:xfrm flipH="1">
+            <a:off x="5413972" y="3492894"/>
+            <a:ext cx="373579" cy="1676635"/>
+          </a:xfrm>
+          <a:prstGeom prst="straightConnector1">
+            <a:avLst/>
+          </a:prstGeom>
+          <a:ln w="57150">
+            <a:solidFill>
+              <a:srgbClr val="FF0000"/>
+            </a:solidFill>
+            <a:tailEnd type="triangle"/>
+          </a:ln>
+        </p:spPr>
+        <p:style>
+          <a:lnRef idx="1">
+            <a:schemeClr val="accent1"/>
+          </a:lnRef>
+          <a:fillRef idx="0">
+            <a:schemeClr val="accent1"/>
+          </a:fillRef>
+          <a:effectRef idx="0">
+            <a:schemeClr val="accent1"/>
+          </a:effectRef>
+          <a:fontRef idx="minor">
+            <a:schemeClr val="tx1"/>
+          </a:fontRef>
+        </p:style>
+      </p:cxnSp>
+      <p:sp>
+        <p:nvSpPr>
+          <p:cNvPr id="12" name="TextBox 11">
+            <a:extLst>
+              <a:ext uri="{FF2B5EF4-FFF2-40B4-BE49-F238E27FC236}">
+                <a16:creationId xmlns:a16="http://schemas.microsoft.com/office/drawing/2014/main" id="{1E56ED6F-BA81-8246-B88C-60D460FDC251}"/>
+              </a:ext>
+            </a:extLst>
+          </p:cNvPr>
+          <p:cNvSpPr txBox="1"/>
+          <p:nvPr/>
+        </p:nvSpPr>
+        <p:spPr>
+          <a:xfrm>
+            <a:off x="4893644" y="2846563"/>
+            <a:ext cx="1787813" cy="646331"/>
+          </a:xfrm>
+          <a:prstGeom prst="rect">
+            <a:avLst/>
+          </a:prstGeom>
+          <a:solidFill>
+            <a:srgbClr val="FFFFFF">
+              <a:alpha val="70588"/>
+            </a:srgbClr>
+          </a:solidFill>
+        </p:spPr>
+        <p:txBody>
+          <a:bodyPr wrap="square" rtlCol="0">
+            <a:spAutoFit/>
+          </a:bodyPr>
+          <a:lstStyle/>
+          <a:p>
+            <a:r>
+              <a:rPr lang="en-US" sz="1200" b="1" dirty="0">
+                <a:solidFill>
+                  <a:srgbClr val="FF0000"/>
+                </a:solidFill>
+                <a:latin typeface="Times New Roman" panose="02020603050405020304" pitchFamily="18" charset="0"/>
+                <a:cs typeface="Times New Roman" panose="02020603050405020304" pitchFamily="18" charset="0"/>
+              </a:rPr>
+              <a:t>Optimal Parameter Set</a:t>
+            </a:r>
+          </a:p>
+          <a:p>
+            <a:r>
+              <a:rPr lang="en-US" sz="1200" dirty="0">
+                <a:solidFill>
+                  <a:srgbClr val="FF0000"/>
+                </a:solidFill>
+                <a:latin typeface="Times New Roman" panose="02020603050405020304" pitchFamily="18" charset="0"/>
+                <a:cs typeface="Times New Roman" panose="02020603050405020304" pitchFamily="18" charset="0"/>
+              </a:rPr>
+              <a:t>Step Size: 0.1V</a:t>
+            </a:r>
+          </a:p>
+          <a:p>
+            <a:r>
+              <a:rPr lang="en-US" sz="1200" dirty="0">
+                <a:solidFill>
+                  <a:srgbClr val="FF0000"/>
+                </a:solidFill>
+                <a:latin typeface="Times New Roman" panose="02020603050405020304" pitchFamily="18" charset="0"/>
+                <a:cs typeface="Times New Roman" panose="02020603050405020304" pitchFamily="18" charset="0"/>
+              </a:rPr>
+              <a:t>Start Voltage: 0V</a:t>
+            </a:r>
+          </a:p>
+        </p:txBody>
+      </p:sp>
+    </p:spTree>
+    <p:extLst>
+      <p:ext uri="{BB962C8B-B14F-4D97-AF65-F5344CB8AC3E}">
+        <p14:creationId xmlns:p14="http://schemas.microsoft.com/office/powerpoint/2010/main" val="734798000"/>
+      </p:ext>
+    </p:extLst>
+  </p:cSld>
+  <p:clrMapOvr>
+    <a:masterClrMapping/>
+  </p:clrMapOvr>
+</p:sld>
+</file>
+
+<file path=ppt/slides/slide33.xml><?xml version="1.0" encoding="utf-8"?>
+<p:sld xmlns:a="http://schemas.openxmlformats.org/drawingml/2006/main" xmlns:r="http://schemas.openxmlformats.org/officeDocument/2006/relationships" xmlns:p="http://schemas.openxmlformats.org/presentationml/2006/main" show="0">
+  <p:cSld>
     <p:spTree>
       <p:nvGrpSpPr>
         <p:cNvPr id="1" name=""/>
@@ -25177,7 +27086,7 @@
 </p:sld>
 </file>
 
-<file path=ppt/slides/slide31.xml><?xml version="1.0" encoding="utf-8"?>
+<file path=ppt/slides/slide34.xml><?xml version="1.0" encoding="utf-8"?>
 <p:sld xmlns:a="http://schemas.openxmlformats.org/drawingml/2006/main" xmlns:r="http://schemas.openxmlformats.org/officeDocument/2006/relationships" xmlns:p="http://schemas.openxmlformats.org/presentationml/2006/main" show="0">
   <p:cSld>
     <p:spTree>
@@ -25377,7 +27286,7 @@
 </p:sld>
 </file>
 
-<file path=ppt/slides/slide32.xml><?xml version="1.0" encoding="utf-8"?>
+<file path=ppt/slides/slide35.xml><?xml version="1.0" encoding="utf-8"?>
 <p:sld xmlns:a="http://schemas.openxmlformats.org/drawingml/2006/main" xmlns:r="http://schemas.openxmlformats.org/officeDocument/2006/relationships" xmlns:p="http://schemas.openxmlformats.org/presentationml/2006/main" show="0">
   <p:cSld>
     <p:spTree>

--- a/presentations/Updates 8-4-20.pptx
+++ b/presentations/Updates 8-4-20.pptx
@@ -155,7 +155,7 @@
 <file path=ppt/revisionInfo.xml><?xml version="1.0" encoding="utf-8"?>
 <p1510:revInfo xmlns:a="http://schemas.openxmlformats.org/drawingml/2006/main" xmlns:r="http://schemas.openxmlformats.org/officeDocument/2006/relationships" xmlns:p1510="http://schemas.microsoft.com/office/powerpoint/2015/10/main">
   <p1510:revLst>
-    <p1510:client id="{593DE006-A78F-1A44-90CA-63CFD0BF0D77}" v="15" dt="2020-08-07T21:51:10.645"/>
+    <p1510:client id="{593DE006-A78F-1A44-90CA-63CFD0BF0D77}" v="20" dt="2020-08-08T11:47:15.956"/>
   </p1510:revLst>
 </p1510:revInfo>
 </file>
@@ -165,7 +165,7 @@
   <pc:docChgLst>
     <pc:chgData name="Akash Levy" userId="0f662538-7453-45f3-952a-fc9f1a7c515e" providerId="ADAL" clId="{593DE006-A78F-1A44-90CA-63CFD0BF0D77}"/>
     <pc:docChg chg="undo custSel mod addSld delSld modSld">
-      <pc:chgData name="Akash Levy" userId="0f662538-7453-45f3-952a-fc9f1a7c515e" providerId="ADAL" clId="{593DE006-A78F-1A44-90CA-63CFD0BF0D77}" dt="2020-08-08T00:38:34.747" v="215" actId="20577"/>
+      <pc:chgData name="Akash Levy" userId="0f662538-7453-45f3-952a-fc9f1a7c515e" providerId="ADAL" clId="{593DE006-A78F-1A44-90CA-63CFD0BF0D77}" dt="2020-08-08T11:47:37.372" v="276" actId="20577"/>
       <pc:docMkLst>
         <pc:docMk/>
       </pc:docMkLst>
@@ -200,7 +200,7 @@
         </pc:spChg>
       </pc:sldChg>
       <pc:sldChg chg="addSp delSp modSp add mod setBg delDesignElem">
-        <pc:chgData name="Akash Levy" userId="0f662538-7453-45f3-952a-fc9f1a7c515e" providerId="ADAL" clId="{593DE006-A78F-1A44-90CA-63CFD0BF0D77}" dt="2020-08-07T21:41:32.386" v="118" actId="6549"/>
+        <pc:chgData name="Akash Levy" userId="0f662538-7453-45f3-952a-fc9f1a7c515e" providerId="ADAL" clId="{593DE006-A78F-1A44-90CA-63CFD0BF0D77}" dt="2020-08-08T06:56:53.955" v="232" actId="20577"/>
         <pc:sldMkLst>
           <pc:docMk/>
           <pc:sldMk cId="234706686" sldId="299"/>
@@ -270,7 +270,7 @@
           </ac:spMkLst>
         </pc:spChg>
         <pc:graphicFrameChg chg="mod modGraphic">
-          <ac:chgData name="Akash Levy" userId="0f662538-7453-45f3-952a-fc9f1a7c515e" providerId="ADAL" clId="{593DE006-A78F-1A44-90CA-63CFD0BF0D77}" dt="2020-08-07T21:41:32.386" v="118" actId="6549"/>
+          <ac:chgData name="Akash Levy" userId="0f662538-7453-45f3-952a-fc9f1a7c515e" providerId="ADAL" clId="{593DE006-A78F-1A44-90CA-63CFD0BF0D77}" dt="2020-08-08T06:56:53.955" v="232" actId="20577"/>
           <ac:graphicFrameMkLst>
             <pc:docMk/>
             <pc:sldMk cId="234706686" sldId="299"/>
@@ -325,23 +325,55 @@
           </ac:picMkLst>
         </pc:picChg>
       </pc:sldChg>
-      <pc:sldChg chg="modSp add mod">
-        <pc:chgData name="Akash Levy" userId="0f662538-7453-45f3-952a-fc9f1a7c515e" providerId="ADAL" clId="{593DE006-A78F-1A44-90CA-63CFD0BF0D77}" dt="2020-08-07T21:41:02.534" v="108" actId="20577"/>
+      <pc:sldChg chg="addSp delSp modSp add mod setBg">
+        <pc:chgData name="Akash Levy" userId="0f662538-7453-45f3-952a-fc9f1a7c515e" providerId="ADAL" clId="{593DE006-A78F-1A44-90CA-63CFD0BF0D77}" dt="2020-08-08T10:30:37.802" v="268" actId="26606"/>
         <pc:sldMkLst>
           <pc:docMk/>
           <pc:sldMk cId="2945584954" sldId="301"/>
         </pc:sldMkLst>
         <pc:spChg chg="mod">
-          <ac:chgData name="Akash Levy" userId="0f662538-7453-45f3-952a-fc9f1a7c515e" providerId="ADAL" clId="{593DE006-A78F-1A44-90CA-63CFD0BF0D77}" dt="2020-08-07T21:41:02.534" v="108" actId="20577"/>
+          <ac:chgData name="Akash Levy" userId="0f662538-7453-45f3-952a-fc9f1a7c515e" providerId="ADAL" clId="{593DE006-A78F-1A44-90CA-63CFD0BF0D77}" dt="2020-08-08T10:30:37.802" v="268" actId="26606"/>
           <ac:spMkLst>
             <pc:docMk/>
             <pc:sldMk cId="2945584954" sldId="301"/>
             <ac:spMk id="2" creationId="{717067CB-3D09-A046-9EB4-C894F3604B77}"/>
           </ac:spMkLst>
         </pc:spChg>
+        <pc:spChg chg="del">
+          <ac:chgData name="Akash Levy" userId="0f662538-7453-45f3-952a-fc9f1a7c515e" providerId="ADAL" clId="{593DE006-A78F-1A44-90CA-63CFD0BF0D77}" dt="2020-08-08T10:30:33.949" v="267" actId="931"/>
+          <ac:spMkLst>
+            <pc:docMk/>
+            <pc:sldMk cId="2945584954" sldId="301"/>
+            <ac:spMk id="3" creationId="{517AEB37-14AF-714A-8B45-0676AE86C9EB}"/>
+          </ac:spMkLst>
+        </pc:spChg>
+        <pc:spChg chg="add">
+          <ac:chgData name="Akash Levy" userId="0f662538-7453-45f3-952a-fc9f1a7c515e" providerId="ADAL" clId="{593DE006-A78F-1A44-90CA-63CFD0BF0D77}" dt="2020-08-08T10:30:37.802" v="268" actId="26606"/>
+          <ac:spMkLst>
+            <pc:docMk/>
+            <pc:sldMk cId="2945584954" sldId="301"/>
+            <ac:spMk id="10" creationId="{6753252F-4873-4F63-801D-CC719279A7D5}"/>
+          </ac:spMkLst>
+        </pc:spChg>
+        <pc:spChg chg="add">
+          <ac:chgData name="Akash Levy" userId="0f662538-7453-45f3-952a-fc9f1a7c515e" providerId="ADAL" clId="{593DE006-A78F-1A44-90CA-63CFD0BF0D77}" dt="2020-08-08T10:30:37.802" v="268" actId="26606"/>
+          <ac:spMkLst>
+            <pc:docMk/>
+            <pc:sldMk cId="2945584954" sldId="301"/>
+            <ac:spMk id="12" creationId="{047C8CCB-F95D-4249-92DD-651249D3535A}"/>
+          </ac:spMkLst>
+        </pc:spChg>
+        <pc:picChg chg="add mod">
+          <ac:chgData name="Akash Levy" userId="0f662538-7453-45f3-952a-fc9f1a7c515e" providerId="ADAL" clId="{593DE006-A78F-1A44-90CA-63CFD0BF0D77}" dt="2020-08-08T10:30:37.802" v="268" actId="26606"/>
+          <ac:picMkLst>
+            <pc:docMk/>
+            <pc:sldMk cId="2945584954" sldId="301"/>
+            <ac:picMk id="5" creationId="{DB56F2F0-43C4-434B-9404-FCA822BECAB0}"/>
+          </ac:picMkLst>
+        </pc:picChg>
       </pc:sldChg>
       <pc:sldChg chg="addSp delSp modSp add mod setBg delDesignElem">
-        <pc:chgData name="Akash Levy" userId="0f662538-7453-45f3-952a-fc9f1a7c515e" providerId="ADAL" clId="{593DE006-A78F-1A44-90CA-63CFD0BF0D77}" dt="2020-08-07T21:45:36.684" v="149" actId="26606"/>
+        <pc:chgData name="Akash Levy" userId="0f662538-7453-45f3-952a-fc9f1a7c515e" providerId="ADAL" clId="{593DE006-A78F-1A44-90CA-63CFD0BF0D77}" dt="2020-08-08T11:47:37.372" v="276" actId="20577"/>
         <pc:sldMkLst>
           <pc:docMk/>
           <pc:sldMk cId="608987082" sldId="302"/>
@@ -403,7 +435,7 @@
           </ac:spMkLst>
         </pc:spChg>
         <pc:graphicFrameChg chg="mod modGraphic">
-          <ac:chgData name="Akash Levy" userId="0f662538-7453-45f3-952a-fc9f1a7c515e" providerId="ADAL" clId="{593DE006-A78F-1A44-90CA-63CFD0BF0D77}" dt="2020-08-07T21:45:36.684" v="149" actId="26606"/>
+          <ac:chgData name="Akash Levy" userId="0f662538-7453-45f3-952a-fc9f1a7c515e" providerId="ADAL" clId="{593DE006-A78F-1A44-90CA-63CFD0BF0D77}" dt="2020-08-08T11:47:37.372" v="276" actId="20577"/>
           <ac:graphicFrameMkLst>
             <pc:docMk/>
             <pc:sldMk cId="608987082" sldId="302"/>
@@ -411,15 +443,55 @@
           </ac:graphicFrameMkLst>
         </pc:graphicFrameChg>
       </pc:sldChg>
-      <pc:sldChg chg="add">
-        <pc:chgData name="Akash Levy" userId="0f662538-7453-45f3-952a-fc9f1a7c515e" providerId="ADAL" clId="{593DE006-A78F-1A44-90CA-63CFD0BF0D77}" dt="2020-08-07T21:40:59.498" v="107"/>
+      <pc:sldChg chg="addSp delSp modSp add mod setBg">
+        <pc:chgData name="Akash Levy" userId="0f662538-7453-45f3-952a-fc9f1a7c515e" providerId="ADAL" clId="{593DE006-A78F-1A44-90CA-63CFD0BF0D77}" dt="2020-08-08T10:30:45.612" v="270" actId="26606"/>
         <pc:sldMkLst>
           <pc:docMk/>
           <pc:sldMk cId="2914539225" sldId="303"/>
         </pc:sldMkLst>
+        <pc:spChg chg="mod">
+          <ac:chgData name="Akash Levy" userId="0f662538-7453-45f3-952a-fc9f1a7c515e" providerId="ADAL" clId="{593DE006-A78F-1A44-90CA-63CFD0BF0D77}" dt="2020-08-08T10:30:45.612" v="270" actId="26606"/>
+          <ac:spMkLst>
+            <pc:docMk/>
+            <pc:sldMk cId="2914539225" sldId="303"/>
+            <ac:spMk id="2" creationId="{717067CB-3D09-A046-9EB4-C894F3604B77}"/>
+          </ac:spMkLst>
+        </pc:spChg>
+        <pc:spChg chg="del">
+          <ac:chgData name="Akash Levy" userId="0f662538-7453-45f3-952a-fc9f1a7c515e" providerId="ADAL" clId="{593DE006-A78F-1A44-90CA-63CFD0BF0D77}" dt="2020-08-08T10:30:43.897" v="269" actId="931"/>
+          <ac:spMkLst>
+            <pc:docMk/>
+            <pc:sldMk cId="2914539225" sldId="303"/>
+            <ac:spMk id="3" creationId="{517AEB37-14AF-714A-8B45-0676AE86C9EB}"/>
+          </ac:spMkLst>
+        </pc:spChg>
+        <pc:spChg chg="add">
+          <ac:chgData name="Akash Levy" userId="0f662538-7453-45f3-952a-fc9f1a7c515e" providerId="ADAL" clId="{593DE006-A78F-1A44-90CA-63CFD0BF0D77}" dt="2020-08-08T10:30:45.612" v="270" actId="26606"/>
+          <ac:spMkLst>
+            <pc:docMk/>
+            <pc:sldMk cId="2914539225" sldId="303"/>
+            <ac:spMk id="10" creationId="{6753252F-4873-4F63-801D-CC719279A7D5}"/>
+          </ac:spMkLst>
+        </pc:spChg>
+        <pc:spChg chg="add">
+          <ac:chgData name="Akash Levy" userId="0f662538-7453-45f3-952a-fc9f1a7c515e" providerId="ADAL" clId="{593DE006-A78F-1A44-90CA-63CFD0BF0D77}" dt="2020-08-08T10:30:45.612" v="270" actId="26606"/>
+          <ac:spMkLst>
+            <pc:docMk/>
+            <pc:sldMk cId="2914539225" sldId="303"/>
+            <ac:spMk id="12" creationId="{047C8CCB-F95D-4249-92DD-651249D3535A}"/>
+          </ac:spMkLst>
+        </pc:spChg>
+        <pc:picChg chg="add mod">
+          <ac:chgData name="Akash Levy" userId="0f662538-7453-45f3-952a-fc9f1a7c515e" providerId="ADAL" clId="{593DE006-A78F-1A44-90CA-63CFD0BF0D77}" dt="2020-08-08T10:30:45.612" v="270" actId="26606"/>
+          <ac:picMkLst>
+            <pc:docMk/>
+            <pc:sldMk cId="2914539225" sldId="303"/>
+            <ac:picMk id="5" creationId="{D7AA52B3-FD14-7540-B3BA-02EA79CDA9D0}"/>
+          </ac:picMkLst>
+        </pc:picChg>
       </pc:sldChg>
       <pc:sldChg chg="addSp delSp modSp add mod setBg delDesignElem">
-        <pc:chgData name="Akash Levy" userId="0f662538-7453-45f3-952a-fc9f1a7c515e" providerId="ADAL" clId="{593DE006-A78F-1A44-90CA-63CFD0BF0D77}" dt="2020-08-08T00:38:34.747" v="215" actId="20577"/>
+        <pc:chgData name="Akash Levy" userId="0f662538-7453-45f3-952a-fc9f1a7c515e" providerId="ADAL" clId="{593DE006-A78F-1A44-90CA-63CFD0BF0D77}" dt="2020-08-08T10:25:57.867" v="266" actId="478"/>
         <pc:sldMkLst>
           <pc:docMk/>
           <pc:sldMk cId="1122651523" sldId="304"/>
@@ -488,8 +560,16 @@
             <ac:spMk id="53" creationId="{047C8CCB-F95D-4249-92DD-651249D3535A}"/>
           </ac:spMkLst>
         </pc:spChg>
+        <pc:graphicFrameChg chg="add del mod">
+          <ac:chgData name="Akash Levy" userId="0f662538-7453-45f3-952a-fc9f1a7c515e" providerId="ADAL" clId="{593DE006-A78F-1A44-90CA-63CFD0BF0D77}" dt="2020-08-08T10:25:57.867" v="266" actId="478"/>
+          <ac:graphicFrameMkLst>
+            <pc:docMk/>
+            <pc:sldMk cId="1122651523" sldId="304"/>
+            <ac:graphicFrameMk id="4" creationId="{CCB6D307-F382-A043-95FB-8C6CDEE4D777}"/>
+          </ac:graphicFrameMkLst>
+        </pc:graphicFrameChg>
         <pc:graphicFrameChg chg="mod modGraphic">
-          <ac:chgData name="Akash Levy" userId="0f662538-7453-45f3-952a-fc9f1a7c515e" providerId="ADAL" clId="{593DE006-A78F-1A44-90CA-63CFD0BF0D77}" dt="2020-08-08T00:38:34.747" v="215" actId="20577"/>
+          <ac:chgData name="Akash Levy" userId="0f662538-7453-45f3-952a-fc9f1a7c515e" providerId="ADAL" clId="{593DE006-A78F-1A44-90CA-63CFD0BF0D77}" dt="2020-08-08T10:25:53.864" v="265" actId="20577"/>
           <ac:graphicFrameMkLst>
             <pc:docMk/>
             <pc:sldMk cId="1122651523" sldId="304"/>
@@ -498,13 +578,13 @@
         </pc:graphicFrameChg>
       </pc:sldChg>
       <pc:sldChg chg="modSp add">
-        <pc:chgData name="Akash Levy" userId="0f662538-7453-45f3-952a-fc9f1a7c515e" providerId="ADAL" clId="{593DE006-A78F-1A44-90CA-63CFD0BF0D77}" dt="2020-08-07T21:51:10.645" v="168" actId="14826"/>
+        <pc:chgData name="Akash Levy" userId="0f662538-7453-45f3-952a-fc9f1a7c515e" providerId="ADAL" clId="{593DE006-A78F-1A44-90CA-63CFD0BF0D77}" dt="2020-08-08T11:47:15.956" v="272" actId="14826"/>
         <pc:sldMkLst>
           <pc:docMk/>
           <pc:sldMk cId="46029948" sldId="305"/>
         </pc:sldMkLst>
         <pc:picChg chg="mod">
-          <ac:chgData name="Akash Levy" userId="0f662538-7453-45f3-952a-fc9f1a7c515e" providerId="ADAL" clId="{593DE006-A78F-1A44-90CA-63CFD0BF0D77}" dt="2020-08-07T21:51:10.645" v="168" actId="14826"/>
+          <ac:chgData name="Akash Levy" userId="0f662538-7453-45f3-952a-fc9f1a7c515e" providerId="ADAL" clId="{593DE006-A78F-1A44-90CA-63CFD0BF0D77}" dt="2020-08-08T11:47:15.956" v="272" actId="14826"/>
           <ac:picMkLst>
             <pc:docMk/>
             <pc:sldMk cId="46029948" sldId="305"/>
@@ -20443,6 +20523,14 @@
 <file path=ppt/slides/slide21.xml><?xml version="1.0" encoding="utf-8"?>
 <p:sld xmlns:a="http://schemas.openxmlformats.org/drawingml/2006/main" xmlns:r="http://schemas.openxmlformats.org/officeDocument/2006/relationships" xmlns:p="http://schemas.openxmlformats.org/presentationml/2006/main">
   <p:cSld>
+    <p:bg>
+      <p:bgPr>
+        <a:solidFill>
+          <a:schemeClr val="bg1"/>
+        </a:solidFill>
+        <a:effectLst/>
+      </p:bgPr>
+    </p:bg>
     <p:spTree>
       <p:nvGrpSpPr>
         <p:cNvPr id="1" name=""/>
@@ -20459,6 +20547,132 @@
       </p:grpSpPr>
       <p:sp>
         <p:nvSpPr>
+          <p:cNvPr id="10" name="Rectangle 9">
+            <a:extLst>
+              <a:ext uri="{FF2B5EF4-FFF2-40B4-BE49-F238E27FC236}">
+                <a16:creationId xmlns:a16="http://schemas.microsoft.com/office/drawing/2014/main" id="{6753252F-4873-4F63-801D-CC719279A7D5}"/>
+              </a:ext>
+              <a:ext uri="{C183D7F6-B498-43B3-948B-1728B52AA6E4}">
+                <adec:decorative xmlns:adec="http://schemas.microsoft.com/office/drawing/2017/decorative" val="1"/>
+              </a:ext>
+            </a:extLst>
+          </p:cNvPr>
+          <p:cNvSpPr>
+            <a:spLocks noGrp="1" noRot="1" noChangeAspect="1" noMove="1" noResize="1" noEditPoints="1" noAdjustHandles="1" noChangeArrowheads="1" noChangeShapeType="1" noTextEdit="1"/>
+          </p:cNvSpPr>
+          <p:nvPr>
+            <p:extLst>
+              <p:ext uri="{386F3935-93C4-4BCD-93E2-E3B085C9AB24}">
+                <p16:designElem xmlns:p16="http://schemas.microsoft.com/office/powerpoint/2015/main" val="1"/>
+              </p:ext>
+            </p:extLst>
+          </p:nvPr>
+        </p:nvSpPr>
+        <p:spPr>
+          <a:xfrm>
+            <a:off x="0" y="0"/>
+            <a:ext cx="12192000" cy="6858000"/>
+          </a:xfrm>
+          <a:prstGeom prst="rect">
+            <a:avLst/>
+          </a:prstGeom>
+          <a:solidFill>
+            <a:srgbClr val="FFFFFF"/>
+          </a:solidFill>
+          <a:ln>
+            <a:noFill/>
+          </a:ln>
+        </p:spPr>
+        <p:style>
+          <a:lnRef idx="2">
+            <a:schemeClr val="accent1">
+              <a:shade val="50000"/>
+            </a:schemeClr>
+          </a:lnRef>
+          <a:fillRef idx="1">
+            <a:schemeClr val="accent1"/>
+          </a:fillRef>
+          <a:effectRef idx="0">
+            <a:schemeClr val="accent1"/>
+          </a:effectRef>
+          <a:fontRef idx="minor">
+            <a:schemeClr val="lt1"/>
+          </a:fontRef>
+        </p:style>
+        <p:txBody>
+          <a:bodyPr rtlCol="0" anchor="ctr"/>
+          <a:lstStyle/>
+          <a:p>
+            <a:pPr algn="ctr"/>
+            <a:endParaRPr lang="en-US"/>
+          </a:p>
+        </p:txBody>
+      </p:sp>
+      <p:sp>
+        <p:nvSpPr>
+          <p:cNvPr id="12" name="Rectangle 11">
+            <a:extLst>
+              <a:ext uri="{FF2B5EF4-FFF2-40B4-BE49-F238E27FC236}">
+                <a16:creationId xmlns:a16="http://schemas.microsoft.com/office/drawing/2014/main" id="{047C8CCB-F95D-4249-92DD-651249D3535A}"/>
+              </a:ext>
+              <a:ext uri="{C183D7F6-B498-43B3-948B-1728B52AA6E4}">
+                <adec:decorative xmlns:adec="http://schemas.microsoft.com/office/drawing/2017/decorative" val="1"/>
+              </a:ext>
+            </a:extLst>
+          </p:cNvPr>
+          <p:cNvSpPr>
+            <a:spLocks noGrp="1" noRot="1" noChangeAspect="1" noMove="1" noResize="1" noEditPoints="1" noAdjustHandles="1" noChangeArrowheads="1" noChangeShapeType="1" noTextEdit="1"/>
+          </p:cNvSpPr>
+          <p:nvPr>
+            <p:extLst>
+              <p:ext uri="{386F3935-93C4-4BCD-93E2-E3B085C9AB24}">
+                <p16:designElem xmlns:p16="http://schemas.microsoft.com/office/powerpoint/2015/main" val="1"/>
+              </p:ext>
+            </p:extLst>
+          </p:nvPr>
+        </p:nvSpPr>
+        <p:spPr>
+          <a:xfrm>
+            <a:off x="0" y="0"/>
+            <a:ext cx="2013557" cy="6858000"/>
+          </a:xfrm>
+          <a:prstGeom prst="rect">
+            <a:avLst/>
+          </a:prstGeom>
+          <a:solidFill>
+            <a:srgbClr val="7F7F7F"/>
+          </a:solidFill>
+          <a:ln>
+            <a:noFill/>
+          </a:ln>
+        </p:spPr>
+        <p:style>
+          <a:lnRef idx="2">
+            <a:schemeClr val="accent1">
+              <a:shade val="50000"/>
+            </a:schemeClr>
+          </a:lnRef>
+          <a:fillRef idx="1">
+            <a:schemeClr val="accent1"/>
+          </a:fillRef>
+          <a:effectRef idx="0">
+            <a:schemeClr val="accent1"/>
+          </a:effectRef>
+          <a:fontRef idx="minor">
+            <a:schemeClr val="lt1"/>
+          </a:fontRef>
+        </p:style>
+        <p:txBody>
+          <a:bodyPr rtlCol="0" anchor="ctr"/>
+          <a:lstStyle/>
+          <a:p>
+            <a:pPr algn="ctr"/>
+            <a:endParaRPr lang="en-US"/>
+          </a:p>
+        </p:txBody>
+      </p:sp>
+      <p:sp>
+        <p:nvSpPr>
           <p:cNvPr id="2" name="Title 1">
             <a:extLst>
               <a:ext uri="{FF2B5EF4-FFF2-40B4-BE49-F238E27FC236}">
@@ -20473,43 +20687,76 @@
             <p:ph type="title"/>
           </p:nvPr>
         </p:nvSpPr>
-        <p:spPr/>
+        <p:spPr>
+          <a:xfrm>
+            <a:off x="640080" y="2074363"/>
+            <a:ext cx="2752354" cy="2709275"/>
+          </a:xfrm>
+          <a:prstGeom prst="ellipse">
+            <a:avLst/>
+          </a:prstGeom>
+          <a:solidFill>
+            <a:srgbClr val="262626"/>
+          </a:solidFill>
+          <a:ln w="174625" cmpd="thinThick">
+            <a:solidFill>
+              <a:srgbClr val="262626"/>
+            </a:solidFill>
+          </a:ln>
+        </p:spPr>
         <p:txBody>
-          <a:bodyPr/>
+          <a:bodyPr vert="horz" lIns="91440" tIns="45720" rIns="91440" bIns="45720" rtlCol="0" anchor="ctr">
+            <a:normAutofit/>
+          </a:bodyPr>
           <a:lstStyle/>
           <a:p>
+            <a:pPr algn="ctr"/>
             <a:r>
-              <a:rPr lang="en-US" dirty="0"/>
+              <a:rPr lang="en-US" sz="2600" kern="1200">
+                <a:solidFill>
+                  <a:srgbClr val="FFFFFF"/>
+                </a:solidFill>
+                <a:latin typeface="+mj-lt"/>
+                <a:ea typeface="+mj-ea"/>
+                <a:cs typeface="+mj-cs"/>
+              </a:rPr>
               <a:t>VBL Step Size Optimization</a:t>
             </a:r>
           </a:p>
         </p:txBody>
       </p:sp>
-      <p:sp>
-        <p:nvSpPr>
-          <p:cNvPr id="3" name="Content Placeholder 2">
+      <p:pic>
+        <p:nvPicPr>
+          <p:cNvPr id="5" name="Content Placeholder 4">
             <a:extLst>
               <a:ext uri="{FF2B5EF4-FFF2-40B4-BE49-F238E27FC236}">
-                <a16:creationId xmlns:a16="http://schemas.microsoft.com/office/drawing/2014/main" id="{517AEB37-14AF-714A-8B45-0676AE86C9EB}"/>
+                <a16:creationId xmlns:a16="http://schemas.microsoft.com/office/drawing/2014/main" id="{DB56F2F0-43C4-434B-9404-FCA822BECAB0}"/>
               </a:ext>
             </a:extLst>
           </p:cNvPr>
-          <p:cNvSpPr>
-            <a:spLocks noGrp="1"/>
-          </p:cNvSpPr>
+          <p:cNvPicPr>
+            <a:picLocks noGrp="1" noChangeAspect="1"/>
+          </p:cNvPicPr>
           <p:nvPr>
             <p:ph idx="1"/>
           </p:nvPr>
-        </p:nvSpPr>
-        <p:spPr/>
-        <p:txBody>
-          <a:bodyPr/>
-          <a:lstStyle/>
-          <a:p>
-            <a:endParaRPr lang="en-US" dirty="0"/>
-          </a:p>
-        </p:txBody>
-      </p:sp>
+        </p:nvPicPr>
+        <p:blipFill>
+          <a:blip r:embed="rId2"/>
+          <a:stretch>
+            <a:fillRect/>
+          </a:stretch>
+        </p:blipFill>
+        <p:spPr>
+          <a:xfrm>
+            <a:off x="4345375" y="961812"/>
+            <a:ext cx="6574649" cy="4930987"/>
+          </a:xfrm>
+          <a:prstGeom prst="rect">
+            <a:avLst/>
+          </a:prstGeom>
+        </p:spPr>
+      </p:pic>
     </p:spTree>
     <p:extLst>
       <p:ext uri="{BB962C8B-B14F-4D97-AF65-F5344CB8AC3E}">
@@ -20526,6 +20773,14 @@
 <file path=ppt/slides/slide22.xml><?xml version="1.0" encoding="utf-8"?>
 <p:sld xmlns:a="http://schemas.openxmlformats.org/drawingml/2006/main" xmlns:r="http://schemas.openxmlformats.org/officeDocument/2006/relationships" xmlns:p="http://schemas.openxmlformats.org/presentationml/2006/main">
   <p:cSld>
+    <p:bg>
+      <p:bgPr>
+        <a:solidFill>
+          <a:schemeClr val="bg1"/>
+        </a:solidFill>
+        <a:effectLst/>
+      </p:bgPr>
+    </p:bg>
     <p:spTree>
       <p:nvGrpSpPr>
         <p:cNvPr id="1" name=""/>
@@ -20542,6 +20797,132 @@
       </p:grpSpPr>
       <p:sp>
         <p:nvSpPr>
+          <p:cNvPr id="10" name="Rectangle 9">
+            <a:extLst>
+              <a:ext uri="{FF2B5EF4-FFF2-40B4-BE49-F238E27FC236}">
+                <a16:creationId xmlns:a16="http://schemas.microsoft.com/office/drawing/2014/main" id="{6753252F-4873-4F63-801D-CC719279A7D5}"/>
+              </a:ext>
+              <a:ext uri="{C183D7F6-B498-43B3-948B-1728B52AA6E4}">
+                <adec:decorative xmlns:adec="http://schemas.microsoft.com/office/drawing/2017/decorative" val="1"/>
+              </a:ext>
+            </a:extLst>
+          </p:cNvPr>
+          <p:cNvSpPr>
+            <a:spLocks noGrp="1" noRot="1" noChangeAspect="1" noMove="1" noResize="1" noEditPoints="1" noAdjustHandles="1" noChangeArrowheads="1" noChangeShapeType="1" noTextEdit="1"/>
+          </p:cNvSpPr>
+          <p:nvPr>
+            <p:extLst>
+              <p:ext uri="{386F3935-93C4-4BCD-93E2-E3B085C9AB24}">
+                <p16:designElem xmlns:p16="http://schemas.microsoft.com/office/powerpoint/2015/main" val="1"/>
+              </p:ext>
+            </p:extLst>
+          </p:nvPr>
+        </p:nvSpPr>
+        <p:spPr>
+          <a:xfrm>
+            <a:off x="0" y="0"/>
+            <a:ext cx="12192000" cy="6858000"/>
+          </a:xfrm>
+          <a:prstGeom prst="rect">
+            <a:avLst/>
+          </a:prstGeom>
+          <a:solidFill>
+            <a:srgbClr val="FFFFFF"/>
+          </a:solidFill>
+          <a:ln>
+            <a:noFill/>
+          </a:ln>
+        </p:spPr>
+        <p:style>
+          <a:lnRef idx="2">
+            <a:schemeClr val="accent1">
+              <a:shade val="50000"/>
+            </a:schemeClr>
+          </a:lnRef>
+          <a:fillRef idx="1">
+            <a:schemeClr val="accent1"/>
+          </a:fillRef>
+          <a:effectRef idx="0">
+            <a:schemeClr val="accent1"/>
+          </a:effectRef>
+          <a:fontRef idx="minor">
+            <a:schemeClr val="lt1"/>
+          </a:fontRef>
+        </p:style>
+        <p:txBody>
+          <a:bodyPr rtlCol="0" anchor="ctr"/>
+          <a:lstStyle/>
+          <a:p>
+            <a:pPr algn="ctr"/>
+            <a:endParaRPr lang="en-US"/>
+          </a:p>
+        </p:txBody>
+      </p:sp>
+      <p:sp>
+        <p:nvSpPr>
+          <p:cNvPr id="12" name="Rectangle 11">
+            <a:extLst>
+              <a:ext uri="{FF2B5EF4-FFF2-40B4-BE49-F238E27FC236}">
+                <a16:creationId xmlns:a16="http://schemas.microsoft.com/office/drawing/2014/main" id="{047C8CCB-F95D-4249-92DD-651249D3535A}"/>
+              </a:ext>
+              <a:ext uri="{C183D7F6-B498-43B3-948B-1728B52AA6E4}">
+                <adec:decorative xmlns:adec="http://schemas.microsoft.com/office/drawing/2017/decorative" val="1"/>
+              </a:ext>
+            </a:extLst>
+          </p:cNvPr>
+          <p:cNvSpPr>
+            <a:spLocks noGrp="1" noRot="1" noChangeAspect="1" noMove="1" noResize="1" noEditPoints="1" noAdjustHandles="1" noChangeArrowheads="1" noChangeShapeType="1" noTextEdit="1"/>
+          </p:cNvSpPr>
+          <p:nvPr>
+            <p:extLst>
+              <p:ext uri="{386F3935-93C4-4BCD-93E2-E3B085C9AB24}">
+                <p16:designElem xmlns:p16="http://schemas.microsoft.com/office/powerpoint/2015/main" val="1"/>
+              </p:ext>
+            </p:extLst>
+          </p:nvPr>
+        </p:nvSpPr>
+        <p:spPr>
+          <a:xfrm>
+            <a:off x="0" y="0"/>
+            <a:ext cx="2013557" cy="6858000"/>
+          </a:xfrm>
+          <a:prstGeom prst="rect">
+            <a:avLst/>
+          </a:prstGeom>
+          <a:solidFill>
+            <a:srgbClr val="7F7F7F"/>
+          </a:solidFill>
+          <a:ln>
+            <a:noFill/>
+          </a:ln>
+        </p:spPr>
+        <p:style>
+          <a:lnRef idx="2">
+            <a:schemeClr val="accent1">
+              <a:shade val="50000"/>
+            </a:schemeClr>
+          </a:lnRef>
+          <a:fillRef idx="1">
+            <a:schemeClr val="accent1"/>
+          </a:fillRef>
+          <a:effectRef idx="0">
+            <a:schemeClr val="accent1"/>
+          </a:effectRef>
+          <a:fontRef idx="minor">
+            <a:schemeClr val="lt1"/>
+          </a:fontRef>
+        </p:style>
+        <p:txBody>
+          <a:bodyPr rtlCol="0" anchor="ctr"/>
+          <a:lstStyle/>
+          <a:p>
+            <a:pPr algn="ctr"/>
+            <a:endParaRPr lang="en-US"/>
+          </a:p>
+        </p:txBody>
+      </p:sp>
+      <p:sp>
+        <p:nvSpPr>
           <p:cNvPr id="2" name="Title 1">
             <a:extLst>
               <a:ext uri="{FF2B5EF4-FFF2-40B4-BE49-F238E27FC236}">
@@ -20556,43 +20937,76 @@
             <p:ph type="title"/>
           </p:nvPr>
         </p:nvSpPr>
-        <p:spPr/>
+        <p:spPr>
+          <a:xfrm>
+            <a:off x="640080" y="2074363"/>
+            <a:ext cx="2752354" cy="2709275"/>
+          </a:xfrm>
+          <a:prstGeom prst="ellipse">
+            <a:avLst/>
+          </a:prstGeom>
+          <a:solidFill>
+            <a:srgbClr val="262626"/>
+          </a:solidFill>
+          <a:ln w="174625" cmpd="thinThick">
+            <a:solidFill>
+              <a:srgbClr val="262626"/>
+            </a:solidFill>
+          </a:ln>
+        </p:spPr>
         <p:txBody>
-          <a:bodyPr/>
+          <a:bodyPr vert="horz" lIns="91440" tIns="45720" rIns="91440" bIns="45720" rtlCol="0" anchor="ctr">
+            <a:normAutofit/>
+          </a:bodyPr>
           <a:lstStyle/>
           <a:p>
+            <a:pPr algn="ctr"/>
             <a:r>
-              <a:rPr lang="en-US" dirty="0"/>
+              <a:rPr lang="en-US" sz="2600" kern="1200">
+                <a:solidFill>
+                  <a:srgbClr val="FFFFFF"/>
+                </a:solidFill>
+                <a:latin typeface="+mj-lt"/>
+                <a:ea typeface="+mj-ea"/>
+                <a:cs typeface="+mj-cs"/>
+              </a:rPr>
               <a:t>VSL Step Size Optimization</a:t>
             </a:r>
           </a:p>
         </p:txBody>
       </p:sp>
-      <p:sp>
-        <p:nvSpPr>
-          <p:cNvPr id="3" name="Content Placeholder 2">
+      <p:pic>
+        <p:nvPicPr>
+          <p:cNvPr id="5" name="Content Placeholder 4">
             <a:extLst>
               <a:ext uri="{FF2B5EF4-FFF2-40B4-BE49-F238E27FC236}">
-                <a16:creationId xmlns:a16="http://schemas.microsoft.com/office/drawing/2014/main" id="{517AEB37-14AF-714A-8B45-0676AE86C9EB}"/>
+                <a16:creationId xmlns:a16="http://schemas.microsoft.com/office/drawing/2014/main" id="{D7AA52B3-FD14-7540-B3BA-02EA79CDA9D0}"/>
               </a:ext>
             </a:extLst>
           </p:cNvPr>
-          <p:cNvSpPr>
-            <a:spLocks noGrp="1"/>
-          </p:cNvSpPr>
+          <p:cNvPicPr>
+            <a:picLocks noGrp="1" noChangeAspect="1"/>
+          </p:cNvPicPr>
           <p:nvPr>
             <p:ph idx="1"/>
           </p:nvPr>
-        </p:nvSpPr>
-        <p:spPr/>
-        <p:txBody>
-          <a:bodyPr/>
-          <a:lstStyle/>
-          <a:p>
-            <a:endParaRPr lang="en-US" dirty="0"/>
-          </a:p>
-        </p:txBody>
-      </p:sp>
+        </p:nvPicPr>
+        <p:blipFill>
+          <a:blip r:embed="rId2"/>
+          <a:stretch>
+            <a:fillRect/>
+          </a:stretch>
+        </p:blipFill>
+        <p:spPr>
+          <a:xfrm>
+            <a:off x="4345375" y="961812"/>
+            <a:ext cx="6574649" cy="4930987"/>
+          </a:xfrm>
+          <a:prstGeom prst="rect">
+            <a:avLst/>
+          </a:prstGeom>
+        </p:spPr>
+      </p:pic>
     </p:spTree>
     <p:extLst>
       <p:ext uri="{BB962C8B-B14F-4D97-AF65-F5344CB8AC3E}">
@@ -20858,7 +21272,7 @@
           <p:nvPr>
             <p:extLst>
               <p:ext uri="{D42A27DB-BD31-4B8C-83A1-F6EECF244321}">
-                <p14:modId xmlns:p14="http://schemas.microsoft.com/office/powerpoint/2010/main" val="4235864693"/>
+                <p14:modId xmlns:p14="http://schemas.microsoft.com/office/powerpoint/2010/main" val="600843923"/>
               </p:ext>
             </p:extLst>
           </p:nvPr>
@@ -21479,7 +21893,7 @@
                     <a:p>
                       <a:r>
                         <a:rPr lang="en-US" sz="3000" dirty="0"/>
-                        <a:t>0.05</a:t>
+                        <a:t>0.6</a:t>
                       </a:r>
                     </a:p>
                   </a:txBody>
@@ -21529,7 +21943,7 @@
                     <a:p>
                       <a:r>
                         <a:rPr lang="en-US" sz="3000" dirty="0"/>
-                        <a:t>0.14</a:t>
+                        <a:t>0.18</a:t>
                       </a:r>
                     </a:p>
                   </a:txBody>
@@ -21579,7 +21993,7 @@
                     <a:p>
                       <a:r>
                         <a:rPr lang="en-US" sz="3000" dirty="0"/>
-                        <a:t>0</a:t>
+                        <a:t>0.6</a:t>
                       </a:r>
                     </a:p>
                   </a:txBody>
@@ -21629,7 +22043,7 @@
                     <a:p>
                       <a:r>
                         <a:rPr lang="en-US" sz="3000" dirty="0"/>
-                        <a:t>0</a:t>
+                        <a:t>0.26</a:t>
                       </a:r>
                     </a:p>
                   </a:txBody>
@@ -21736,7 +22150,7 @@
                     <a:p>
                       <a:r>
                         <a:rPr lang="en-US" sz="3000" dirty="0"/>
-                        <a:t>0.05</a:t>
+                        <a:t>0.8</a:t>
                       </a:r>
                     </a:p>
                   </a:txBody>
@@ -21786,7 +22200,7 @@
                     <a:p>
                       <a:r>
                         <a:rPr lang="en-US" sz="3000" dirty="0"/>
-                        <a:t>0.14</a:t>
+                        <a:t>0.1</a:t>
                       </a:r>
                     </a:p>
                   </a:txBody>
@@ -21836,7 +22250,7 @@
                     <a:p>
                       <a:r>
                         <a:rPr lang="en-US" sz="3000" dirty="0"/>
-                        <a:t>0</a:t>
+                        <a:t>0.6</a:t>
                       </a:r>
                     </a:p>
                   </a:txBody>
@@ -21886,7 +22300,7 @@
                     <a:p>
                       <a:r>
                         <a:rPr lang="en-US" sz="3000" dirty="0"/>
-                        <a:t>0</a:t>
+                        <a:t>0.34</a:t>
                       </a:r>
                     </a:p>
                   </a:txBody>
@@ -22488,7 +22902,7 @@
           <p:nvPr>
             <p:extLst>
               <p:ext uri="{D42A27DB-BD31-4B8C-83A1-F6EECF244321}">
-                <p14:modId xmlns:p14="http://schemas.microsoft.com/office/powerpoint/2010/main" val="3760165349"/>
+                <p14:modId xmlns:p14="http://schemas.microsoft.com/office/powerpoint/2010/main" val="3984015456"/>
               </p:ext>
             </p:extLst>
           </p:nvPr>
@@ -23023,18 +23437,13 @@
                     <a:lstStyle/>
                     <a:p>
                       <a:r>
-                        <a:rPr lang="en-US" sz="2600" cap="none" spc="0">
+                        <a:rPr lang="en-US" sz="2600" cap="none" spc="0" dirty="0">
                           <a:solidFill>
                             <a:schemeClr val="tx1"/>
                           </a:solidFill>
                         </a:rPr>
-                        <a:t>TODO</a:t>
+                        <a:t>8.39</a:t>
                       </a:r>
-                      <a:endParaRPr lang="en-US" sz="2600" cap="none" spc="0" dirty="0">
-                        <a:solidFill>
-                          <a:schemeClr val="tx1"/>
-                        </a:solidFill>
-                      </a:endParaRPr>
                     </a:p>
                   </a:txBody>
                   <a:tcPr marL="220027" marR="163524" marT="169253" marB="169253">
@@ -24221,18 +24630,13 @@
                     <a:lstStyle/>
                     <a:p>
                       <a:r>
-                        <a:rPr lang="en-US" sz="2600" cap="none" spc="0">
+                        <a:rPr lang="en-US" sz="2600" cap="none" spc="0" dirty="0">
                           <a:solidFill>
                             <a:schemeClr val="tx1"/>
                           </a:solidFill>
                         </a:rPr>
                         <a:t>TODO</a:t>
                       </a:r>
-                      <a:endParaRPr lang="en-US" sz="2600" cap="none" spc="0" dirty="0">
-                        <a:solidFill>
-                          <a:schemeClr val="tx1"/>
-                        </a:solidFill>
-                      </a:endParaRPr>
                     </a:p>
                   </a:txBody>
                   <a:tcPr marL="220027" marR="163524" marT="169253" marB="169253">
@@ -29326,7 +29730,7 @@
           <p:nvPr>
             <p:extLst>
               <p:ext uri="{D42A27DB-BD31-4B8C-83A1-F6EECF244321}">
-                <p14:modId xmlns:p14="http://schemas.microsoft.com/office/powerpoint/2010/main" val="2824086622"/>
+                <p14:modId xmlns:p14="http://schemas.microsoft.com/office/powerpoint/2010/main" val="1800606362"/>
               </p:ext>
             </p:extLst>
           </p:nvPr>
@@ -30045,7 +30449,10 @@
                     <a:bodyPr/>
                     <a:lstStyle/>
                     <a:p>
-                      <a:endParaRPr lang="en-US" sz="2800" dirty="0"/>
+                      <a:r>
+                        <a:rPr lang="en-US" sz="2800" dirty="0"/>
+                        <a:t>0</a:t>
+                      </a:r>
                     </a:p>
                   </a:txBody>
                   <a:tcPr marL="135969" marR="135969" marT="67986" marB="67986">
@@ -30092,7 +30499,10 @@
                     <a:bodyPr/>
                     <a:lstStyle/>
                     <a:p>
-                      <a:endParaRPr lang="en-US" sz="2800" dirty="0"/>
+                      <a:r>
+                        <a:rPr lang="en-US" sz="2800" dirty="0"/>
+                        <a:t>0.16</a:t>
+                      </a:r>
                     </a:p>
                   </a:txBody>
                   <a:tcPr marL="135969" marR="135969" marT="67986" marB="67986">
@@ -30296,7 +30706,10 @@
                     <a:bodyPr/>
                     <a:lstStyle/>
                     <a:p>
-                      <a:endParaRPr lang="en-US" sz="2800" dirty="0"/>
+                      <a:r>
+                        <a:rPr lang="en-US" sz="2800" dirty="0"/>
+                        <a:t>0</a:t>
+                      </a:r>
                     </a:p>
                   </a:txBody>
                   <a:tcPr marL="135969" marR="135969" marT="67986" marB="67986">
@@ -30343,7 +30756,10 @@
                     <a:bodyPr/>
                     <a:lstStyle/>
                     <a:p>
-                      <a:endParaRPr lang="en-US" sz="2800" dirty="0"/>
+                      <a:r>
+                        <a:rPr lang="en-US" sz="2800" dirty="0"/>
+                        <a:t>0.1</a:t>
+                      </a:r>
                     </a:p>
                   </a:txBody>
                   <a:tcPr marL="135969" marR="135969" marT="67986" marB="67986">

--- a/presentations/Updates 8-4-20.pptx
+++ b/presentations/Updates 8-4-20.pptx
@@ -155,7 +155,7 @@
 <file path=ppt/revisionInfo.xml><?xml version="1.0" encoding="utf-8"?>
 <p1510:revInfo xmlns:a="http://schemas.openxmlformats.org/drawingml/2006/main" xmlns:r="http://schemas.openxmlformats.org/officeDocument/2006/relationships" xmlns:p1510="http://schemas.microsoft.com/office/powerpoint/2015/10/main">
   <p1510:revLst>
-    <p1510:client id="{593DE006-A78F-1A44-90CA-63CFD0BF0D77}" v="20" dt="2020-08-08T11:47:15.956"/>
+    <p1510:client id="{593DE006-A78F-1A44-90CA-63CFD0BF0D77}" v="22" dt="2020-08-09T06:17:55.970"/>
   </p1510:revLst>
 </p1510:revInfo>
 </file>
@@ -165,10 +165,25 @@
   <pc:docChgLst>
     <pc:chgData name="Akash Levy" userId="0f662538-7453-45f3-952a-fc9f1a7c515e" providerId="ADAL" clId="{593DE006-A78F-1A44-90CA-63CFD0BF0D77}"/>
     <pc:docChg chg="undo custSel mod addSld delSld modSld">
-      <pc:chgData name="Akash Levy" userId="0f662538-7453-45f3-952a-fc9f1a7c515e" providerId="ADAL" clId="{593DE006-A78F-1A44-90CA-63CFD0BF0D77}" dt="2020-08-08T11:47:37.372" v="276" actId="20577"/>
+      <pc:chgData name="Akash Levy" userId="0f662538-7453-45f3-952a-fc9f1a7c515e" providerId="ADAL" clId="{593DE006-A78F-1A44-90CA-63CFD0BF0D77}" dt="2020-08-09T06:18:57.935" v="310" actId="20577"/>
       <pc:docMkLst>
         <pc:docMk/>
       </pc:docMkLst>
+      <pc:sldChg chg="modSp mod">
+        <pc:chgData name="Akash Levy" userId="0f662538-7453-45f3-952a-fc9f1a7c515e" providerId="ADAL" clId="{593DE006-A78F-1A44-90CA-63CFD0BF0D77}" dt="2020-08-09T06:18:48.701" v="302" actId="20577"/>
+        <pc:sldMkLst>
+          <pc:docMk/>
+          <pc:sldMk cId="2254662136" sldId="262"/>
+        </pc:sldMkLst>
+        <pc:spChg chg="mod">
+          <ac:chgData name="Akash Levy" userId="0f662538-7453-45f3-952a-fc9f1a7c515e" providerId="ADAL" clId="{593DE006-A78F-1A44-90CA-63CFD0BF0D77}" dt="2020-08-09T06:18:48.701" v="302" actId="20577"/>
+          <ac:spMkLst>
+            <pc:docMk/>
+            <pc:sldMk cId="2254662136" sldId="262"/>
+            <ac:spMk id="2" creationId="{0DC20D0A-1987-9B4E-A869-51F473A5029A}"/>
+          </ac:spMkLst>
+        </pc:spChg>
+      </pc:sldChg>
       <pc:sldChg chg="modSp mod">
         <pc:chgData name="Akash Levy" userId="0f662538-7453-45f3-952a-fc9f1a7c515e" providerId="ADAL" clId="{593DE006-A78F-1A44-90CA-63CFD0BF0D77}" dt="2020-08-07T03:08:18.195" v="37" actId="12"/>
         <pc:sldMkLst>
@@ -373,7 +388,7 @@
         </pc:picChg>
       </pc:sldChg>
       <pc:sldChg chg="addSp delSp modSp add mod setBg delDesignElem">
-        <pc:chgData name="Akash Levy" userId="0f662538-7453-45f3-952a-fc9f1a7c515e" providerId="ADAL" clId="{593DE006-A78F-1A44-90CA-63CFD0BF0D77}" dt="2020-08-08T11:47:37.372" v="276" actId="20577"/>
+        <pc:chgData name="Akash Levy" userId="0f662538-7453-45f3-952a-fc9f1a7c515e" providerId="ADAL" clId="{593DE006-A78F-1A44-90CA-63CFD0BF0D77}" dt="2020-08-09T06:18:15.449" v="292" actId="20577"/>
         <pc:sldMkLst>
           <pc:docMk/>
           <pc:sldMk cId="608987082" sldId="302"/>
@@ -435,7 +450,7 @@
           </ac:spMkLst>
         </pc:spChg>
         <pc:graphicFrameChg chg="mod modGraphic">
-          <ac:chgData name="Akash Levy" userId="0f662538-7453-45f3-952a-fc9f1a7c515e" providerId="ADAL" clId="{593DE006-A78F-1A44-90CA-63CFD0BF0D77}" dt="2020-08-08T11:47:37.372" v="276" actId="20577"/>
+          <ac:chgData name="Akash Levy" userId="0f662538-7453-45f3-952a-fc9f1a7c515e" providerId="ADAL" clId="{593DE006-A78F-1A44-90CA-63CFD0BF0D77}" dt="2020-08-09T06:18:15.449" v="292" actId="20577"/>
           <ac:graphicFrameMkLst>
             <pc:docMk/>
             <pc:sldMk cId="608987082" sldId="302"/>
@@ -577,14 +592,22 @@
           </ac:graphicFrameMkLst>
         </pc:graphicFrameChg>
       </pc:sldChg>
-      <pc:sldChg chg="modSp add">
-        <pc:chgData name="Akash Levy" userId="0f662538-7453-45f3-952a-fc9f1a7c515e" providerId="ADAL" clId="{593DE006-A78F-1A44-90CA-63CFD0BF0D77}" dt="2020-08-08T11:47:15.956" v="272" actId="14826"/>
+      <pc:sldChg chg="modSp add mod">
+        <pc:chgData name="Akash Levy" userId="0f662538-7453-45f3-952a-fc9f1a7c515e" providerId="ADAL" clId="{593DE006-A78F-1A44-90CA-63CFD0BF0D77}" dt="2020-08-09T06:18:57.935" v="310" actId="20577"/>
         <pc:sldMkLst>
           <pc:docMk/>
           <pc:sldMk cId="46029948" sldId="305"/>
         </pc:sldMkLst>
+        <pc:spChg chg="mod">
+          <ac:chgData name="Akash Levy" userId="0f662538-7453-45f3-952a-fc9f1a7c515e" providerId="ADAL" clId="{593DE006-A78F-1A44-90CA-63CFD0BF0D77}" dt="2020-08-09T06:18:57.935" v="310" actId="20577"/>
+          <ac:spMkLst>
+            <pc:docMk/>
+            <pc:sldMk cId="46029948" sldId="305"/>
+            <ac:spMk id="2" creationId="{0DC20D0A-1987-9B4E-A869-51F473A5029A}"/>
+          </ac:spMkLst>
+        </pc:spChg>
         <pc:picChg chg="mod">
-          <ac:chgData name="Akash Levy" userId="0f662538-7453-45f3-952a-fc9f1a7c515e" providerId="ADAL" clId="{593DE006-A78F-1A44-90CA-63CFD0BF0D77}" dt="2020-08-08T11:47:15.956" v="272" actId="14826"/>
+          <ac:chgData name="Akash Levy" userId="0f662538-7453-45f3-952a-fc9f1a7c515e" providerId="ADAL" clId="{593DE006-A78F-1A44-90CA-63CFD0BF0D77}" dt="2020-08-09T06:17:14.151" v="277" actId="14826"/>
           <ac:picMkLst>
             <pc:docMk/>
             <pc:sldMk cId="46029948" sldId="305"/>
@@ -15628,7 +15651,7 @@
           <a:p>
             <a:pPr algn="ctr"/>
             <a:r>
-              <a:rPr lang="en-US" sz="2600" kern="1200">
+              <a:rPr lang="en-US" sz="2600" kern="1200" dirty="0">
                 <a:solidFill>
                   <a:srgbClr val="FFFFFF"/>
                 </a:solidFill>
@@ -15636,7 +15659,7 @@
                 <a:ea typeface="+mj-ea"/>
                 <a:cs typeface="+mj-cs"/>
               </a:rPr>
-              <a:t>Algorithm evaluation on 4 WLs</a:t>
+              <a:t>Algorithm evaluation on 4 WLs: chip 1</a:t>
             </a:r>
           </a:p>
         </p:txBody>
@@ -22616,7 +22639,7 @@
           <a:p>
             <a:pPr algn="ctr"/>
             <a:r>
-              <a:rPr lang="en-US" sz="2600" kern="1200">
+              <a:rPr lang="en-US" sz="2600" kern="1200" dirty="0">
                 <a:solidFill>
                   <a:srgbClr val="FFFFFF"/>
                 </a:solidFill>
@@ -22624,7 +22647,7 @@
                 <a:ea typeface="+mj-ea"/>
                 <a:cs typeface="+mj-cs"/>
               </a:rPr>
-              <a:t>Algorithm evaluation on 4 WLs</a:t>
+              <a:t>Algorithm evaluation on 4 WLs: chip 1</a:t>
             </a:r>
           </a:p>
         </p:txBody>
@@ -22902,7 +22925,7 @@
           <p:nvPr>
             <p:extLst>
               <p:ext uri="{D42A27DB-BD31-4B8C-83A1-F6EECF244321}">
-                <p14:modId xmlns:p14="http://schemas.microsoft.com/office/powerpoint/2010/main" val="3984015456"/>
+                <p14:modId xmlns:p14="http://schemas.microsoft.com/office/powerpoint/2010/main" val="3629883651"/>
               </p:ext>
             </p:extLst>
           </p:nvPr>
@@ -24136,18 +24159,13 @@
                     <a:lstStyle/>
                     <a:p>
                       <a:r>
-                        <a:rPr lang="en-US" sz="2600" cap="none" spc="0">
+                        <a:rPr lang="en-US" sz="2600" cap="none" spc="0" dirty="0">
                           <a:solidFill>
                             <a:schemeClr val="tx1"/>
                           </a:solidFill>
                         </a:rPr>
-                        <a:t>TODO</a:t>
+                        <a:t>9.10</a:t>
                       </a:r>
-                      <a:endParaRPr lang="en-US" sz="2600" cap="none" spc="0" dirty="0">
-                        <a:solidFill>
-                          <a:schemeClr val="tx1"/>
-                        </a:solidFill>
-                      </a:endParaRPr>
                     </a:p>
                   </a:txBody>
                   <a:tcPr marL="220027" marR="163524" marT="169253" marB="169253">
@@ -24204,18 +24222,13 @@
                     <a:lstStyle/>
                     <a:p>
                       <a:r>
-                        <a:rPr lang="en-US" sz="2600" cap="none" spc="0">
+                        <a:rPr lang="en-US" sz="2600" cap="none" spc="0" dirty="0">
                           <a:solidFill>
                             <a:schemeClr val="tx1"/>
                           </a:solidFill>
                         </a:rPr>
-                        <a:t>TODO</a:t>
+                        <a:t>24.16</a:t>
                       </a:r>
-                      <a:endParaRPr lang="en-US" sz="2600" cap="none" spc="0" dirty="0">
-                        <a:solidFill>
-                          <a:schemeClr val="tx1"/>
-                        </a:solidFill>
-                      </a:endParaRPr>
                     </a:p>
                   </a:txBody>
                   <a:tcPr marL="220027" marR="163524" marT="169253" marB="169253">
@@ -24272,18 +24285,13 @@
                     <a:lstStyle/>
                     <a:p>
                       <a:r>
-                        <a:rPr lang="en-US" sz="2600" cap="none" spc="0">
+                        <a:rPr lang="en-US" sz="2600" cap="none" spc="0" dirty="0">
                           <a:solidFill>
                             <a:schemeClr val="tx1"/>
                           </a:solidFill>
                         </a:rPr>
-                        <a:t>TODO</a:t>
+                        <a:t>54.12</a:t>
                       </a:r>
-                      <a:endParaRPr lang="en-US" sz="2600" cap="none" spc="0" dirty="0">
-                        <a:solidFill>
-                          <a:schemeClr val="tx1"/>
-                        </a:solidFill>
-                      </a:endParaRPr>
                     </a:p>
                   </a:txBody>
                   <a:tcPr marL="220027" marR="163524" marT="169253" marB="169253">

--- a/presentations/Updates 8-4-20.pptx
+++ b/presentations/Updates 8-4-20.pptx
@@ -5,7 +5,7 @@
     <p:sldMasterId id="2147483648" r:id="rId1"/>
   </p:sldMasterIdLst>
   <p:notesMasterIdLst>
-    <p:notesMasterId r:id="rId40"/>
+    <p:notesMasterId r:id="rId42"/>
   </p:notesMasterIdLst>
   <p:sldIdLst>
     <p:sldId id="256" r:id="rId2"/>
@@ -13,39 +13,41 @@
     <p:sldId id="271" r:id="rId4"/>
     <p:sldId id="291" r:id="rId5"/>
     <p:sldId id="257" r:id="rId6"/>
-    <p:sldId id="285" r:id="rId7"/>
-    <p:sldId id="286" r:id="rId8"/>
-    <p:sldId id="287" r:id="rId9"/>
-    <p:sldId id="288" r:id="rId10"/>
-    <p:sldId id="292" r:id="rId11"/>
-    <p:sldId id="270" r:id="rId12"/>
-    <p:sldId id="261" r:id="rId13"/>
-    <p:sldId id="273" r:id="rId14"/>
-    <p:sldId id="274" r:id="rId15"/>
-    <p:sldId id="278" r:id="rId16"/>
-    <p:sldId id="262" r:id="rId17"/>
-    <p:sldId id="269" r:id="rId18"/>
-    <p:sldId id="295" r:id="rId19"/>
-    <p:sldId id="297" r:id="rId20"/>
-    <p:sldId id="298" r:id="rId21"/>
-    <p:sldId id="301" r:id="rId22"/>
-    <p:sldId id="303" r:id="rId23"/>
-    <p:sldId id="304" r:id="rId24"/>
-    <p:sldId id="305" r:id="rId25"/>
-    <p:sldId id="302" r:id="rId26"/>
-    <p:sldId id="293" r:id="rId27"/>
-    <p:sldId id="281" r:id="rId28"/>
-    <p:sldId id="282" r:id="rId29"/>
-    <p:sldId id="264" r:id="rId30"/>
-    <p:sldId id="294" r:id="rId31"/>
-    <p:sldId id="289" r:id="rId32"/>
-    <p:sldId id="299" r:id="rId33"/>
-    <p:sldId id="277" r:id="rId34"/>
-    <p:sldId id="279" r:id="rId35"/>
-    <p:sldId id="272" r:id="rId36"/>
-    <p:sldId id="276" r:id="rId37"/>
-    <p:sldId id="283" r:id="rId38"/>
-    <p:sldId id="284" r:id="rId39"/>
+    <p:sldId id="306" r:id="rId7"/>
+    <p:sldId id="285" r:id="rId8"/>
+    <p:sldId id="286" r:id="rId9"/>
+    <p:sldId id="287" r:id="rId10"/>
+    <p:sldId id="288" r:id="rId11"/>
+    <p:sldId id="292" r:id="rId12"/>
+    <p:sldId id="270" r:id="rId13"/>
+    <p:sldId id="261" r:id="rId14"/>
+    <p:sldId id="273" r:id="rId15"/>
+    <p:sldId id="274" r:id="rId16"/>
+    <p:sldId id="278" r:id="rId17"/>
+    <p:sldId id="262" r:id="rId18"/>
+    <p:sldId id="269" r:id="rId19"/>
+    <p:sldId id="295" r:id="rId20"/>
+    <p:sldId id="297" r:id="rId21"/>
+    <p:sldId id="298" r:id="rId22"/>
+    <p:sldId id="301" r:id="rId23"/>
+    <p:sldId id="303" r:id="rId24"/>
+    <p:sldId id="304" r:id="rId25"/>
+    <p:sldId id="305" r:id="rId26"/>
+    <p:sldId id="307" r:id="rId27"/>
+    <p:sldId id="302" r:id="rId28"/>
+    <p:sldId id="293" r:id="rId29"/>
+    <p:sldId id="281" r:id="rId30"/>
+    <p:sldId id="282" r:id="rId31"/>
+    <p:sldId id="264" r:id="rId32"/>
+    <p:sldId id="294" r:id="rId33"/>
+    <p:sldId id="289" r:id="rId34"/>
+    <p:sldId id="299" r:id="rId35"/>
+    <p:sldId id="277" r:id="rId36"/>
+    <p:sldId id="279" r:id="rId37"/>
+    <p:sldId id="272" r:id="rId38"/>
+    <p:sldId id="276" r:id="rId39"/>
+    <p:sldId id="283" r:id="rId40"/>
+    <p:sldId id="284" r:id="rId41"/>
   </p:sldIdLst>
   <p:sldSz cx="12192000" cy="6858000"/>
   <p:notesSz cx="6858000" cy="9144000"/>
@@ -155,7 +157,7 @@
 <file path=ppt/revisionInfo.xml><?xml version="1.0" encoding="utf-8"?>
 <p1510:revInfo xmlns:a="http://schemas.openxmlformats.org/drawingml/2006/main" xmlns:r="http://schemas.openxmlformats.org/officeDocument/2006/relationships" xmlns:p1510="http://schemas.microsoft.com/office/powerpoint/2015/10/main">
   <p1510:revLst>
-    <p1510:client id="{593DE006-A78F-1A44-90CA-63CFD0BF0D77}" v="22" dt="2020-08-09T06:17:55.970"/>
+    <p1510:client id="{593DE006-A78F-1A44-90CA-63CFD0BF0D77}" v="28" dt="2020-08-10T10:59:55.887"/>
   </p1510:revLst>
 </p1510:revInfo>
 </file>
@@ -165,10 +167,25 @@
   <pc:docChgLst>
     <pc:chgData name="Akash Levy" userId="0f662538-7453-45f3-952a-fc9f1a7c515e" providerId="ADAL" clId="{593DE006-A78F-1A44-90CA-63CFD0BF0D77}"/>
     <pc:docChg chg="undo custSel mod addSld delSld modSld">
-      <pc:chgData name="Akash Levy" userId="0f662538-7453-45f3-952a-fc9f1a7c515e" providerId="ADAL" clId="{593DE006-A78F-1A44-90CA-63CFD0BF0D77}" dt="2020-08-09T06:18:57.935" v="310" actId="20577"/>
+      <pc:chgData name="Akash Levy" userId="0f662538-7453-45f3-952a-fc9f1a7c515e" providerId="ADAL" clId="{593DE006-A78F-1A44-90CA-63CFD0BF0D77}" dt="2020-08-10T10:59:55.886" v="394" actId="14826"/>
       <pc:docMkLst>
         <pc:docMk/>
       </pc:docMkLst>
+      <pc:sldChg chg="modSp mod">
+        <pc:chgData name="Akash Levy" userId="0f662538-7453-45f3-952a-fc9f1a7c515e" providerId="ADAL" clId="{593DE006-A78F-1A44-90CA-63CFD0BF0D77}" dt="2020-08-10T01:25:07.720" v="324" actId="20577"/>
+        <pc:sldMkLst>
+          <pc:docMk/>
+          <pc:sldMk cId="757065846" sldId="257"/>
+        </pc:sldMkLst>
+        <pc:spChg chg="mod">
+          <ac:chgData name="Akash Levy" userId="0f662538-7453-45f3-952a-fc9f1a7c515e" providerId="ADAL" clId="{593DE006-A78F-1A44-90CA-63CFD0BF0D77}" dt="2020-08-10T01:25:07.720" v="324" actId="20577"/>
+          <ac:spMkLst>
+            <pc:docMk/>
+            <pc:sldMk cId="757065846" sldId="257"/>
+            <ac:spMk id="2" creationId="{FAEACA96-64F6-BC4F-9132-A1706242999D}"/>
+          </ac:spMkLst>
+        </pc:spChg>
+      </pc:sldChg>
       <pc:sldChg chg="modSp mod">
         <pc:chgData name="Akash Levy" userId="0f662538-7453-45f3-952a-fc9f1a7c515e" providerId="ADAL" clId="{593DE006-A78F-1A44-90CA-63CFD0BF0D77}" dt="2020-08-09T06:18:48.701" v="302" actId="20577"/>
         <pc:sldMkLst>
@@ -388,7 +405,7 @@
         </pc:picChg>
       </pc:sldChg>
       <pc:sldChg chg="addSp delSp modSp add mod setBg delDesignElem">
-        <pc:chgData name="Akash Levy" userId="0f662538-7453-45f3-952a-fc9f1a7c515e" providerId="ADAL" clId="{593DE006-A78F-1A44-90CA-63CFD0BF0D77}" dt="2020-08-09T06:18:15.449" v="292" actId="20577"/>
+        <pc:chgData name="Akash Levy" userId="0f662538-7453-45f3-952a-fc9f1a7c515e" providerId="ADAL" clId="{593DE006-A78F-1A44-90CA-63CFD0BF0D77}" dt="2020-08-10T10:52:05.590" v="388" actId="20577"/>
         <pc:sldMkLst>
           <pc:docMk/>
           <pc:sldMk cId="608987082" sldId="302"/>
@@ -450,7 +467,7 @@
           </ac:spMkLst>
         </pc:spChg>
         <pc:graphicFrameChg chg="mod modGraphic">
-          <ac:chgData name="Akash Levy" userId="0f662538-7453-45f3-952a-fc9f1a7c515e" providerId="ADAL" clId="{593DE006-A78F-1A44-90CA-63CFD0BF0D77}" dt="2020-08-09T06:18:15.449" v="292" actId="20577"/>
+          <ac:chgData name="Akash Levy" userId="0f662538-7453-45f3-952a-fc9f1a7c515e" providerId="ADAL" clId="{593DE006-A78F-1A44-90CA-63CFD0BF0D77}" dt="2020-08-10T10:52:05.590" v="388" actId="20577"/>
           <ac:graphicFrameMkLst>
             <pc:docMk/>
             <pc:sldMk cId="608987082" sldId="302"/>
@@ -593,7 +610,7 @@
         </pc:graphicFrameChg>
       </pc:sldChg>
       <pc:sldChg chg="modSp add mod">
-        <pc:chgData name="Akash Levy" userId="0f662538-7453-45f3-952a-fc9f1a7c515e" providerId="ADAL" clId="{593DE006-A78F-1A44-90CA-63CFD0BF0D77}" dt="2020-08-09T06:18:57.935" v="310" actId="20577"/>
+        <pc:chgData name="Akash Levy" userId="0f662538-7453-45f3-952a-fc9f1a7c515e" providerId="ADAL" clId="{593DE006-A78F-1A44-90CA-63CFD0BF0D77}" dt="2020-08-10T05:43:38.790" v="329" actId="14826"/>
         <pc:sldMkLst>
           <pc:docMk/>
           <pc:sldMk cId="46029948" sldId="305"/>
@@ -607,7 +624,7 @@
           </ac:spMkLst>
         </pc:spChg>
         <pc:picChg chg="mod">
-          <ac:chgData name="Akash Levy" userId="0f662538-7453-45f3-952a-fc9f1a7c515e" providerId="ADAL" clId="{593DE006-A78F-1A44-90CA-63CFD0BF0D77}" dt="2020-08-09T06:17:14.151" v="277" actId="14826"/>
+          <ac:chgData name="Akash Levy" userId="0f662538-7453-45f3-952a-fc9f1a7c515e" providerId="ADAL" clId="{593DE006-A78F-1A44-90CA-63CFD0BF0D77}" dt="2020-08-10T05:43:38.790" v="329" actId="14826"/>
           <ac:picMkLst>
             <pc:docMk/>
             <pc:sldMk cId="46029948" sldId="305"/>
@@ -707,6 +724,52 @@
             <ac:spMk id="53" creationId="{047C8CCB-F95D-4249-92DD-651249D3535A}"/>
           </ac:spMkLst>
         </pc:spChg>
+      </pc:sldChg>
+      <pc:sldChg chg="delSp modSp add mod">
+        <pc:chgData name="Akash Levy" userId="0f662538-7453-45f3-952a-fc9f1a7c515e" providerId="ADAL" clId="{593DE006-A78F-1A44-90CA-63CFD0BF0D77}" dt="2020-08-10T01:25:14.225" v="328" actId="478"/>
+        <pc:sldMkLst>
+          <pc:docMk/>
+          <pc:sldMk cId="1354862355" sldId="306"/>
+        </pc:sldMkLst>
+        <pc:spChg chg="mod">
+          <ac:chgData name="Akash Levy" userId="0f662538-7453-45f3-952a-fc9f1a7c515e" providerId="ADAL" clId="{593DE006-A78F-1A44-90CA-63CFD0BF0D77}" dt="2020-08-10T01:25:13.298" v="327" actId="20577"/>
+          <ac:spMkLst>
+            <pc:docMk/>
+            <pc:sldMk cId="1354862355" sldId="306"/>
+            <ac:spMk id="2" creationId="{FAEACA96-64F6-BC4F-9132-A1706242999D}"/>
+          </ac:spMkLst>
+        </pc:spChg>
+        <pc:picChg chg="del">
+          <ac:chgData name="Akash Levy" userId="0f662538-7453-45f3-952a-fc9f1a7c515e" providerId="ADAL" clId="{593DE006-A78F-1A44-90CA-63CFD0BF0D77}" dt="2020-08-10T01:25:14.225" v="328" actId="478"/>
+          <ac:picMkLst>
+            <pc:docMk/>
+            <pc:sldMk cId="1354862355" sldId="306"/>
+            <ac:picMk id="8" creationId="{A7CE2980-4608-2945-9765-31E8C4E975D8}"/>
+          </ac:picMkLst>
+        </pc:picChg>
+      </pc:sldChg>
+      <pc:sldChg chg="modSp add mod">
+        <pc:chgData name="Akash Levy" userId="0f662538-7453-45f3-952a-fc9f1a7c515e" providerId="ADAL" clId="{593DE006-A78F-1A44-90CA-63CFD0BF0D77}" dt="2020-08-10T10:59:55.886" v="394" actId="14826"/>
+        <pc:sldMkLst>
+          <pc:docMk/>
+          <pc:sldMk cId="3981811176" sldId="307"/>
+        </pc:sldMkLst>
+        <pc:spChg chg="mod">
+          <ac:chgData name="Akash Levy" userId="0f662538-7453-45f3-952a-fc9f1a7c515e" providerId="ADAL" clId="{593DE006-A78F-1A44-90CA-63CFD0BF0D77}" dt="2020-08-10T10:59:35.778" v="391" actId="20577"/>
+          <ac:spMkLst>
+            <pc:docMk/>
+            <pc:sldMk cId="3981811176" sldId="307"/>
+            <ac:spMk id="2" creationId="{0DC20D0A-1987-9B4E-A869-51F473A5029A}"/>
+          </ac:spMkLst>
+        </pc:spChg>
+        <pc:picChg chg="mod">
+          <ac:chgData name="Akash Levy" userId="0f662538-7453-45f3-952a-fc9f1a7c515e" providerId="ADAL" clId="{593DE006-A78F-1A44-90CA-63CFD0BF0D77}" dt="2020-08-10T10:59:55.886" v="394" actId="14826"/>
+          <ac:picMkLst>
+            <pc:docMk/>
+            <pc:sldMk cId="3981811176" sldId="307"/>
+            <ac:picMk id="6" creationId="{B9A7FAC3-633F-DC4C-A765-A9F602BD6C78}"/>
+          </ac:picMkLst>
+        </pc:picChg>
       </pc:sldChg>
     </pc:docChg>
   </pc:docChgLst>
@@ -5282,7 +5345,7 @@
           <a:p>
             <a:fld id="{C6F3DA7C-EC83-4247-A7C9-512D14D879DF}" type="slidenum">
               <a:rPr lang="en-US" smtClean="0"/>
-              <a:t>16</a:t>
+              <a:t>17</a:t>
             </a:fld>
             <a:endParaRPr lang="en-US"/>
           </a:p>
@@ -5366,7 +5429,7 @@
           <a:p>
             <a:fld id="{C6F3DA7C-EC83-4247-A7C9-512D14D879DF}" type="slidenum">
               <a:rPr lang="en-US" smtClean="0"/>
-              <a:t>17</a:t>
+              <a:t>18</a:t>
             </a:fld>
             <a:endParaRPr lang="en-US"/>
           </a:p>
@@ -5497,7 +5560,7 @@
                 <a:tabLst/>
                 <a:defRPr/>
               </a:pPr>
-              <a:t>24</a:t>
+              <a:t>25</a:t>
             </a:fld>
             <a:endParaRPr kumimoji="0" lang="en-US" sz="1200" b="0" i="0" u="none" strike="noStrike" kern="1200" cap="none" spc="0" normalizeH="0" baseline="0" noProof="0">
               <a:ln>
@@ -5592,18 +5655,78 @@
           <a:bodyPr/>
           <a:lstStyle/>
           <a:p>
+            <a:pPr marL="0" marR="0" lvl="0" indent="0" algn="r" defTabSz="914400" rtl="0" eaLnBrk="1" fontAlgn="auto" latinLnBrk="0" hangingPunct="1">
+              <a:lnSpc>
+                <a:spcPct val="100000"/>
+              </a:lnSpc>
+              <a:spcBef>
+                <a:spcPts val="0"/>
+              </a:spcBef>
+              <a:spcAft>
+                <a:spcPts val="0"/>
+              </a:spcAft>
+              <a:buClrTx/>
+              <a:buSzTx/>
+              <a:buFontTx/>
+              <a:buNone/>
+              <a:tabLst/>
+              <a:defRPr/>
+            </a:pPr>
             <a:fld id="{C6F3DA7C-EC83-4247-A7C9-512D14D879DF}" type="slidenum">
-              <a:rPr lang="en-US" smtClean="0"/>
-              <a:t>25</a:t>
+              <a:rPr kumimoji="0" lang="en-US" sz="1200" b="0" i="0" u="none" strike="noStrike" kern="1200" cap="none" spc="0" normalizeH="0" baseline="0" noProof="0" smtClean="0">
+                <a:ln>
+                  <a:noFill/>
+                </a:ln>
+                <a:solidFill>
+                  <a:prstClr val="black"/>
+                </a:solidFill>
+                <a:effectLst/>
+                <a:uLnTx/>
+                <a:uFillTx/>
+                <a:latin typeface="Calibri" panose="020F0502020204030204"/>
+                <a:ea typeface="+mn-ea"/>
+                <a:cs typeface="+mn-cs"/>
+              </a:rPr>
+              <a:pPr marL="0" marR="0" lvl="0" indent="0" algn="r" defTabSz="914400" rtl="0" eaLnBrk="1" fontAlgn="auto" latinLnBrk="0" hangingPunct="1">
+                <a:lnSpc>
+                  <a:spcPct val="100000"/>
+                </a:lnSpc>
+                <a:spcBef>
+                  <a:spcPts val="0"/>
+                </a:spcBef>
+                <a:spcAft>
+                  <a:spcPts val="0"/>
+                </a:spcAft>
+                <a:buClrTx/>
+                <a:buSzTx/>
+                <a:buFontTx/>
+                <a:buNone/>
+                <a:tabLst/>
+                <a:defRPr/>
+              </a:pPr>
+              <a:t>26</a:t>
             </a:fld>
-            <a:endParaRPr lang="en-US"/>
+            <a:endParaRPr kumimoji="0" lang="en-US" sz="1200" b="0" i="0" u="none" strike="noStrike" kern="1200" cap="none" spc="0" normalizeH="0" baseline="0" noProof="0">
+              <a:ln>
+                <a:noFill/>
+              </a:ln>
+              <a:solidFill>
+                <a:prstClr val="black"/>
+              </a:solidFill>
+              <a:effectLst/>
+              <a:uLnTx/>
+              <a:uFillTx/>
+              <a:latin typeface="Calibri" panose="020F0502020204030204"/>
+              <a:ea typeface="+mn-ea"/>
+              <a:cs typeface="+mn-cs"/>
+            </a:endParaRPr>
           </a:p>
         </p:txBody>
       </p:sp>
     </p:spTree>
     <p:extLst>
       <p:ext uri="{BB962C8B-B14F-4D97-AF65-F5344CB8AC3E}">
-        <p14:creationId xmlns:p14="http://schemas.microsoft.com/office/powerpoint/2010/main" val="681293585"/>
+        <p14:creationId xmlns:p14="http://schemas.microsoft.com/office/powerpoint/2010/main" val="3376452808"/>
       </p:ext>
     </p:extLst>
   </p:cSld>
@@ -5678,7 +5801,7 @@
           <a:p>
             <a:fld id="{C6F3DA7C-EC83-4247-A7C9-512D14D879DF}" type="slidenum">
               <a:rPr lang="en-US" smtClean="0"/>
-              <a:t>29</a:t>
+              <a:t>27</a:t>
             </a:fld>
             <a:endParaRPr lang="en-US"/>
           </a:p>
@@ -5687,7 +5810,7 @@
     </p:spTree>
     <p:extLst>
       <p:ext uri="{BB962C8B-B14F-4D97-AF65-F5344CB8AC3E}">
-        <p14:creationId xmlns:p14="http://schemas.microsoft.com/office/powerpoint/2010/main" val="605496204"/>
+        <p14:creationId xmlns:p14="http://schemas.microsoft.com/office/powerpoint/2010/main" val="681293585"/>
       </p:ext>
     </p:extLst>
   </p:cSld>
@@ -5762,7 +5885,91 @@
           <a:p>
             <a:fld id="{C6F3DA7C-EC83-4247-A7C9-512D14D879DF}" type="slidenum">
               <a:rPr lang="en-US" smtClean="0"/>
-              <a:t>33</a:t>
+              <a:t>31</a:t>
+            </a:fld>
+            <a:endParaRPr lang="en-US"/>
+          </a:p>
+        </p:txBody>
+      </p:sp>
+    </p:spTree>
+    <p:extLst>
+      <p:ext uri="{BB962C8B-B14F-4D97-AF65-F5344CB8AC3E}">
+        <p14:creationId xmlns:p14="http://schemas.microsoft.com/office/powerpoint/2010/main" val="605496204"/>
+      </p:ext>
+    </p:extLst>
+  </p:cSld>
+  <p:clrMapOvr>
+    <a:masterClrMapping/>
+  </p:clrMapOvr>
+</p:notes>
+</file>
+
+<file path=ppt/notesSlides/notesSlide8.xml><?xml version="1.0" encoding="utf-8"?>
+<p:notes xmlns:a="http://schemas.openxmlformats.org/drawingml/2006/main" xmlns:r="http://schemas.openxmlformats.org/officeDocument/2006/relationships" xmlns:p="http://schemas.openxmlformats.org/presentationml/2006/main">
+  <p:cSld>
+    <p:spTree>
+      <p:nvGrpSpPr>
+        <p:cNvPr id="1" name=""/>
+        <p:cNvGrpSpPr/>
+        <p:nvPr/>
+      </p:nvGrpSpPr>
+      <p:grpSpPr>
+        <a:xfrm>
+          <a:off x="0" y="0"/>
+          <a:ext cx="0" cy="0"/>
+          <a:chOff x="0" y="0"/>
+          <a:chExt cx="0" cy="0"/>
+        </a:xfrm>
+      </p:grpSpPr>
+      <p:sp>
+        <p:nvSpPr>
+          <p:cNvPr id="2" name="Slide Image Placeholder 1"/>
+          <p:cNvSpPr>
+            <a:spLocks noGrp="1" noRot="1" noChangeAspect="1"/>
+          </p:cNvSpPr>
+          <p:nvPr>
+            <p:ph type="sldImg"/>
+          </p:nvPr>
+        </p:nvSpPr>
+        <p:spPr/>
+      </p:sp>
+      <p:sp>
+        <p:nvSpPr>
+          <p:cNvPr id="3" name="Notes Placeholder 2"/>
+          <p:cNvSpPr>
+            <a:spLocks noGrp="1"/>
+          </p:cNvSpPr>
+          <p:nvPr>
+            <p:ph type="body" idx="1"/>
+          </p:nvPr>
+        </p:nvSpPr>
+        <p:spPr/>
+        <p:txBody>
+          <a:bodyPr/>
+          <a:lstStyle/>
+          <a:p>
+            <a:endParaRPr lang="en-US" dirty="0"/>
+          </a:p>
+        </p:txBody>
+      </p:sp>
+      <p:sp>
+        <p:nvSpPr>
+          <p:cNvPr id="4" name="Slide Number Placeholder 3"/>
+          <p:cNvSpPr>
+            <a:spLocks noGrp="1"/>
+          </p:cNvSpPr>
+          <p:nvPr>
+            <p:ph type="sldNum" sz="quarter" idx="5"/>
+          </p:nvPr>
+        </p:nvSpPr>
+        <p:spPr/>
+        <p:txBody>
+          <a:bodyPr/>
+          <a:lstStyle/>
+          <a:p>
+            <a:fld id="{C6F3DA7C-EC83-4247-A7C9-512D14D879DF}" type="slidenum">
+              <a:rPr lang="en-US" smtClean="0"/>
+              <a:t>35</a:t>
             </a:fld>
             <a:endParaRPr lang="en-US"/>
           </a:p>
@@ -9306,6 +9513,254 @@
           <a:chExt cx="0" cy="0"/>
         </a:xfrm>
       </p:grpSpPr>
+      <p:sp>
+        <p:nvSpPr>
+          <p:cNvPr id="17" name="Rectangle 16">
+            <a:extLst>
+              <a:ext uri="{FF2B5EF4-FFF2-40B4-BE49-F238E27FC236}">
+                <a16:creationId xmlns:a16="http://schemas.microsoft.com/office/drawing/2014/main" id="{6753252F-4873-4F63-801D-CC719279A7D5}"/>
+              </a:ext>
+              <a:ext uri="{C183D7F6-B498-43B3-948B-1728B52AA6E4}">
+                <adec:decorative xmlns:adec="http://schemas.microsoft.com/office/drawing/2017/decorative" val="1"/>
+              </a:ext>
+            </a:extLst>
+          </p:cNvPr>
+          <p:cNvSpPr>
+            <a:spLocks noGrp="1" noRot="1" noChangeAspect="1" noMove="1" noResize="1" noEditPoints="1" noAdjustHandles="1" noChangeArrowheads="1" noChangeShapeType="1" noTextEdit="1"/>
+          </p:cNvSpPr>
+          <p:nvPr>
+            <p:extLst>
+              <p:ext uri="{386F3935-93C4-4BCD-93E2-E3B085C9AB24}">
+                <p16:designElem xmlns:p16="http://schemas.microsoft.com/office/powerpoint/2015/main" val="1"/>
+              </p:ext>
+            </p:extLst>
+          </p:nvPr>
+        </p:nvSpPr>
+        <p:spPr>
+          <a:xfrm>
+            <a:off x="0" y="0"/>
+            <a:ext cx="12192000" cy="6858000"/>
+          </a:xfrm>
+          <a:prstGeom prst="rect">
+            <a:avLst/>
+          </a:prstGeom>
+          <a:solidFill>
+            <a:srgbClr val="FFFFFF"/>
+          </a:solidFill>
+          <a:ln>
+            <a:noFill/>
+          </a:ln>
+        </p:spPr>
+        <p:style>
+          <a:lnRef idx="2">
+            <a:schemeClr val="accent1">
+              <a:shade val="50000"/>
+            </a:schemeClr>
+          </a:lnRef>
+          <a:fillRef idx="1">
+            <a:schemeClr val="accent1"/>
+          </a:fillRef>
+          <a:effectRef idx="0">
+            <a:schemeClr val="accent1"/>
+          </a:effectRef>
+          <a:fontRef idx="minor">
+            <a:schemeClr val="lt1"/>
+          </a:fontRef>
+        </p:style>
+        <p:txBody>
+          <a:bodyPr rtlCol="0" anchor="ctr"/>
+          <a:lstStyle/>
+          <a:p>
+            <a:pPr algn="ctr"/>
+            <a:endParaRPr lang="en-US"/>
+          </a:p>
+        </p:txBody>
+      </p:sp>
+      <p:sp>
+        <p:nvSpPr>
+          <p:cNvPr id="19" name="Rectangle 18">
+            <a:extLst>
+              <a:ext uri="{FF2B5EF4-FFF2-40B4-BE49-F238E27FC236}">
+                <a16:creationId xmlns:a16="http://schemas.microsoft.com/office/drawing/2014/main" id="{047C8CCB-F95D-4249-92DD-651249D3535A}"/>
+              </a:ext>
+              <a:ext uri="{C183D7F6-B498-43B3-948B-1728B52AA6E4}">
+                <adec:decorative xmlns:adec="http://schemas.microsoft.com/office/drawing/2017/decorative" val="1"/>
+              </a:ext>
+            </a:extLst>
+          </p:cNvPr>
+          <p:cNvSpPr>
+            <a:spLocks noGrp="1" noRot="1" noChangeAspect="1" noMove="1" noResize="1" noEditPoints="1" noAdjustHandles="1" noChangeArrowheads="1" noChangeShapeType="1" noTextEdit="1"/>
+          </p:cNvSpPr>
+          <p:nvPr>
+            <p:extLst>
+              <p:ext uri="{386F3935-93C4-4BCD-93E2-E3B085C9AB24}">
+                <p16:designElem xmlns:p16="http://schemas.microsoft.com/office/powerpoint/2015/main" val="1"/>
+              </p:ext>
+            </p:extLst>
+          </p:nvPr>
+        </p:nvSpPr>
+        <p:spPr>
+          <a:xfrm>
+            <a:off x="0" y="0"/>
+            <a:ext cx="2013557" cy="6858000"/>
+          </a:xfrm>
+          <a:prstGeom prst="rect">
+            <a:avLst/>
+          </a:prstGeom>
+          <a:solidFill>
+            <a:srgbClr val="7F7F7F"/>
+          </a:solidFill>
+          <a:ln>
+            <a:noFill/>
+          </a:ln>
+        </p:spPr>
+        <p:style>
+          <a:lnRef idx="2">
+            <a:schemeClr val="accent1">
+              <a:shade val="50000"/>
+            </a:schemeClr>
+          </a:lnRef>
+          <a:fillRef idx="1">
+            <a:schemeClr val="accent1"/>
+          </a:fillRef>
+          <a:effectRef idx="0">
+            <a:schemeClr val="accent1"/>
+          </a:effectRef>
+          <a:fontRef idx="minor">
+            <a:schemeClr val="lt1"/>
+          </a:fontRef>
+        </p:style>
+        <p:txBody>
+          <a:bodyPr rtlCol="0" anchor="ctr"/>
+          <a:lstStyle/>
+          <a:p>
+            <a:pPr algn="ctr"/>
+            <a:endParaRPr lang="en-US"/>
+          </a:p>
+        </p:txBody>
+      </p:sp>
+      <p:sp>
+        <p:nvSpPr>
+          <p:cNvPr id="2" name="Title 1">
+            <a:extLst>
+              <a:ext uri="{FF2B5EF4-FFF2-40B4-BE49-F238E27FC236}">
+                <a16:creationId xmlns:a16="http://schemas.microsoft.com/office/drawing/2014/main" id="{939E9A6E-2BD9-404D-9F1F-84337CD49F52}"/>
+              </a:ext>
+            </a:extLst>
+          </p:cNvPr>
+          <p:cNvSpPr>
+            <a:spLocks noGrp="1"/>
+          </p:cNvSpPr>
+          <p:nvPr>
+            <p:ph type="title"/>
+          </p:nvPr>
+        </p:nvSpPr>
+        <p:spPr>
+          <a:xfrm>
+            <a:off x="640080" y="2074363"/>
+            <a:ext cx="2752354" cy="2709275"/>
+          </a:xfrm>
+          <a:prstGeom prst="ellipse">
+            <a:avLst/>
+          </a:prstGeom>
+          <a:solidFill>
+            <a:srgbClr val="262626"/>
+          </a:solidFill>
+          <a:ln w="174625" cmpd="thinThick">
+            <a:solidFill>
+              <a:srgbClr val="262626"/>
+            </a:solidFill>
+          </a:ln>
+        </p:spPr>
+        <p:txBody>
+          <a:bodyPr vert="horz" lIns="91440" tIns="45720" rIns="91440" bIns="45720" rtlCol="0" anchor="ctr">
+            <a:normAutofit/>
+          </a:bodyPr>
+          <a:lstStyle/>
+          <a:p>
+            <a:pPr algn="ctr"/>
+            <a:r>
+              <a:rPr lang="en-US" sz="2600" kern="1200">
+                <a:solidFill>
+                  <a:srgbClr val="FFFFFF"/>
+                </a:solidFill>
+                <a:latin typeface="+mj-lt"/>
+                <a:ea typeface="+mj-ea"/>
+                <a:cs typeface="+mj-cs"/>
+              </a:rPr>
+              <a:t>Sweep Plots: RESET VSL</a:t>
+            </a:r>
+          </a:p>
+        </p:txBody>
+      </p:sp>
+      <p:pic>
+        <p:nvPicPr>
+          <p:cNvPr id="5" name="Content Placeholder 4">
+            <a:extLst>
+              <a:ext uri="{FF2B5EF4-FFF2-40B4-BE49-F238E27FC236}">
+                <a16:creationId xmlns:a16="http://schemas.microsoft.com/office/drawing/2014/main" id="{AF831959-FF86-3D49-97DF-1E0DDCEDCD32}"/>
+              </a:ext>
+            </a:extLst>
+          </p:cNvPr>
+          <p:cNvPicPr>
+            <a:picLocks noChangeAspect="1"/>
+          </p:cNvPicPr>
+          <p:nvPr/>
+        </p:nvPicPr>
+        <p:blipFill>
+          <a:blip r:embed="rId2"/>
+          <a:stretch>
+            <a:fillRect/>
+          </a:stretch>
+        </p:blipFill>
+        <p:spPr>
+          <a:xfrm>
+            <a:off x="4345375" y="961812"/>
+            <a:ext cx="6574649" cy="4930987"/>
+          </a:xfrm>
+          <a:prstGeom prst="rect">
+            <a:avLst/>
+          </a:prstGeom>
+        </p:spPr>
+      </p:pic>
+    </p:spTree>
+    <p:extLst>
+      <p:ext uri="{BB962C8B-B14F-4D97-AF65-F5344CB8AC3E}">
+        <p14:creationId xmlns:p14="http://schemas.microsoft.com/office/powerpoint/2010/main" val="2697373964"/>
+      </p:ext>
+    </p:extLst>
+  </p:cSld>
+  <p:clrMapOvr>
+    <a:masterClrMapping/>
+  </p:clrMapOvr>
+</p:sld>
+</file>
+
+<file path=ppt/slides/slide11.xml><?xml version="1.0" encoding="utf-8"?>
+<p:sld xmlns:a="http://schemas.openxmlformats.org/drawingml/2006/main" xmlns:r="http://schemas.openxmlformats.org/officeDocument/2006/relationships" xmlns:p="http://schemas.openxmlformats.org/presentationml/2006/main">
+  <p:cSld>
+    <p:bg>
+      <p:bgPr>
+        <a:solidFill>
+          <a:schemeClr val="bg1"/>
+        </a:solidFill>
+        <a:effectLst/>
+      </p:bgPr>
+    </p:bg>
+    <p:spTree>
+      <p:nvGrpSpPr>
+        <p:cNvPr id="1" name=""/>
+        <p:cNvGrpSpPr/>
+        <p:nvPr/>
+      </p:nvGrpSpPr>
+      <p:grpSpPr>
+        <a:xfrm>
+          <a:off x="0" y="0"/>
+          <a:ext cx="0" cy="0"/>
+          <a:chOff x="0" y="0"/>
+          <a:chExt cx="0" cy="0"/>
+        </a:xfrm>
+      </p:grpSpPr>
       <p:sp useBgFill="1">
         <p:nvSpPr>
           <p:cNvPr id="9" name="Rectangle 8">
@@ -9721,7 +10176,7 @@
 </p:sld>
 </file>
 
-<file path=ppt/slides/slide11.xml><?xml version="1.0" encoding="utf-8"?>
+<file path=ppt/slides/slide12.xml><?xml version="1.0" encoding="utf-8"?>
 <p:sld xmlns:a="http://schemas.openxmlformats.org/drawingml/2006/main" xmlns:r="http://schemas.openxmlformats.org/officeDocument/2006/relationships" xmlns:p="http://schemas.openxmlformats.org/presentationml/2006/main">
   <p:cSld>
     <p:bg>
@@ -12320,7 +12775,7 @@
 </p:sld>
 </file>
 
-<file path=ppt/slides/slide12.xml><?xml version="1.0" encoding="utf-8"?>
+<file path=ppt/slides/slide13.xml><?xml version="1.0" encoding="utf-8"?>
 <p:sld xmlns:a="http://schemas.openxmlformats.org/drawingml/2006/main" xmlns:r="http://schemas.openxmlformats.org/officeDocument/2006/relationships" xmlns:p="http://schemas.openxmlformats.org/presentationml/2006/main">
   <p:cSld>
     <p:bg>
@@ -12591,7 +13046,7 @@
 </p:sld>
 </file>
 
-<file path=ppt/slides/slide13.xml><?xml version="1.0" encoding="utf-8"?>
+<file path=ppt/slides/slide14.xml><?xml version="1.0" encoding="utf-8"?>
 <p:sld xmlns:a="http://schemas.openxmlformats.org/drawingml/2006/main" xmlns:r="http://schemas.openxmlformats.org/officeDocument/2006/relationships" xmlns:p="http://schemas.openxmlformats.org/presentationml/2006/main">
   <p:cSld>
     <p:bg>
@@ -12838,7 +13293,7 @@
 </p:sld>
 </file>
 
-<file path=ppt/slides/slide14.xml><?xml version="1.0" encoding="utf-8"?>
+<file path=ppt/slides/slide15.xml><?xml version="1.0" encoding="utf-8"?>
 <p:sld xmlns:a="http://schemas.openxmlformats.org/drawingml/2006/main" xmlns:r="http://schemas.openxmlformats.org/officeDocument/2006/relationships" xmlns:p="http://schemas.openxmlformats.org/presentationml/2006/main">
   <p:cSld>
     <p:bg>
@@ -13085,7 +13540,7 @@
 </p:sld>
 </file>
 
-<file path=ppt/slides/slide15.xml><?xml version="1.0" encoding="utf-8"?>
+<file path=ppt/slides/slide16.xml><?xml version="1.0" encoding="utf-8"?>
 <p:sld xmlns:a="http://schemas.openxmlformats.org/drawingml/2006/main" xmlns:r="http://schemas.openxmlformats.org/officeDocument/2006/relationships" xmlns:p="http://schemas.openxmlformats.org/presentationml/2006/main">
   <p:cSld>
     <p:bg>
@@ -15459,7 +15914,7 @@
 </p:sld>
 </file>
 
-<file path=ppt/slides/slide16.xml><?xml version="1.0" encoding="utf-8"?>
+<file path=ppt/slides/slide17.xml><?xml version="1.0" encoding="utf-8"?>
 <p:sld xmlns:a="http://schemas.openxmlformats.org/drawingml/2006/main" xmlns:r="http://schemas.openxmlformats.org/officeDocument/2006/relationships" xmlns:p="http://schemas.openxmlformats.org/presentationml/2006/main">
   <p:cSld>
     <p:bg>
@@ -15706,7 +16161,7 @@
 </p:sld>
 </file>
 
-<file path=ppt/slides/slide17.xml><?xml version="1.0" encoding="utf-8"?>
+<file path=ppt/slides/slide18.xml><?xml version="1.0" encoding="utf-8"?>
 <p:sld xmlns:a="http://schemas.openxmlformats.org/drawingml/2006/main" xmlns:r="http://schemas.openxmlformats.org/officeDocument/2006/relationships" xmlns:p="http://schemas.openxmlformats.org/presentationml/2006/main">
   <p:cSld>
     <p:bg>
@@ -17666,7 +18121,7 @@
 </p:sld>
 </file>
 
-<file path=ppt/slides/slide18.xml><?xml version="1.0" encoding="utf-8"?>
+<file path=ppt/slides/slide19.xml><?xml version="1.0" encoding="utf-8"?>
 <p:sld xmlns:a="http://schemas.openxmlformats.org/drawingml/2006/main" xmlns:r="http://schemas.openxmlformats.org/officeDocument/2006/relationships" xmlns:p="http://schemas.openxmlformats.org/presentationml/2006/main">
   <p:cSld>
     <p:bg>
@@ -18126,1577 +18581,6 @@
     <p:extLst>
       <p:ext uri="{BB962C8B-B14F-4D97-AF65-F5344CB8AC3E}">
         <p14:creationId xmlns:p14="http://schemas.microsoft.com/office/powerpoint/2010/main" val="434895687"/>
-      </p:ext>
-    </p:extLst>
-  </p:cSld>
-  <p:clrMapOvr>
-    <a:masterClrMapping/>
-  </p:clrMapOvr>
-</p:sld>
-</file>
-
-<file path=ppt/slides/slide19.xml><?xml version="1.0" encoding="utf-8"?>
-<p:sld xmlns:a="http://schemas.openxmlformats.org/drawingml/2006/main" xmlns:r="http://schemas.openxmlformats.org/officeDocument/2006/relationships" xmlns:p="http://schemas.openxmlformats.org/presentationml/2006/main">
-  <p:cSld>
-    <p:bg>
-      <p:bgPr>
-        <a:solidFill>
-          <a:schemeClr val="bg1"/>
-        </a:solidFill>
-        <a:effectLst/>
-      </p:bgPr>
-    </p:bg>
-    <p:spTree>
-      <p:nvGrpSpPr>
-        <p:cNvPr id="1" name=""/>
-        <p:cNvGrpSpPr/>
-        <p:nvPr/>
-      </p:nvGrpSpPr>
-      <p:grpSpPr>
-        <a:xfrm>
-          <a:off x="0" y="0"/>
-          <a:ext cx="0" cy="0"/>
-          <a:chOff x="0" y="0"/>
-          <a:chExt cx="0" cy="0"/>
-        </a:xfrm>
-      </p:grpSpPr>
-      <p:sp>
-        <p:nvSpPr>
-          <p:cNvPr id="31" name="Rectangle 30">
-            <a:extLst>
-              <a:ext uri="{FF2B5EF4-FFF2-40B4-BE49-F238E27FC236}">
-                <a16:creationId xmlns:a16="http://schemas.microsoft.com/office/drawing/2014/main" id="{6753252F-4873-4F63-801D-CC719279A7D5}"/>
-              </a:ext>
-              <a:ext uri="{C183D7F6-B498-43B3-948B-1728B52AA6E4}">
-                <adec:decorative xmlns:adec="http://schemas.microsoft.com/office/drawing/2017/decorative" val="1"/>
-              </a:ext>
-            </a:extLst>
-          </p:cNvPr>
-          <p:cNvSpPr>
-            <a:spLocks noGrp="1" noRot="1" noChangeAspect="1" noMove="1" noResize="1" noEditPoints="1" noAdjustHandles="1" noChangeArrowheads="1" noChangeShapeType="1" noTextEdit="1"/>
-          </p:cNvSpPr>
-          <p:nvPr>
-            <p:extLst>
-              <p:ext uri="{386F3935-93C4-4BCD-93E2-E3B085C9AB24}">
-                <p16:designElem xmlns:p16="http://schemas.microsoft.com/office/powerpoint/2015/main" val="1"/>
-              </p:ext>
-            </p:extLst>
-          </p:nvPr>
-        </p:nvSpPr>
-        <p:spPr>
-          <a:xfrm>
-            <a:off x="0" y="0"/>
-            <a:ext cx="12192000" cy="6858000"/>
-          </a:xfrm>
-          <a:prstGeom prst="rect">
-            <a:avLst/>
-          </a:prstGeom>
-          <a:solidFill>
-            <a:srgbClr val="FFFFFF"/>
-          </a:solidFill>
-          <a:ln>
-            <a:noFill/>
-          </a:ln>
-        </p:spPr>
-        <p:style>
-          <a:lnRef idx="2">
-            <a:schemeClr val="accent1">
-              <a:shade val="50000"/>
-            </a:schemeClr>
-          </a:lnRef>
-          <a:fillRef idx="1">
-            <a:schemeClr val="accent1"/>
-          </a:fillRef>
-          <a:effectRef idx="0">
-            <a:schemeClr val="accent1"/>
-          </a:effectRef>
-          <a:fontRef idx="minor">
-            <a:schemeClr val="lt1"/>
-          </a:fontRef>
-        </p:style>
-        <p:txBody>
-          <a:bodyPr rtlCol="0" anchor="ctr"/>
-          <a:lstStyle/>
-          <a:p>
-            <a:pPr algn="ctr"/>
-            <a:endParaRPr lang="en-US"/>
-          </a:p>
-        </p:txBody>
-      </p:sp>
-      <p:sp>
-        <p:nvSpPr>
-          <p:cNvPr id="33" name="Rectangle 32">
-            <a:extLst>
-              <a:ext uri="{FF2B5EF4-FFF2-40B4-BE49-F238E27FC236}">
-                <a16:creationId xmlns:a16="http://schemas.microsoft.com/office/drawing/2014/main" id="{047C8CCB-F95D-4249-92DD-651249D3535A}"/>
-              </a:ext>
-              <a:ext uri="{C183D7F6-B498-43B3-948B-1728B52AA6E4}">
-                <adec:decorative xmlns:adec="http://schemas.microsoft.com/office/drawing/2017/decorative" val="1"/>
-              </a:ext>
-            </a:extLst>
-          </p:cNvPr>
-          <p:cNvSpPr>
-            <a:spLocks noGrp="1" noRot="1" noChangeAspect="1" noMove="1" noResize="1" noEditPoints="1" noAdjustHandles="1" noChangeArrowheads="1" noChangeShapeType="1" noTextEdit="1"/>
-          </p:cNvSpPr>
-          <p:nvPr>
-            <p:extLst>
-              <p:ext uri="{386F3935-93C4-4BCD-93E2-E3B085C9AB24}">
-                <p16:designElem xmlns:p16="http://schemas.microsoft.com/office/powerpoint/2015/main" val="1"/>
-              </p:ext>
-            </p:extLst>
-          </p:nvPr>
-        </p:nvSpPr>
-        <p:spPr>
-          <a:xfrm>
-            <a:off x="0" y="0"/>
-            <a:ext cx="2013557" cy="6858000"/>
-          </a:xfrm>
-          <a:prstGeom prst="rect">
-            <a:avLst/>
-          </a:prstGeom>
-          <a:solidFill>
-            <a:srgbClr val="7F7F7F"/>
-          </a:solidFill>
-          <a:ln>
-            <a:noFill/>
-          </a:ln>
-        </p:spPr>
-        <p:style>
-          <a:lnRef idx="2">
-            <a:schemeClr val="accent1">
-              <a:shade val="50000"/>
-            </a:schemeClr>
-          </a:lnRef>
-          <a:fillRef idx="1">
-            <a:schemeClr val="accent1"/>
-          </a:fillRef>
-          <a:effectRef idx="0">
-            <a:schemeClr val="accent1"/>
-          </a:effectRef>
-          <a:fontRef idx="minor">
-            <a:schemeClr val="lt1"/>
-          </a:fontRef>
-        </p:style>
-        <p:txBody>
-          <a:bodyPr rtlCol="0" anchor="ctr"/>
-          <a:lstStyle/>
-          <a:p>
-            <a:pPr algn="ctr"/>
-            <a:endParaRPr lang="en-US"/>
-          </a:p>
-        </p:txBody>
-      </p:sp>
-      <p:sp>
-        <p:nvSpPr>
-          <p:cNvPr id="2" name="Title 1">
-            <a:extLst>
-              <a:ext uri="{FF2B5EF4-FFF2-40B4-BE49-F238E27FC236}">
-                <a16:creationId xmlns:a16="http://schemas.microsoft.com/office/drawing/2014/main" id="{FC47B41E-90B5-D14B-82FA-CC03960D78D5}"/>
-              </a:ext>
-            </a:extLst>
-          </p:cNvPr>
-          <p:cNvSpPr>
-            <a:spLocks noGrp="1"/>
-          </p:cNvSpPr>
-          <p:nvPr>
-            <p:ph type="title"/>
-          </p:nvPr>
-        </p:nvSpPr>
-        <p:spPr>
-          <a:xfrm>
-            <a:off x="640080" y="2074363"/>
-            <a:ext cx="2752354" cy="2709275"/>
-          </a:xfrm>
-          <a:prstGeom prst="ellipse">
-            <a:avLst/>
-          </a:prstGeom>
-          <a:solidFill>
-            <a:srgbClr val="262626"/>
-          </a:solidFill>
-          <a:ln w="174625" cmpd="thinThick">
-            <a:solidFill>
-              <a:srgbClr val="262626"/>
-            </a:solidFill>
-          </a:ln>
-        </p:spPr>
-        <p:txBody>
-          <a:bodyPr vert="horz" lIns="91440" tIns="45720" rIns="91440" bIns="45720" rtlCol="0" anchor="ctr">
-            <a:normAutofit/>
-          </a:bodyPr>
-          <a:lstStyle/>
-          <a:p>
-            <a:pPr algn="ctr"/>
-            <a:r>
-              <a:rPr lang="en-US" sz="2600" kern="1200">
-                <a:solidFill>
-                  <a:srgbClr val="FFFFFF"/>
-                </a:solidFill>
-                <a:latin typeface="+mj-lt"/>
-                <a:ea typeface="+mj-ea"/>
-                <a:cs typeface="+mj-cs"/>
-              </a:rPr>
-              <a:t>Resistance Ranges</a:t>
-            </a:r>
-          </a:p>
-        </p:txBody>
-      </p:sp>
-      <p:graphicFrame>
-        <p:nvGraphicFramePr>
-          <p:cNvPr id="16" name="Content Placeholder 3">
-            <a:extLst>
-              <a:ext uri="{FF2B5EF4-FFF2-40B4-BE49-F238E27FC236}">
-                <a16:creationId xmlns:a16="http://schemas.microsoft.com/office/drawing/2014/main" id="{6DFCCF45-5481-BF4A-8082-752758907726}"/>
-              </a:ext>
-            </a:extLst>
-          </p:cNvPr>
-          <p:cNvGraphicFramePr>
-            <a:graphicFrameLocks/>
-          </p:cNvGraphicFramePr>
-          <p:nvPr>
-            <p:extLst>
-              <p:ext uri="{D42A27DB-BD31-4B8C-83A1-F6EECF244321}">
-                <p14:modId xmlns:p14="http://schemas.microsoft.com/office/powerpoint/2010/main" val="3229520562"/>
-              </p:ext>
-            </p:extLst>
-          </p:nvPr>
-        </p:nvGraphicFramePr>
-        <p:xfrm>
-          <a:off x="4038600" y="1127475"/>
-          <a:ext cx="7188202" cy="4599663"/>
-        </p:xfrm>
-        <a:graphic>
-          <a:graphicData uri="http://schemas.openxmlformats.org/drawingml/2006/table">
-            <a:tbl>
-              <a:tblPr firstRow="1" bandRow="1">
-                <a:tableStyleId>{8EC20E35-A176-4012-BC5E-935CFFF8708E}</a:tableStyleId>
-              </a:tblPr>
-              <a:tblGrid>
-                <a:gridCol w="1461518">
-                  <a:extLst>
-                    <a:ext uri="{9D8B030D-6E8A-4147-A177-3AD203B41FA5}">
-                      <a16:colId xmlns:a16="http://schemas.microsoft.com/office/drawing/2014/main" val="1960723173"/>
-                    </a:ext>
-                  </a:extLst>
-                </a:gridCol>
-                <a:gridCol w="1288669">
-                  <a:extLst>
-                    <a:ext uri="{9D8B030D-6E8A-4147-A177-3AD203B41FA5}">
-                      <a16:colId xmlns:a16="http://schemas.microsoft.com/office/drawing/2014/main" val="3542743656"/>
-                    </a:ext>
-                  </a:extLst>
-                </a:gridCol>
-                <a:gridCol w="1345692">
-                  <a:extLst>
-                    <a:ext uri="{9D8B030D-6E8A-4147-A177-3AD203B41FA5}">
-                      <a16:colId xmlns:a16="http://schemas.microsoft.com/office/drawing/2014/main" val="129346160"/>
-                    </a:ext>
-                  </a:extLst>
-                </a:gridCol>
-                <a:gridCol w="1498940">
-                  <a:extLst>
-                    <a:ext uri="{9D8B030D-6E8A-4147-A177-3AD203B41FA5}">
-                      <a16:colId xmlns:a16="http://schemas.microsoft.com/office/drawing/2014/main" val="2023039964"/>
-                    </a:ext>
-                  </a:extLst>
-                </a:gridCol>
-                <a:gridCol w="1593383">
-                  <a:extLst>
-                    <a:ext uri="{9D8B030D-6E8A-4147-A177-3AD203B41FA5}">
-                      <a16:colId xmlns:a16="http://schemas.microsoft.com/office/drawing/2014/main" val="2192817691"/>
-                    </a:ext>
-                  </a:extLst>
-                </a:gridCol>
-              </a:tblGrid>
-              <a:tr h="591483">
-                <a:tc>
-                  <a:txBody>
-                    <a:bodyPr/>
-                    <a:lstStyle/>
-                    <a:p>
-                      <a:endParaRPr lang="en-US" sz="2700"/>
-                    </a:p>
-                  </a:txBody>
-                  <a:tcPr marL="139863" marR="139863" marT="69932" marB="69932">
-                    <a:lnL w="12700" cap="flat" cmpd="sng" algn="ctr">
-                      <a:solidFill>
-                        <a:schemeClr val="tx1"/>
-                      </a:solidFill>
-                      <a:prstDash val="solid"/>
-                      <a:round/>
-                      <a:headEnd type="none" w="med" len="med"/>
-                      <a:tailEnd type="none" w="med" len="med"/>
-                    </a:lnL>
-                    <a:lnR w="12700" cap="flat" cmpd="sng" algn="ctr">
-                      <a:solidFill>
-                        <a:schemeClr val="tx1"/>
-                      </a:solidFill>
-                      <a:prstDash val="solid"/>
-                      <a:round/>
-                      <a:headEnd type="none" w="med" len="med"/>
-                      <a:tailEnd type="none" w="med" len="med"/>
-                    </a:lnR>
-                    <a:lnT w="12700" cap="flat" cmpd="sng" algn="ctr">
-                      <a:solidFill>
-                        <a:schemeClr val="tx1"/>
-                      </a:solidFill>
-                      <a:prstDash val="solid"/>
-                      <a:round/>
-                      <a:headEnd type="none" w="med" len="med"/>
-                      <a:tailEnd type="none" w="med" len="med"/>
-                    </a:lnT>
-                    <a:lnB w="12700" cap="flat" cmpd="sng" algn="ctr">
-                      <a:solidFill>
-                        <a:schemeClr val="tx1"/>
-                      </a:solidFill>
-                      <a:prstDash val="solid"/>
-                      <a:round/>
-                      <a:headEnd type="none" w="med" len="med"/>
-                      <a:tailEnd type="none" w="med" len="med"/>
-                    </a:lnB>
-                  </a:tcPr>
-                </a:tc>
-                <a:tc>
-                  <a:txBody>
-                    <a:bodyPr/>
-                    <a:lstStyle/>
-                    <a:p>
-                      <a:r>
-                        <a:rPr lang="en-US" sz="2700"/>
-                        <a:t>Rmin</a:t>
-                      </a:r>
-                    </a:p>
-                  </a:txBody>
-                  <a:tcPr marL="139863" marR="139863" marT="69932" marB="69932">
-                    <a:lnL w="12700" cap="flat" cmpd="sng" algn="ctr">
-                      <a:solidFill>
-                        <a:schemeClr val="tx1"/>
-                      </a:solidFill>
-                      <a:prstDash val="solid"/>
-                      <a:round/>
-                      <a:headEnd type="none" w="med" len="med"/>
-                      <a:tailEnd type="none" w="med" len="med"/>
-                    </a:lnL>
-                    <a:lnR w="12700" cap="flat" cmpd="sng" algn="ctr">
-                      <a:solidFill>
-                        <a:schemeClr val="tx1"/>
-                      </a:solidFill>
-                      <a:prstDash val="solid"/>
-                      <a:round/>
-                      <a:headEnd type="none" w="med" len="med"/>
-                      <a:tailEnd type="none" w="med" len="med"/>
-                    </a:lnR>
-                    <a:lnT w="12700" cap="flat" cmpd="sng" algn="ctr">
-                      <a:solidFill>
-                        <a:schemeClr val="tx1"/>
-                      </a:solidFill>
-                      <a:prstDash val="solid"/>
-                      <a:round/>
-                      <a:headEnd type="none" w="med" len="med"/>
-                      <a:tailEnd type="none" w="med" len="med"/>
-                    </a:lnT>
-                    <a:lnB w="12700" cap="flat" cmpd="sng" algn="ctr">
-                      <a:solidFill>
-                        <a:schemeClr val="tx1"/>
-                      </a:solidFill>
-                      <a:prstDash val="solid"/>
-                      <a:round/>
-                      <a:headEnd type="none" w="med" len="med"/>
-                      <a:tailEnd type="none" w="med" len="med"/>
-                    </a:lnB>
-                  </a:tcPr>
-                </a:tc>
-                <a:tc>
-                  <a:txBody>
-                    <a:bodyPr/>
-                    <a:lstStyle/>
-                    <a:p>
-                      <a:r>
-                        <a:rPr lang="en-US" sz="2700"/>
-                        <a:t>Rmax</a:t>
-                      </a:r>
-                    </a:p>
-                  </a:txBody>
-                  <a:tcPr marL="139863" marR="139863" marT="69932" marB="69932">
-                    <a:lnL w="12700" cap="flat" cmpd="sng" algn="ctr">
-                      <a:solidFill>
-                        <a:schemeClr val="tx1"/>
-                      </a:solidFill>
-                      <a:prstDash val="solid"/>
-                      <a:round/>
-                      <a:headEnd type="none" w="med" len="med"/>
-                      <a:tailEnd type="none" w="med" len="med"/>
-                    </a:lnL>
-                    <a:lnR w="12700" cap="flat" cmpd="sng" algn="ctr">
-                      <a:solidFill>
-                        <a:schemeClr val="tx1"/>
-                      </a:solidFill>
-                      <a:prstDash val="solid"/>
-                      <a:round/>
-                      <a:headEnd type="none" w="med" len="med"/>
-                      <a:tailEnd type="none" w="med" len="med"/>
-                    </a:lnR>
-                    <a:lnT w="12700" cap="flat" cmpd="sng" algn="ctr">
-                      <a:solidFill>
-                        <a:schemeClr val="tx1"/>
-                      </a:solidFill>
-                      <a:prstDash val="solid"/>
-                      <a:round/>
-                      <a:headEnd type="none" w="med" len="med"/>
-                      <a:tailEnd type="none" w="med" len="med"/>
-                    </a:lnT>
-                    <a:lnB w="12700" cap="flat" cmpd="sng" algn="ctr">
-                      <a:solidFill>
-                        <a:schemeClr val="tx1"/>
-                      </a:solidFill>
-                      <a:prstDash val="solid"/>
-                      <a:round/>
-                      <a:headEnd type="none" w="med" len="med"/>
-                      <a:tailEnd type="none" w="med" len="med"/>
-                    </a:lnB>
-                  </a:tcPr>
-                </a:tc>
-                <a:tc>
-                  <a:txBody>
-                    <a:bodyPr/>
-                    <a:lstStyle/>
-                    <a:p>
-                      <a:r>
-                        <a:rPr lang="en-US" sz="2700"/>
-                        <a:t>Rwmin</a:t>
-                      </a:r>
-                    </a:p>
-                  </a:txBody>
-                  <a:tcPr marL="139863" marR="139863" marT="69932" marB="69932">
-                    <a:lnL w="12700" cap="flat" cmpd="sng" algn="ctr">
-                      <a:solidFill>
-                        <a:schemeClr val="tx1"/>
-                      </a:solidFill>
-                      <a:prstDash val="solid"/>
-                      <a:round/>
-                      <a:headEnd type="none" w="med" len="med"/>
-                      <a:tailEnd type="none" w="med" len="med"/>
-                    </a:lnL>
-                    <a:lnR w="12700" cap="flat" cmpd="sng" algn="ctr">
-                      <a:solidFill>
-                        <a:schemeClr val="tx1"/>
-                      </a:solidFill>
-                      <a:prstDash val="solid"/>
-                      <a:round/>
-                      <a:headEnd type="none" w="med" len="med"/>
-                      <a:tailEnd type="none" w="med" len="med"/>
-                    </a:lnR>
-                    <a:lnT w="12700" cap="flat" cmpd="sng" algn="ctr">
-                      <a:solidFill>
-                        <a:schemeClr val="tx1"/>
-                      </a:solidFill>
-                      <a:prstDash val="solid"/>
-                      <a:round/>
-                      <a:headEnd type="none" w="med" len="med"/>
-                      <a:tailEnd type="none" w="med" len="med"/>
-                    </a:lnT>
-                    <a:lnB w="12700" cap="flat" cmpd="sng" algn="ctr">
-                      <a:solidFill>
-                        <a:schemeClr val="tx1"/>
-                      </a:solidFill>
-                      <a:prstDash val="solid"/>
-                      <a:round/>
-                      <a:headEnd type="none" w="med" len="med"/>
-                      <a:tailEnd type="none" w="med" len="med"/>
-                    </a:lnB>
-                  </a:tcPr>
-                </a:tc>
-                <a:tc>
-                  <a:txBody>
-                    <a:bodyPr/>
-                    <a:lstStyle/>
-                    <a:p>
-                      <a:r>
-                        <a:rPr lang="en-US" sz="2700"/>
-                        <a:t>Rwmax</a:t>
-                      </a:r>
-                    </a:p>
-                  </a:txBody>
-                  <a:tcPr marL="139863" marR="139863" marT="69932" marB="69932">
-                    <a:lnL w="12700" cap="flat" cmpd="sng" algn="ctr">
-                      <a:solidFill>
-                        <a:schemeClr val="tx1"/>
-                      </a:solidFill>
-                      <a:prstDash val="solid"/>
-                      <a:round/>
-                      <a:headEnd type="none" w="med" len="med"/>
-                      <a:tailEnd type="none" w="med" len="med"/>
-                    </a:lnL>
-                    <a:lnR w="12700" cap="flat" cmpd="sng" algn="ctr">
-                      <a:solidFill>
-                        <a:schemeClr val="tx1"/>
-                      </a:solidFill>
-                      <a:prstDash val="solid"/>
-                      <a:round/>
-                      <a:headEnd type="none" w="med" len="med"/>
-                      <a:tailEnd type="none" w="med" len="med"/>
-                    </a:lnR>
-                    <a:lnT w="12700" cap="flat" cmpd="sng" algn="ctr">
-                      <a:solidFill>
-                        <a:schemeClr val="tx1"/>
-                      </a:solidFill>
-                      <a:prstDash val="solid"/>
-                      <a:round/>
-                      <a:headEnd type="none" w="med" len="med"/>
-                      <a:tailEnd type="none" w="med" len="med"/>
-                    </a:lnT>
-                    <a:lnB w="12700" cap="flat" cmpd="sng" algn="ctr">
-                      <a:solidFill>
-                        <a:schemeClr val="tx1"/>
-                      </a:solidFill>
-                      <a:prstDash val="solid"/>
-                      <a:round/>
-                      <a:headEnd type="none" w="med" len="med"/>
-                      <a:tailEnd type="none" w="med" len="med"/>
-                    </a:lnB>
-                  </a:tcPr>
-                </a:tc>
-                <a:extLst>
-                  <a:ext uri="{0D108BD9-81ED-4DB2-BD59-A6C34878D82A}">
-                    <a16:rowId xmlns:a16="http://schemas.microsoft.com/office/drawing/2014/main" val="2303816687"/>
-                  </a:ext>
-                </a:extLst>
-              </a:tr>
-              <a:tr h="1002045">
-                <a:tc>
-                  <a:txBody>
-                    <a:bodyPr/>
-                    <a:lstStyle/>
-                    <a:p>
-                      <a:r>
-                        <a:rPr lang="en-US" sz="2700"/>
-                        <a:t>Range 0</a:t>
-                      </a:r>
-                    </a:p>
-                  </a:txBody>
-                  <a:tcPr marL="139863" marR="139863" marT="69932" marB="69932">
-                    <a:lnL w="12700" cap="flat" cmpd="sng" algn="ctr">
-                      <a:solidFill>
-                        <a:schemeClr val="tx1"/>
-                      </a:solidFill>
-                      <a:prstDash val="solid"/>
-                      <a:round/>
-                      <a:headEnd type="none" w="med" len="med"/>
-                      <a:tailEnd type="none" w="med" len="med"/>
-                    </a:lnL>
-                    <a:lnR w="12700" cap="flat" cmpd="sng" algn="ctr">
-                      <a:solidFill>
-                        <a:schemeClr val="tx1"/>
-                      </a:solidFill>
-                      <a:prstDash val="solid"/>
-                      <a:round/>
-                      <a:headEnd type="none" w="med" len="med"/>
-                      <a:tailEnd type="none" w="med" len="med"/>
-                    </a:lnR>
-                    <a:lnT w="12700" cap="flat" cmpd="sng" algn="ctr">
-                      <a:solidFill>
-                        <a:schemeClr val="tx1"/>
-                      </a:solidFill>
-                      <a:prstDash val="solid"/>
-                      <a:round/>
-                      <a:headEnd type="none" w="med" len="med"/>
-                      <a:tailEnd type="none" w="med" len="med"/>
-                    </a:lnT>
-                    <a:lnB w="12700" cap="flat" cmpd="sng" algn="ctr">
-                      <a:solidFill>
-                        <a:schemeClr val="tx1"/>
-                      </a:solidFill>
-                      <a:prstDash val="solid"/>
-                      <a:round/>
-                      <a:headEnd type="none" w="med" len="med"/>
-                      <a:tailEnd type="none" w="med" len="med"/>
-                    </a:lnB>
-                  </a:tcPr>
-                </a:tc>
-                <a:tc>
-                  <a:txBody>
-                    <a:bodyPr/>
-                    <a:lstStyle/>
-                    <a:p>
-                      <a:r>
-                        <a:rPr lang="en-US" sz="2700"/>
-                        <a:t>N/A</a:t>
-                      </a:r>
-                    </a:p>
-                  </a:txBody>
-                  <a:tcPr marL="139863" marR="139863" marT="69932" marB="69932">
-                    <a:lnL w="12700" cap="flat" cmpd="sng" algn="ctr">
-                      <a:solidFill>
-                        <a:schemeClr val="tx1"/>
-                      </a:solidFill>
-                      <a:prstDash val="solid"/>
-                      <a:round/>
-                      <a:headEnd type="none" w="med" len="med"/>
-                      <a:tailEnd type="none" w="med" len="med"/>
-                    </a:lnL>
-                    <a:lnR w="12700" cap="flat" cmpd="sng" algn="ctr">
-                      <a:solidFill>
-                        <a:schemeClr val="tx1"/>
-                      </a:solidFill>
-                      <a:prstDash val="solid"/>
-                      <a:round/>
-                      <a:headEnd type="none" w="med" len="med"/>
-                      <a:tailEnd type="none" w="med" len="med"/>
-                    </a:lnR>
-                    <a:lnT w="12700" cap="flat" cmpd="sng" algn="ctr">
-                      <a:solidFill>
-                        <a:schemeClr val="tx1"/>
-                      </a:solidFill>
-                      <a:prstDash val="solid"/>
-                      <a:round/>
-                      <a:headEnd type="none" w="med" len="med"/>
-                      <a:tailEnd type="none" w="med" len="med"/>
-                    </a:lnT>
-                    <a:lnB w="12700" cap="flat" cmpd="sng" algn="ctr">
-                      <a:solidFill>
-                        <a:schemeClr val="tx1"/>
-                      </a:solidFill>
-                      <a:prstDash val="solid"/>
-                      <a:round/>
-                      <a:headEnd type="none" w="med" len="med"/>
-                      <a:tailEnd type="none" w="med" len="med"/>
-                    </a:lnB>
-                  </a:tcPr>
-                </a:tc>
-                <a:tc>
-                  <a:txBody>
-                    <a:bodyPr/>
-                    <a:lstStyle/>
-                    <a:p>
-                      <a:r>
-                        <a:rPr lang="en-US" sz="2700"/>
-                        <a:t>5.10k</a:t>
-                      </a:r>
-                    </a:p>
-                  </a:txBody>
-                  <a:tcPr marL="139863" marR="139863" marT="69932" marB="69932">
-                    <a:lnL w="12700" cap="flat" cmpd="sng" algn="ctr">
-                      <a:solidFill>
-                        <a:schemeClr val="tx1"/>
-                      </a:solidFill>
-                      <a:prstDash val="solid"/>
-                      <a:round/>
-                      <a:headEnd type="none" w="med" len="med"/>
-                      <a:tailEnd type="none" w="med" len="med"/>
-                    </a:lnL>
-                    <a:lnR w="12700" cap="flat" cmpd="sng" algn="ctr">
-                      <a:solidFill>
-                        <a:schemeClr val="tx1"/>
-                      </a:solidFill>
-                      <a:prstDash val="solid"/>
-                      <a:round/>
-                      <a:headEnd type="none" w="med" len="med"/>
-                      <a:tailEnd type="none" w="med" len="med"/>
-                    </a:lnR>
-                    <a:lnT w="12700" cap="flat" cmpd="sng" algn="ctr">
-                      <a:solidFill>
-                        <a:schemeClr val="tx1"/>
-                      </a:solidFill>
-                      <a:prstDash val="solid"/>
-                      <a:round/>
-                      <a:headEnd type="none" w="med" len="med"/>
-                      <a:tailEnd type="none" w="med" len="med"/>
-                    </a:lnT>
-                    <a:lnB w="12700" cap="flat" cmpd="sng" algn="ctr">
-                      <a:solidFill>
-                        <a:schemeClr val="tx1"/>
-                      </a:solidFill>
-                      <a:prstDash val="solid"/>
-                      <a:round/>
-                      <a:headEnd type="none" w="med" len="med"/>
-                      <a:tailEnd type="none" w="med" len="med"/>
-                    </a:lnB>
-                  </a:tcPr>
-                </a:tc>
-                <a:tc>
-                  <a:txBody>
-                    <a:bodyPr/>
-                    <a:lstStyle/>
-                    <a:p>
-                      <a:r>
-                        <a:rPr lang="en-US" sz="2700"/>
-                        <a:t>N/A</a:t>
-                      </a:r>
-                    </a:p>
-                  </a:txBody>
-                  <a:tcPr marL="139863" marR="139863" marT="69932" marB="69932">
-                    <a:lnL w="12700" cap="flat" cmpd="sng" algn="ctr">
-                      <a:solidFill>
-                        <a:schemeClr val="tx1"/>
-                      </a:solidFill>
-                      <a:prstDash val="solid"/>
-                      <a:round/>
-                      <a:headEnd type="none" w="med" len="med"/>
-                      <a:tailEnd type="none" w="med" len="med"/>
-                    </a:lnL>
-                    <a:lnR w="12700" cap="flat" cmpd="sng" algn="ctr">
-                      <a:solidFill>
-                        <a:schemeClr val="tx1"/>
-                      </a:solidFill>
-                      <a:prstDash val="solid"/>
-                      <a:round/>
-                      <a:headEnd type="none" w="med" len="med"/>
-                      <a:tailEnd type="none" w="med" len="med"/>
-                    </a:lnR>
-                    <a:lnT w="12700" cap="flat" cmpd="sng" algn="ctr">
-                      <a:solidFill>
-                        <a:schemeClr val="tx1"/>
-                      </a:solidFill>
-                      <a:prstDash val="solid"/>
-                      <a:round/>
-                      <a:headEnd type="none" w="med" len="med"/>
-                      <a:tailEnd type="none" w="med" len="med"/>
-                    </a:lnT>
-                    <a:lnB w="12700" cap="flat" cmpd="sng" algn="ctr">
-                      <a:solidFill>
-                        <a:schemeClr val="tx1"/>
-                      </a:solidFill>
-                      <a:prstDash val="solid"/>
-                      <a:round/>
-                      <a:headEnd type="none" w="med" len="med"/>
-                      <a:tailEnd type="none" w="med" len="med"/>
-                    </a:lnB>
-                  </a:tcPr>
-                </a:tc>
-                <a:tc>
-                  <a:txBody>
-                    <a:bodyPr/>
-                    <a:lstStyle/>
-                    <a:p>
-                      <a:r>
-                        <a:rPr lang="en-US" sz="2700"/>
-                        <a:t>5.00k</a:t>
-                      </a:r>
-                    </a:p>
-                  </a:txBody>
-                  <a:tcPr marL="139863" marR="139863" marT="69932" marB="69932">
-                    <a:lnL w="12700" cap="flat" cmpd="sng" algn="ctr">
-                      <a:solidFill>
-                        <a:schemeClr val="tx1"/>
-                      </a:solidFill>
-                      <a:prstDash val="solid"/>
-                      <a:round/>
-                      <a:headEnd type="none" w="med" len="med"/>
-                      <a:tailEnd type="none" w="med" len="med"/>
-                    </a:lnL>
-                    <a:lnR w="12700" cap="flat" cmpd="sng" algn="ctr">
-                      <a:solidFill>
-                        <a:schemeClr val="tx1"/>
-                      </a:solidFill>
-                      <a:prstDash val="solid"/>
-                      <a:round/>
-                      <a:headEnd type="none" w="med" len="med"/>
-                      <a:tailEnd type="none" w="med" len="med"/>
-                    </a:lnR>
-                    <a:lnT w="12700" cap="flat" cmpd="sng" algn="ctr">
-                      <a:solidFill>
-                        <a:schemeClr val="tx1"/>
-                      </a:solidFill>
-                      <a:prstDash val="solid"/>
-                      <a:round/>
-                      <a:headEnd type="none" w="med" len="med"/>
-                      <a:tailEnd type="none" w="med" len="med"/>
-                    </a:lnT>
-                    <a:lnB w="12700" cap="flat" cmpd="sng" algn="ctr">
-                      <a:solidFill>
-                        <a:schemeClr val="tx1"/>
-                      </a:solidFill>
-                      <a:prstDash val="solid"/>
-                      <a:round/>
-                      <a:headEnd type="none" w="med" len="med"/>
-                      <a:tailEnd type="none" w="med" len="med"/>
-                    </a:lnB>
-                  </a:tcPr>
-                </a:tc>
-                <a:extLst>
-                  <a:ext uri="{0D108BD9-81ED-4DB2-BD59-A6C34878D82A}">
-                    <a16:rowId xmlns:a16="http://schemas.microsoft.com/office/drawing/2014/main" val="313025389"/>
-                  </a:ext>
-                </a:extLst>
-              </a:tr>
-              <a:tr h="1002045">
-                <a:tc>
-                  <a:txBody>
-                    <a:bodyPr/>
-                    <a:lstStyle/>
-                    <a:p>
-                      <a:r>
-                        <a:rPr lang="en-US" sz="2700"/>
-                        <a:t>Range 1</a:t>
-                      </a:r>
-                    </a:p>
-                  </a:txBody>
-                  <a:tcPr marL="139863" marR="139863" marT="69932" marB="69932">
-                    <a:lnL w="12700" cap="flat" cmpd="sng" algn="ctr">
-                      <a:solidFill>
-                        <a:schemeClr val="tx1"/>
-                      </a:solidFill>
-                      <a:prstDash val="solid"/>
-                      <a:round/>
-                      <a:headEnd type="none" w="med" len="med"/>
-                      <a:tailEnd type="none" w="med" len="med"/>
-                    </a:lnL>
-                    <a:lnR w="12700" cap="flat" cmpd="sng" algn="ctr">
-                      <a:solidFill>
-                        <a:schemeClr val="tx1"/>
-                      </a:solidFill>
-                      <a:prstDash val="solid"/>
-                      <a:round/>
-                      <a:headEnd type="none" w="med" len="med"/>
-                      <a:tailEnd type="none" w="med" len="med"/>
-                    </a:lnR>
-                    <a:lnT w="12700" cap="flat" cmpd="sng" algn="ctr">
-                      <a:solidFill>
-                        <a:schemeClr val="tx1"/>
-                      </a:solidFill>
-                      <a:prstDash val="solid"/>
-                      <a:round/>
-                      <a:headEnd type="none" w="med" len="med"/>
-                      <a:tailEnd type="none" w="med" len="med"/>
-                    </a:lnT>
-                    <a:lnB w="12700" cap="flat" cmpd="sng" algn="ctr">
-                      <a:solidFill>
-                        <a:schemeClr val="tx1"/>
-                      </a:solidFill>
-                      <a:prstDash val="solid"/>
-                      <a:round/>
-                      <a:headEnd type="none" w="med" len="med"/>
-                      <a:tailEnd type="none" w="med" len="med"/>
-                    </a:lnB>
-                  </a:tcPr>
-                </a:tc>
-                <a:tc>
-                  <a:txBody>
-                    <a:bodyPr/>
-                    <a:lstStyle/>
-                    <a:p>
-                      <a:r>
-                        <a:rPr lang="en-US" sz="2700" dirty="0"/>
-                        <a:t>5.38k</a:t>
-                      </a:r>
-                    </a:p>
-                  </a:txBody>
-                  <a:tcPr marL="139863" marR="139863" marT="69932" marB="69932">
-                    <a:lnL w="12700" cap="flat" cmpd="sng" algn="ctr">
-                      <a:solidFill>
-                        <a:schemeClr val="tx1"/>
-                      </a:solidFill>
-                      <a:prstDash val="solid"/>
-                      <a:round/>
-                      <a:headEnd type="none" w="med" len="med"/>
-                      <a:tailEnd type="none" w="med" len="med"/>
-                    </a:lnL>
-                    <a:lnR w="12700" cap="flat" cmpd="sng" algn="ctr">
-                      <a:solidFill>
-                        <a:schemeClr val="tx1"/>
-                      </a:solidFill>
-                      <a:prstDash val="solid"/>
-                      <a:round/>
-                      <a:headEnd type="none" w="med" len="med"/>
-                      <a:tailEnd type="none" w="med" len="med"/>
-                    </a:lnR>
-                    <a:lnT w="12700" cap="flat" cmpd="sng" algn="ctr">
-                      <a:solidFill>
-                        <a:schemeClr val="tx1"/>
-                      </a:solidFill>
-                      <a:prstDash val="solid"/>
-                      <a:round/>
-                      <a:headEnd type="none" w="med" len="med"/>
-                      <a:tailEnd type="none" w="med" len="med"/>
-                    </a:lnT>
-                    <a:lnB w="12700" cap="flat" cmpd="sng" algn="ctr">
-                      <a:solidFill>
-                        <a:schemeClr val="tx1"/>
-                      </a:solidFill>
-                      <a:prstDash val="solid"/>
-                      <a:round/>
-                      <a:headEnd type="none" w="med" len="med"/>
-                      <a:tailEnd type="none" w="med" len="med"/>
-                    </a:lnB>
-                  </a:tcPr>
-                </a:tc>
-                <a:tc>
-                  <a:txBody>
-                    <a:bodyPr/>
-                    <a:lstStyle/>
-                    <a:p>
-                      <a:r>
-                        <a:rPr lang="en-US" sz="2700" dirty="0"/>
-                        <a:t>6.48k</a:t>
-                      </a:r>
-                    </a:p>
-                  </a:txBody>
-                  <a:tcPr marL="139863" marR="139863" marT="69932" marB="69932">
-                    <a:lnL w="12700" cap="flat" cmpd="sng" algn="ctr">
-                      <a:solidFill>
-                        <a:schemeClr val="tx1"/>
-                      </a:solidFill>
-                      <a:prstDash val="solid"/>
-                      <a:round/>
-                      <a:headEnd type="none" w="med" len="med"/>
-                      <a:tailEnd type="none" w="med" len="med"/>
-                    </a:lnL>
-                    <a:lnR w="12700" cap="flat" cmpd="sng" algn="ctr">
-                      <a:solidFill>
-                        <a:schemeClr val="tx1"/>
-                      </a:solidFill>
-                      <a:prstDash val="solid"/>
-                      <a:round/>
-                      <a:headEnd type="none" w="med" len="med"/>
-                      <a:tailEnd type="none" w="med" len="med"/>
-                    </a:lnR>
-                    <a:lnT w="12700" cap="flat" cmpd="sng" algn="ctr">
-                      <a:solidFill>
-                        <a:schemeClr val="tx1"/>
-                      </a:solidFill>
-                      <a:prstDash val="solid"/>
-                      <a:round/>
-                      <a:headEnd type="none" w="med" len="med"/>
-                      <a:tailEnd type="none" w="med" len="med"/>
-                    </a:lnT>
-                    <a:lnB w="12700" cap="flat" cmpd="sng" algn="ctr">
-                      <a:solidFill>
-                        <a:schemeClr val="tx1"/>
-                      </a:solidFill>
-                      <a:prstDash val="solid"/>
-                      <a:round/>
-                      <a:headEnd type="none" w="med" len="med"/>
-                      <a:tailEnd type="none" w="med" len="med"/>
-                    </a:lnB>
-                  </a:tcPr>
-                </a:tc>
-                <a:tc>
-                  <a:txBody>
-                    <a:bodyPr/>
-                    <a:lstStyle/>
-                    <a:p>
-                      <a:r>
-                        <a:rPr lang="en-US" sz="2700" dirty="0"/>
-                        <a:t>5.77k</a:t>
-                      </a:r>
-                    </a:p>
-                  </a:txBody>
-                  <a:tcPr marL="139863" marR="139863" marT="69932" marB="69932">
-                    <a:lnL w="12700" cap="flat" cmpd="sng" algn="ctr">
-                      <a:solidFill>
-                        <a:schemeClr val="tx1"/>
-                      </a:solidFill>
-                      <a:prstDash val="solid"/>
-                      <a:round/>
-                      <a:headEnd type="none" w="med" len="med"/>
-                      <a:tailEnd type="none" w="med" len="med"/>
-                    </a:lnL>
-                    <a:lnR w="12700" cap="flat" cmpd="sng" algn="ctr">
-                      <a:solidFill>
-                        <a:schemeClr val="tx1"/>
-                      </a:solidFill>
-                      <a:prstDash val="solid"/>
-                      <a:round/>
-                      <a:headEnd type="none" w="med" len="med"/>
-                      <a:tailEnd type="none" w="med" len="med"/>
-                    </a:lnR>
-                    <a:lnT w="12700" cap="flat" cmpd="sng" algn="ctr">
-                      <a:solidFill>
-                        <a:schemeClr val="tx1"/>
-                      </a:solidFill>
-                      <a:prstDash val="solid"/>
-                      <a:round/>
-                      <a:headEnd type="none" w="med" len="med"/>
-                      <a:tailEnd type="none" w="med" len="med"/>
-                    </a:lnT>
-                    <a:lnB w="12700" cap="flat" cmpd="sng" algn="ctr">
-                      <a:solidFill>
-                        <a:schemeClr val="tx1"/>
-                      </a:solidFill>
-                      <a:prstDash val="solid"/>
-                      <a:round/>
-                      <a:headEnd type="none" w="med" len="med"/>
-                      <a:tailEnd type="none" w="med" len="med"/>
-                    </a:lnB>
-                  </a:tcPr>
-                </a:tc>
-                <a:tc>
-                  <a:txBody>
-                    <a:bodyPr/>
-                    <a:lstStyle/>
-                    <a:p>
-                      <a:r>
-                        <a:rPr lang="en-US" sz="2700" dirty="0"/>
-                        <a:t>6.01k</a:t>
-                      </a:r>
-                    </a:p>
-                  </a:txBody>
-                  <a:tcPr marL="139863" marR="139863" marT="69932" marB="69932">
-                    <a:lnL w="12700" cap="flat" cmpd="sng" algn="ctr">
-                      <a:solidFill>
-                        <a:schemeClr val="tx1"/>
-                      </a:solidFill>
-                      <a:prstDash val="solid"/>
-                      <a:round/>
-                      <a:headEnd type="none" w="med" len="med"/>
-                      <a:tailEnd type="none" w="med" len="med"/>
-                    </a:lnL>
-                    <a:lnR w="12700" cap="flat" cmpd="sng" algn="ctr">
-                      <a:solidFill>
-                        <a:schemeClr val="tx1"/>
-                      </a:solidFill>
-                      <a:prstDash val="solid"/>
-                      <a:round/>
-                      <a:headEnd type="none" w="med" len="med"/>
-                      <a:tailEnd type="none" w="med" len="med"/>
-                    </a:lnR>
-                    <a:lnT w="12700" cap="flat" cmpd="sng" algn="ctr">
-                      <a:solidFill>
-                        <a:schemeClr val="tx1"/>
-                      </a:solidFill>
-                      <a:prstDash val="solid"/>
-                      <a:round/>
-                      <a:headEnd type="none" w="med" len="med"/>
-                      <a:tailEnd type="none" w="med" len="med"/>
-                    </a:lnT>
-                    <a:lnB w="12700" cap="flat" cmpd="sng" algn="ctr">
-                      <a:solidFill>
-                        <a:schemeClr val="tx1"/>
-                      </a:solidFill>
-                      <a:prstDash val="solid"/>
-                      <a:round/>
-                      <a:headEnd type="none" w="med" len="med"/>
-                      <a:tailEnd type="none" w="med" len="med"/>
-                    </a:lnB>
-                  </a:tcPr>
-                </a:tc>
-                <a:extLst>
-                  <a:ext uri="{0D108BD9-81ED-4DB2-BD59-A6C34878D82A}">
-                    <a16:rowId xmlns:a16="http://schemas.microsoft.com/office/drawing/2014/main" val="1871411977"/>
-                  </a:ext>
-                </a:extLst>
-              </a:tr>
-              <a:tr h="1002045">
-                <a:tc>
-                  <a:txBody>
-                    <a:bodyPr/>
-                    <a:lstStyle/>
-                    <a:p>
-                      <a:r>
-                        <a:rPr lang="en-US" sz="2700"/>
-                        <a:t>Range 2</a:t>
-                      </a:r>
-                    </a:p>
-                  </a:txBody>
-                  <a:tcPr marL="139863" marR="139863" marT="69932" marB="69932">
-                    <a:lnL w="12700" cap="flat" cmpd="sng" algn="ctr">
-                      <a:solidFill>
-                        <a:schemeClr val="tx1"/>
-                      </a:solidFill>
-                      <a:prstDash val="solid"/>
-                      <a:round/>
-                      <a:headEnd type="none" w="med" len="med"/>
-                      <a:tailEnd type="none" w="med" len="med"/>
-                    </a:lnL>
-                    <a:lnR w="12700" cap="flat" cmpd="sng" algn="ctr">
-                      <a:solidFill>
-                        <a:schemeClr val="tx1"/>
-                      </a:solidFill>
-                      <a:prstDash val="solid"/>
-                      <a:round/>
-                      <a:headEnd type="none" w="med" len="med"/>
-                      <a:tailEnd type="none" w="med" len="med"/>
-                    </a:lnR>
-                    <a:lnT w="12700" cap="flat" cmpd="sng" algn="ctr">
-                      <a:solidFill>
-                        <a:schemeClr val="tx1"/>
-                      </a:solidFill>
-                      <a:prstDash val="solid"/>
-                      <a:round/>
-                      <a:headEnd type="none" w="med" len="med"/>
-                      <a:tailEnd type="none" w="med" len="med"/>
-                    </a:lnT>
-                    <a:lnB w="12700" cap="flat" cmpd="sng" algn="ctr">
-                      <a:solidFill>
-                        <a:schemeClr val="tx1"/>
-                      </a:solidFill>
-                      <a:prstDash val="solid"/>
-                      <a:round/>
-                      <a:headEnd type="none" w="med" len="med"/>
-                      <a:tailEnd type="none" w="med" len="med"/>
-                    </a:lnB>
-                  </a:tcPr>
-                </a:tc>
-                <a:tc>
-                  <a:txBody>
-                    <a:bodyPr/>
-                    <a:lstStyle/>
-                    <a:p>
-                      <a:r>
-                        <a:rPr lang="en-US" sz="2700" dirty="0"/>
-                        <a:t>6.93k</a:t>
-                      </a:r>
-                    </a:p>
-                  </a:txBody>
-                  <a:tcPr marL="139863" marR="139863" marT="69932" marB="69932">
-                    <a:lnL w="12700" cap="flat" cmpd="sng" algn="ctr">
-                      <a:solidFill>
-                        <a:schemeClr val="tx1"/>
-                      </a:solidFill>
-                      <a:prstDash val="solid"/>
-                      <a:round/>
-                      <a:headEnd type="none" w="med" len="med"/>
-                      <a:tailEnd type="none" w="med" len="med"/>
-                    </a:lnL>
-                    <a:lnR w="12700" cap="flat" cmpd="sng" algn="ctr">
-                      <a:solidFill>
-                        <a:schemeClr val="tx1"/>
-                      </a:solidFill>
-                      <a:prstDash val="solid"/>
-                      <a:round/>
-                      <a:headEnd type="none" w="med" len="med"/>
-                      <a:tailEnd type="none" w="med" len="med"/>
-                    </a:lnR>
-                    <a:lnT w="12700" cap="flat" cmpd="sng" algn="ctr">
-                      <a:solidFill>
-                        <a:schemeClr val="tx1"/>
-                      </a:solidFill>
-                      <a:prstDash val="solid"/>
-                      <a:round/>
-                      <a:headEnd type="none" w="med" len="med"/>
-                      <a:tailEnd type="none" w="med" len="med"/>
-                    </a:lnT>
-                    <a:lnB w="12700" cap="flat" cmpd="sng" algn="ctr">
-                      <a:solidFill>
-                        <a:schemeClr val="tx1"/>
-                      </a:solidFill>
-                      <a:prstDash val="solid"/>
-                      <a:round/>
-                      <a:headEnd type="none" w="med" len="med"/>
-                      <a:tailEnd type="none" w="med" len="med"/>
-                    </a:lnB>
-                  </a:tcPr>
-                </a:tc>
-                <a:tc>
-                  <a:txBody>
-                    <a:bodyPr/>
-                    <a:lstStyle/>
-                    <a:p>
-                      <a:r>
-                        <a:rPr lang="en-US" sz="2700" dirty="0"/>
-                        <a:t>12.00k</a:t>
-                      </a:r>
-                    </a:p>
-                  </a:txBody>
-                  <a:tcPr marL="139863" marR="139863" marT="69932" marB="69932">
-                    <a:lnL w="12700" cap="flat" cmpd="sng" algn="ctr">
-                      <a:solidFill>
-                        <a:schemeClr val="tx1"/>
-                      </a:solidFill>
-                      <a:prstDash val="solid"/>
-                      <a:round/>
-                      <a:headEnd type="none" w="med" len="med"/>
-                      <a:tailEnd type="none" w="med" len="med"/>
-                    </a:lnL>
-                    <a:lnR w="12700" cap="flat" cmpd="sng" algn="ctr">
-                      <a:solidFill>
-                        <a:schemeClr val="tx1"/>
-                      </a:solidFill>
-                      <a:prstDash val="solid"/>
-                      <a:round/>
-                      <a:headEnd type="none" w="med" len="med"/>
-                      <a:tailEnd type="none" w="med" len="med"/>
-                    </a:lnR>
-                    <a:lnT w="12700" cap="flat" cmpd="sng" algn="ctr">
-                      <a:solidFill>
-                        <a:schemeClr val="tx1"/>
-                      </a:solidFill>
-                      <a:prstDash val="solid"/>
-                      <a:round/>
-                      <a:headEnd type="none" w="med" len="med"/>
-                      <a:tailEnd type="none" w="med" len="med"/>
-                    </a:lnT>
-                    <a:lnB w="12700" cap="flat" cmpd="sng" algn="ctr">
-                      <a:solidFill>
-                        <a:schemeClr val="tx1"/>
-                      </a:solidFill>
-                      <a:prstDash val="solid"/>
-                      <a:round/>
-                      <a:headEnd type="none" w="med" len="med"/>
-                      <a:tailEnd type="none" w="med" len="med"/>
-                    </a:lnB>
-                  </a:tcPr>
-                </a:tc>
-                <a:tc>
-                  <a:txBody>
-                    <a:bodyPr/>
-                    <a:lstStyle/>
-                    <a:p>
-                      <a:r>
-                        <a:rPr lang="en-US" sz="2700" dirty="0"/>
-                        <a:t>8.51k</a:t>
-                      </a:r>
-                    </a:p>
-                  </a:txBody>
-                  <a:tcPr marL="139863" marR="139863" marT="69932" marB="69932">
-                    <a:lnL w="12700" cap="flat" cmpd="sng" algn="ctr">
-                      <a:solidFill>
-                        <a:schemeClr val="tx1"/>
-                      </a:solidFill>
-                      <a:prstDash val="solid"/>
-                      <a:round/>
-                      <a:headEnd type="none" w="med" len="med"/>
-                      <a:tailEnd type="none" w="med" len="med"/>
-                    </a:lnL>
-                    <a:lnR w="12700" cap="flat" cmpd="sng" algn="ctr">
-                      <a:solidFill>
-                        <a:schemeClr val="tx1"/>
-                      </a:solidFill>
-                      <a:prstDash val="solid"/>
-                      <a:round/>
-                      <a:headEnd type="none" w="med" len="med"/>
-                      <a:tailEnd type="none" w="med" len="med"/>
-                    </a:lnR>
-                    <a:lnT w="12700" cap="flat" cmpd="sng" algn="ctr">
-                      <a:solidFill>
-                        <a:schemeClr val="tx1"/>
-                      </a:solidFill>
-                      <a:prstDash val="solid"/>
-                      <a:round/>
-                      <a:headEnd type="none" w="med" len="med"/>
-                      <a:tailEnd type="none" w="med" len="med"/>
-                    </a:lnT>
-                    <a:lnB w="12700" cap="flat" cmpd="sng" algn="ctr">
-                      <a:solidFill>
-                        <a:schemeClr val="tx1"/>
-                      </a:solidFill>
-                      <a:prstDash val="solid"/>
-                      <a:round/>
-                      <a:headEnd type="none" w="med" len="med"/>
-                      <a:tailEnd type="none" w="med" len="med"/>
-                    </a:lnB>
-                  </a:tcPr>
-                </a:tc>
-                <a:tc>
-                  <a:txBody>
-                    <a:bodyPr/>
-                    <a:lstStyle/>
-                    <a:p>
-                      <a:r>
-                        <a:rPr lang="en-US" sz="2700" dirty="0"/>
-                        <a:t>9.31k</a:t>
-                      </a:r>
-                    </a:p>
-                  </a:txBody>
-                  <a:tcPr marL="139863" marR="139863" marT="69932" marB="69932">
-                    <a:lnL w="12700" cap="flat" cmpd="sng" algn="ctr">
-                      <a:solidFill>
-                        <a:schemeClr val="tx1"/>
-                      </a:solidFill>
-                      <a:prstDash val="solid"/>
-                      <a:round/>
-                      <a:headEnd type="none" w="med" len="med"/>
-                      <a:tailEnd type="none" w="med" len="med"/>
-                    </a:lnL>
-                    <a:lnR w="12700" cap="flat" cmpd="sng" algn="ctr">
-                      <a:solidFill>
-                        <a:schemeClr val="tx1"/>
-                      </a:solidFill>
-                      <a:prstDash val="solid"/>
-                      <a:round/>
-                      <a:headEnd type="none" w="med" len="med"/>
-                      <a:tailEnd type="none" w="med" len="med"/>
-                    </a:lnR>
-                    <a:lnT w="12700" cap="flat" cmpd="sng" algn="ctr">
-                      <a:solidFill>
-                        <a:schemeClr val="tx1"/>
-                      </a:solidFill>
-                      <a:prstDash val="solid"/>
-                      <a:round/>
-                      <a:headEnd type="none" w="med" len="med"/>
-                      <a:tailEnd type="none" w="med" len="med"/>
-                    </a:lnT>
-                    <a:lnB w="12700" cap="flat" cmpd="sng" algn="ctr">
-                      <a:solidFill>
-                        <a:schemeClr val="tx1"/>
-                      </a:solidFill>
-                      <a:prstDash val="solid"/>
-                      <a:round/>
-                      <a:headEnd type="none" w="med" len="med"/>
-                      <a:tailEnd type="none" w="med" len="med"/>
-                    </a:lnB>
-                  </a:tcPr>
-                </a:tc>
-                <a:extLst>
-                  <a:ext uri="{0D108BD9-81ED-4DB2-BD59-A6C34878D82A}">
-                    <a16:rowId xmlns:a16="http://schemas.microsoft.com/office/drawing/2014/main" val="167111624"/>
-                  </a:ext>
-                </a:extLst>
-              </a:tr>
-              <a:tr h="1002045">
-                <a:tc>
-                  <a:txBody>
-                    <a:bodyPr/>
-                    <a:lstStyle/>
-                    <a:p>
-                      <a:r>
-                        <a:rPr lang="en-US" sz="2700"/>
-                        <a:t>Range 3</a:t>
-                      </a:r>
-                    </a:p>
-                  </a:txBody>
-                  <a:tcPr marL="139863" marR="139863" marT="69932" marB="69932">
-                    <a:lnL w="12700" cap="flat" cmpd="sng" algn="ctr">
-                      <a:solidFill>
-                        <a:schemeClr val="tx1"/>
-                      </a:solidFill>
-                      <a:prstDash val="solid"/>
-                      <a:round/>
-                      <a:headEnd type="none" w="med" len="med"/>
-                      <a:tailEnd type="none" w="med" len="med"/>
-                    </a:lnL>
-                    <a:lnR w="12700" cap="flat" cmpd="sng" algn="ctr">
-                      <a:solidFill>
-                        <a:schemeClr val="tx1"/>
-                      </a:solidFill>
-                      <a:prstDash val="solid"/>
-                      <a:round/>
-                      <a:headEnd type="none" w="med" len="med"/>
-                      <a:tailEnd type="none" w="med" len="med"/>
-                    </a:lnR>
-                    <a:lnT w="12700" cap="flat" cmpd="sng" algn="ctr">
-                      <a:solidFill>
-                        <a:schemeClr val="tx1"/>
-                      </a:solidFill>
-                      <a:prstDash val="solid"/>
-                      <a:round/>
-                      <a:headEnd type="none" w="med" len="med"/>
-                      <a:tailEnd type="none" w="med" len="med"/>
-                    </a:lnT>
-                    <a:lnB w="12700" cap="flat" cmpd="sng" algn="ctr">
-                      <a:solidFill>
-                        <a:schemeClr val="tx1"/>
-                      </a:solidFill>
-                      <a:prstDash val="solid"/>
-                      <a:round/>
-                      <a:headEnd type="none" w="med" len="med"/>
-                      <a:tailEnd type="none" w="med" len="med"/>
-                    </a:lnB>
-                  </a:tcPr>
-                </a:tc>
-                <a:tc>
-                  <a:txBody>
-                    <a:bodyPr/>
-                    <a:lstStyle/>
-                    <a:p>
-                      <a:r>
-                        <a:rPr lang="en-US" sz="2700" dirty="0"/>
-                        <a:t>20.00k</a:t>
-                      </a:r>
-                    </a:p>
-                  </a:txBody>
-                  <a:tcPr marL="139863" marR="139863" marT="69932" marB="69932">
-                    <a:lnL w="12700" cap="flat" cmpd="sng" algn="ctr">
-                      <a:solidFill>
-                        <a:schemeClr val="tx1"/>
-                      </a:solidFill>
-                      <a:prstDash val="solid"/>
-                      <a:round/>
-                      <a:headEnd type="none" w="med" len="med"/>
-                      <a:tailEnd type="none" w="med" len="med"/>
-                    </a:lnL>
-                    <a:lnR w="12700" cap="flat" cmpd="sng" algn="ctr">
-                      <a:solidFill>
-                        <a:schemeClr val="tx1"/>
-                      </a:solidFill>
-                      <a:prstDash val="solid"/>
-                      <a:round/>
-                      <a:headEnd type="none" w="med" len="med"/>
-                      <a:tailEnd type="none" w="med" len="med"/>
-                    </a:lnR>
-                    <a:lnT w="12700" cap="flat" cmpd="sng" algn="ctr">
-                      <a:solidFill>
-                        <a:schemeClr val="tx1"/>
-                      </a:solidFill>
-                      <a:prstDash val="solid"/>
-                      <a:round/>
-                      <a:headEnd type="none" w="med" len="med"/>
-                      <a:tailEnd type="none" w="med" len="med"/>
-                    </a:lnT>
-                    <a:lnB w="12700" cap="flat" cmpd="sng" algn="ctr">
-                      <a:solidFill>
-                        <a:schemeClr val="tx1"/>
-                      </a:solidFill>
-                      <a:prstDash val="solid"/>
-                      <a:round/>
-                      <a:headEnd type="none" w="med" len="med"/>
-                      <a:tailEnd type="none" w="med" len="med"/>
-                    </a:lnB>
-                  </a:tcPr>
-                </a:tc>
-                <a:tc>
-                  <a:txBody>
-                    <a:bodyPr/>
-                    <a:lstStyle/>
-                    <a:p>
-                      <a:r>
-                        <a:rPr lang="en-US" sz="2700" dirty="0"/>
-                        <a:t>N/A</a:t>
-                      </a:r>
-                    </a:p>
-                  </a:txBody>
-                  <a:tcPr marL="139863" marR="139863" marT="69932" marB="69932">
-                    <a:lnL w="12700" cap="flat" cmpd="sng" algn="ctr">
-                      <a:solidFill>
-                        <a:schemeClr val="tx1"/>
-                      </a:solidFill>
-                      <a:prstDash val="solid"/>
-                      <a:round/>
-                      <a:headEnd type="none" w="med" len="med"/>
-                      <a:tailEnd type="none" w="med" len="med"/>
-                    </a:lnL>
-                    <a:lnR w="12700" cap="flat" cmpd="sng" algn="ctr">
-                      <a:solidFill>
-                        <a:schemeClr val="tx1"/>
-                      </a:solidFill>
-                      <a:prstDash val="solid"/>
-                      <a:round/>
-                      <a:headEnd type="none" w="med" len="med"/>
-                      <a:tailEnd type="none" w="med" len="med"/>
-                    </a:lnR>
-                    <a:lnT w="12700" cap="flat" cmpd="sng" algn="ctr">
-                      <a:solidFill>
-                        <a:schemeClr val="tx1"/>
-                      </a:solidFill>
-                      <a:prstDash val="solid"/>
-                      <a:round/>
-                      <a:headEnd type="none" w="med" len="med"/>
-                      <a:tailEnd type="none" w="med" len="med"/>
-                    </a:lnT>
-                    <a:lnB w="12700" cap="flat" cmpd="sng" algn="ctr">
-                      <a:solidFill>
-                        <a:schemeClr val="tx1"/>
-                      </a:solidFill>
-                      <a:prstDash val="solid"/>
-                      <a:round/>
-                      <a:headEnd type="none" w="med" len="med"/>
-                      <a:tailEnd type="none" w="med" len="med"/>
-                    </a:lnB>
-                  </a:tcPr>
-                </a:tc>
-                <a:tc>
-                  <a:txBody>
-                    <a:bodyPr/>
-                    <a:lstStyle/>
-                    <a:p>
-                      <a:r>
-                        <a:rPr lang="en-US" sz="2700" dirty="0"/>
-                        <a:t>80k</a:t>
-                      </a:r>
-                    </a:p>
-                  </a:txBody>
-                  <a:tcPr marL="139863" marR="139863" marT="69932" marB="69932">
-                    <a:lnL w="12700" cap="flat" cmpd="sng" algn="ctr">
-                      <a:solidFill>
-                        <a:schemeClr val="tx1"/>
-                      </a:solidFill>
-                      <a:prstDash val="solid"/>
-                      <a:round/>
-                      <a:headEnd type="none" w="med" len="med"/>
-                      <a:tailEnd type="none" w="med" len="med"/>
-                    </a:lnL>
-                    <a:lnR w="12700" cap="flat" cmpd="sng" algn="ctr">
-                      <a:solidFill>
-                        <a:schemeClr val="tx1"/>
-                      </a:solidFill>
-                      <a:prstDash val="solid"/>
-                      <a:round/>
-                      <a:headEnd type="none" w="med" len="med"/>
-                      <a:tailEnd type="none" w="med" len="med"/>
-                    </a:lnR>
-                    <a:lnT w="12700" cap="flat" cmpd="sng" algn="ctr">
-                      <a:solidFill>
-                        <a:schemeClr val="tx1"/>
-                      </a:solidFill>
-                      <a:prstDash val="solid"/>
-                      <a:round/>
-                      <a:headEnd type="none" w="med" len="med"/>
-                      <a:tailEnd type="none" w="med" len="med"/>
-                    </a:lnT>
-                    <a:lnB w="12700" cap="flat" cmpd="sng" algn="ctr">
-                      <a:solidFill>
-                        <a:schemeClr val="tx1"/>
-                      </a:solidFill>
-                      <a:prstDash val="solid"/>
-                      <a:round/>
-                      <a:headEnd type="none" w="med" len="med"/>
-                      <a:tailEnd type="none" w="med" len="med"/>
-                    </a:lnB>
-                  </a:tcPr>
-                </a:tc>
-                <a:tc>
-                  <a:txBody>
-                    <a:bodyPr/>
-                    <a:lstStyle/>
-                    <a:p>
-                      <a:r>
-                        <a:rPr lang="en-US" sz="2700" dirty="0"/>
-                        <a:t>N/A</a:t>
-                      </a:r>
-                    </a:p>
-                  </a:txBody>
-                  <a:tcPr marL="139863" marR="139863" marT="69932" marB="69932">
-                    <a:lnL w="12700" cap="flat" cmpd="sng" algn="ctr">
-                      <a:solidFill>
-                        <a:schemeClr val="tx1"/>
-                      </a:solidFill>
-                      <a:prstDash val="solid"/>
-                      <a:round/>
-                      <a:headEnd type="none" w="med" len="med"/>
-                      <a:tailEnd type="none" w="med" len="med"/>
-                    </a:lnL>
-                    <a:lnR w="12700" cap="flat" cmpd="sng" algn="ctr">
-                      <a:solidFill>
-                        <a:schemeClr val="tx1"/>
-                      </a:solidFill>
-                      <a:prstDash val="solid"/>
-                      <a:round/>
-                      <a:headEnd type="none" w="med" len="med"/>
-                      <a:tailEnd type="none" w="med" len="med"/>
-                    </a:lnR>
-                    <a:lnT w="12700" cap="flat" cmpd="sng" algn="ctr">
-                      <a:solidFill>
-                        <a:schemeClr val="tx1"/>
-                      </a:solidFill>
-                      <a:prstDash val="solid"/>
-                      <a:round/>
-                      <a:headEnd type="none" w="med" len="med"/>
-                      <a:tailEnd type="none" w="med" len="med"/>
-                    </a:lnT>
-                    <a:lnB w="12700" cap="flat" cmpd="sng" algn="ctr">
-                      <a:solidFill>
-                        <a:schemeClr val="tx1"/>
-                      </a:solidFill>
-                      <a:prstDash val="solid"/>
-                      <a:round/>
-                      <a:headEnd type="none" w="med" len="med"/>
-                      <a:tailEnd type="none" w="med" len="med"/>
-                    </a:lnB>
-                  </a:tcPr>
-                </a:tc>
-                <a:extLst>
-                  <a:ext uri="{0D108BD9-81ED-4DB2-BD59-A6C34878D82A}">
-                    <a16:rowId xmlns:a16="http://schemas.microsoft.com/office/drawing/2014/main" val="968465765"/>
-                  </a:ext>
-                </a:extLst>
-              </a:tr>
-            </a:tbl>
-          </a:graphicData>
-        </a:graphic>
-      </p:graphicFrame>
-    </p:spTree>
-    <p:extLst>
-      <p:ext uri="{BB962C8B-B14F-4D97-AF65-F5344CB8AC3E}">
-        <p14:creationId xmlns:p14="http://schemas.microsoft.com/office/powerpoint/2010/main" val="3675011650"/>
       </p:ext>
     </p:extLst>
   </p:cSld>
@@ -20322,6 +19206,1577 @@
       </p:grpSpPr>
       <p:sp>
         <p:nvSpPr>
+          <p:cNvPr id="31" name="Rectangle 30">
+            <a:extLst>
+              <a:ext uri="{FF2B5EF4-FFF2-40B4-BE49-F238E27FC236}">
+                <a16:creationId xmlns:a16="http://schemas.microsoft.com/office/drawing/2014/main" id="{6753252F-4873-4F63-801D-CC719279A7D5}"/>
+              </a:ext>
+              <a:ext uri="{C183D7F6-B498-43B3-948B-1728B52AA6E4}">
+                <adec:decorative xmlns:adec="http://schemas.microsoft.com/office/drawing/2017/decorative" val="1"/>
+              </a:ext>
+            </a:extLst>
+          </p:cNvPr>
+          <p:cNvSpPr>
+            <a:spLocks noGrp="1" noRot="1" noChangeAspect="1" noMove="1" noResize="1" noEditPoints="1" noAdjustHandles="1" noChangeArrowheads="1" noChangeShapeType="1" noTextEdit="1"/>
+          </p:cNvSpPr>
+          <p:nvPr>
+            <p:extLst>
+              <p:ext uri="{386F3935-93C4-4BCD-93E2-E3B085C9AB24}">
+                <p16:designElem xmlns:p16="http://schemas.microsoft.com/office/powerpoint/2015/main" val="1"/>
+              </p:ext>
+            </p:extLst>
+          </p:nvPr>
+        </p:nvSpPr>
+        <p:spPr>
+          <a:xfrm>
+            <a:off x="0" y="0"/>
+            <a:ext cx="12192000" cy="6858000"/>
+          </a:xfrm>
+          <a:prstGeom prst="rect">
+            <a:avLst/>
+          </a:prstGeom>
+          <a:solidFill>
+            <a:srgbClr val="FFFFFF"/>
+          </a:solidFill>
+          <a:ln>
+            <a:noFill/>
+          </a:ln>
+        </p:spPr>
+        <p:style>
+          <a:lnRef idx="2">
+            <a:schemeClr val="accent1">
+              <a:shade val="50000"/>
+            </a:schemeClr>
+          </a:lnRef>
+          <a:fillRef idx="1">
+            <a:schemeClr val="accent1"/>
+          </a:fillRef>
+          <a:effectRef idx="0">
+            <a:schemeClr val="accent1"/>
+          </a:effectRef>
+          <a:fontRef idx="minor">
+            <a:schemeClr val="lt1"/>
+          </a:fontRef>
+        </p:style>
+        <p:txBody>
+          <a:bodyPr rtlCol="0" anchor="ctr"/>
+          <a:lstStyle/>
+          <a:p>
+            <a:pPr algn="ctr"/>
+            <a:endParaRPr lang="en-US"/>
+          </a:p>
+        </p:txBody>
+      </p:sp>
+      <p:sp>
+        <p:nvSpPr>
+          <p:cNvPr id="33" name="Rectangle 32">
+            <a:extLst>
+              <a:ext uri="{FF2B5EF4-FFF2-40B4-BE49-F238E27FC236}">
+                <a16:creationId xmlns:a16="http://schemas.microsoft.com/office/drawing/2014/main" id="{047C8CCB-F95D-4249-92DD-651249D3535A}"/>
+              </a:ext>
+              <a:ext uri="{C183D7F6-B498-43B3-948B-1728B52AA6E4}">
+                <adec:decorative xmlns:adec="http://schemas.microsoft.com/office/drawing/2017/decorative" val="1"/>
+              </a:ext>
+            </a:extLst>
+          </p:cNvPr>
+          <p:cNvSpPr>
+            <a:spLocks noGrp="1" noRot="1" noChangeAspect="1" noMove="1" noResize="1" noEditPoints="1" noAdjustHandles="1" noChangeArrowheads="1" noChangeShapeType="1" noTextEdit="1"/>
+          </p:cNvSpPr>
+          <p:nvPr>
+            <p:extLst>
+              <p:ext uri="{386F3935-93C4-4BCD-93E2-E3B085C9AB24}">
+                <p16:designElem xmlns:p16="http://schemas.microsoft.com/office/powerpoint/2015/main" val="1"/>
+              </p:ext>
+            </p:extLst>
+          </p:nvPr>
+        </p:nvSpPr>
+        <p:spPr>
+          <a:xfrm>
+            <a:off x="0" y="0"/>
+            <a:ext cx="2013557" cy="6858000"/>
+          </a:xfrm>
+          <a:prstGeom prst="rect">
+            <a:avLst/>
+          </a:prstGeom>
+          <a:solidFill>
+            <a:srgbClr val="7F7F7F"/>
+          </a:solidFill>
+          <a:ln>
+            <a:noFill/>
+          </a:ln>
+        </p:spPr>
+        <p:style>
+          <a:lnRef idx="2">
+            <a:schemeClr val="accent1">
+              <a:shade val="50000"/>
+            </a:schemeClr>
+          </a:lnRef>
+          <a:fillRef idx="1">
+            <a:schemeClr val="accent1"/>
+          </a:fillRef>
+          <a:effectRef idx="0">
+            <a:schemeClr val="accent1"/>
+          </a:effectRef>
+          <a:fontRef idx="minor">
+            <a:schemeClr val="lt1"/>
+          </a:fontRef>
+        </p:style>
+        <p:txBody>
+          <a:bodyPr rtlCol="0" anchor="ctr"/>
+          <a:lstStyle/>
+          <a:p>
+            <a:pPr algn="ctr"/>
+            <a:endParaRPr lang="en-US"/>
+          </a:p>
+        </p:txBody>
+      </p:sp>
+      <p:sp>
+        <p:nvSpPr>
+          <p:cNvPr id="2" name="Title 1">
+            <a:extLst>
+              <a:ext uri="{FF2B5EF4-FFF2-40B4-BE49-F238E27FC236}">
+                <a16:creationId xmlns:a16="http://schemas.microsoft.com/office/drawing/2014/main" id="{FC47B41E-90B5-D14B-82FA-CC03960D78D5}"/>
+              </a:ext>
+            </a:extLst>
+          </p:cNvPr>
+          <p:cNvSpPr>
+            <a:spLocks noGrp="1"/>
+          </p:cNvSpPr>
+          <p:nvPr>
+            <p:ph type="title"/>
+          </p:nvPr>
+        </p:nvSpPr>
+        <p:spPr>
+          <a:xfrm>
+            <a:off x="640080" y="2074363"/>
+            <a:ext cx="2752354" cy="2709275"/>
+          </a:xfrm>
+          <a:prstGeom prst="ellipse">
+            <a:avLst/>
+          </a:prstGeom>
+          <a:solidFill>
+            <a:srgbClr val="262626"/>
+          </a:solidFill>
+          <a:ln w="174625" cmpd="thinThick">
+            <a:solidFill>
+              <a:srgbClr val="262626"/>
+            </a:solidFill>
+          </a:ln>
+        </p:spPr>
+        <p:txBody>
+          <a:bodyPr vert="horz" lIns="91440" tIns="45720" rIns="91440" bIns="45720" rtlCol="0" anchor="ctr">
+            <a:normAutofit/>
+          </a:bodyPr>
+          <a:lstStyle/>
+          <a:p>
+            <a:pPr algn="ctr"/>
+            <a:r>
+              <a:rPr lang="en-US" sz="2600" kern="1200">
+                <a:solidFill>
+                  <a:srgbClr val="FFFFFF"/>
+                </a:solidFill>
+                <a:latin typeface="+mj-lt"/>
+                <a:ea typeface="+mj-ea"/>
+                <a:cs typeface="+mj-cs"/>
+              </a:rPr>
+              <a:t>Resistance Ranges</a:t>
+            </a:r>
+          </a:p>
+        </p:txBody>
+      </p:sp>
+      <p:graphicFrame>
+        <p:nvGraphicFramePr>
+          <p:cNvPr id="16" name="Content Placeholder 3">
+            <a:extLst>
+              <a:ext uri="{FF2B5EF4-FFF2-40B4-BE49-F238E27FC236}">
+                <a16:creationId xmlns:a16="http://schemas.microsoft.com/office/drawing/2014/main" id="{6DFCCF45-5481-BF4A-8082-752758907726}"/>
+              </a:ext>
+            </a:extLst>
+          </p:cNvPr>
+          <p:cNvGraphicFramePr>
+            <a:graphicFrameLocks/>
+          </p:cNvGraphicFramePr>
+          <p:nvPr>
+            <p:extLst>
+              <p:ext uri="{D42A27DB-BD31-4B8C-83A1-F6EECF244321}">
+                <p14:modId xmlns:p14="http://schemas.microsoft.com/office/powerpoint/2010/main" val="3229520562"/>
+              </p:ext>
+            </p:extLst>
+          </p:nvPr>
+        </p:nvGraphicFramePr>
+        <p:xfrm>
+          <a:off x="4038600" y="1127475"/>
+          <a:ext cx="7188202" cy="4599663"/>
+        </p:xfrm>
+        <a:graphic>
+          <a:graphicData uri="http://schemas.openxmlformats.org/drawingml/2006/table">
+            <a:tbl>
+              <a:tblPr firstRow="1" bandRow="1">
+                <a:tableStyleId>{8EC20E35-A176-4012-BC5E-935CFFF8708E}</a:tableStyleId>
+              </a:tblPr>
+              <a:tblGrid>
+                <a:gridCol w="1461518">
+                  <a:extLst>
+                    <a:ext uri="{9D8B030D-6E8A-4147-A177-3AD203B41FA5}">
+                      <a16:colId xmlns:a16="http://schemas.microsoft.com/office/drawing/2014/main" val="1960723173"/>
+                    </a:ext>
+                  </a:extLst>
+                </a:gridCol>
+                <a:gridCol w="1288669">
+                  <a:extLst>
+                    <a:ext uri="{9D8B030D-6E8A-4147-A177-3AD203B41FA5}">
+                      <a16:colId xmlns:a16="http://schemas.microsoft.com/office/drawing/2014/main" val="3542743656"/>
+                    </a:ext>
+                  </a:extLst>
+                </a:gridCol>
+                <a:gridCol w="1345692">
+                  <a:extLst>
+                    <a:ext uri="{9D8B030D-6E8A-4147-A177-3AD203B41FA5}">
+                      <a16:colId xmlns:a16="http://schemas.microsoft.com/office/drawing/2014/main" val="129346160"/>
+                    </a:ext>
+                  </a:extLst>
+                </a:gridCol>
+                <a:gridCol w="1498940">
+                  <a:extLst>
+                    <a:ext uri="{9D8B030D-6E8A-4147-A177-3AD203B41FA5}">
+                      <a16:colId xmlns:a16="http://schemas.microsoft.com/office/drawing/2014/main" val="2023039964"/>
+                    </a:ext>
+                  </a:extLst>
+                </a:gridCol>
+                <a:gridCol w="1593383">
+                  <a:extLst>
+                    <a:ext uri="{9D8B030D-6E8A-4147-A177-3AD203B41FA5}">
+                      <a16:colId xmlns:a16="http://schemas.microsoft.com/office/drawing/2014/main" val="2192817691"/>
+                    </a:ext>
+                  </a:extLst>
+                </a:gridCol>
+              </a:tblGrid>
+              <a:tr h="591483">
+                <a:tc>
+                  <a:txBody>
+                    <a:bodyPr/>
+                    <a:lstStyle/>
+                    <a:p>
+                      <a:endParaRPr lang="en-US" sz="2700"/>
+                    </a:p>
+                  </a:txBody>
+                  <a:tcPr marL="139863" marR="139863" marT="69932" marB="69932">
+                    <a:lnL w="12700" cap="flat" cmpd="sng" algn="ctr">
+                      <a:solidFill>
+                        <a:schemeClr val="tx1"/>
+                      </a:solidFill>
+                      <a:prstDash val="solid"/>
+                      <a:round/>
+                      <a:headEnd type="none" w="med" len="med"/>
+                      <a:tailEnd type="none" w="med" len="med"/>
+                    </a:lnL>
+                    <a:lnR w="12700" cap="flat" cmpd="sng" algn="ctr">
+                      <a:solidFill>
+                        <a:schemeClr val="tx1"/>
+                      </a:solidFill>
+                      <a:prstDash val="solid"/>
+                      <a:round/>
+                      <a:headEnd type="none" w="med" len="med"/>
+                      <a:tailEnd type="none" w="med" len="med"/>
+                    </a:lnR>
+                    <a:lnT w="12700" cap="flat" cmpd="sng" algn="ctr">
+                      <a:solidFill>
+                        <a:schemeClr val="tx1"/>
+                      </a:solidFill>
+                      <a:prstDash val="solid"/>
+                      <a:round/>
+                      <a:headEnd type="none" w="med" len="med"/>
+                      <a:tailEnd type="none" w="med" len="med"/>
+                    </a:lnT>
+                    <a:lnB w="12700" cap="flat" cmpd="sng" algn="ctr">
+                      <a:solidFill>
+                        <a:schemeClr val="tx1"/>
+                      </a:solidFill>
+                      <a:prstDash val="solid"/>
+                      <a:round/>
+                      <a:headEnd type="none" w="med" len="med"/>
+                      <a:tailEnd type="none" w="med" len="med"/>
+                    </a:lnB>
+                  </a:tcPr>
+                </a:tc>
+                <a:tc>
+                  <a:txBody>
+                    <a:bodyPr/>
+                    <a:lstStyle/>
+                    <a:p>
+                      <a:r>
+                        <a:rPr lang="en-US" sz="2700"/>
+                        <a:t>Rmin</a:t>
+                      </a:r>
+                    </a:p>
+                  </a:txBody>
+                  <a:tcPr marL="139863" marR="139863" marT="69932" marB="69932">
+                    <a:lnL w="12700" cap="flat" cmpd="sng" algn="ctr">
+                      <a:solidFill>
+                        <a:schemeClr val="tx1"/>
+                      </a:solidFill>
+                      <a:prstDash val="solid"/>
+                      <a:round/>
+                      <a:headEnd type="none" w="med" len="med"/>
+                      <a:tailEnd type="none" w="med" len="med"/>
+                    </a:lnL>
+                    <a:lnR w="12700" cap="flat" cmpd="sng" algn="ctr">
+                      <a:solidFill>
+                        <a:schemeClr val="tx1"/>
+                      </a:solidFill>
+                      <a:prstDash val="solid"/>
+                      <a:round/>
+                      <a:headEnd type="none" w="med" len="med"/>
+                      <a:tailEnd type="none" w="med" len="med"/>
+                    </a:lnR>
+                    <a:lnT w="12700" cap="flat" cmpd="sng" algn="ctr">
+                      <a:solidFill>
+                        <a:schemeClr val="tx1"/>
+                      </a:solidFill>
+                      <a:prstDash val="solid"/>
+                      <a:round/>
+                      <a:headEnd type="none" w="med" len="med"/>
+                      <a:tailEnd type="none" w="med" len="med"/>
+                    </a:lnT>
+                    <a:lnB w="12700" cap="flat" cmpd="sng" algn="ctr">
+                      <a:solidFill>
+                        <a:schemeClr val="tx1"/>
+                      </a:solidFill>
+                      <a:prstDash val="solid"/>
+                      <a:round/>
+                      <a:headEnd type="none" w="med" len="med"/>
+                      <a:tailEnd type="none" w="med" len="med"/>
+                    </a:lnB>
+                  </a:tcPr>
+                </a:tc>
+                <a:tc>
+                  <a:txBody>
+                    <a:bodyPr/>
+                    <a:lstStyle/>
+                    <a:p>
+                      <a:r>
+                        <a:rPr lang="en-US" sz="2700"/>
+                        <a:t>Rmax</a:t>
+                      </a:r>
+                    </a:p>
+                  </a:txBody>
+                  <a:tcPr marL="139863" marR="139863" marT="69932" marB="69932">
+                    <a:lnL w="12700" cap="flat" cmpd="sng" algn="ctr">
+                      <a:solidFill>
+                        <a:schemeClr val="tx1"/>
+                      </a:solidFill>
+                      <a:prstDash val="solid"/>
+                      <a:round/>
+                      <a:headEnd type="none" w="med" len="med"/>
+                      <a:tailEnd type="none" w="med" len="med"/>
+                    </a:lnL>
+                    <a:lnR w="12700" cap="flat" cmpd="sng" algn="ctr">
+                      <a:solidFill>
+                        <a:schemeClr val="tx1"/>
+                      </a:solidFill>
+                      <a:prstDash val="solid"/>
+                      <a:round/>
+                      <a:headEnd type="none" w="med" len="med"/>
+                      <a:tailEnd type="none" w="med" len="med"/>
+                    </a:lnR>
+                    <a:lnT w="12700" cap="flat" cmpd="sng" algn="ctr">
+                      <a:solidFill>
+                        <a:schemeClr val="tx1"/>
+                      </a:solidFill>
+                      <a:prstDash val="solid"/>
+                      <a:round/>
+                      <a:headEnd type="none" w="med" len="med"/>
+                      <a:tailEnd type="none" w="med" len="med"/>
+                    </a:lnT>
+                    <a:lnB w="12700" cap="flat" cmpd="sng" algn="ctr">
+                      <a:solidFill>
+                        <a:schemeClr val="tx1"/>
+                      </a:solidFill>
+                      <a:prstDash val="solid"/>
+                      <a:round/>
+                      <a:headEnd type="none" w="med" len="med"/>
+                      <a:tailEnd type="none" w="med" len="med"/>
+                    </a:lnB>
+                  </a:tcPr>
+                </a:tc>
+                <a:tc>
+                  <a:txBody>
+                    <a:bodyPr/>
+                    <a:lstStyle/>
+                    <a:p>
+                      <a:r>
+                        <a:rPr lang="en-US" sz="2700"/>
+                        <a:t>Rwmin</a:t>
+                      </a:r>
+                    </a:p>
+                  </a:txBody>
+                  <a:tcPr marL="139863" marR="139863" marT="69932" marB="69932">
+                    <a:lnL w="12700" cap="flat" cmpd="sng" algn="ctr">
+                      <a:solidFill>
+                        <a:schemeClr val="tx1"/>
+                      </a:solidFill>
+                      <a:prstDash val="solid"/>
+                      <a:round/>
+                      <a:headEnd type="none" w="med" len="med"/>
+                      <a:tailEnd type="none" w="med" len="med"/>
+                    </a:lnL>
+                    <a:lnR w="12700" cap="flat" cmpd="sng" algn="ctr">
+                      <a:solidFill>
+                        <a:schemeClr val="tx1"/>
+                      </a:solidFill>
+                      <a:prstDash val="solid"/>
+                      <a:round/>
+                      <a:headEnd type="none" w="med" len="med"/>
+                      <a:tailEnd type="none" w="med" len="med"/>
+                    </a:lnR>
+                    <a:lnT w="12700" cap="flat" cmpd="sng" algn="ctr">
+                      <a:solidFill>
+                        <a:schemeClr val="tx1"/>
+                      </a:solidFill>
+                      <a:prstDash val="solid"/>
+                      <a:round/>
+                      <a:headEnd type="none" w="med" len="med"/>
+                      <a:tailEnd type="none" w="med" len="med"/>
+                    </a:lnT>
+                    <a:lnB w="12700" cap="flat" cmpd="sng" algn="ctr">
+                      <a:solidFill>
+                        <a:schemeClr val="tx1"/>
+                      </a:solidFill>
+                      <a:prstDash val="solid"/>
+                      <a:round/>
+                      <a:headEnd type="none" w="med" len="med"/>
+                      <a:tailEnd type="none" w="med" len="med"/>
+                    </a:lnB>
+                  </a:tcPr>
+                </a:tc>
+                <a:tc>
+                  <a:txBody>
+                    <a:bodyPr/>
+                    <a:lstStyle/>
+                    <a:p>
+                      <a:r>
+                        <a:rPr lang="en-US" sz="2700"/>
+                        <a:t>Rwmax</a:t>
+                      </a:r>
+                    </a:p>
+                  </a:txBody>
+                  <a:tcPr marL="139863" marR="139863" marT="69932" marB="69932">
+                    <a:lnL w="12700" cap="flat" cmpd="sng" algn="ctr">
+                      <a:solidFill>
+                        <a:schemeClr val="tx1"/>
+                      </a:solidFill>
+                      <a:prstDash val="solid"/>
+                      <a:round/>
+                      <a:headEnd type="none" w="med" len="med"/>
+                      <a:tailEnd type="none" w="med" len="med"/>
+                    </a:lnL>
+                    <a:lnR w="12700" cap="flat" cmpd="sng" algn="ctr">
+                      <a:solidFill>
+                        <a:schemeClr val="tx1"/>
+                      </a:solidFill>
+                      <a:prstDash val="solid"/>
+                      <a:round/>
+                      <a:headEnd type="none" w="med" len="med"/>
+                      <a:tailEnd type="none" w="med" len="med"/>
+                    </a:lnR>
+                    <a:lnT w="12700" cap="flat" cmpd="sng" algn="ctr">
+                      <a:solidFill>
+                        <a:schemeClr val="tx1"/>
+                      </a:solidFill>
+                      <a:prstDash val="solid"/>
+                      <a:round/>
+                      <a:headEnd type="none" w="med" len="med"/>
+                      <a:tailEnd type="none" w="med" len="med"/>
+                    </a:lnT>
+                    <a:lnB w="12700" cap="flat" cmpd="sng" algn="ctr">
+                      <a:solidFill>
+                        <a:schemeClr val="tx1"/>
+                      </a:solidFill>
+                      <a:prstDash val="solid"/>
+                      <a:round/>
+                      <a:headEnd type="none" w="med" len="med"/>
+                      <a:tailEnd type="none" w="med" len="med"/>
+                    </a:lnB>
+                  </a:tcPr>
+                </a:tc>
+                <a:extLst>
+                  <a:ext uri="{0D108BD9-81ED-4DB2-BD59-A6C34878D82A}">
+                    <a16:rowId xmlns:a16="http://schemas.microsoft.com/office/drawing/2014/main" val="2303816687"/>
+                  </a:ext>
+                </a:extLst>
+              </a:tr>
+              <a:tr h="1002045">
+                <a:tc>
+                  <a:txBody>
+                    <a:bodyPr/>
+                    <a:lstStyle/>
+                    <a:p>
+                      <a:r>
+                        <a:rPr lang="en-US" sz="2700"/>
+                        <a:t>Range 0</a:t>
+                      </a:r>
+                    </a:p>
+                  </a:txBody>
+                  <a:tcPr marL="139863" marR="139863" marT="69932" marB="69932">
+                    <a:lnL w="12700" cap="flat" cmpd="sng" algn="ctr">
+                      <a:solidFill>
+                        <a:schemeClr val="tx1"/>
+                      </a:solidFill>
+                      <a:prstDash val="solid"/>
+                      <a:round/>
+                      <a:headEnd type="none" w="med" len="med"/>
+                      <a:tailEnd type="none" w="med" len="med"/>
+                    </a:lnL>
+                    <a:lnR w="12700" cap="flat" cmpd="sng" algn="ctr">
+                      <a:solidFill>
+                        <a:schemeClr val="tx1"/>
+                      </a:solidFill>
+                      <a:prstDash val="solid"/>
+                      <a:round/>
+                      <a:headEnd type="none" w="med" len="med"/>
+                      <a:tailEnd type="none" w="med" len="med"/>
+                    </a:lnR>
+                    <a:lnT w="12700" cap="flat" cmpd="sng" algn="ctr">
+                      <a:solidFill>
+                        <a:schemeClr val="tx1"/>
+                      </a:solidFill>
+                      <a:prstDash val="solid"/>
+                      <a:round/>
+                      <a:headEnd type="none" w="med" len="med"/>
+                      <a:tailEnd type="none" w="med" len="med"/>
+                    </a:lnT>
+                    <a:lnB w="12700" cap="flat" cmpd="sng" algn="ctr">
+                      <a:solidFill>
+                        <a:schemeClr val="tx1"/>
+                      </a:solidFill>
+                      <a:prstDash val="solid"/>
+                      <a:round/>
+                      <a:headEnd type="none" w="med" len="med"/>
+                      <a:tailEnd type="none" w="med" len="med"/>
+                    </a:lnB>
+                  </a:tcPr>
+                </a:tc>
+                <a:tc>
+                  <a:txBody>
+                    <a:bodyPr/>
+                    <a:lstStyle/>
+                    <a:p>
+                      <a:r>
+                        <a:rPr lang="en-US" sz="2700"/>
+                        <a:t>N/A</a:t>
+                      </a:r>
+                    </a:p>
+                  </a:txBody>
+                  <a:tcPr marL="139863" marR="139863" marT="69932" marB="69932">
+                    <a:lnL w="12700" cap="flat" cmpd="sng" algn="ctr">
+                      <a:solidFill>
+                        <a:schemeClr val="tx1"/>
+                      </a:solidFill>
+                      <a:prstDash val="solid"/>
+                      <a:round/>
+                      <a:headEnd type="none" w="med" len="med"/>
+                      <a:tailEnd type="none" w="med" len="med"/>
+                    </a:lnL>
+                    <a:lnR w="12700" cap="flat" cmpd="sng" algn="ctr">
+                      <a:solidFill>
+                        <a:schemeClr val="tx1"/>
+                      </a:solidFill>
+                      <a:prstDash val="solid"/>
+                      <a:round/>
+                      <a:headEnd type="none" w="med" len="med"/>
+                      <a:tailEnd type="none" w="med" len="med"/>
+                    </a:lnR>
+                    <a:lnT w="12700" cap="flat" cmpd="sng" algn="ctr">
+                      <a:solidFill>
+                        <a:schemeClr val="tx1"/>
+                      </a:solidFill>
+                      <a:prstDash val="solid"/>
+                      <a:round/>
+                      <a:headEnd type="none" w="med" len="med"/>
+                      <a:tailEnd type="none" w="med" len="med"/>
+                    </a:lnT>
+                    <a:lnB w="12700" cap="flat" cmpd="sng" algn="ctr">
+                      <a:solidFill>
+                        <a:schemeClr val="tx1"/>
+                      </a:solidFill>
+                      <a:prstDash val="solid"/>
+                      <a:round/>
+                      <a:headEnd type="none" w="med" len="med"/>
+                      <a:tailEnd type="none" w="med" len="med"/>
+                    </a:lnB>
+                  </a:tcPr>
+                </a:tc>
+                <a:tc>
+                  <a:txBody>
+                    <a:bodyPr/>
+                    <a:lstStyle/>
+                    <a:p>
+                      <a:r>
+                        <a:rPr lang="en-US" sz="2700"/>
+                        <a:t>5.10k</a:t>
+                      </a:r>
+                    </a:p>
+                  </a:txBody>
+                  <a:tcPr marL="139863" marR="139863" marT="69932" marB="69932">
+                    <a:lnL w="12700" cap="flat" cmpd="sng" algn="ctr">
+                      <a:solidFill>
+                        <a:schemeClr val="tx1"/>
+                      </a:solidFill>
+                      <a:prstDash val="solid"/>
+                      <a:round/>
+                      <a:headEnd type="none" w="med" len="med"/>
+                      <a:tailEnd type="none" w="med" len="med"/>
+                    </a:lnL>
+                    <a:lnR w="12700" cap="flat" cmpd="sng" algn="ctr">
+                      <a:solidFill>
+                        <a:schemeClr val="tx1"/>
+                      </a:solidFill>
+                      <a:prstDash val="solid"/>
+                      <a:round/>
+                      <a:headEnd type="none" w="med" len="med"/>
+                      <a:tailEnd type="none" w="med" len="med"/>
+                    </a:lnR>
+                    <a:lnT w="12700" cap="flat" cmpd="sng" algn="ctr">
+                      <a:solidFill>
+                        <a:schemeClr val="tx1"/>
+                      </a:solidFill>
+                      <a:prstDash val="solid"/>
+                      <a:round/>
+                      <a:headEnd type="none" w="med" len="med"/>
+                      <a:tailEnd type="none" w="med" len="med"/>
+                    </a:lnT>
+                    <a:lnB w="12700" cap="flat" cmpd="sng" algn="ctr">
+                      <a:solidFill>
+                        <a:schemeClr val="tx1"/>
+                      </a:solidFill>
+                      <a:prstDash val="solid"/>
+                      <a:round/>
+                      <a:headEnd type="none" w="med" len="med"/>
+                      <a:tailEnd type="none" w="med" len="med"/>
+                    </a:lnB>
+                  </a:tcPr>
+                </a:tc>
+                <a:tc>
+                  <a:txBody>
+                    <a:bodyPr/>
+                    <a:lstStyle/>
+                    <a:p>
+                      <a:r>
+                        <a:rPr lang="en-US" sz="2700"/>
+                        <a:t>N/A</a:t>
+                      </a:r>
+                    </a:p>
+                  </a:txBody>
+                  <a:tcPr marL="139863" marR="139863" marT="69932" marB="69932">
+                    <a:lnL w="12700" cap="flat" cmpd="sng" algn="ctr">
+                      <a:solidFill>
+                        <a:schemeClr val="tx1"/>
+                      </a:solidFill>
+                      <a:prstDash val="solid"/>
+                      <a:round/>
+                      <a:headEnd type="none" w="med" len="med"/>
+                      <a:tailEnd type="none" w="med" len="med"/>
+                    </a:lnL>
+                    <a:lnR w="12700" cap="flat" cmpd="sng" algn="ctr">
+                      <a:solidFill>
+                        <a:schemeClr val="tx1"/>
+                      </a:solidFill>
+                      <a:prstDash val="solid"/>
+                      <a:round/>
+                      <a:headEnd type="none" w="med" len="med"/>
+                      <a:tailEnd type="none" w="med" len="med"/>
+                    </a:lnR>
+                    <a:lnT w="12700" cap="flat" cmpd="sng" algn="ctr">
+                      <a:solidFill>
+                        <a:schemeClr val="tx1"/>
+                      </a:solidFill>
+                      <a:prstDash val="solid"/>
+                      <a:round/>
+                      <a:headEnd type="none" w="med" len="med"/>
+                      <a:tailEnd type="none" w="med" len="med"/>
+                    </a:lnT>
+                    <a:lnB w="12700" cap="flat" cmpd="sng" algn="ctr">
+                      <a:solidFill>
+                        <a:schemeClr val="tx1"/>
+                      </a:solidFill>
+                      <a:prstDash val="solid"/>
+                      <a:round/>
+                      <a:headEnd type="none" w="med" len="med"/>
+                      <a:tailEnd type="none" w="med" len="med"/>
+                    </a:lnB>
+                  </a:tcPr>
+                </a:tc>
+                <a:tc>
+                  <a:txBody>
+                    <a:bodyPr/>
+                    <a:lstStyle/>
+                    <a:p>
+                      <a:r>
+                        <a:rPr lang="en-US" sz="2700"/>
+                        <a:t>5.00k</a:t>
+                      </a:r>
+                    </a:p>
+                  </a:txBody>
+                  <a:tcPr marL="139863" marR="139863" marT="69932" marB="69932">
+                    <a:lnL w="12700" cap="flat" cmpd="sng" algn="ctr">
+                      <a:solidFill>
+                        <a:schemeClr val="tx1"/>
+                      </a:solidFill>
+                      <a:prstDash val="solid"/>
+                      <a:round/>
+                      <a:headEnd type="none" w="med" len="med"/>
+                      <a:tailEnd type="none" w="med" len="med"/>
+                    </a:lnL>
+                    <a:lnR w="12700" cap="flat" cmpd="sng" algn="ctr">
+                      <a:solidFill>
+                        <a:schemeClr val="tx1"/>
+                      </a:solidFill>
+                      <a:prstDash val="solid"/>
+                      <a:round/>
+                      <a:headEnd type="none" w="med" len="med"/>
+                      <a:tailEnd type="none" w="med" len="med"/>
+                    </a:lnR>
+                    <a:lnT w="12700" cap="flat" cmpd="sng" algn="ctr">
+                      <a:solidFill>
+                        <a:schemeClr val="tx1"/>
+                      </a:solidFill>
+                      <a:prstDash val="solid"/>
+                      <a:round/>
+                      <a:headEnd type="none" w="med" len="med"/>
+                      <a:tailEnd type="none" w="med" len="med"/>
+                    </a:lnT>
+                    <a:lnB w="12700" cap="flat" cmpd="sng" algn="ctr">
+                      <a:solidFill>
+                        <a:schemeClr val="tx1"/>
+                      </a:solidFill>
+                      <a:prstDash val="solid"/>
+                      <a:round/>
+                      <a:headEnd type="none" w="med" len="med"/>
+                      <a:tailEnd type="none" w="med" len="med"/>
+                    </a:lnB>
+                  </a:tcPr>
+                </a:tc>
+                <a:extLst>
+                  <a:ext uri="{0D108BD9-81ED-4DB2-BD59-A6C34878D82A}">
+                    <a16:rowId xmlns:a16="http://schemas.microsoft.com/office/drawing/2014/main" val="313025389"/>
+                  </a:ext>
+                </a:extLst>
+              </a:tr>
+              <a:tr h="1002045">
+                <a:tc>
+                  <a:txBody>
+                    <a:bodyPr/>
+                    <a:lstStyle/>
+                    <a:p>
+                      <a:r>
+                        <a:rPr lang="en-US" sz="2700"/>
+                        <a:t>Range 1</a:t>
+                      </a:r>
+                    </a:p>
+                  </a:txBody>
+                  <a:tcPr marL="139863" marR="139863" marT="69932" marB="69932">
+                    <a:lnL w="12700" cap="flat" cmpd="sng" algn="ctr">
+                      <a:solidFill>
+                        <a:schemeClr val="tx1"/>
+                      </a:solidFill>
+                      <a:prstDash val="solid"/>
+                      <a:round/>
+                      <a:headEnd type="none" w="med" len="med"/>
+                      <a:tailEnd type="none" w="med" len="med"/>
+                    </a:lnL>
+                    <a:lnR w="12700" cap="flat" cmpd="sng" algn="ctr">
+                      <a:solidFill>
+                        <a:schemeClr val="tx1"/>
+                      </a:solidFill>
+                      <a:prstDash val="solid"/>
+                      <a:round/>
+                      <a:headEnd type="none" w="med" len="med"/>
+                      <a:tailEnd type="none" w="med" len="med"/>
+                    </a:lnR>
+                    <a:lnT w="12700" cap="flat" cmpd="sng" algn="ctr">
+                      <a:solidFill>
+                        <a:schemeClr val="tx1"/>
+                      </a:solidFill>
+                      <a:prstDash val="solid"/>
+                      <a:round/>
+                      <a:headEnd type="none" w="med" len="med"/>
+                      <a:tailEnd type="none" w="med" len="med"/>
+                    </a:lnT>
+                    <a:lnB w="12700" cap="flat" cmpd="sng" algn="ctr">
+                      <a:solidFill>
+                        <a:schemeClr val="tx1"/>
+                      </a:solidFill>
+                      <a:prstDash val="solid"/>
+                      <a:round/>
+                      <a:headEnd type="none" w="med" len="med"/>
+                      <a:tailEnd type="none" w="med" len="med"/>
+                    </a:lnB>
+                  </a:tcPr>
+                </a:tc>
+                <a:tc>
+                  <a:txBody>
+                    <a:bodyPr/>
+                    <a:lstStyle/>
+                    <a:p>
+                      <a:r>
+                        <a:rPr lang="en-US" sz="2700" dirty="0"/>
+                        <a:t>5.38k</a:t>
+                      </a:r>
+                    </a:p>
+                  </a:txBody>
+                  <a:tcPr marL="139863" marR="139863" marT="69932" marB="69932">
+                    <a:lnL w="12700" cap="flat" cmpd="sng" algn="ctr">
+                      <a:solidFill>
+                        <a:schemeClr val="tx1"/>
+                      </a:solidFill>
+                      <a:prstDash val="solid"/>
+                      <a:round/>
+                      <a:headEnd type="none" w="med" len="med"/>
+                      <a:tailEnd type="none" w="med" len="med"/>
+                    </a:lnL>
+                    <a:lnR w="12700" cap="flat" cmpd="sng" algn="ctr">
+                      <a:solidFill>
+                        <a:schemeClr val="tx1"/>
+                      </a:solidFill>
+                      <a:prstDash val="solid"/>
+                      <a:round/>
+                      <a:headEnd type="none" w="med" len="med"/>
+                      <a:tailEnd type="none" w="med" len="med"/>
+                    </a:lnR>
+                    <a:lnT w="12700" cap="flat" cmpd="sng" algn="ctr">
+                      <a:solidFill>
+                        <a:schemeClr val="tx1"/>
+                      </a:solidFill>
+                      <a:prstDash val="solid"/>
+                      <a:round/>
+                      <a:headEnd type="none" w="med" len="med"/>
+                      <a:tailEnd type="none" w="med" len="med"/>
+                    </a:lnT>
+                    <a:lnB w="12700" cap="flat" cmpd="sng" algn="ctr">
+                      <a:solidFill>
+                        <a:schemeClr val="tx1"/>
+                      </a:solidFill>
+                      <a:prstDash val="solid"/>
+                      <a:round/>
+                      <a:headEnd type="none" w="med" len="med"/>
+                      <a:tailEnd type="none" w="med" len="med"/>
+                    </a:lnB>
+                  </a:tcPr>
+                </a:tc>
+                <a:tc>
+                  <a:txBody>
+                    <a:bodyPr/>
+                    <a:lstStyle/>
+                    <a:p>
+                      <a:r>
+                        <a:rPr lang="en-US" sz="2700" dirty="0"/>
+                        <a:t>6.48k</a:t>
+                      </a:r>
+                    </a:p>
+                  </a:txBody>
+                  <a:tcPr marL="139863" marR="139863" marT="69932" marB="69932">
+                    <a:lnL w="12700" cap="flat" cmpd="sng" algn="ctr">
+                      <a:solidFill>
+                        <a:schemeClr val="tx1"/>
+                      </a:solidFill>
+                      <a:prstDash val="solid"/>
+                      <a:round/>
+                      <a:headEnd type="none" w="med" len="med"/>
+                      <a:tailEnd type="none" w="med" len="med"/>
+                    </a:lnL>
+                    <a:lnR w="12700" cap="flat" cmpd="sng" algn="ctr">
+                      <a:solidFill>
+                        <a:schemeClr val="tx1"/>
+                      </a:solidFill>
+                      <a:prstDash val="solid"/>
+                      <a:round/>
+                      <a:headEnd type="none" w="med" len="med"/>
+                      <a:tailEnd type="none" w="med" len="med"/>
+                    </a:lnR>
+                    <a:lnT w="12700" cap="flat" cmpd="sng" algn="ctr">
+                      <a:solidFill>
+                        <a:schemeClr val="tx1"/>
+                      </a:solidFill>
+                      <a:prstDash val="solid"/>
+                      <a:round/>
+                      <a:headEnd type="none" w="med" len="med"/>
+                      <a:tailEnd type="none" w="med" len="med"/>
+                    </a:lnT>
+                    <a:lnB w="12700" cap="flat" cmpd="sng" algn="ctr">
+                      <a:solidFill>
+                        <a:schemeClr val="tx1"/>
+                      </a:solidFill>
+                      <a:prstDash val="solid"/>
+                      <a:round/>
+                      <a:headEnd type="none" w="med" len="med"/>
+                      <a:tailEnd type="none" w="med" len="med"/>
+                    </a:lnB>
+                  </a:tcPr>
+                </a:tc>
+                <a:tc>
+                  <a:txBody>
+                    <a:bodyPr/>
+                    <a:lstStyle/>
+                    <a:p>
+                      <a:r>
+                        <a:rPr lang="en-US" sz="2700" dirty="0"/>
+                        <a:t>5.77k</a:t>
+                      </a:r>
+                    </a:p>
+                  </a:txBody>
+                  <a:tcPr marL="139863" marR="139863" marT="69932" marB="69932">
+                    <a:lnL w="12700" cap="flat" cmpd="sng" algn="ctr">
+                      <a:solidFill>
+                        <a:schemeClr val="tx1"/>
+                      </a:solidFill>
+                      <a:prstDash val="solid"/>
+                      <a:round/>
+                      <a:headEnd type="none" w="med" len="med"/>
+                      <a:tailEnd type="none" w="med" len="med"/>
+                    </a:lnL>
+                    <a:lnR w="12700" cap="flat" cmpd="sng" algn="ctr">
+                      <a:solidFill>
+                        <a:schemeClr val="tx1"/>
+                      </a:solidFill>
+                      <a:prstDash val="solid"/>
+                      <a:round/>
+                      <a:headEnd type="none" w="med" len="med"/>
+                      <a:tailEnd type="none" w="med" len="med"/>
+                    </a:lnR>
+                    <a:lnT w="12700" cap="flat" cmpd="sng" algn="ctr">
+                      <a:solidFill>
+                        <a:schemeClr val="tx1"/>
+                      </a:solidFill>
+                      <a:prstDash val="solid"/>
+                      <a:round/>
+                      <a:headEnd type="none" w="med" len="med"/>
+                      <a:tailEnd type="none" w="med" len="med"/>
+                    </a:lnT>
+                    <a:lnB w="12700" cap="flat" cmpd="sng" algn="ctr">
+                      <a:solidFill>
+                        <a:schemeClr val="tx1"/>
+                      </a:solidFill>
+                      <a:prstDash val="solid"/>
+                      <a:round/>
+                      <a:headEnd type="none" w="med" len="med"/>
+                      <a:tailEnd type="none" w="med" len="med"/>
+                    </a:lnB>
+                  </a:tcPr>
+                </a:tc>
+                <a:tc>
+                  <a:txBody>
+                    <a:bodyPr/>
+                    <a:lstStyle/>
+                    <a:p>
+                      <a:r>
+                        <a:rPr lang="en-US" sz="2700" dirty="0"/>
+                        <a:t>6.01k</a:t>
+                      </a:r>
+                    </a:p>
+                  </a:txBody>
+                  <a:tcPr marL="139863" marR="139863" marT="69932" marB="69932">
+                    <a:lnL w="12700" cap="flat" cmpd="sng" algn="ctr">
+                      <a:solidFill>
+                        <a:schemeClr val="tx1"/>
+                      </a:solidFill>
+                      <a:prstDash val="solid"/>
+                      <a:round/>
+                      <a:headEnd type="none" w="med" len="med"/>
+                      <a:tailEnd type="none" w="med" len="med"/>
+                    </a:lnL>
+                    <a:lnR w="12700" cap="flat" cmpd="sng" algn="ctr">
+                      <a:solidFill>
+                        <a:schemeClr val="tx1"/>
+                      </a:solidFill>
+                      <a:prstDash val="solid"/>
+                      <a:round/>
+                      <a:headEnd type="none" w="med" len="med"/>
+                      <a:tailEnd type="none" w="med" len="med"/>
+                    </a:lnR>
+                    <a:lnT w="12700" cap="flat" cmpd="sng" algn="ctr">
+                      <a:solidFill>
+                        <a:schemeClr val="tx1"/>
+                      </a:solidFill>
+                      <a:prstDash val="solid"/>
+                      <a:round/>
+                      <a:headEnd type="none" w="med" len="med"/>
+                      <a:tailEnd type="none" w="med" len="med"/>
+                    </a:lnT>
+                    <a:lnB w="12700" cap="flat" cmpd="sng" algn="ctr">
+                      <a:solidFill>
+                        <a:schemeClr val="tx1"/>
+                      </a:solidFill>
+                      <a:prstDash val="solid"/>
+                      <a:round/>
+                      <a:headEnd type="none" w="med" len="med"/>
+                      <a:tailEnd type="none" w="med" len="med"/>
+                    </a:lnB>
+                  </a:tcPr>
+                </a:tc>
+                <a:extLst>
+                  <a:ext uri="{0D108BD9-81ED-4DB2-BD59-A6C34878D82A}">
+                    <a16:rowId xmlns:a16="http://schemas.microsoft.com/office/drawing/2014/main" val="1871411977"/>
+                  </a:ext>
+                </a:extLst>
+              </a:tr>
+              <a:tr h="1002045">
+                <a:tc>
+                  <a:txBody>
+                    <a:bodyPr/>
+                    <a:lstStyle/>
+                    <a:p>
+                      <a:r>
+                        <a:rPr lang="en-US" sz="2700"/>
+                        <a:t>Range 2</a:t>
+                      </a:r>
+                    </a:p>
+                  </a:txBody>
+                  <a:tcPr marL="139863" marR="139863" marT="69932" marB="69932">
+                    <a:lnL w="12700" cap="flat" cmpd="sng" algn="ctr">
+                      <a:solidFill>
+                        <a:schemeClr val="tx1"/>
+                      </a:solidFill>
+                      <a:prstDash val="solid"/>
+                      <a:round/>
+                      <a:headEnd type="none" w="med" len="med"/>
+                      <a:tailEnd type="none" w="med" len="med"/>
+                    </a:lnL>
+                    <a:lnR w="12700" cap="flat" cmpd="sng" algn="ctr">
+                      <a:solidFill>
+                        <a:schemeClr val="tx1"/>
+                      </a:solidFill>
+                      <a:prstDash val="solid"/>
+                      <a:round/>
+                      <a:headEnd type="none" w="med" len="med"/>
+                      <a:tailEnd type="none" w="med" len="med"/>
+                    </a:lnR>
+                    <a:lnT w="12700" cap="flat" cmpd="sng" algn="ctr">
+                      <a:solidFill>
+                        <a:schemeClr val="tx1"/>
+                      </a:solidFill>
+                      <a:prstDash val="solid"/>
+                      <a:round/>
+                      <a:headEnd type="none" w="med" len="med"/>
+                      <a:tailEnd type="none" w="med" len="med"/>
+                    </a:lnT>
+                    <a:lnB w="12700" cap="flat" cmpd="sng" algn="ctr">
+                      <a:solidFill>
+                        <a:schemeClr val="tx1"/>
+                      </a:solidFill>
+                      <a:prstDash val="solid"/>
+                      <a:round/>
+                      <a:headEnd type="none" w="med" len="med"/>
+                      <a:tailEnd type="none" w="med" len="med"/>
+                    </a:lnB>
+                  </a:tcPr>
+                </a:tc>
+                <a:tc>
+                  <a:txBody>
+                    <a:bodyPr/>
+                    <a:lstStyle/>
+                    <a:p>
+                      <a:r>
+                        <a:rPr lang="en-US" sz="2700" dirty="0"/>
+                        <a:t>6.93k</a:t>
+                      </a:r>
+                    </a:p>
+                  </a:txBody>
+                  <a:tcPr marL="139863" marR="139863" marT="69932" marB="69932">
+                    <a:lnL w="12700" cap="flat" cmpd="sng" algn="ctr">
+                      <a:solidFill>
+                        <a:schemeClr val="tx1"/>
+                      </a:solidFill>
+                      <a:prstDash val="solid"/>
+                      <a:round/>
+                      <a:headEnd type="none" w="med" len="med"/>
+                      <a:tailEnd type="none" w="med" len="med"/>
+                    </a:lnL>
+                    <a:lnR w="12700" cap="flat" cmpd="sng" algn="ctr">
+                      <a:solidFill>
+                        <a:schemeClr val="tx1"/>
+                      </a:solidFill>
+                      <a:prstDash val="solid"/>
+                      <a:round/>
+                      <a:headEnd type="none" w="med" len="med"/>
+                      <a:tailEnd type="none" w="med" len="med"/>
+                    </a:lnR>
+                    <a:lnT w="12700" cap="flat" cmpd="sng" algn="ctr">
+                      <a:solidFill>
+                        <a:schemeClr val="tx1"/>
+                      </a:solidFill>
+                      <a:prstDash val="solid"/>
+                      <a:round/>
+                      <a:headEnd type="none" w="med" len="med"/>
+                      <a:tailEnd type="none" w="med" len="med"/>
+                    </a:lnT>
+                    <a:lnB w="12700" cap="flat" cmpd="sng" algn="ctr">
+                      <a:solidFill>
+                        <a:schemeClr val="tx1"/>
+                      </a:solidFill>
+                      <a:prstDash val="solid"/>
+                      <a:round/>
+                      <a:headEnd type="none" w="med" len="med"/>
+                      <a:tailEnd type="none" w="med" len="med"/>
+                    </a:lnB>
+                  </a:tcPr>
+                </a:tc>
+                <a:tc>
+                  <a:txBody>
+                    <a:bodyPr/>
+                    <a:lstStyle/>
+                    <a:p>
+                      <a:r>
+                        <a:rPr lang="en-US" sz="2700" dirty="0"/>
+                        <a:t>12.00k</a:t>
+                      </a:r>
+                    </a:p>
+                  </a:txBody>
+                  <a:tcPr marL="139863" marR="139863" marT="69932" marB="69932">
+                    <a:lnL w="12700" cap="flat" cmpd="sng" algn="ctr">
+                      <a:solidFill>
+                        <a:schemeClr val="tx1"/>
+                      </a:solidFill>
+                      <a:prstDash val="solid"/>
+                      <a:round/>
+                      <a:headEnd type="none" w="med" len="med"/>
+                      <a:tailEnd type="none" w="med" len="med"/>
+                    </a:lnL>
+                    <a:lnR w="12700" cap="flat" cmpd="sng" algn="ctr">
+                      <a:solidFill>
+                        <a:schemeClr val="tx1"/>
+                      </a:solidFill>
+                      <a:prstDash val="solid"/>
+                      <a:round/>
+                      <a:headEnd type="none" w="med" len="med"/>
+                      <a:tailEnd type="none" w="med" len="med"/>
+                    </a:lnR>
+                    <a:lnT w="12700" cap="flat" cmpd="sng" algn="ctr">
+                      <a:solidFill>
+                        <a:schemeClr val="tx1"/>
+                      </a:solidFill>
+                      <a:prstDash val="solid"/>
+                      <a:round/>
+                      <a:headEnd type="none" w="med" len="med"/>
+                      <a:tailEnd type="none" w="med" len="med"/>
+                    </a:lnT>
+                    <a:lnB w="12700" cap="flat" cmpd="sng" algn="ctr">
+                      <a:solidFill>
+                        <a:schemeClr val="tx1"/>
+                      </a:solidFill>
+                      <a:prstDash val="solid"/>
+                      <a:round/>
+                      <a:headEnd type="none" w="med" len="med"/>
+                      <a:tailEnd type="none" w="med" len="med"/>
+                    </a:lnB>
+                  </a:tcPr>
+                </a:tc>
+                <a:tc>
+                  <a:txBody>
+                    <a:bodyPr/>
+                    <a:lstStyle/>
+                    <a:p>
+                      <a:r>
+                        <a:rPr lang="en-US" sz="2700" dirty="0"/>
+                        <a:t>8.51k</a:t>
+                      </a:r>
+                    </a:p>
+                  </a:txBody>
+                  <a:tcPr marL="139863" marR="139863" marT="69932" marB="69932">
+                    <a:lnL w="12700" cap="flat" cmpd="sng" algn="ctr">
+                      <a:solidFill>
+                        <a:schemeClr val="tx1"/>
+                      </a:solidFill>
+                      <a:prstDash val="solid"/>
+                      <a:round/>
+                      <a:headEnd type="none" w="med" len="med"/>
+                      <a:tailEnd type="none" w="med" len="med"/>
+                    </a:lnL>
+                    <a:lnR w="12700" cap="flat" cmpd="sng" algn="ctr">
+                      <a:solidFill>
+                        <a:schemeClr val="tx1"/>
+                      </a:solidFill>
+                      <a:prstDash val="solid"/>
+                      <a:round/>
+                      <a:headEnd type="none" w="med" len="med"/>
+                      <a:tailEnd type="none" w="med" len="med"/>
+                    </a:lnR>
+                    <a:lnT w="12700" cap="flat" cmpd="sng" algn="ctr">
+                      <a:solidFill>
+                        <a:schemeClr val="tx1"/>
+                      </a:solidFill>
+                      <a:prstDash val="solid"/>
+                      <a:round/>
+                      <a:headEnd type="none" w="med" len="med"/>
+                      <a:tailEnd type="none" w="med" len="med"/>
+                    </a:lnT>
+                    <a:lnB w="12700" cap="flat" cmpd="sng" algn="ctr">
+                      <a:solidFill>
+                        <a:schemeClr val="tx1"/>
+                      </a:solidFill>
+                      <a:prstDash val="solid"/>
+                      <a:round/>
+                      <a:headEnd type="none" w="med" len="med"/>
+                      <a:tailEnd type="none" w="med" len="med"/>
+                    </a:lnB>
+                  </a:tcPr>
+                </a:tc>
+                <a:tc>
+                  <a:txBody>
+                    <a:bodyPr/>
+                    <a:lstStyle/>
+                    <a:p>
+                      <a:r>
+                        <a:rPr lang="en-US" sz="2700" dirty="0"/>
+                        <a:t>9.31k</a:t>
+                      </a:r>
+                    </a:p>
+                  </a:txBody>
+                  <a:tcPr marL="139863" marR="139863" marT="69932" marB="69932">
+                    <a:lnL w="12700" cap="flat" cmpd="sng" algn="ctr">
+                      <a:solidFill>
+                        <a:schemeClr val="tx1"/>
+                      </a:solidFill>
+                      <a:prstDash val="solid"/>
+                      <a:round/>
+                      <a:headEnd type="none" w="med" len="med"/>
+                      <a:tailEnd type="none" w="med" len="med"/>
+                    </a:lnL>
+                    <a:lnR w="12700" cap="flat" cmpd="sng" algn="ctr">
+                      <a:solidFill>
+                        <a:schemeClr val="tx1"/>
+                      </a:solidFill>
+                      <a:prstDash val="solid"/>
+                      <a:round/>
+                      <a:headEnd type="none" w="med" len="med"/>
+                      <a:tailEnd type="none" w="med" len="med"/>
+                    </a:lnR>
+                    <a:lnT w="12700" cap="flat" cmpd="sng" algn="ctr">
+                      <a:solidFill>
+                        <a:schemeClr val="tx1"/>
+                      </a:solidFill>
+                      <a:prstDash val="solid"/>
+                      <a:round/>
+                      <a:headEnd type="none" w="med" len="med"/>
+                      <a:tailEnd type="none" w="med" len="med"/>
+                    </a:lnT>
+                    <a:lnB w="12700" cap="flat" cmpd="sng" algn="ctr">
+                      <a:solidFill>
+                        <a:schemeClr val="tx1"/>
+                      </a:solidFill>
+                      <a:prstDash val="solid"/>
+                      <a:round/>
+                      <a:headEnd type="none" w="med" len="med"/>
+                      <a:tailEnd type="none" w="med" len="med"/>
+                    </a:lnB>
+                  </a:tcPr>
+                </a:tc>
+                <a:extLst>
+                  <a:ext uri="{0D108BD9-81ED-4DB2-BD59-A6C34878D82A}">
+                    <a16:rowId xmlns:a16="http://schemas.microsoft.com/office/drawing/2014/main" val="167111624"/>
+                  </a:ext>
+                </a:extLst>
+              </a:tr>
+              <a:tr h="1002045">
+                <a:tc>
+                  <a:txBody>
+                    <a:bodyPr/>
+                    <a:lstStyle/>
+                    <a:p>
+                      <a:r>
+                        <a:rPr lang="en-US" sz="2700"/>
+                        <a:t>Range 3</a:t>
+                      </a:r>
+                    </a:p>
+                  </a:txBody>
+                  <a:tcPr marL="139863" marR="139863" marT="69932" marB="69932">
+                    <a:lnL w="12700" cap="flat" cmpd="sng" algn="ctr">
+                      <a:solidFill>
+                        <a:schemeClr val="tx1"/>
+                      </a:solidFill>
+                      <a:prstDash val="solid"/>
+                      <a:round/>
+                      <a:headEnd type="none" w="med" len="med"/>
+                      <a:tailEnd type="none" w="med" len="med"/>
+                    </a:lnL>
+                    <a:lnR w="12700" cap="flat" cmpd="sng" algn="ctr">
+                      <a:solidFill>
+                        <a:schemeClr val="tx1"/>
+                      </a:solidFill>
+                      <a:prstDash val="solid"/>
+                      <a:round/>
+                      <a:headEnd type="none" w="med" len="med"/>
+                      <a:tailEnd type="none" w="med" len="med"/>
+                    </a:lnR>
+                    <a:lnT w="12700" cap="flat" cmpd="sng" algn="ctr">
+                      <a:solidFill>
+                        <a:schemeClr val="tx1"/>
+                      </a:solidFill>
+                      <a:prstDash val="solid"/>
+                      <a:round/>
+                      <a:headEnd type="none" w="med" len="med"/>
+                      <a:tailEnd type="none" w="med" len="med"/>
+                    </a:lnT>
+                    <a:lnB w="12700" cap="flat" cmpd="sng" algn="ctr">
+                      <a:solidFill>
+                        <a:schemeClr val="tx1"/>
+                      </a:solidFill>
+                      <a:prstDash val="solid"/>
+                      <a:round/>
+                      <a:headEnd type="none" w="med" len="med"/>
+                      <a:tailEnd type="none" w="med" len="med"/>
+                    </a:lnB>
+                  </a:tcPr>
+                </a:tc>
+                <a:tc>
+                  <a:txBody>
+                    <a:bodyPr/>
+                    <a:lstStyle/>
+                    <a:p>
+                      <a:r>
+                        <a:rPr lang="en-US" sz="2700" dirty="0"/>
+                        <a:t>20.00k</a:t>
+                      </a:r>
+                    </a:p>
+                  </a:txBody>
+                  <a:tcPr marL="139863" marR="139863" marT="69932" marB="69932">
+                    <a:lnL w="12700" cap="flat" cmpd="sng" algn="ctr">
+                      <a:solidFill>
+                        <a:schemeClr val="tx1"/>
+                      </a:solidFill>
+                      <a:prstDash val="solid"/>
+                      <a:round/>
+                      <a:headEnd type="none" w="med" len="med"/>
+                      <a:tailEnd type="none" w="med" len="med"/>
+                    </a:lnL>
+                    <a:lnR w="12700" cap="flat" cmpd="sng" algn="ctr">
+                      <a:solidFill>
+                        <a:schemeClr val="tx1"/>
+                      </a:solidFill>
+                      <a:prstDash val="solid"/>
+                      <a:round/>
+                      <a:headEnd type="none" w="med" len="med"/>
+                      <a:tailEnd type="none" w="med" len="med"/>
+                    </a:lnR>
+                    <a:lnT w="12700" cap="flat" cmpd="sng" algn="ctr">
+                      <a:solidFill>
+                        <a:schemeClr val="tx1"/>
+                      </a:solidFill>
+                      <a:prstDash val="solid"/>
+                      <a:round/>
+                      <a:headEnd type="none" w="med" len="med"/>
+                      <a:tailEnd type="none" w="med" len="med"/>
+                    </a:lnT>
+                    <a:lnB w="12700" cap="flat" cmpd="sng" algn="ctr">
+                      <a:solidFill>
+                        <a:schemeClr val="tx1"/>
+                      </a:solidFill>
+                      <a:prstDash val="solid"/>
+                      <a:round/>
+                      <a:headEnd type="none" w="med" len="med"/>
+                      <a:tailEnd type="none" w="med" len="med"/>
+                    </a:lnB>
+                  </a:tcPr>
+                </a:tc>
+                <a:tc>
+                  <a:txBody>
+                    <a:bodyPr/>
+                    <a:lstStyle/>
+                    <a:p>
+                      <a:r>
+                        <a:rPr lang="en-US" sz="2700" dirty="0"/>
+                        <a:t>N/A</a:t>
+                      </a:r>
+                    </a:p>
+                  </a:txBody>
+                  <a:tcPr marL="139863" marR="139863" marT="69932" marB="69932">
+                    <a:lnL w="12700" cap="flat" cmpd="sng" algn="ctr">
+                      <a:solidFill>
+                        <a:schemeClr val="tx1"/>
+                      </a:solidFill>
+                      <a:prstDash val="solid"/>
+                      <a:round/>
+                      <a:headEnd type="none" w="med" len="med"/>
+                      <a:tailEnd type="none" w="med" len="med"/>
+                    </a:lnL>
+                    <a:lnR w="12700" cap="flat" cmpd="sng" algn="ctr">
+                      <a:solidFill>
+                        <a:schemeClr val="tx1"/>
+                      </a:solidFill>
+                      <a:prstDash val="solid"/>
+                      <a:round/>
+                      <a:headEnd type="none" w="med" len="med"/>
+                      <a:tailEnd type="none" w="med" len="med"/>
+                    </a:lnR>
+                    <a:lnT w="12700" cap="flat" cmpd="sng" algn="ctr">
+                      <a:solidFill>
+                        <a:schemeClr val="tx1"/>
+                      </a:solidFill>
+                      <a:prstDash val="solid"/>
+                      <a:round/>
+                      <a:headEnd type="none" w="med" len="med"/>
+                      <a:tailEnd type="none" w="med" len="med"/>
+                    </a:lnT>
+                    <a:lnB w="12700" cap="flat" cmpd="sng" algn="ctr">
+                      <a:solidFill>
+                        <a:schemeClr val="tx1"/>
+                      </a:solidFill>
+                      <a:prstDash val="solid"/>
+                      <a:round/>
+                      <a:headEnd type="none" w="med" len="med"/>
+                      <a:tailEnd type="none" w="med" len="med"/>
+                    </a:lnB>
+                  </a:tcPr>
+                </a:tc>
+                <a:tc>
+                  <a:txBody>
+                    <a:bodyPr/>
+                    <a:lstStyle/>
+                    <a:p>
+                      <a:r>
+                        <a:rPr lang="en-US" sz="2700" dirty="0"/>
+                        <a:t>80k</a:t>
+                      </a:r>
+                    </a:p>
+                  </a:txBody>
+                  <a:tcPr marL="139863" marR="139863" marT="69932" marB="69932">
+                    <a:lnL w="12700" cap="flat" cmpd="sng" algn="ctr">
+                      <a:solidFill>
+                        <a:schemeClr val="tx1"/>
+                      </a:solidFill>
+                      <a:prstDash val="solid"/>
+                      <a:round/>
+                      <a:headEnd type="none" w="med" len="med"/>
+                      <a:tailEnd type="none" w="med" len="med"/>
+                    </a:lnL>
+                    <a:lnR w="12700" cap="flat" cmpd="sng" algn="ctr">
+                      <a:solidFill>
+                        <a:schemeClr val="tx1"/>
+                      </a:solidFill>
+                      <a:prstDash val="solid"/>
+                      <a:round/>
+                      <a:headEnd type="none" w="med" len="med"/>
+                      <a:tailEnd type="none" w="med" len="med"/>
+                    </a:lnR>
+                    <a:lnT w="12700" cap="flat" cmpd="sng" algn="ctr">
+                      <a:solidFill>
+                        <a:schemeClr val="tx1"/>
+                      </a:solidFill>
+                      <a:prstDash val="solid"/>
+                      <a:round/>
+                      <a:headEnd type="none" w="med" len="med"/>
+                      <a:tailEnd type="none" w="med" len="med"/>
+                    </a:lnT>
+                    <a:lnB w="12700" cap="flat" cmpd="sng" algn="ctr">
+                      <a:solidFill>
+                        <a:schemeClr val="tx1"/>
+                      </a:solidFill>
+                      <a:prstDash val="solid"/>
+                      <a:round/>
+                      <a:headEnd type="none" w="med" len="med"/>
+                      <a:tailEnd type="none" w="med" len="med"/>
+                    </a:lnB>
+                  </a:tcPr>
+                </a:tc>
+                <a:tc>
+                  <a:txBody>
+                    <a:bodyPr/>
+                    <a:lstStyle/>
+                    <a:p>
+                      <a:r>
+                        <a:rPr lang="en-US" sz="2700" dirty="0"/>
+                        <a:t>N/A</a:t>
+                      </a:r>
+                    </a:p>
+                  </a:txBody>
+                  <a:tcPr marL="139863" marR="139863" marT="69932" marB="69932">
+                    <a:lnL w="12700" cap="flat" cmpd="sng" algn="ctr">
+                      <a:solidFill>
+                        <a:schemeClr val="tx1"/>
+                      </a:solidFill>
+                      <a:prstDash val="solid"/>
+                      <a:round/>
+                      <a:headEnd type="none" w="med" len="med"/>
+                      <a:tailEnd type="none" w="med" len="med"/>
+                    </a:lnL>
+                    <a:lnR w="12700" cap="flat" cmpd="sng" algn="ctr">
+                      <a:solidFill>
+                        <a:schemeClr val="tx1"/>
+                      </a:solidFill>
+                      <a:prstDash val="solid"/>
+                      <a:round/>
+                      <a:headEnd type="none" w="med" len="med"/>
+                      <a:tailEnd type="none" w="med" len="med"/>
+                    </a:lnR>
+                    <a:lnT w="12700" cap="flat" cmpd="sng" algn="ctr">
+                      <a:solidFill>
+                        <a:schemeClr val="tx1"/>
+                      </a:solidFill>
+                      <a:prstDash val="solid"/>
+                      <a:round/>
+                      <a:headEnd type="none" w="med" len="med"/>
+                      <a:tailEnd type="none" w="med" len="med"/>
+                    </a:lnT>
+                    <a:lnB w="12700" cap="flat" cmpd="sng" algn="ctr">
+                      <a:solidFill>
+                        <a:schemeClr val="tx1"/>
+                      </a:solidFill>
+                      <a:prstDash val="solid"/>
+                      <a:round/>
+                      <a:headEnd type="none" w="med" len="med"/>
+                      <a:tailEnd type="none" w="med" len="med"/>
+                    </a:lnB>
+                  </a:tcPr>
+                </a:tc>
+                <a:extLst>
+                  <a:ext uri="{0D108BD9-81ED-4DB2-BD59-A6C34878D82A}">
+                    <a16:rowId xmlns:a16="http://schemas.microsoft.com/office/drawing/2014/main" val="968465765"/>
+                  </a:ext>
+                </a:extLst>
+              </a:tr>
+            </a:tbl>
+          </a:graphicData>
+        </a:graphic>
+      </p:graphicFrame>
+    </p:spTree>
+    <p:extLst>
+      <p:ext uri="{BB962C8B-B14F-4D97-AF65-F5344CB8AC3E}">
+        <p14:creationId xmlns:p14="http://schemas.microsoft.com/office/powerpoint/2010/main" val="3675011650"/>
+      </p:ext>
+    </p:extLst>
+  </p:cSld>
+  <p:clrMapOvr>
+    <a:masterClrMapping/>
+  </p:clrMapOvr>
+</p:sld>
+</file>
+
+<file path=ppt/slides/slide21.xml><?xml version="1.0" encoding="utf-8"?>
+<p:sld xmlns:a="http://schemas.openxmlformats.org/drawingml/2006/main" xmlns:r="http://schemas.openxmlformats.org/officeDocument/2006/relationships" xmlns:p="http://schemas.openxmlformats.org/presentationml/2006/main">
+  <p:cSld>
+    <p:bg>
+      <p:bgPr>
+        <a:solidFill>
+          <a:schemeClr val="bg1"/>
+        </a:solidFill>
+        <a:effectLst/>
+      </p:bgPr>
+    </p:bg>
+    <p:spTree>
+      <p:nvGrpSpPr>
+        <p:cNvPr id="1" name=""/>
+        <p:cNvGrpSpPr/>
+        <p:nvPr/>
+      </p:nvGrpSpPr>
+      <p:grpSpPr>
+        <a:xfrm>
+          <a:off x="0" y="0"/>
+          <a:ext cx="0" cy="0"/>
+          <a:chOff x="0" y="0"/>
+          <a:chExt cx="0" cy="0"/>
+        </a:xfrm>
+      </p:grpSpPr>
+      <p:sp>
+        <p:nvSpPr>
           <p:cNvPr id="24" name="Rectangle 23">
             <a:extLst>
               <a:ext uri="{FF2B5EF4-FFF2-40B4-BE49-F238E27FC236}">
@@ -20543,7 +20998,7 @@
 </p:sld>
 </file>
 
-<file path=ppt/slides/slide21.xml><?xml version="1.0" encoding="utf-8"?>
+<file path=ppt/slides/slide22.xml><?xml version="1.0" encoding="utf-8"?>
 <p:sld xmlns:a="http://schemas.openxmlformats.org/drawingml/2006/main" xmlns:r="http://schemas.openxmlformats.org/officeDocument/2006/relationships" xmlns:p="http://schemas.openxmlformats.org/presentationml/2006/main">
   <p:cSld>
     <p:bg>
@@ -20793,7 +21248,7 @@
 </p:sld>
 </file>
 
-<file path=ppt/slides/slide22.xml><?xml version="1.0" encoding="utf-8"?>
+<file path=ppt/slides/slide23.xml><?xml version="1.0" encoding="utf-8"?>
 <p:sld xmlns:a="http://schemas.openxmlformats.org/drawingml/2006/main" xmlns:r="http://schemas.openxmlformats.org/officeDocument/2006/relationships" xmlns:p="http://schemas.openxmlformats.org/presentationml/2006/main">
   <p:cSld>
     <p:bg>
@@ -21043,7 +21498,7 @@
 </p:sld>
 </file>
 
-<file path=ppt/slides/slide23.xml><?xml version="1.0" encoding="utf-8"?>
+<file path=ppt/slides/slide24.xml><?xml version="1.0" encoding="utf-8"?>
 <p:sld xmlns:a="http://schemas.openxmlformats.org/drawingml/2006/main" xmlns:r="http://schemas.openxmlformats.org/officeDocument/2006/relationships" xmlns:p="http://schemas.openxmlformats.org/presentationml/2006/main">
   <p:cSld>
     <p:bg>
@@ -22389,7 +22844,7 @@
 </p:sld>
 </file>
 
-<file path=ppt/slides/slide24.xml><?xml version="1.0" encoding="utf-8"?>
+<file path=ppt/slides/slide25.xml><?xml version="1.0" encoding="utf-8"?>
 <p:sld xmlns:a="http://schemas.openxmlformats.org/drawingml/2006/main" xmlns:r="http://schemas.openxmlformats.org/officeDocument/2006/relationships" xmlns:p="http://schemas.openxmlformats.org/presentationml/2006/main">
   <p:cSld>
     <p:bg>
@@ -22694,7 +23149,312 @@
 </p:sld>
 </file>
 
-<file path=ppt/slides/slide25.xml><?xml version="1.0" encoding="utf-8"?>
+<file path=ppt/slides/slide26.xml><?xml version="1.0" encoding="utf-8"?>
+<p:sld xmlns:a="http://schemas.openxmlformats.org/drawingml/2006/main" xmlns:r="http://schemas.openxmlformats.org/officeDocument/2006/relationships" xmlns:p="http://schemas.openxmlformats.org/presentationml/2006/main">
+  <p:cSld>
+    <p:bg>
+      <p:bgPr>
+        <a:solidFill>
+          <a:schemeClr val="bg1"/>
+        </a:solidFill>
+        <a:effectLst/>
+      </p:bgPr>
+    </p:bg>
+    <p:spTree>
+      <p:nvGrpSpPr>
+        <p:cNvPr id="1" name=""/>
+        <p:cNvGrpSpPr/>
+        <p:nvPr/>
+      </p:nvGrpSpPr>
+      <p:grpSpPr>
+        <a:xfrm>
+          <a:off x="0" y="0"/>
+          <a:ext cx="0" cy="0"/>
+          <a:chOff x="0" y="0"/>
+          <a:chExt cx="0" cy="0"/>
+        </a:xfrm>
+      </p:grpSpPr>
+      <p:sp>
+        <p:nvSpPr>
+          <p:cNvPr id="37" name="Rectangle 36">
+            <a:extLst>
+              <a:ext uri="{FF2B5EF4-FFF2-40B4-BE49-F238E27FC236}">
+                <a16:creationId xmlns:a16="http://schemas.microsoft.com/office/drawing/2014/main" id="{6753252F-4873-4F63-801D-CC719279A7D5}"/>
+              </a:ext>
+              <a:ext uri="{C183D7F6-B498-43B3-948B-1728B52AA6E4}">
+                <adec:decorative xmlns:adec="http://schemas.microsoft.com/office/drawing/2017/decorative" val="1"/>
+              </a:ext>
+            </a:extLst>
+          </p:cNvPr>
+          <p:cNvSpPr>
+            <a:spLocks noGrp="1" noRot="1" noChangeAspect="1" noMove="1" noResize="1" noEditPoints="1" noAdjustHandles="1" noChangeArrowheads="1" noChangeShapeType="1" noTextEdit="1"/>
+          </p:cNvSpPr>
+          <p:nvPr>
+            <p:extLst>
+              <p:ext uri="{386F3935-93C4-4BCD-93E2-E3B085C9AB24}">
+                <p16:designElem xmlns:p16="http://schemas.microsoft.com/office/powerpoint/2015/main" val="1"/>
+              </p:ext>
+            </p:extLst>
+          </p:nvPr>
+        </p:nvSpPr>
+        <p:spPr>
+          <a:xfrm>
+            <a:off x="0" y="0"/>
+            <a:ext cx="12192000" cy="6858000"/>
+          </a:xfrm>
+          <a:prstGeom prst="rect">
+            <a:avLst/>
+          </a:prstGeom>
+          <a:solidFill>
+            <a:srgbClr val="FFFFFF"/>
+          </a:solidFill>
+          <a:ln>
+            <a:noFill/>
+          </a:ln>
+        </p:spPr>
+        <p:style>
+          <a:lnRef idx="2">
+            <a:schemeClr val="accent1">
+              <a:shade val="50000"/>
+            </a:schemeClr>
+          </a:lnRef>
+          <a:fillRef idx="1">
+            <a:schemeClr val="accent1"/>
+          </a:fillRef>
+          <a:effectRef idx="0">
+            <a:schemeClr val="accent1"/>
+          </a:effectRef>
+          <a:fontRef idx="minor">
+            <a:schemeClr val="lt1"/>
+          </a:fontRef>
+        </p:style>
+        <p:txBody>
+          <a:bodyPr rtlCol="0" anchor="ctr"/>
+          <a:lstStyle/>
+          <a:p>
+            <a:pPr marL="0" marR="0" lvl="0" indent="0" algn="ctr" defTabSz="914400" rtl="0" eaLnBrk="1" fontAlgn="auto" latinLnBrk="0" hangingPunct="1">
+              <a:lnSpc>
+                <a:spcPct val="100000"/>
+              </a:lnSpc>
+              <a:spcBef>
+                <a:spcPts val="0"/>
+              </a:spcBef>
+              <a:spcAft>
+                <a:spcPts val="0"/>
+              </a:spcAft>
+              <a:buClrTx/>
+              <a:buSzTx/>
+              <a:buFontTx/>
+              <a:buNone/>
+              <a:tabLst/>
+              <a:defRPr/>
+            </a:pPr>
+            <a:endParaRPr kumimoji="0" lang="en-US" sz="1800" b="0" i="0" u="none" strike="noStrike" kern="1200" cap="none" spc="0" normalizeH="0" baseline="0" noProof="0">
+              <a:ln>
+                <a:noFill/>
+              </a:ln>
+              <a:solidFill>
+                <a:prstClr val="white"/>
+              </a:solidFill>
+              <a:effectLst/>
+              <a:uLnTx/>
+              <a:uFillTx/>
+              <a:latin typeface="Calibri" panose="020F0502020204030204"/>
+              <a:ea typeface="+mn-ea"/>
+              <a:cs typeface="+mn-cs"/>
+            </a:endParaRPr>
+          </a:p>
+        </p:txBody>
+      </p:sp>
+      <p:sp>
+        <p:nvSpPr>
+          <p:cNvPr id="39" name="Rectangle 38">
+            <a:extLst>
+              <a:ext uri="{FF2B5EF4-FFF2-40B4-BE49-F238E27FC236}">
+                <a16:creationId xmlns:a16="http://schemas.microsoft.com/office/drawing/2014/main" id="{047C8CCB-F95D-4249-92DD-651249D3535A}"/>
+              </a:ext>
+              <a:ext uri="{C183D7F6-B498-43B3-948B-1728B52AA6E4}">
+                <adec:decorative xmlns:adec="http://schemas.microsoft.com/office/drawing/2017/decorative" val="1"/>
+              </a:ext>
+            </a:extLst>
+          </p:cNvPr>
+          <p:cNvSpPr>
+            <a:spLocks noGrp="1" noRot="1" noChangeAspect="1" noMove="1" noResize="1" noEditPoints="1" noAdjustHandles="1" noChangeArrowheads="1" noChangeShapeType="1" noTextEdit="1"/>
+          </p:cNvSpPr>
+          <p:nvPr>
+            <p:extLst>
+              <p:ext uri="{386F3935-93C4-4BCD-93E2-E3B085C9AB24}">
+                <p16:designElem xmlns:p16="http://schemas.microsoft.com/office/powerpoint/2015/main" val="1"/>
+              </p:ext>
+            </p:extLst>
+          </p:nvPr>
+        </p:nvSpPr>
+        <p:spPr>
+          <a:xfrm>
+            <a:off x="0" y="0"/>
+            <a:ext cx="2013557" cy="6858000"/>
+          </a:xfrm>
+          <a:prstGeom prst="rect">
+            <a:avLst/>
+          </a:prstGeom>
+          <a:solidFill>
+            <a:srgbClr val="7F7F7F"/>
+          </a:solidFill>
+          <a:ln>
+            <a:noFill/>
+          </a:ln>
+        </p:spPr>
+        <p:style>
+          <a:lnRef idx="2">
+            <a:schemeClr val="accent1">
+              <a:shade val="50000"/>
+            </a:schemeClr>
+          </a:lnRef>
+          <a:fillRef idx="1">
+            <a:schemeClr val="accent1"/>
+          </a:fillRef>
+          <a:effectRef idx="0">
+            <a:schemeClr val="accent1"/>
+          </a:effectRef>
+          <a:fontRef idx="minor">
+            <a:schemeClr val="lt1"/>
+          </a:fontRef>
+        </p:style>
+        <p:txBody>
+          <a:bodyPr rtlCol="0" anchor="ctr"/>
+          <a:lstStyle/>
+          <a:p>
+            <a:pPr marL="0" marR="0" lvl="0" indent="0" algn="ctr" defTabSz="914400" rtl="0" eaLnBrk="1" fontAlgn="auto" latinLnBrk="0" hangingPunct="1">
+              <a:lnSpc>
+                <a:spcPct val="100000"/>
+              </a:lnSpc>
+              <a:spcBef>
+                <a:spcPts val="0"/>
+              </a:spcBef>
+              <a:spcAft>
+                <a:spcPts val="0"/>
+              </a:spcAft>
+              <a:buClrTx/>
+              <a:buSzTx/>
+              <a:buFontTx/>
+              <a:buNone/>
+              <a:tabLst/>
+              <a:defRPr/>
+            </a:pPr>
+            <a:endParaRPr kumimoji="0" lang="en-US" sz="1800" b="0" i="0" u="none" strike="noStrike" kern="1200" cap="none" spc="0" normalizeH="0" baseline="0" noProof="0">
+              <a:ln>
+                <a:noFill/>
+              </a:ln>
+              <a:solidFill>
+                <a:prstClr val="white"/>
+              </a:solidFill>
+              <a:effectLst/>
+              <a:uLnTx/>
+              <a:uFillTx/>
+              <a:latin typeface="Calibri" panose="020F0502020204030204"/>
+              <a:ea typeface="+mn-ea"/>
+              <a:cs typeface="+mn-cs"/>
+            </a:endParaRPr>
+          </a:p>
+        </p:txBody>
+      </p:sp>
+      <p:sp>
+        <p:nvSpPr>
+          <p:cNvPr id="2" name="Title 1">
+            <a:extLst>
+              <a:ext uri="{FF2B5EF4-FFF2-40B4-BE49-F238E27FC236}">
+                <a16:creationId xmlns:a16="http://schemas.microsoft.com/office/drawing/2014/main" id="{0DC20D0A-1987-9B4E-A869-51F473A5029A}"/>
+              </a:ext>
+            </a:extLst>
+          </p:cNvPr>
+          <p:cNvSpPr>
+            <a:spLocks noGrp="1"/>
+          </p:cNvSpPr>
+          <p:nvPr>
+            <p:ph type="title"/>
+          </p:nvPr>
+        </p:nvSpPr>
+        <p:spPr>
+          <a:xfrm>
+            <a:off x="640080" y="2074363"/>
+            <a:ext cx="2752354" cy="2709275"/>
+          </a:xfrm>
+          <a:prstGeom prst="ellipse">
+            <a:avLst/>
+          </a:prstGeom>
+          <a:solidFill>
+            <a:srgbClr val="262626"/>
+          </a:solidFill>
+          <a:ln w="174625" cmpd="thinThick">
+            <a:solidFill>
+              <a:srgbClr val="262626"/>
+            </a:solidFill>
+          </a:ln>
+        </p:spPr>
+        <p:txBody>
+          <a:bodyPr vert="horz" lIns="91440" tIns="45720" rIns="91440" bIns="45720" rtlCol="0" anchor="ctr">
+            <a:normAutofit/>
+          </a:bodyPr>
+          <a:lstStyle/>
+          <a:p>
+            <a:pPr algn="ctr"/>
+            <a:r>
+              <a:rPr lang="en-US" sz="2600" kern="1200" dirty="0">
+                <a:solidFill>
+                  <a:srgbClr val="FFFFFF"/>
+                </a:solidFill>
+                <a:latin typeface="+mj-lt"/>
+                <a:ea typeface="+mj-ea"/>
+                <a:cs typeface="+mj-cs"/>
+              </a:rPr>
+              <a:t>Algorithm evaluation on 4 WLs: chip 2</a:t>
+            </a:r>
+          </a:p>
+        </p:txBody>
+      </p:sp>
+      <p:pic>
+        <p:nvPicPr>
+          <p:cNvPr id="6" name="Content Placeholder 5">
+            <a:extLst>
+              <a:ext uri="{FF2B5EF4-FFF2-40B4-BE49-F238E27FC236}">
+                <a16:creationId xmlns:a16="http://schemas.microsoft.com/office/drawing/2014/main" id="{B9A7FAC3-633F-DC4C-A765-A9F602BD6C78}"/>
+              </a:ext>
+            </a:extLst>
+          </p:cNvPr>
+          <p:cNvPicPr>
+            <a:picLocks noChangeAspect="1"/>
+          </p:cNvPicPr>
+          <p:nvPr/>
+        </p:nvPicPr>
+        <p:blipFill>
+          <a:blip r:embed="rId3"/>
+          <a:srcRect/>
+          <a:stretch/>
+        </p:blipFill>
+        <p:spPr>
+          <a:xfrm>
+            <a:off x="4345376" y="1367654"/>
+            <a:ext cx="6574647" cy="4119300"/>
+          </a:xfrm>
+          <a:prstGeom prst="rect">
+            <a:avLst/>
+          </a:prstGeom>
+        </p:spPr>
+      </p:pic>
+    </p:spTree>
+    <p:extLst>
+      <p:ext uri="{BB962C8B-B14F-4D97-AF65-F5344CB8AC3E}">
+        <p14:creationId xmlns:p14="http://schemas.microsoft.com/office/powerpoint/2010/main" val="3981811176"/>
+      </p:ext>
+    </p:extLst>
+  </p:cSld>
+  <p:clrMapOvr>
+    <a:masterClrMapping/>
+  </p:clrMapOvr>
+</p:sld>
+</file>
+
+<file path=ppt/slides/slide27.xml><?xml version="1.0" encoding="utf-8"?>
 <p:sld xmlns:a="http://schemas.openxmlformats.org/drawingml/2006/main" xmlns:r="http://schemas.openxmlformats.org/officeDocument/2006/relationships" xmlns:p="http://schemas.openxmlformats.org/presentationml/2006/main">
   <p:cSld>
     <p:bg>
@@ -22925,7 +23685,7 @@
           <p:nvPr>
             <p:extLst>
               <p:ext uri="{D42A27DB-BD31-4B8C-83A1-F6EECF244321}">
-                <p14:modId xmlns:p14="http://schemas.microsoft.com/office/powerpoint/2010/main" val="3629883651"/>
+                <p14:modId xmlns:p14="http://schemas.microsoft.com/office/powerpoint/2010/main" val="1560705595"/>
               </p:ext>
             </p:extLst>
           </p:nvPr>
@@ -23465,7 +24225,7 @@
                             <a:schemeClr val="tx1"/>
                           </a:solidFill>
                         </a:rPr>
-                        <a:t>8.39</a:t>
+                        <a:t>8.52</a:t>
                       </a:r>
                     </a:p>
                   </a:txBody>
@@ -23523,18 +24283,13 @@
                     <a:lstStyle/>
                     <a:p>
                       <a:r>
-                        <a:rPr lang="en-US" sz="2600" cap="none" spc="0">
+                        <a:rPr lang="en-US" sz="2600" cap="none" spc="0" dirty="0">
                           <a:solidFill>
                             <a:schemeClr val="tx1"/>
                           </a:solidFill>
                         </a:rPr>
-                        <a:t>20.21</a:t>
+                        <a:t>20.51</a:t>
                       </a:r>
-                      <a:endParaRPr lang="en-US" sz="2600" cap="none" spc="0" dirty="0">
-                        <a:solidFill>
-                          <a:schemeClr val="tx1"/>
-                        </a:solidFill>
-                      </a:endParaRPr>
                     </a:p>
                   </a:txBody>
                   <a:tcPr marL="220027" marR="163524" marT="169253" marB="169253">
@@ -23591,18 +24346,13 @@
                     <a:lstStyle/>
                     <a:p>
                       <a:r>
-                        <a:rPr lang="en-US" sz="2600" cap="none" spc="0">
+                        <a:rPr lang="en-US" sz="2600" cap="none" spc="0" dirty="0">
                           <a:solidFill>
                             <a:schemeClr val="tx1"/>
                           </a:solidFill>
                         </a:rPr>
-                        <a:t>14.38</a:t>
+                        <a:t>15.75</a:t>
                       </a:r>
-                      <a:endParaRPr lang="en-US" sz="2600" cap="none" spc="0" dirty="0">
-                        <a:solidFill>
-                          <a:schemeClr val="tx1"/>
-                        </a:solidFill>
-                      </a:endParaRPr>
                     </a:p>
                   </a:txBody>
                   <a:tcPr marL="220027" marR="163524" marT="169253" marB="169253">
@@ -23800,18 +24550,13 @@
                     <a:lstStyle/>
                     <a:p>
                       <a:r>
-                        <a:rPr lang="en-US" sz="2600" cap="none" spc="0">
+                        <a:rPr lang="en-US" sz="2600" cap="none" spc="0" dirty="0">
                           <a:solidFill>
                             <a:schemeClr val="tx1"/>
                           </a:solidFill>
                         </a:rPr>
-                        <a:t>TODO</a:t>
+                        <a:t>8.50</a:t>
                       </a:r>
-                      <a:endParaRPr lang="en-US" sz="2600" cap="none" spc="0" dirty="0">
-                        <a:solidFill>
-                          <a:schemeClr val="tx1"/>
-                        </a:solidFill>
-                      </a:endParaRPr>
                     </a:p>
                   </a:txBody>
                   <a:tcPr marL="220027" marR="163524" marT="169253" marB="169253">
@@ -23872,18 +24617,13 @@
                     <a:lstStyle/>
                     <a:p>
                       <a:r>
-                        <a:rPr lang="en-US" sz="2600" cap="none" spc="0">
+                        <a:rPr lang="en-US" sz="2600" cap="none" spc="0" dirty="0">
                           <a:solidFill>
                             <a:schemeClr val="tx1"/>
                           </a:solidFill>
                         </a:rPr>
-                        <a:t>TODO</a:t>
+                        <a:t>21.62</a:t>
                       </a:r>
-                      <a:endParaRPr lang="en-US" sz="2600" cap="none" spc="0" dirty="0">
-                        <a:solidFill>
-                          <a:schemeClr val="tx1"/>
-                        </a:solidFill>
-                      </a:endParaRPr>
                     </a:p>
                   </a:txBody>
                   <a:tcPr marL="220027" marR="163524" marT="169253" marB="169253">
@@ -23944,18 +24684,13 @@
                     <a:lstStyle/>
                     <a:p>
                       <a:r>
-                        <a:rPr lang="en-US" sz="2600" cap="none" spc="0">
+                        <a:rPr lang="en-US" sz="2600" cap="none" spc="0" dirty="0">
                           <a:solidFill>
                             <a:schemeClr val="tx1"/>
                           </a:solidFill>
                         </a:rPr>
-                        <a:t>TODO</a:t>
+                        <a:t>&gt;25</a:t>
                       </a:r>
-                      <a:endParaRPr lang="en-US" sz="2600" cap="none" spc="0" dirty="0">
-                        <a:solidFill>
-                          <a:schemeClr val="tx1"/>
-                        </a:solidFill>
-                      </a:endParaRPr>
                     </a:p>
                   </a:txBody>
                   <a:tcPr marL="220027" marR="163524" marT="169253" marB="169253">
@@ -24164,7 +24899,7 @@
                             <a:schemeClr val="tx1"/>
                           </a:solidFill>
                         </a:rPr>
-                        <a:t>9.10</a:t>
+                        <a:t>9.56</a:t>
                       </a:r>
                     </a:p>
                   </a:txBody>
@@ -24227,7 +24962,7 @@
                             <a:schemeClr val="tx1"/>
                           </a:solidFill>
                         </a:rPr>
-                        <a:t>24.16</a:t>
+                        <a:t>&gt;25</a:t>
                       </a:r>
                     </a:p>
                   </a:txBody>
@@ -24290,7 +25025,7 @@
                             <a:schemeClr val="tx1"/>
                           </a:solidFill>
                         </a:rPr>
-                        <a:t>54.12</a:t>
+                        <a:t>&gt;25</a:t>
                       </a:r>
                     </a:p>
                   </a:txBody>
@@ -24566,18 +25301,13 @@
                     <a:lstStyle/>
                     <a:p>
                       <a:r>
-                        <a:rPr lang="en-US" sz="2600" cap="none" spc="0">
+                        <a:rPr lang="en-US" sz="2600" cap="none" spc="0" dirty="0">
                           <a:solidFill>
                             <a:schemeClr val="tx1"/>
                           </a:solidFill>
                         </a:rPr>
                         <a:t>TODO</a:t>
                       </a:r>
-                      <a:endParaRPr lang="en-US" sz="2600" cap="none" spc="0" dirty="0">
-                        <a:solidFill>
-                          <a:schemeClr val="tx1"/>
-                        </a:solidFill>
-                      </a:endParaRPr>
                     </a:p>
                   </a:txBody>
                   <a:tcPr marL="220027" marR="163524" marT="169253" marB="169253">
@@ -24722,7 +25452,7 @@
 </p:sld>
 </file>
 
-<file path=ppt/slides/slide26.xml><?xml version="1.0" encoding="utf-8"?>
+<file path=ppt/slides/slide28.xml><?xml version="1.0" encoding="utf-8"?>
 <p:sld xmlns:a="http://schemas.openxmlformats.org/drawingml/2006/main" xmlns:r="http://schemas.openxmlformats.org/officeDocument/2006/relationships" xmlns:p="http://schemas.openxmlformats.org/presentationml/2006/main">
   <p:cSld>
     <p:bg>
@@ -25162,7 +25892,7 @@
 </p:sld>
 </file>
 
-<file path=ppt/slides/slide27.xml><?xml version="1.0" encoding="utf-8"?>
+<file path=ppt/slides/slide29.xml><?xml version="1.0" encoding="utf-8"?>
 <p:sld xmlns:a="http://schemas.openxmlformats.org/drawingml/2006/main" xmlns:r="http://schemas.openxmlformats.org/officeDocument/2006/relationships" xmlns:p="http://schemas.openxmlformats.org/presentationml/2006/main">
   <p:cSld>
     <p:bg>
@@ -25400,501 +26130,6 @@
     <p:extLst>
       <p:ext uri="{BB962C8B-B14F-4D97-AF65-F5344CB8AC3E}">
         <p14:creationId xmlns:p14="http://schemas.microsoft.com/office/powerpoint/2010/main" val="128352765"/>
-      </p:ext>
-    </p:extLst>
-  </p:cSld>
-  <p:clrMapOvr>
-    <a:masterClrMapping/>
-  </p:clrMapOvr>
-</p:sld>
-</file>
-
-<file path=ppt/slides/slide28.xml><?xml version="1.0" encoding="utf-8"?>
-<p:sld xmlns:a="http://schemas.openxmlformats.org/drawingml/2006/main" xmlns:r="http://schemas.openxmlformats.org/officeDocument/2006/relationships" xmlns:p="http://schemas.openxmlformats.org/presentationml/2006/main">
-  <p:cSld>
-    <p:bg>
-      <p:bgPr>
-        <a:solidFill>
-          <a:schemeClr val="bg1"/>
-        </a:solidFill>
-        <a:effectLst/>
-      </p:bgPr>
-    </p:bg>
-    <p:spTree>
-      <p:nvGrpSpPr>
-        <p:cNvPr id="1" name=""/>
-        <p:cNvGrpSpPr/>
-        <p:nvPr/>
-      </p:nvGrpSpPr>
-      <p:grpSpPr>
-        <a:xfrm>
-          <a:off x="0" y="0"/>
-          <a:ext cx="0" cy="0"/>
-          <a:chOff x="0" y="0"/>
-          <a:chExt cx="0" cy="0"/>
-        </a:xfrm>
-      </p:grpSpPr>
-      <p:sp>
-        <p:nvSpPr>
-          <p:cNvPr id="24" name="Rectangle 26">
-            <a:extLst>
-              <a:ext uri="{FF2B5EF4-FFF2-40B4-BE49-F238E27FC236}">
-                <a16:creationId xmlns:a16="http://schemas.microsoft.com/office/drawing/2014/main" id="{6753252F-4873-4F63-801D-CC719279A7D5}"/>
-              </a:ext>
-              <a:ext uri="{C183D7F6-B498-43B3-948B-1728B52AA6E4}">
-                <adec:decorative xmlns:adec="http://schemas.microsoft.com/office/drawing/2017/decorative" val="1"/>
-              </a:ext>
-            </a:extLst>
-          </p:cNvPr>
-          <p:cNvSpPr>
-            <a:spLocks noGrp="1" noRot="1" noChangeAspect="1" noMove="1" noResize="1" noEditPoints="1" noAdjustHandles="1" noChangeArrowheads="1" noChangeShapeType="1" noTextEdit="1"/>
-          </p:cNvSpPr>
-          <p:nvPr>
-            <p:extLst>
-              <p:ext uri="{386F3935-93C4-4BCD-93E2-E3B085C9AB24}">
-                <p16:designElem xmlns:p16="http://schemas.microsoft.com/office/powerpoint/2015/main" val="1"/>
-              </p:ext>
-            </p:extLst>
-          </p:nvPr>
-        </p:nvSpPr>
-        <p:spPr>
-          <a:xfrm>
-            <a:off x="0" y="0"/>
-            <a:ext cx="12192000" cy="6858000"/>
-          </a:xfrm>
-          <a:prstGeom prst="rect">
-            <a:avLst/>
-          </a:prstGeom>
-          <a:solidFill>
-            <a:srgbClr val="FFFFFF"/>
-          </a:solidFill>
-          <a:ln>
-            <a:noFill/>
-          </a:ln>
-        </p:spPr>
-        <p:style>
-          <a:lnRef idx="2">
-            <a:schemeClr val="accent1">
-              <a:shade val="50000"/>
-            </a:schemeClr>
-          </a:lnRef>
-          <a:fillRef idx="1">
-            <a:schemeClr val="accent1"/>
-          </a:fillRef>
-          <a:effectRef idx="0">
-            <a:schemeClr val="accent1"/>
-          </a:effectRef>
-          <a:fontRef idx="minor">
-            <a:schemeClr val="lt1"/>
-          </a:fontRef>
-        </p:style>
-        <p:txBody>
-          <a:bodyPr rtlCol="0" anchor="ctr"/>
-          <a:lstStyle/>
-          <a:p>
-            <a:pPr algn="ctr"/>
-            <a:endParaRPr lang="en-US"/>
-          </a:p>
-        </p:txBody>
-      </p:sp>
-      <p:sp>
-        <p:nvSpPr>
-          <p:cNvPr id="25" name="Rectangle 28">
-            <a:extLst>
-              <a:ext uri="{FF2B5EF4-FFF2-40B4-BE49-F238E27FC236}">
-                <a16:creationId xmlns:a16="http://schemas.microsoft.com/office/drawing/2014/main" id="{047C8CCB-F95D-4249-92DD-651249D3535A}"/>
-              </a:ext>
-              <a:ext uri="{C183D7F6-B498-43B3-948B-1728B52AA6E4}">
-                <adec:decorative xmlns:adec="http://schemas.microsoft.com/office/drawing/2017/decorative" val="1"/>
-              </a:ext>
-            </a:extLst>
-          </p:cNvPr>
-          <p:cNvSpPr>
-            <a:spLocks noGrp="1" noRot="1" noChangeAspect="1" noMove="1" noResize="1" noEditPoints="1" noAdjustHandles="1" noChangeArrowheads="1" noChangeShapeType="1" noTextEdit="1"/>
-          </p:cNvSpPr>
-          <p:nvPr>
-            <p:extLst>
-              <p:ext uri="{386F3935-93C4-4BCD-93E2-E3B085C9AB24}">
-                <p16:designElem xmlns:p16="http://schemas.microsoft.com/office/powerpoint/2015/main" val="1"/>
-              </p:ext>
-            </p:extLst>
-          </p:nvPr>
-        </p:nvSpPr>
-        <p:spPr>
-          <a:xfrm>
-            <a:off x="0" y="0"/>
-            <a:ext cx="2013557" cy="6858000"/>
-          </a:xfrm>
-          <a:prstGeom prst="rect">
-            <a:avLst/>
-          </a:prstGeom>
-          <a:solidFill>
-            <a:srgbClr val="7F7F7F"/>
-          </a:solidFill>
-          <a:ln>
-            <a:noFill/>
-          </a:ln>
-        </p:spPr>
-        <p:style>
-          <a:lnRef idx="2">
-            <a:schemeClr val="accent1">
-              <a:shade val="50000"/>
-            </a:schemeClr>
-          </a:lnRef>
-          <a:fillRef idx="1">
-            <a:schemeClr val="accent1"/>
-          </a:fillRef>
-          <a:effectRef idx="0">
-            <a:schemeClr val="accent1"/>
-          </a:effectRef>
-          <a:fontRef idx="minor">
-            <a:schemeClr val="lt1"/>
-          </a:fontRef>
-        </p:style>
-        <p:txBody>
-          <a:bodyPr rtlCol="0" anchor="ctr"/>
-          <a:lstStyle/>
-          <a:p>
-            <a:pPr algn="ctr"/>
-            <a:endParaRPr lang="en-US"/>
-          </a:p>
-        </p:txBody>
-      </p:sp>
-      <p:sp>
-        <p:nvSpPr>
-          <p:cNvPr id="2" name="Title 1">
-            <a:extLst>
-              <a:ext uri="{FF2B5EF4-FFF2-40B4-BE49-F238E27FC236}">
-                <a16:creationId xmlns:a16="http://schemas.microsoft.com/office/drawing/2014/main" id="{7B9E2CFA-2B31-6A4B-B5A2-1B35805CAF24}"/>
-              </a:ext>
-            </a:extLst>
-          </p:cNvPr>
-          <p:cNvSpPr>
-            <a:spLocks noGrp="1"/>
-          </p:cNvSpPr>
-          <p:nvPr>
-            <p:ph type="title"/>
-          </p:nvPr>
-        </p:nvSpPr>
-        <p:spPr>
-          <a:xfrm>
-            <a:off x="640080" y="2074363"/>
-            <a:ext cx="2752354" cy="2709275"/>
-          </a:xfrm>
-          <a:prstGeom prst="ellipse">
-            <a:avLst/>
-          </a:prstGeom>
-          <a:solidFill>
-            <a:srgbClr val="262626"/>
-          </a:solidFill>
-          <a:ln w="174625" cmpd="thinThick">
-            <a:solidFill>
-              <a:srgbClr val="262626"/>
-            </a:solidFill>
-          </a:ln>
-        </p:spPr>
-        <p:txBody>
-          <a:bodyPr vert="horz" lIns="91440" tIns="45720" rIns="91440" bIns="45720" rtlCol="0" anchor="ctr">
-            <a:normAutofit/>
-          </a:bodyPr>
-          <a:lstStyle/>
-          <a:p>
-            <a:pPr algn="ctr"/>
-            <a:r>
-              <a:rPr lang="en-US" sz="2600" kern="1200" dirty="0">
-                <a:solidFill>
-                  <a:srgbClr val="FFFFFF"/>
-                </a:solidFill>
-                <a:latin typeface="+mj-lt"/>
-                <a:ea typeface="+mj-ea"/>
-                <a:cs typeface="+mj-cs"/>
-              </a:rPr>
-              <a:t>Retention model plot</a:t>
-            </a:r>
-          </a:p>
-        </p:txBody>
-      </p:sp>
-      <p:pic>
-        <p:nvPicPr>
-          <p:cNvPr id="22" name="Content Placeholder 21">
-            <a:extLst>
-              <a:ext uri="{FF2B5EF4-FFF2-40B4-BE49-F238E27FC236}">
-                <a16:creationId xmlns:a16="http://schemas.microsoft.com/office/drawing/2014/main" id="{29A0DA17-2B21-244D-AC00-21DE716C76F6}"/>
-              </a:ext>
-            </a:extLst>
-          </p:cNvPr>
-          <p:cNvPicPr>
-            <a:picLocks noGrp="1" noChangeAspect="1"/>
-          </p:cNvPicPr>
-          <p:nvPr>
-            <p:ph idx="1"/>
-          </p:nvPr>
-        </p:nvPicPr>
-        <p:blipFill>
-          <a:blip r:embed="rId2"/>
-          <a:srcRect/>
-          <a:stretch/>
-        </p:blipFill>
-        <p:spPr>
-          <a:xfrm>
-            <a:off x="4040427" y="1210797"/>
-            <a:ext cx="7184544" cy="4433017"/>
-          </a:xfrm>
-          <a:prstGeom prst="rect">
-            <a:avLst/>
-          </a:prstGeom>
-        </p:spPr>
-      </p:pic>
-    </p:spTree>
-    <p:extLst>
-      <p:ext uri="{BB962C8B-B14F-4D97-AF65-F5344CB8AC3E}">
-        <p14:creationId xmlns:p14="http://schemas.microsoft.com/office/powerpoint/2010/main" val="3193471383"/>
-      </p:ext>
-    </p:extLst>
-  </p:cSld>
-  <p:clrMapOvr>
-    <a:masterClrMapping/>
-  </p:clrMapOvr>
-</p:sld>
-</file>
-
-<file path=ppt/slides/slide29.xml><?xml version="1.0" encoding="utf-8"?>
-<p:sld xmlns:a="http://schemas.openxmlformats.org/drawingml/2006/main" xmlns:r="http://schemas.openxmlformats.org/officeDocument/2006/relationships" xmlns:p="http://schemas.openxmlformats.org/presentationml/2006/main">
-  <p:cSld>
-    <p:bg>
-      <p:bgPr>
-        <a:solidFill>
-          <a:schemeClr val="bg1"/>
-        </a:solidFill>
-        <a:effectLst/>
-      </p:bgPr>
-    </p:bg>
-    <p:spTree>
-      <p:nvGrpSpPr>
-        <p:cNvPr id="1" name=""/>
-        <p:cNvGrpSpPr/>
-        <p:nvPr/>
-      </p:nvGrpSpPr>
-      <p:grpSpPr>
-        <a:xfrm>
-          <a:off x="0" y="0"/>
-          <a:ext cx="0" cy="0"/>
-          <a:chOff x="0" y="0"/>
-          <a:chExt cx="0" cy="0"/>
-        </a:xfrm>
-      </p:grpSpPr>
-      <p:sp>
-        <p:nvSpPr>
-          <p:cNvPr id="24" name="Rectangle 23">
-            <a:extLst>
-              <a:ext uri="{FF2B5EF4-FFF2-40B4-BE49-F238E27FC236}">
-                <a16:creationId xmlns:a16="http://schemas.microsoft.com/office/drawing/2014/main" id="{6753252F-4873-4F63-801D-CC719279A7D5}"/>
-              </a:ext>
-              <a:ext uri="{C183D7F6-B498-43B3-948B-1728B52AA6E4}">
-                <adec:decorative xmlns:adec="http://schemas.microsoft.com/office/drawing/2017/decorative" val="1"/>
-              </a:ext>
-            </a:extLst>
-          </p:cNvPr>
-          <p:cNvSpPr>
-            <a:spLocks noGrp="1" noRot="1" noChangeAspect="1" noMove="1" noResize="1" noEditPoints="1" noAdjustHandles="1" noChangeArrowheads="1" noChangeShapeType="1" noTextEdit="1"/>
-          </p:cNvSpPr>
-          <p:nvPr>
-            <p:extLst>
-              <p:ext uri="{386F3935-93C4-4BCD-93E2-E3B085C9AB24}">
-                <p16:designElem xmlns:p16="http://schemas.microsoft.com/office/powerpoint/2015/main" val="1"/>
-              </p:ext>
-            </p:extLst>
-          </p:nvPr>
-        </p:nvSpPr>
-        <p:spPr>
-          <a:xfrm>
-            <a:off x="0" y="0"/>
-            <a:ext cx="12192000" cy="6858000"/>
-          </a:xfrm>
-          <a:prstGeom prst="rect">
-            <a:avLst/>
-          </a:prstGeom>
-          <a:solidFill>
-            <a:srgbClr val="FFFFFF"/>
-          </a:solidFill>
-          <a:ln>
-            <a:noFill/>
-          </a:ln>
-        </p:spPr>
-        <p:style>
-          <a:lnRef idx="2">
-            <a:schemeClr val="accent1">
-              <a:shade val="50000"/>
-            </a:schemeClr>
-          </a:lnRef>
-          <a:fillRef idx="1">
-            <a:schemeClr val="accent1"/>
-          </a:fillRef>
-          <a:effectRef idx="0">
-            <a:schemeClr val="accent1"/>
-          </a:effectRef>
-          <a:fontRef idx="minor">
-            <a:schemeClr val="lt1"/>
-          </a:fontRef>
-        </p:style>
-        <p:txBody>
-          <a:bodyPr rtlCol="0" anchor="ctr"/>
-          <a:lstStyle/>
-          <a:p>
-            <a:pPr algn="ctr"/>
-            <a:endParaRPr lang="en-US"/>
-          </a:p>
-        </p:txBody>
-      </p:sp>
-      <p:sp>
-        <p:nvSpPr>
-          <p:cNvPr id="26" name="Rectangle 25">
-            <a:extLst>
-              <a:ext uri="{FF2B5EF4-FFF2-40B4-BE49-F238E27FC236}">
-                <a16:creationId xmlns:a16="http://schemas.microsoft.com/office/drawing/2014/main" id="{047C8CCB-F95D-4249-92DD-651249D3535A}"/>
-              </a:ext>
-              <a:ext uri="{C183D7F6-B498-43B3-948B-1728B52AA6E4}">
-                <adec:decorative xmlns:adec="http://schemas.microsoft.com/office/drawing/2017/decorative" val="1"/>
-              </a:ext>
-            </a:extLst>
-          </p:cNvPr>
-          <p:cNvSpPr>
-            <a:spLocks noGrp="1" noRot="1" noChangeAspect="1" noMove="1" noResize="1" noEditPoints="1" noAdjustHandles="1" noChangeArrowheads="1" noChangeShapeType="1" noTextEdit="1"/>
-          </p:cNvSpPr>
-          <p:nvPr>
-            <p:extLst>
-              <p:ext uri="{386F3935-93C4-4BCD-93E2-E3B085C9AB24}">
-                <p16:designElem xmlns:p16="http://schemas.microsoft.com/office/powerpoint/2015/main" val="1"/>
-              </p:ext>
-            </p:extLst>
-          </p:nvPr>
-        </p:nvSpPr>
-        <p:spPr>
-          <a:xfrm>
-            <a:off x="0" y="0"/>
-            <a:ext cx="2013557" cy="6858000"/>
-          </a:xfrm>
-          <a:prstGeom prst="rect">
-            <a:avLst/>
-          </a:prstGeom>
-          <a:solidFill>
-            <a:srgbClr val="7F7F7F"/>
-          </a:solidFill>
-          <a:ln>
-            <a:noFill/>
-          </a:ln>
-        </p:spPr>
-        <p:style>
-          <a:lnRef idx="2">
-            <a:schemeClr val="accent1">
-              <a:shade val="50000"/>
-            </a:schemeClr>
-          </a:lnRef>
-          <a:fillRef idx="1">
-            <a:schemeClr val="accent1"/>
-          </a:fillRef>
-          <a:effectRef idx="0">
-            <a:schemeClr val="accent1"/>
-          </a:effectRef>
-          <a:fontRef idx="minor">
-            <a:schemeClr val="lt1"/>
-          </a:fontRef>
-        </p:style>
-        <p:txBody>
-          <a:bodyPr rtlCol="0" anchor="ctr"/>
-          <a:lstStyle/>
-          <a:p>
-            <a:pPr algn="ctr"/>
-            <a:endParaRPr lang="en-US"/>
-          </a:p>
-        </p:txBody>
-      </p:sp>
-      <p:sp>
-        <p:nvSpPr>
-          <p:cNvPr id="2" name="Title 1">
-            <a:extLst>
-              <a:ext uri="{FF2B5EF4-FFF2-40B4-BE49-F238E27FC236}">
-                <a16:creationId xmlns:a16="http://schemas.microsoft.com/office/drawing/2014/main" id="{67F017A3-29CD-954D-BFF9-0C2279F1BC5A}"/>
-              </a:ext>
-            </a:extLst>
-          </p:cNvPr>
-          <p:cNvSpPr>
-            <a:spLocks noGrp="1"/>
-          </p:cNvSpPr>
-          <p:nvPr>
-            <p:ph type="title"/>
-          </p:nvPr>
-        </p:nvSpPr>
-        <p:spPr>
-          <a:xfrm>
-            <a:off x="640080" y="2074363"/>
-            <a:ext cx="2752354" cy="2709275"/>
-          </a:xfrm>
-          <a:prstGeom prst="ellipse">
-            <a:avLst/>
-          </a:prstGeom>
-          <a:solidFill>
-            <a:srgbClr val="262626"/>
-          </a:solidFill>
-          <a:ln w="174625" cmpd="thinThick">
-            <a:solidFill>
-              <a:srgbClr val="262626"/>
-            </a:solidFill>
-          </a:ln>
-        </p:spPr>
-        <p:txBody>
-          <a:bodyPr vert="horz" lIns="91440" tIns="45720" rIns="91440" bIns="45720" rtlCol="0" anchor="ctr">
-            <a:normAutofit/>
-          </a:bodyPr>
-          <a:lstStyle/>
-          <a:p>
-            <a:pPr algn="ctr"/>
-            <a:r>
-              <a:rPr lang="en-US" sz="2600" kern="1200" dirty="0">
-                <a:solidFill>
-                  <a:srgbClr val="FFFFFF"/>
-                </a:solidFill>
-                <a:latin typeface="+mj-lt"/>
-                <a:ea typeface="+mj-ea"/>
-                <a:cs typeface="+mj-cs"/>
-              </a:rPr>
-              <a:t>Retention BER plot</a:t>
-            </a:r>
-          </a:p>
-        </p:txBody>
-      </p:sp>
-      <p:pic>
-        <p:nvPicPr>
-          <p:cNvPr id="5" name="Content Placeholder 4">
-            <a:extLst>
-              <a:ext uri="{FF2B5EF4-FFF2-40B4-BE49-F238E27FC236}">
-                <a16:creationId xmlns:a16="http://schemas.microsoft.com/office/drawing/2014/main" id="{05674DBB-B74B-1445-9091-2C6A3B64F701}"/>
-              </a:ext>
-            </a:extLst>
-          </p:cNvPr>
-          <p:cNvPicPr>
-            <a:picLocks noChangeAspect="1"/>
-          </p:cNvPicPr>
-          <p:nvPr/>
-        </p:nvPicPr>
-        <p:blipFill>
-          <a:blip r:embed="rId3"/>
-          <a:stretch/>
-        </p:blipFill>
-        <p:spPr>
-          <a:xfrm>
-            <a:off x="4345375" y="961812"/>
-            <a:ext cx="6574649" cy="4930987"/>
-          </a:xfrm>
-          <a:prstGeom prst="rect">
-            <a:avLst/>
-          </a:prstGeom>
-        </p:spPr>
-      </p:pic>
-    </p:spTree>
-    <p:extLst>
-      <p:ext uri="{BB962C8B-B14F-4D97-AF65-F5344CB8AC3E}">
-        <p14:creationId xmlns:p14="http://schemas.microsoft.com/office/powerpoint/2010/main" val="2526247354"/>
       </p:ext>
     </p:extLst>
   </p:cSld>
@@ -26578,6 +26813,501 @@
           <a:chExt cx="0" cy="0"/>
         </a:xfrm>
       </p:grpSpPr>
+      <p:sp>
+        <p:nvSpPr>
+          <p:cNvPr id="24" name="Rectangle 26">
+            <a:extLst>
+              <a:ext uri="{FF2B5EF4-FFF2-40B4-BE49-F238E27FC236}">
+                <a16:creationId xmlns:a16="http://schemas.microsoft.com/office/drawing/2014/main" id="{6753252F-4873-4F63-801D-CC719279A7D5}"/>
+              </a:ext>
+              <a:ext uri="{C183D7F6-B498-43B3-948B-1728B52AA6E4}">
+                <adec:decorative xmlns:adec="http://schemas.microsoft.com/office/drawing/2017/decorative" val="1"/>
+              </a:ext>
+            </a:extLst>
+          </p:cNvPr>
+          <p:cNvSpPr>
+            <a:spLocks noGrp="1" noRot="1" noChangeAspect="1" noMove="1" noResize="1" noEditPoints="1" noAdjustHandles="1" noChangeArrowheads="1" noChangeShapeType="1" noTextEdit="1"/>
+          </p:cNvSpPr>
+          <p:nvPr>
+            <p:extLst>
+              <p:ext uri="{386F3935-93C4-4BCD-93E2-E3B085C9AB24}">
+                <p16:designElem xmlns:p16="http://schemas.microsoft.com/office/powerpoint/2015/main" val="1"/>
+              </p:ext>
+            </p:extLst>
+          </p:nvPr>
+        </p:nvSpPr>
+        <p:spPr>
+          <a:xfrm>
+            <a:off x="0" y="0"/>
+            <a:ext cx="12192000" cy="6858000"/>
+          </a:xfrm>
+          <a:prstGeom prst="rect">
+            <a:avLst/>
+          </a:prstGeom>
+          <a:solidFill>
+            <a:srgbClr val="FFFFFF"/>
+          </a:solidFill>
+          <a:ln>
+            <a:noFill/>
+          </a:ln>
+        </p:spPr>
+        <p:style>
+          <a:lnRef idx="2">
+            <a:schemeClr val="accent1">
+              <a:shade val="50000"/>
+            </a:schemeClr>
+          </a:lnRef>
+          <a:fillRef idx="1">
+            <a:schemeClr val="accent1"/>
+          </a:fillRef>
+          <a:effectRef idx="0">
+            <a:schemeClr val="accent1"/>
+          </a:effectRef>
+          <a:fontRef idx="minor">
+            <a:schemeClr val="lt1"/>
+          </a:fontRef>
+        </p:style>
+        <p:txBody>
+          <a:bodyPr rtlCol="0" anchor="ctr"/>
+          <a:lstStyle/>
+          <a:p>
+            <a:pPr algn="ctr"/>
+            <a:endParaRPr lang="en-US"/>
+          </a:p>
+        </p:txBody>
+      </p:sp>
+      <p:sp>
+        <p:nvSpPr>
+          <p:cNvPr id="25" name="Rectangle 28">
+            <a:extLst>
+              <a:ext uri="{FF2B5EF4-FFF2-40B4-BE49-F238E27FC236}">
+                <a16:creationId xmlns:a16="http://schemas.microsoft.com/office/drawing/2014/main" id="{047C8CCB-F95D-4249-92DD-651249D3535A}"/>
+              </a:ext>
+              <a:ext uri="{C183D7F6-B498-43B3-948B-1728B52AA6E4}">
+                <adec:decorative xmlns:adec="http://schemas.microsoft.com/office/drawing/2017/decorative" val="1"/>
+              </a:ext>
+            </a:extLst>
+          </p:cNvPr>
+          <p:cNvSpPr>
+            <a:spLocks noGrp="1" noRot="1" noChangeAspect="1" noMove="1" noResize="1" noEditPoints="1" noAdjustHandles="1" noChangeArrowheads="1" noChangeShapeType="1" noTextEdit="1"/>
+          </p:cNvSpPr>
+          <p:nvPr>
+            <p:extLst>
+              <p:ext uri="{386F3935-93C4-4BCD-93E2-E3B085C9AB24}">
+                <p16:designElem xmlns:p16="http://schemas.microsoft.com/office/powerpoint/2015/main" val="1"/>
+              </p:ext>
+            </p:extLst>
+          </p:nvPr>
+        </p:nvSpPr>
+        <p:spPr>
+          <a:xfrm>
+            <a:off x="0" y="0"/>
+            <a:ext cx="2013557" cy="6858000"/>
+          </a:xfrm>
+          <a:prstGeom prst="rect">
+            <a:avLst/>
+          </a:prstGeom>
+          <a:solidFill>
+            <a:srgbClr val="7F7F7F"/>
+          </a:solidFill>
+          <a:ln>
+            <a:noFill/>
+          </a:ln>
+        </p:spPr>
+        <p:style>
+          <a:lnRef idx="2">
+            <a:schemeClr val="accent1">
+              <a:shade val="50000"/>
+            </a:schemeClr>
+          </a:lnRef>
+          <a:fillRef idx="1">
+            <a:schemeClr val="accent1"/>
+          </a:fillRef>
+          <a:effectRef idx="0">
+            <a:schemeClr val="accent1"/>
+          </a:effectRef>
+          <a:fontRef idx="minor">
+            <a:schemeClr val="lt1"/>
+          </a:fontRef>
+        </p:style>
+        <p:txBody>
+          <a:bodyPr rtlCol="0" anchor="ctr"/>
+          <a:lstStyle/>
+          <a:p>
+            <a:pPr algn="ctr"/>
+            <a:endParaRPr lang="en-US"/>
+          </a:p>
+        </p:txBody>
+      </p:sp>
+      <p:sp>
+        <p:nvSpPr>
+          <p:cNvPr id="2" name="Title 1">
+            <a:extLst>
+              <a:ext uri="{FF2B5EF4-FFF2-40B4-BE49-F238E27FC236}">
+                <a16:creationId xmlns:a16="http://schemas.microsoft.com/office/drawing/2014/main" id="{7B9E2CFA-2B31-6A4B-B5A2-1B35805CAF24}"/>
+              </a:ext>
+            </a:extLst>
+          </p:cNvPr>
+          <p:cNvSpPr>
+            <a:spLocks noGrp="1"/>
+          </p:cNvSpPr>
+          <p:nvPr>
+            <p:ph type="title"/>
+          </p:nvPr>
+        </p:nvSpPr>
+        <p:spPr>
+          <a:xfrm>
+            <a:off x="640080" y="2074363"/>
+            <a:ext cx="2752354" cy="2709275"/>
+          </a:xfrm>
+          <a:prstGeom prst="ellipse">
+            <a:avLst/>
+          </a:prstGeom>
+          <a:solidFill>
+            <a:srgbClr val="262626"/>
+          </a:solidFill>
+          <a:ln w="174625" cmpd="thinThick">
+            <a:solidFill>
+              <a:srgbClr val="262626"/>
+            </a:solidFill>
+          </a:ln>
+        </p:spPr>
+        <p:txBody>
+          <a:bodyPr vert="horz" lIns="91440" tIns="45720" rIns="91440" bIns="45720" rtlCol="0" anchor="ctr">
+            <a:normAutofit/>
+          </a:bodyPr>
+          <a:lstStyle/>
+          <a:p>
+            <a:pPr algn="ctr"/>
+            <a:r>
+              <a:rPr lang="en-US" sz="2600" kern="1200" dirty="0">
+                <a:solidFill>
+                  <a:srgbClr val="FFFFFF"/>
+                </a:solidFill>
+                <a:latin typeface="+mj-lt"/>
+                <a:ea typeface="+mj-ea"/>
+                <a:cs typeface="+mj-cs"/>
+              </a:rPr>
+              <a:t>Retention model plot</a:t>
+            </a:r>
+          </a:p>
+        </p:txBody>
+      </p:sp>
+      <p:pic>
+        <p:nvPicPr>
+          <p:cNvPr id="22" name="Content Placeholder 21">
+            <a:extLst>
+              <a:ext uri="{FF2B5EF4-FFF2-40B4-BE49-F238E27FC236}">
+                <a16:creationId xmlns:a16="http://schemas.microsoft.com/office/drawing/2014/main" id="{29A0DA17-2B21-244D-AC00-21DE716C76F6}"/>
+              </a:ext>
+            </a:extLst>
+          </p:cNvPr>
+          <p:cNvPicPr>
+            <a:picLocks noGrp="1" noChangeAspect="1"/>
+          </p:cNvPicPr>
+          <p:nvPr>
+            <p:ph idx="1"/>
+          </p:nvPr>
+        </p:nvPicPr>
+        <p:blipFill>
+          <a:blip r:embed="rId2"/>
+          <a:srcRect/>
+          <a:stretch/>
+        </p:blipFill>
+        <p:spPr>
+          <a:xfrm>
+            <a:off x="4040427" y="1210797"/>
+            <a:ext cx="7184544" cy="4433017"/>
+          </a:xfrm>
+          <a:prstGeom prst="rect">
+            <a:avLst/>
+          </a:prstGeom>
+        </p:spPr>
+      </p:pic>
+    </p:spTree>
+    <p:extLst>
+      <p:ext uri="{BB962C8B-B14F-4D97-AF65-F5344CB8AC3E}">
+        <p14:creationId xmlns:p14="http://schemas.microsoft.com/office/powerpoint/2010/main" val="3193471383"/>
+      </p:ext>
+    </p:extLst>
+  </p:cSld>
+  <p:clrMapOvr>
+    <a:masterClrMapping/>
+  </p:clrMapOvr>
+</p:sld>
+</file>
+
+<file path=ppt/slides/slide31.xml><?xml version="1.0" encoding="utf-8"?>
+<p:sld xmlns:a="http://schemas.openxmlformats.org/drawingml/2006/main" xmlns:r="http://schemas.openxmlformats.org/officeDocument/2006/relationships" xmlns:p="http://schemas.openxmlformats.org/presentationml/2006/main">
+  <p:cSld>
+    <p:bg>
+      <p:bgPr>
+        <a:solidFill>
+          <a:schemeClr val="bg1"/>
+        </a:solidFill>
+        <a:effectLst/>
+      </p:bgPr>
+    </p:bg>
+    <p:spTree>
+      <p:nvGrpSpPr>
+        <p:cNvPr id="1" name=""/>
+        <p:cNvGrpSpPr/>
+        <p:nvPr/>
+      </p:nvGrpSpPr>
+      <p:grpSpPr>
+        <a:xfrm>
+          <a:off x="0" y="0"/>
+          <a:ext cx="0" cy="0"/>
+          <a:chOff x="0" y="0"/>
+          <a:chExt cx="0" cy="0"/>
+        </a:xfrm>
+      </p:grpSpPr>
+      <p:sp>
+        <p:nvSpPr>
+          <p:cNvPr id="24" name="Rectangle 23">
+            <a:extLst>
+              <a:ext uri="{FF2B5EF4-FFF2-40B4-BE49-F238E27FC236}">
+                <a16:creationId xmlns:a16="http://schemas.microsoft.com/office/drawing/2014/main" id="{6753252F-4873-4F63-801D-CC719279A7D5}"/>
+              </a:ext>
+              <a:ext uri="{C183D7F6-B498-43B3-948B-1728B52AA6E4}">
+                <adec:decorative xmlns:adec="http://schemas.microsoft.com/office/drawing/2017/decorative" val="1"/>
+              </a:ext>
+            </a:extLst>
+          </p:cNvPr>
+          <p:cNvSpPr>
+            <a:spLocks noGrp="1" noRot="1" noChangeAspect="1" noMove="1" noResize="1" noEditPoints="1" noAdjustHandles="1" noChangeArrowheads="1" noChangeShapeType="1" noTextEdit="1"/>
+          </p:cNvSpPr>
+          <p:nvPr>
+            <p:extLst>
+              <p:ext uri="{386F3935-93C4-4BCD-93E2-E3B085C9AB24}">
+                <p16:designElem xmlns:p16="http://schemas.microsoft.com/office/powerpoint/2015/main" val="1"/>
+              </p:ext>
+            </p:extLst>
+          </p:nvPr>
+        </p:nvSpPr>
+        <p:spPr>
+          <a:xfrm>
+            <a:off x="0" y="0"/>
+            <a:ext cx="12192000" cy="6858000"/>
+          </a:xfrm>
+          <a:prstGeom prst="rect">
+            <a:avLst/>
+          </a:prstGeom>
+          <a:solidFill>
+            <a:srgbClr val="FFFFFF"/>
+          </a:solidFill>
+          <a:ln>
+            <a:noFill/>
+          </a:ln>
+        </p:spPr>
+        <p:style>
+          <a:lnRef idx="2">
+            <a:schemeClr val="accent1">
+              <a:shade val="50000"/>
+            </a:schemeClr>
+          </a:lnRef>
+          <a:fillRef idx="1">
+            <a:schemeClr val="accent1"/>
+          </a:fillRef>
+          <a:effectRef idx="0">
+            <a:schemeClr val="accent1"/>
+          </a:effectRef>
+          <a:fontRef idx="minor">
+            <a:schemeClr val="lt1"/>
+          </a:fontRef>
+        </p:style>
+        <p:txBody>
+          <a:bodyPr rtlCol="0" anchor="ctr"/>
+          <a:lstStyle/>
+          <a:p>
+            <a:pPr algn="ctr"/>
+            <a:endParaRPr lang="en-US"/>
+          </a:p>
+        </p:txBody>
+      </p:sp>
+      <p:sp>
+        <p:nvSpPr>
+          <p:cNvPr id="26" name="Rectangle 25">
+            <a:extLst>
+              <a:ext uri="{FF2B5EF4-FFF2-40B4-BE49-F238E27FC236}">
+                <a16:creationId xmlns:a16="http://schemas.microsoft.com/office/drawing/2014/main" id="{047C8CCB-F95D-4249-92DD-651249D3535A}"/>
+              </a:ext>
+              <a:ext uri="{C183D7F6-B498-43B3-948B-1728B52AA6E4}">
+                <adec:decorative xmlns:adec="http://schemas.microsoft.com/office/drawing/2017/decorative" val="1"/>
+              </a:ext>
+            </a:extLst>
+          </p:cNvPr>
+          <p:cNvSpPr>
+            <a:spLocks noGrp="1" noRot="1" noChangeAspect="1" noMove="1" noResize="1" noEditPoints="1" noAdjustHandles="1" noChangeArrowheads="1" noChangeShapeType="1" noTextEdit="1"/>
+          </p:cNvSpPr>
+          <p:nvPr>
+            <p:extLst>
+              <p:ext uri="{386F3935-93C4-4BCD-93E2-E3B085C9AB24}">
+                <p16:designElem xmlns:p16="http://schemas.microsoft.com/office/powerpoint/2015/main" val="1"/>
+              </p:ext>
+            </p:extLst>
+          </p:nvPr>
+        </p:nvSpPr>
+        <p:spPr>
+          <a:xfrm>
+            <a:off x="0" y="0"/>
+            <a:ext cx="2013557" cy="6858000"/>
+          </a:xfrm>
+          <a:prstGeom prst="rect">
+            <a:avLst/>
+          </a:prstGeom>
+          <a:solidFill>
+            <a:srgbClr val="7F7F7F"/>
+          </a:solidFill>
+          <a:ln>
+            <a:noFill/>
+          </a:ln>
+        </p:spPr>
+        <p:style>
+          <a:lnRef idx="2">
+            <a:schemeClr val="accent1">
+              <a:shade val="50000"/>
+            </a:schemeClr>
+          </a:lnRef>
+          <a:fillRef idx="1">
+            <a:schemeClr val="accent1"/>
+          </a:fillRef>
+          <a:effectRef idx="0">
+            <a:schemeClr val="accent1"/>
+          </a:effectRef>
+          <a:fontRef idx="minor">
+            <a:schemeClr val="lt1"/>
+          </a:fontRef>
+        </p:style>
+        <p:txBody>
+          <a:bodyPr rtlCol="0" anchor="ctr"/>
+          <a:lstStyle/>
+          <a:p>
+            <a:pPr algn="ctr"/>
+            <a:endParaRPr lang="en-US"/>
+          </a:p>
+        </p:txBody>
+      </p:sp>
+      <p:sp>
+        <p:nvSpPr>
+          <p:cNvPr id="2" name="Title 1">
+            <a:extLst>
+              <a:ext uri="{FF2B5EF4-FFF2-40B4-BE49-F238E27FC236}">
+                <a16:creationId xmlns:a16="http://schemas.microsoft.com/office/drawing/2014/main" id="{67F017A3-29CD-954D-BFF9-0C2279F1BC5A}"/>
+              </a:ext>
+            </a:extLst>
+          </p:cNvPr>
+          <p:cNvSpPr>
+            <a:spLocks noGrp="1"/>
+          </p:cNvSpPr>
+          <p:nvPr>
+            <p:ph type="title"/>
+          </p:nvPr>
+        </p:nvSpPr>
+        <p:spPr>
+          <a:xfrm>
+            <a:off x="640080" y="2074363"/>
+            <a:ext cx="2752354" cy="2709275"/>
+          </a:xfrm>
+          <a:prstGeom prst="ellipse">
+            <a:avLst/>
+          </a:prstGeom>
+          <a:solidFill>
+            <a:srgbClr val="262626"/>
+          </a:solidFill>
+          <a:ln w="174625" cmpd="thinThick">
+            <a:solidFill>
+              <a:srgbClr val="262626"/>
+            </a:solidFill>
+          </a:ln>
+        </p:spPr>
+        <p:txBody>
+          <a:bodyPr vert="horz" lIns="91440" tIns="45720" rIns="91440" bIns="45720" rtlCol="0" anchor="ctr">
+            <a:normAutofit/>
+          </a:bodyPr>
+          <a:lstStyle/>
+          <a:p>
+            <a:pPr algn="ctr"/>
+            <a:r>
+              <a:rPr lang="en-US" sz="2600" kern="1200" dirty="0">
+                <a:solidFill>
+                  <a:srgbClr val="FFFFFF"/>
+                </a:solidFill>
+                <a:latin typeface="+mj-lt"/>
+                <a:ea typeface="+mj-ea"/>
+                <a:cs typeface="+mj-cs"/>
+              </a:rPr>
+              <a:t>Retention BER plot</a:t>
+            </a:r>
+          </a:p>
+        </p:txBody>
+      </p:sp>
+      <p:pic>
+        <p:nvPicPr>
+          <p:cNvPr id="5" name="Content Placeholder 4">
+            <a:extLst>
+              <a:ext uri="{FF2B5EF4-FFF2-40B4-BE49-F238E27FC236}">
+                <a16:creationId xmlns:a16="http://schemas.microsoft.com/office/drawing/2014/main" id="{05674DBB-B74B-1445-9091-2C6A3B64F701}"/>
+              </a:ext>
+            </a:extLst>
+          </p:cNvPr>
+          <p:cNvPicPr>
+            <a:picLocks noChangeAspect="1"/>
+          </p:cNvPicPr>
+          <p:nvPr/>
+        </p:nvPicPr>
+        <p:blipFill>
+          <a:blip r:embed="rId3"/>
+          <a:stretch/>
+        </p:blipFill>
+        <p:spPr>
+          <a:xfrm>
+            <a:off x="4345375" y="961812"/>
+            <a:ext cx="6574649" cy="4930987"/>
+          </a:xfrm>
+          <a:prstGeom prst="rect">
+            <a:avLst/>
+          </a:prstGeom>
+        </p:spPr>
+      </p:pic>
+    </p:spTree>
+    <p:extLst>
+      <p:ext uri="{BB962C8B-B14F-4D97-AF65-F5344CB8AC3E}">
+        <p14:creationId xmlns:p14="http://schemas.microsoft.com/office/powerpoint/2010/main" val="2526247354"/>
+      </p:ext>
+    </p:extLst>
+  </p:cSld>
+  <p:clrMapOvr>
+    <a:masterClrMapping/>
+  </p:clrMapOvr>
+</p:sld>
+</file>
+
+<file path=ppt/slides/slide32.xml><?xml version="1.0" encoding="utf-8"?>
+<p:sld xmlns:a="http://schemas.openxmlformats.org/drawingml/2006/main" xmlns:r="http://schemas.openxmlformats.org/officeDocument/2006/relationships" xmlns:p="http://schemas.openxmlformats.org/presentationml/2006/main">
+  <p:cSld>
+    <p:bg>
+      <p:bgPr>
+        <a:solidFill>
+          <a:schemeClr val="bg1"/>
+        </a:solidFill>
+        <a:effectLst/>
+      </p:bgPr>
+    </p:bg>
+    <p:spTree>
+      <p:nvGrpSpPr>
+        <p:cNvPr id="1" name=""/>
+        <p:cNvGrpSpPr/>
+        <p:nvPr/>
+      </p:nvGrpSpPr>
+      <p:grpSpPr>
+        <a:xfrm>
+          <a:off x="0" y="0"/>
+          <a:ext cx="0" cy="0"/>
+          <a:chOff x="0" y="0"/>
+          <a:chExt cx="0" cy="0"/>
+        </a:xfrm>
+      </p:grpSpPr>
       <p:sp useBgFill="1">
         <p:nvSpPr>
           <p:cNvPr id="10" name="Rectangle 9">
@@ -26993,7 +27723,7 @@
 </p:sld>
 </file>
 
-<file path=ppt/slides/slide31.xml><?xml version="1.0" encoding="utf-8"?>
+<file path=ppt/slides/slide33.xml><?xml version="1.0" encoding="utf-8"?>
 <p:sld xmlns:a="http://schemas.openxmlformats.org/drawingml/2006/main" xmlns:r="http://schemas.openxmlformats.org/officeDocument/2006/relationships" xmlns:p="http://schemas.openxmlformats.org/presentationml/2006/main">
   <p:cSld>
     <p:bg>
@@ -29456,7 +30186,7 @@
 </p:sld>
 </file>
 
-<file path=ppt/slides/slide32.xml><?xml version="1.0" encoding="utf-8"?>
+<file path=ppt/slides/slide34.xml><?xml version="1.0" encoding="utf-8"?>
 <p:sld xmlns:a="http://schemas.openxmlformats.org/drawingml/2006/main" xmlns:r="http://schemas.openxmlformats.org/officeDocument/2006/relationships" xmlns:p="http://schemas.openxmlformats.org/presentationml/2006/main">
   <p:cSld>
     <p:bg>
@@ -30832,7 +31562,7 @@
 </p:sld>
 </file>
 
-<file path=ppt/slides/slide33.xml><?xml version="1.0" encoding="utf-8"?>
+<file path=ppt/slides/slide35.xml><?xml version="1.0" encoding="utf-8"?>
 <p:sld xmlns:a="http://schemas.openxmlformats.org/drawingml/2006/main" xmlns:r="http://schemas.openxmlformats.org/officeDocument/2006/relationships" xmlns:p="http://schemas.openxmlformats.org/presentationml/2006/main" show="0">
   <p:cSld>
     <p:bg>
@@ -31082,7 +31812,7 @@
 </p:sld>
 </file>
 
-<file path=ppt/slides/slide34.xml><?xml version="1.0" encoding="utf-8"?>
+<file path=ppt/slides/slide36.xml><?xml version="1.0" encoding="utf-8"?>
 <p:sld xmlns:a="http://schemas.openxmlformats.org/drawingml/2006/main" xmlns:r="http://schemas.openxmlformats.org/officeDocument/2006/relationships" xmlns:p="http://schemas.openxmlformats.org/presentationml/2006/main" show="0">
   <p:cSld>
     <p:spTree>
@@ -31244,7 +31974,7 @@
 </p:sld>
 </file>
 
-<file path=ppt/slides/slide35.xml><?xml version="1.0" encoding="utf-8"?>
+<file path=ppt/slides/slide37.xml><?xml version="1.0" encoding="utf-8"?>
 <p:sld xmlns:a="http://schemas.openxmlformats.org/drawingml/2006/main" xmlns:r="http://schemas.openxmlformats.org/officeDocument/2006/relationships" xmlns:p="http://schemas.openxmlformats.org/presentationml/2006/main" show="0">
   <p:cSld>
     <p:spTree>
@@ -31444,7 +32174,7 @@
 </p:sld>
 </file>
 
-<file path=ppt/slides/slide36.xml><?xml version="1.0" encoding="utf-8"?>
+<file path=ppt/slides/slide38.xml><?xml version="1.0" encoding="utf-8"?>
 <p:sld xmlns:a="http://schemas.openxmlformats.org/drawingml/2006/main" xmlns:r="http://schemas.openxmlformats.org/officeDocument/2006/relationships" xmlns:p="http://schemas.openxmlformats.org/presentationml/2006/main" show="0">
   <p:cSld>
     <p:spTree>
@@ -31531,7 +32261,7 @@
 </p:sld>
 </file>
 
-<file path=ppt/slides/slide37.xml><?xml version="1.0" encoding="utf-8"?>
+<file path=ppt/slides/slide39.xml><?xml version="1.0" encoding="utf-8"?>
 <p:sld xmlns:a="http://schemas.openxmlformats.org/drawingml/2006/main" xmlns:r="http://schemas.openxmlformats.org/officeDocument/2006/relationships" xmlns:p="http://schemas.openxmlformats.org/presentationml/2006/main" show="0">
   <p:cSld>
     <p:spTree>
@@ -31722,96 +32452,6 @@
     <p:extLst>
       <p:ext uri="{BB962C8B-B14F-4D97-AF65-F5344CB8AC3E}">
         <p14:creationId xmlns:p14="http://schemas.microsoft.com/office/powerpoint/2010/main" val="1284847308"/>
-      </p:ext>
-    </p:extLst>
-  </p:cSld>
-  <p:clrMapOvr>
-    <a:masterClrMapping/>
-  </p:clrMapOvr>
-</p:sld>
-</file>
-
-<file path=ppt/slides/slide38.xml><?xml version="1.0" encoding="utf-8"?>
-<p:sld xmlns:a="http://schemas.openxmlformats.org/drawingml/2006/main" xmlns:r="http://schemas.openxmlformats.org/officeDocument/2006/relationships" xmlns:p="http://schemas.openxmlformats.org/presentationml/2006/main" show="0">
-  <p:cSld>
-    <p:spTree>
-      <p:nvGrpSpPr>
-        <p:cNvPr id="1" name=""/>
-        <p:cNvGrpSpPr/>
-        <p:nvPr/>
-      </p:nvGrpSpPr>
-      <p:grpSpPr>
-        <a:xfrm>
-          <a:off x="0" y="0"/>
-          <a:ext cx="0" cy="0"/>
-          <a:chOff x="0" y="0"/>
-          <a:chExt cx="0" cy="0"/>
-        </a:xfrm>
-      </p:grpSpPr>
-      <p:sp>
-        <p:nvSpPr>
-          <p:cNvPr id="2" name="Title 1">
-            <a:extLst>
-              <a:ext uri="{FF2B5EF4-FFF2-40B4-BE49-F238E27FC236}">
-                <a16:creationId xmlns:a16="http://schemas.microsoft.com/office/drawing/2014/main" id="{A17AA83B-30A5-2E4E-A59B-F3A13C75B3E0}"/>
-              </a:ext>
-            </a:extLst>
-          </p:cNvPr>
-          <p:cNvSpPr>
-            <a:spLocks noGrp="1"/>
-          </p:cNvSpPr>
-          <p:nvPr>
-            <p:ph type="title"/>
-          </p:nvPr>
-        </p:nvSpPr>
-        <p:spPr/>
-        <p:txBody>
-          <a:bodyPr/>
-          <a:lstStyle/>
-          <a:p>
-            <a:r>
-              <a:rPr lang="en-US" dirty="0"/>
-              <a:t>Algorithm Parameters</a:t>
-            </a:r>
-          </a:p>
-        </p:txBody>
-      </p:sp>
-      <p:pic>
-        <p:nvPicPr>
-          <p:cNvPr id="4" name="Content Placeholder 3">
-            <a:extLst>
-              <a:ext uri="{FF2B5EF4-FFF2-40B4-BE49-F238E27FC236}">
-                <a16:creationId xmlns:a16="http://schemas.microsoft.com/office/drawing/2014/main" id="{DC2C39FD-AF15-E14A-8985-186E8B1B7143}"/>
-              </a:ext>
-            </a:extLst>
-          </p:cNvPr>
-          <p:cNvPicPr>
-            <a:picLocks noGrp="1" noChangeAspect="1"/>
-          </p:cNvPicPr>
-          <p:nvPr>
-            <p:ph idx="1"/>
-          </p:nvPr>
-        </p:nvPicPr>
-        <p:blipFill>
-          <a:blip r:embed="rId2"/>
-          <a:stretch>
-            <a:fillRect/>
-          </a:stretch>
-        </p:blipFill>
-        <p:spPr>
-          <a:xfrm>
-            <a:off x="3733800" y="2083594"/>
-            <a:ext cx="4724400" cy="3835400"/>
-          </a:xfrm>
-          <a:prstGeom prst="rect">
-            <a:avLst/>
-          </a:prstGeom>
-        </p:spPr>
-      </p:pic>
-    </p:spTree>
-    <p:extLst>
-      <p:ext uri="{BB962C8B-B14F-4D97-AF65-F5344CB8AC3E}">
-        <p14:creationId xmlns:p14="http://schemas.microsoft.com/office/powerpoint/2010/main" val="827956193"/>
       </p:ext>
     </p:extLst>
   </p:cSld>
@@ -32261,6 +32901,96 @@
 </p:sld>
 </file>
 
+<file path=ppt/slides/slide40.xml><?xml version="1.0" encoding="utf-8"?>
+<p:sld xmlns:a="http://schemas.openxmlformats.org/drawingml/2006/main" xmlns:r="http://schemas.openxmlformats.org/officeDocument/2006/relationships" xmlns:p="http://schemas.openxmlformats.org/presentationml/2006/main" show="0">
+  <p:cSld>
+    <p:spTree>
+      <p:nvGrpSpPr>
+        <p:cNvPr id="1" name=""/>
+        <p:cNvGrpSpPr/>
+        <p:nvPr/>
+      </p:nvGrpSpPr>
+      <p:grpSpPr>
+        <a:xfrm>
+          <a:off x="0" y="0"/>
+          <a:ext cx="0" cy="0"/>
+          <a:chOff x="0" y="0"/>
+          <a:chExt cx="0" cy="0"/>
+        </a:xfrm>
+      </p:grpSpPr>
+      <p:sp>
+        <p:nvSpPr>
+          <p:cNvPr id="2" name="Title 1">
+            <a:extLst>
+              <a:ext uri="{FF2B5EF4-FFF2-40B4-BE49-F238E27FC236}">
+                <a16:creationId xmlns:a16="http://schemas.microsoft.com/office/drawing/2014/main" id="{A17AA83B-30A5-2E4E-A59B-F3A13C75B3E0}"/>
+              </a:ext>
+            </a:extLst>
+          </p:cNvPr>
+          <p:cNvSpPr>
+            <a:spLocks noGrp="1"/>
+          </p:cNvSpPr>
+          <p:nvPr>
+            <p:ph type="title"/>
+          </p:nvPr>
+        </p:nvSpPr>
+        <p:spPr/>
+        <p:txBody>
+          <a:bodyPr/>
+          <a:lstStyle/>
+          <a:p>
+            <a:r>
+              <a:rPr lang="en-US" dirty="0"/>
+              <a:t>Algorithm Parameters</a:t>
+            </a:r>
+          </a:p>
+        </p:txBody>
+      </p:sp>
+      <p:pic>
+        <p:nvPicPr>
+          <p:cNvPr id="4" name="Content Placeholder 3">
+            <a:extLst>
+              <a:ext uri="{FF2B5EF4-FFF2-40B4-BE49-F238E27FC236}">
+                <a16:creationId xmlns:a16="http://schemas.microsoft.com/office/drawing/2014/main" id="{DC2C39FD-AF15-E14A-8985-186E8B1B7143}"/>
+              </a:ext>
+            </a:extLst>
+          </p:cNvPr>
+          <p:cNvPicPr>
+            <a:picLocks noGrp="1" noChangeAspect="1"/>
+          </p:cNvPicPr>
+          <p:nvPr>
+            <p:ph idx="1"/>
+          </p:nvPr>
+        </p:nvPicPr>
+        <p:blipFill>
+          <a:blip r:embed="rId2"/>
+          <a:stretch>
+            <a:fillRect/>
+          </a:stretch>
+        </p:blipFill>
+        <p:spPr>
+          <a:xfrm>
+            <a:off x="3733800" y="2083594"/>
+            <a:ext cx="4724400" cy="3835400"/>
+          </a:xfrm>
+          <a:prstGeom prst="rect">
+            <a:avLst/>
+          </a:prstGeom>
+        </p:spPr>
+      </p:pic>
+    </p:spTree>
+    <p:extLst>
+      <p:ext uri="{BB962C8B-B14F-4D97-AF65-F5344CB8AC3E}">
+        <p14:creationId xmlns:p14="http://schemas.microsoft.com/office/powerpoint/2010/main" val="827956193"/>
+      </p:ext>
+    </p:extLst>
+  </p:cSld>
+  <p:clrMapOvr>
+    <a:masterClrMapping/>
+  </p:clrMapOvr>
+</p:sld>
+</file>
+
 <file path=ppt/slides/slide5.xml><?xml version="1.0" encoding="utf-8"?>
 <p:sld xmlns:a="http://schemas.openxmlformats.org/drawingml/2006/main" xmlns:r="http://schemas.openxmlformats.org/officeDocument/2006/relationships" xmlns:p="http://schemas.openxmlformats.org/presentationml/2006/main">
   <p:cSld>
@@ -32461,7 +33191,7 @@
                 <a:ea typeface="+mj-ea"/>
                 <a:cs typeface="+mj-cs"/>
               </a:rPr>
-              <a:t>Sweep Plots: FPPV VWL</a:t>
+              <a:t>Sweep Plots: FPPV VWL Chip 1</a:t>
             </a:r>
           </a:p>
         </p:txBody>
@@ -32534,6 +33264,224 @@
       </p:grpSpPr>
       <p:sp>
         <p:nvSpPr>
+          <p:cNvPr id="63" name="Rectangle 62">
+            <a:extLst>
+              <a:ext uri="{FF2B5EF4-FFF2-40B4-BE49-F238E27FC236}">
+                <a16:creationId xmlns:a16="http://schemas.microsoft.com/office/drawing/2014/main" id="{6753252F-4873-4F63-801D-CC719279A7D5}"/>
+              </a:ext>
+              <a:ext uri="{C183D7F6-B498-43B3-948B-1728B52AA6E4}">
+                <adec:decorative xmlns:adec="http://schemas.microsoft.com/office/drawing/2017/decorative" val="1"/>
+              </a:ext>
+            </a:extLst>
+          </p:cNvPr>
+          <p:cNvSpPr>
+            <a:spLocks noGrp="1" noRot="1" noChangeAspect="1" noMove="1" noResize="1" noEditPoints="1" noAdjustHandles="1" noChangeArrowheads="1" noChangeShapeType="1" noTextEdit="1"/>
+          </p:cNvSpPr>
+          <p:nvPr>
+            <p:extLst>
+              <p:ext uri="{386F3935-93C4-4BCD-93E2-E3B085C9AB24}">
+                <p16:designElem xmlns:p16="http://schemas.microsoft.com/office/powerpoint/2015/main" val="1"/>
+              </p:ext>
+            </p:extLst>
+          </p:nvPr>
+        </p:nvSpPr>
+        <p:spPr>
+          <a:xfrm>
+            <a:off x="0" y="0"/>
+            <a:ext cx="12192000" cy="6858000"/>
+          </a:xfrm>
+          <a:prstGeom prst="rect">
+            <a:avLst/>
+          </a:prstGeom>
+          <a:solidFill>
+            <a:srgbClr val="FFFFFF"/>
+          </a:solidFill>
+          <a:ln>
+            <a:noFill/>
+          </a:ln>
+        </p:spPr>
+        <p:style>
+          <a:lnRef idx="2">
+            <a:schemeClr val="accent1">
+              <a:shade val="50000"/>
+            </a:schemeClr>
+          </a:lnRef>
+          <a:fillRef idx="1">
+            <a:schemeClr val="accent1"/>
+          </a:fillRef>
+          <a:effectRef idx="0">
+            <a:schemeClr val="accent1"/>
+          </a:effectRef>
+          <a:fontRef idx="minor">
+            <a:schemeClr val="lt1"/>
+          </a:fontRef>
+        </p:style>
+        <p:txBody>
+          <a:bodyPr rtlCol="0" anchor="ctr"/>
+          <a:lstStyle/>
+          <a:p>
+            <a:pPr algn="ctr"/>
+            <a:endParaRPr lang="en-US"/>
+          </a:p>
+        </p:txBody>
+      </p:sp>
+      <p:sp>
+        <p:nvSpPr>
+          <p:cNvPr id="65" name="Rectangle 64">
+            <a:extLst>
+              <a:ext uri="{FF2B5EF4-FFF2-40B4-BE49-F238E27FC236}">
+                <a16:creationId xmlns:a16="http://schemas.microsoft.com/office/drawing/2014/main" id="{047C8CCB-F95D-4249-92DD-651249D3535A}"/>
+              </a:ext>
+              <a:ext uri="{C183D7F6-B498-43B3-948B-1728B52AA6E4}">
+                <adec:decorative xmlns:adec="http://schemas.microsoft.com/office/drawing/2017/decorative" val="1"/>
+              </a:ext>
+            </a:extLst>
+          </p:cNvPr>
+          <p:cNvSpPr>
+            <a:spLocks noGrp="1" noRot="1" noChangeAspect="1" noMove="1" noResize="1" noEditPoints="1" noAdjustHandles="1" noChangeArrowheads="1" noChangeShapeType="1" noTextEdit="1"/>
+          </p:cNvSpPr>
+          <p:nvPr>
+            <p:extLst>
+              <p:ext uri="{386F3935-93C4-4BCD-93E2-E3B085C9AB24}">
+                <p16:designElem xmlns:p16="http://schemas.microsoft.com/office/powerpoint/2015/main" val="1"/>
+              </p:ext>
+            </p:extLst>
+          </p:nvPr>
+        </p:nvSpPr>
+        <p:spPr>
+          <a:xfrm>
+            <a:off x="0" y="0"/>
+            <a:ext cx="2013557" cy="6858000"/>
+          </a:xfrm>
+          <a:prstGeom prst="rect">
+            <a:avLst/>
+          </a:prstGeom>
+          <a:solidFill>
+            <a:srgbClr val="7F7F7F"/>
+          </a:solidFill>
+          <a:ln>
+            <a:noFill/>
+          </a:ln>
+        </p:spPr>
+        <p:style>
+          <a:lnRef idx="2">
+            <a:schemeClr val="accent1">
+              <a:shade val="50000"/>
+            </a:schemeClr>
+          </a:lnRef>
+          <a:fillRef idx="1">
+            <a:schemeClr val="accent1"/>
+          </a:fillRef>
+          <a:effectRef idx="0">
+            <a:schemeClr val="accent1"/>
+          </a:effectRef>
+          <a:fontRef idx="minor">
+            <a:schemeClr val="lt1"/>
+          </a:fontRef>
+        </p:style>
+        <p:txBody>
+          <a:bodyPr rtlCol="0" anchor="ctr"/>
+          <a:lstStyle/>
+          <a:p>
+            <a:pPr algn="ctr"/>
+            <a:endParaRPr lang="en-US"/>
+          </a:p>
+        </p:txBody>
+      </p:sp>
+      <p:sp>
+        <p:nvSpPr>
+          <p:cNvPr id="2" name="Title 1">
+            <a:extLst>
+              <a:ext uri="{FF2B5EF4-FFF2-40B4-BE49-F238E27FC236}">
+                <a16:creationId xmlns:a16="http://schemas.microsoft.com/office/drawing/2014/main" id="{FAEACA96-64F6-BC4F-9132-A1706242999D}"/>
+              </a:ext>
+            </a:extLst>
+          </p:cNvPr>
+          <p:cNvSpPr>
+            <a:spLocks noGrp="1"/>
+          </p:cNvSpPr>
+          <p:nvPr>
+            <p:ph type="title"/>
+          </p:nvPr>
+        </p:nvSpPr>
+        <p:spPr>
+          <a:xfrm>
+            <a:off x="640080" y="2074363"/>
+            <a:ext cx="2752354" cy="2709275"/>
+          </a:xfrm>
+          <a:prstGeom prst="ellipse">
+            <a:avLst/>
+          </a:prstGeom>
+          <a:solidFill>
+            <a:srgbClr val="262626"/>
+          </a:solidFill>
+          <a:ln w="174625" cmpd="thinThick">
+            <a:solidFill>
+              <a:srgbClr val="262626"/>
+            </a:solidFill>
+          </a:ln>
+        </p:spPr>
+        <p:txBody>
+          <a:bodyPr vert="horz" lIns="91440" tIns="45720" rIns="91440" bIns="45720" rtlCol="0" anchor="ctr">
+            <a:normAutofit/>
+          </a:bodyPr>
+          <a:lstStyle/>
+          <a:p>
+            <a:pPr algn="ctr"/>
+            <a:r>
+              <a:rPr lang="en-US" sz="2600" kern="1200" dirty="0">
+                <a:solidFill>
+                  <a:srgbClr val="FFFFFF"/>
+                </a:solidFill>
+                <a:latin typeface="+mj-lt"/>
+                <a:ea typeface="+mj-ea"/>
+                <a:cs typeface="+mj-cs"/>
+              </a:rPr>
+              <a:t>Sweep Plots: FPPV VWL Chip 2</a:t>
+            </a:r>
+          </a:p>
+        </p:txBody>
+      </p:sp>
+    </p:spTree>
+    <p:extLst>
+      <p:ext uri="{BB962C8B-B14F-4D97-AF65-F5344CB8AC3E}">
+        <p14:creationId xmlns:p14="http://schemas.microsoft.com/office/powerpoint/2010/main" val="1354862355"/>
+      </p:ext>
+    </p:extLst>
+  </p:cSld>
+  <p:clrMapOvr>
+    <a:masterClrMapping/>
+  </p:clrMapOvr>
+</p:sld>
+</file>
+
+<file path=ppt/slides/slide7.xml><?xml version="1.0" encoding="utf-8"?>
+<p:sld xmlns:a="http://schemas.openxmlformats.org/drawingml/2006/main" xmlns:r="http://schemas.openxmlformats.org/officeDocument/2006/relationships" xmlns:p="http://schemas.openxmlformats.org/presentationml/2006/main">
+  <p:cSld>
+    <p:bg>
+      <p:bgPr>
+        <a:solidFill>
+          <a:schemeClr val="bg1"/>
+        </a:solidFill>
+        <a:effectLst/>
+      </p:bgPr>
+    </p:bg>
+    <p:spTree>
+      <p:nvGrpSpPr>
+        <p:cNvPr id="1" name=""/>
+        <p:cNvGrpSpPr/>
+        <p:nvPr/>
+      </p:nvGrpSpPr>
+      <p:grpSpPr>
+        <a:xfrm>
+          <a:off x="0" y="0"/>
+          <a:ext cx="0" cy="0"/>
+          <a:chOff x="0" y="0"/>
+          <a:chExt cx="0" cy="0"/>
+        </a:xfrm>
+      </p:grpSpPr>
+      <p:sp>
+        <p:nvSpPr>
           <p:cNvPr id="17" name="Rectangle 16">
             <a:extLst>
               <a:ext uri="{FF2B5EF4-FFF2-40B4-BE49-F238E27FC236}">
@@ -32755,7 +33703,7 @@
 </p:sld>
 </file>
 
-<file path=ppt/slides/slide7.xml><?xml version="1.0" encoding="utf-8"?>
+<file path=ppt/slides/slide8.xml><?xml version="1.0" encoding="utf-8"?>
 <p:sld xmlns:a="http://schemas.openxmlformats.org/drawingml/2006/main" xmlns:r="http://schemas.openxmlformats.org/officeDocument/2006/relationships" xmlns:p="http://schemas.openxmlformats.org/presentationml/2006/main">
   <p:cSld>
     <p:bg>
@@ -33003,7 +33951,7 @@
 </p:sld>
 </file>
 
-<file path=ppt/slides/slide8.xml><?xml version="1.0" encoding="utf-8"?>
+<file path=ppt/slides/slide9.xml><?xml version="1.0" encoding="utf-8"?>
 <p:sld xmlns:a="http://schemas.openxmlformats.org/drawingml/2006/main" xmlns:r="http://schemas.openxmlformats.org/officeDocument/2006/relationships" xmlns:p="http://schemas.openxmlformats.org/presentationml/2006/main">
   <p:cSld>
     <p:bg>
@@ -33240,254 +34188,6 @@
     <p:extLst>
       <p:ext uri="{BB962C8B-B14F-4D97-AF65-F5344CB8AC3E}">
         <p14:creationId xmlns:p14="http://schemas.microsoft.com/office/powerpoint/2010/main" val="1812697610"/>
-      </p:ext>
-    </p:extLst>
-  </p:cSld>
-  <p:clrMapOvr>
-    <a:masterClrMapping/>
-  </p:clrMapOvr>
-</p:sld>
-</file>
-
-<file path=ppt/slides/slide9.xml><?xml version="1.0" encoding="utf-8"?>
-<p:sld xmlns:a="http://schemas.openxmlformats.org/drawingml/2006/main" xmlns:r="http://schemas.openxmlformats.org/officeDocument/2006/relationships" xmlns:p="http://schemas.openxmlformats.org/presentationml/2006/main">
-  <p:cSld>
-    <p:bg>
-      <p:bgPr>
-        <a:solidFill>
-          <a:schemeClr val="bg1"/>
-        </a:solidFill>
-        <a:effectLst/>
-      </p:bgPr>
-    </p:bg>
-    <p:spTree>
-      <p:nvGrpSpPr>
-        <p:cNvPr id="1" name=""/>
-        <p:cNvGrpSpPr/>
-        <p:nvPr/>
-      </p:nvGrpSpPr>
-      <p:grpSpPr>
-        <a:xfrm>
-          <a:off x="0" y="0"/>
-          <a:ext cx="0" cy="0"/>
-          <a:chOff x="0" y="0"/>
-          <a:chExt cx="0" cy="0"/>
-        </a:xfrm>
-      </p:grpSpPr>
-      <p:sp>
-        <p:nvSpPr>
-          <p:cNvPr id="17" name="Rectangle 16">
-            <a:extLst>
-              <a:ext uri="{FF2B5EF4-FFF2-40B4-BE49-F238E27FC236}">
-                <a16:creationId xmlns:a16="http://schemas.microsoft.com/office/drawing/2014/main" id="{6753252F-4873-4F63-801D-CC719279A7D5}"/>
-              </a:ext>
-              <a:ext uri="{C183D7F6-B498-43B3-948B-1728B52AA6E4}">
-                <adec:decorative xmlns:adec="http://schemas.microsoft.com/office/drawing/2017/decorative" val="1"/>
-              </a:ext>
-            </a:extLst>
-          </p:cNvPr>
-          <p:cNvSpPr>
-            <a:spLocks noGrp="1" noRot="1" noChangeAspect="1" noMove="1" noResize="1" noEditPoints="1" noAdjustHandles="1" noChangeArrowheads="1" noChangeShapeType="1" noTextEdit="1"/>
-          </p:cNvSpPr>
-          <p:nvPr>
-            <p:extLst>
-              <p:ext uri="{386F3935-93C4-4BCD-93E2-E3B085C9AB24}">
-                <p16:designElem xmlns:p16="http://schemas.microsoft.com/office/powerpoint/2015/main" val="1"/>
-              </p:ext>
-            </p:extLst>
-          </p:nvPr>
-        </p:nvSpPr>
-        <p:spPr>
-          <a:xfrm>
-            <a:off x="0" y="0"/>
-            <a:ext cx="12192000" cy="6858000"/>
-          </a:xfrm>
-          <a:prstGeom prst="rect">
-            <a:avLst/>
-          </a:prstGeom>
-          <a:solidFill>
-            <a:srgbClr val="FFFFFF"/>
-          </a:solidFill>
-          <a:ln>
-            <a:noFill/>
-          </a:ln>
-        </p:spPr>
-        <p:style>
-          <a:lnRef idx="2">
-            <a:schemeClr val="accent1">
-              <a:shade val="50000"/>
-            </a:schemeClr>
-          </a:lnRef>
-          <a:fillRef idx="1">
-            <a:schemeClr val="accent1"/>
-          </a:fillRef>
-          <a:effectRef idx="0">
-            <a:schemeClr val="accent1"/>
-          </a:effectRef>
-          <a:fontRef idx="minor">
-            <a:schemeClr val="lt1"/>
-          </a:fontRef>
-        </p:style>
-        <p:txBody>
-          <a:bodyPr rtlCol="0" anchor="ctr"/>
-          <a:lstStyle/>
-          <a:p>
-            <a:pPr algn="ctr"/>
-            <a:endParaRPr lang="en-US"/>
-          </a:p>
-        </p:txBody>
-      </p:sp>
-      <p:sp>
-        <p:nvSpPr>
-          <p:cNvPr id="19" name="Rectangle 18">
-            <a:extLst>
-              <a:ext uri="{FF2B5EF4-FFF2-40B4-BE49-F238E27FC236}">
-                <a16:creationId xmlns:a16="http://schemas.microsoft.com/office/drawing/2014/main" id="{047C8CCB-F95D-4249-92DD-651249D3535A}"/>
-              </a:ext>
-              <a:ext uri="{C183D7F6-B498-43B3-948B-1728B52AA6E4}">
-                <adec:decorative xmlns:adec="http://schemas.microsoft.com/office/drawing/2017/decorative" val="1"/>
-              </a:ext>
-            </a:extLst>
-          </p:cNvPr>
-          <p:cNvSpPr>
-            <a:spLocks noGrp="1" noRot="1" noChangeAspect="1" noMove="1" noResize="1" noEditPoints="1" noAdjustHandles="1" noChangeArrowheads="1" noChangeShapeType="1" noTextEdit="1"/>
-          </p:cNvSpPr>
-          <p:nvPr>
-            <p:extLst>
-              <p:ext uri="{386F3935-93C4-4BCD-93E2-E3B085C9AB24}">
-                <p16:designElem xmlns:p16="http://schemas.microsoft.com/office/powerpoint/2015/main" val="1"/>
-              </p:ext>
-            </p:extLst>
-          </p:nvPr>
-        </p:nvSpPr>
-        <p:spPr>
-          <a:xfrm>
-            <a:off x="0" y="0"/>
-            <a:ext cx="2013557" cy="6858000"/>
-          </a:xfrm>
-          <a:prstGeom prst="rect">
-            <a:avLst/>
-          </a:prstGeom>
-          <a:solidFill>
-            <a:srgbClr val="7F7F7F"/>
-          </a:solidFill>
-          <a:ln>
-            <a:noFill/>
-          </a:ln>
-        </p:spPr>
-        <p:style>
-          <a:lnRef idx="2">
-            <a:schemeClr val="accent1">
-              <a:shade val="50000"/>
-            </a:schemeClr>
-          </a:lnRef>
-          <a:fillRef idx="1">
-            <a:schemeClr val="accent1"/>
-          </a:fillRef>
-          <a:effectRef idx="0">
-            <a:schemeClr val="accent1"/>
-          </a:effectRef>
-          <a:fontRef idx="minor">
-            <a:schemeClr val="lt1"/>
-          </a:fontRef>
-        </p:style>
-        <p:txBody>
-          <a:bodyPr rtlCol="0" anchor="ctr"/>
-          <a:lstStyle/>
-          <a:p>
-            <a:pPr algn="ctr"/>
-            <a:endParaRPr lang="en-US"/>
-          </a:p>
-        </p:txBody>
-      </p:sp>
-      <p:sp>
-        <p:nvSpPr>
-          <p:cNvPr id="2" name="Title 1">
-            <a:extLst>
-              <a:ext uri="{FF2B5EF4-FFF2-40B4-BE49-F238E27FC236}">
-                <a16:creationId xmlns:a16="http://schemas.microsoft.com/office/drawing/2014/main" id="{939E9A6E-2BD9-404D-9F1F-84337CD49F52}"/>
-              </a:ext>
-            </a:extLst>
-          </p:cNvPr>
-          <p:cNvSpPr>
-            <a:spLocks noGrp="1"/>
-          </p:cNvSpPr>
-          <p:nvPr>
-            <p:ph type="title"/>
-          </p:nvPr>
-        </p:nvSpPr>
-        <p:spPr>
-          <a:xfrm>
-            <a:off x="640080" y="2074363"/>
-            <a:ext cx="2752354" cy="2709275"/>
-          </a:xfrm>
-          <a:prstGeom prst="ellipse">
-            <a:avLst/>
-          </a:prstGeom>
-          <a:solidFill>
-            <a:srgbClr val="262626"/>
-          </a:solidFill>
-          <a:ln w="174625" cmpd="thinThick">
-            <a:solidFill>
-              <a:srgbClr val="262626"/>
-            </a:solidFill>
-          </a:ln>
-        </p:spPr>
-        <p:txBody>
-          <a:bodyPr vert="horz" lIns="91440" tIns="45720" rIns="91440" bIns="45720" rtlCol="0" anchor="ctr">
-            <a:normAutofit/>
-          </a:bodyPr>
-          <a:lstStyle/>
-          <a:p>
-            <a:pPr algn="ctr"/>
-            <a:r>
-              <a:rPr lang="en-US" sz="2600" kern="1200">
-                <a:solidFill>
-                  <a:srgbClr val="FFFFFF"/>
-                </a:solidFill>
-                <a:latin typeface="+mj-lt"/>
-                <a:ea typeface="+mj-ea"/>
-                <a:cs typeface="+mj-cs"/>
-              </a:rPr>
-              <a:t>Sweep Plots: RESET VSL</a:t>
-            </a:r>
-          </a:p>
-        </p:txBody>
-      </p:sp>
-      <p:pic>
-        <p:nvPicPr>
-          <p:cNvPr id="5" name="Content Placeholder 4">
-            <a:extLst>
-              <a:ext uri="{FF2B5EF4-FFF2-40B4-BE49-F238E27FC236}">
-                <a16:creationId xmlns:a16="http://schemas.microsoft.com/office/drawing/2014/main" id="{AF831959-FF86-3D49-97DF-1E0DDCEDCD32}"/>
-              </a:ext>
-            </a:extLst>
-          </p:cNvPr>
-          <p:cNvPicPr>
-            <a:picLocks noChangeAspect="1"/>
-          </p:cNvPicPr>
-          <p:nvPr/>
-        </p:nvPicPr>
-        <p:blipFill>
-          <a:blip r:embed="rId2"/>
-          <a:stretch>
-            <a:fillRect/>
-          </a:stretch>
-        </p:blipFill>
-        <p:spPr>
-          <a:xfrm>
-            <a:off x="4345375" y="961812"/>
-            <a:ext cx="6574649" cy="4930987"/>
-          </a:xfrm>
-          <a:prstGeom prst="rect">
-            <a:avLst/>
-          </a:prstGeom>
-        </p:spPr>
-      </p:pic>
-    </p:spTree>
-    <p:extLst>
-      <p:ext uri="{BB962C8B-B14F-4D97-AF65-F5344CB8AC3E}">
-        <p14:creationId xmlns:p14="http://schemas.microsoft.com/office/powerpoint/2010/main" val="2697373964"/>
       </p:ext>
     </p:extLst>
   </p:cSld>

--- a/presentations/Updates 8-4-20.pptx
+++ b/presentations/Updates 8-4-20.pptx
@@ -5,7 +5,7 @@
     <p:sldMasterId id="2147483648" r:id="rId1"/>
   </p:sldMasterIdLst>
   <p:notesMasterIdLst>
-    <p:notesMasterId r:id="rId42"/>
+    <p:notesMasterId r:id="rId45"/>
   </p:notesMasterIdLst>
   <p:sldIdLst>
     <p:sldId id="256" r:id="rId2"/>
@@ -13,18 +13,18 @@
     <p:sldId id="271" r:id="rId4"/>
     <p:sldId id="291" r:id="rId5"/>
     <p:sldId id="257" r:id="rId6"/>
-    <p:sldId id="306" r:id="rId7"/>
-    <p:sldId id="285" r:id="rId8"/>
-    <p:sldId id="286" r:id="rId9"/>
-    <p:sldId id="287" r:id="rId10"/>
-    <p:sldId id="288" r:id="rId11"/>
-    <p:sldId id="292" r:id="rId12"/>
-    <p:sldId id="270" r:id="rId13"/>
-    <p:sldId id="261" r:id="rId14"/>
-    <p:sldId id="273" r:id="rId15"/>
-    <p:sldId id="274" r:id="rId16"/>
-    <p:sldId id="278" r:id="rId17"/>
-    <p:sldId id="262" r:id="rId18"/>
+    <p:sldId id="285" r:id="rId7"/>
+    <p:sldId id="286" r:id="rId8"/>
+    <p:sldId id="287" r:id="rId9"/>
+    <p:sldId id="288" r:id="rId10"/>
+    <p:sldId id="292" r:id="rId11"/>
+    <p:sldId id="270" r:id="rId12"/>
+    <p:sldId id="261" r:id="rId13"/>
+    <p:sldId id="273" r:id="rId14"/>
+    <p:sldId id="274" r:id="rId15"/>
+    <p:sldId id="278" r:id="rId16"/>
+    <p:sldId id="262" r:id="rId17"/>
+    <p:sldId id="308" r:id="rId18"/>
     <p:sldId id="269" r:id="rId19"/>
     <p:sldId id="295" r:id="rId20"/>
     <p:sldId id="297" r:id="rId21"/>
@@ -39,15 +39,18 @@
     <p:sldId id="281" r:id="rId30"/>
     <p:sldId id="282" r:id="rId31"/>
     <p:sldId id="264" r:id="rId32"/>
-    <p:sldId id="294" r:id="rId33"/>
-    <p:sldId id="289" r:id="rId34"/>
-    <p:sldId id="299" r:id="rId35"/>
-    <p:sldId id="277" r:id="rId36"/>
-    <p:sldId id="279" r:id="rId37"/>
-    <p:sldId id="272" r:id="rId38"/>
-    <p:sldId id="276" r:id="rId39"/>
-    <p:sldId id="283" r:id="rId40"/>
-    <p:sldId id="284" r:id="rId41"/>
+    <p:sldId id="309" r:id="rId33"/>
+    <p:sldId id="311" r:id="rId34"/>
+    <p:sldId id="294" r:id="rId35"/>
+    <p:sldId id="289" r:id="rId36"/>
+    <p:sldId id="299" r:id="rId37"/>
+    <p:sldId id="310" r:id="rId38"/>
+    <p:sldId id="277" r:id="rId39"/>
+    <p:sldId id="279" r:id="rId40"/>
+    <p:sldId id="272" r:id="rId41"/>
+    <p:sldId id="276" r:id="rId42"/>
+    <p:sldId id="283" r:id="rId43"/>
+    <p:sldId id="284" r:id="rId44"/>
   </p:sldIdLst>
   <p:sldSz cx="12192000" cy="6858000"/>
   <p:notesSz cx="6858000" cy="9144000"/>
@@ -157,7 +160,7 @@
 <file path=ppt/revisionInfo.xml><?xml version="1.0" encoding="utf-8"?>
 <p1510:revInfo xmlns:a="http://schemas.openxmlformats.org/drawingml/2006/main" xmlns:r="http://schemas.openxmlformats.org/officeDocument/2006/relationships" xmlns:p1510="http://schemas.microsoft.com/office/powerpoint/2015/10/main">
   <p1510:revLst>
-    <p1510:client id="{593DE006-A78F-1A44-90CA-63CFD0BF0D77}" v="28" dt="2020-08-10T10:59:55.887"/>
+    <p1510:client id="{593DE006-A78F-1A44-90CA-63CFD0BF0D77}" v="43" dt="2020-08-12T14:02:55.543"/>
   </p1510:revLst>
 </p1510:revInfo>
 </file>
@@ -166,8 +169,8 @@
 <pc:chgInfo xmlns:a="http://schemas.openxmlformats.org/drawingml/2006/main" xmlns:r="http://schemas.openxmlformats.org/officeDocument/2006/relationships" xmlns:ac="http://schemas.microsoft.com/office/drawing/2013/main/command" xmlns:pc="http://schemas.microsoft.com/office/powerpoint/2013/main/command">
   <pc:docChgLst>
     <pc:chgData name="Akash Levy" userId="0f662538-7453-45f3-952a-fc9f1a7c515e" providerId="ADAL" clId="{593DE006-A78F-1A44-90CA-63CFD0BF0D77}"/>
-    <pc:docChg chg="undo custSel mod addSld delSld modSld">
-      <pc:chgData name="Akash Levy" userId="0f662538-7453-45f3-952a-fc9f1a7c515e" providerId="ADAL" clId="{593DE006-A78F-1A44-90CA-63CFD0BF0D77}" dt="2020-08-10T10:59:55.886" v="394" actId="14826"/>
+    <pc:docChg chg="undo redo custSel mod addSld delSld modSld">
+      <pc:chgData name="Akash Levy" userId="0f662538-7453-45f3-952a-fc9f1a7c515e" providerId="ADAL" clId="{593DE006-A78F-1A44-90CA-63CFD0BF0D77}" dt="2020-08-12T14:03:01.807" v="582" actId="20577"/>
       <pc:docMkLst>
         <pc:docMk/>
       </pc:docMkLst>
@@ -201,14 +204,29 @@
           </ac:spMkLst>
         </pc:spChg>
       </pc:sldChg>
+      <pc:sldChg chg="modSp mod modNotesTx">
+        <pc:chgData name="Akash Levy" userId="0f662538-7453-45f3-952a-fc9f1a7c515e" providerId="ADAL" clId="{593DE006-A78F-1A44-90CA-63CFD0BF0D77}" dt="2020-08-12T12:33:26.726" v="545" actId="207"/>
+        <pc:sldMkLst>
+          <pc:docMk/>
+          <pc:sldMk cId="2891184337" sldId="269"/>
+        </pc:sldMkLst>
+        <pc:graphicFrameChg chg="mod modGraphic">
+          <ac:chgData name="Akash Levy" userId="0f662538-7453-45f3-952a-fc9f1a7c515e" providerId="ADAL" clId="{593DE006-A78F-1A44-90CA-63CFD0BF0D77}" dt="2020-08-12T12:33:26.726" v="545" actId="207"/>
+          <ac:graphicFrameMkLst>
+            <pc:docMk/>
+            <pc:sldMk cId="2891184337" sldId="269"/>
+            <ac:graphicFrameMk id="16" creationId="{408DA692-8F4E-8F48-8516-BB1D21B94E8B}"/>
+          </ac:graphicFrameMkLst>
+        </pc:graphicFrameChg>
+      </pc:sldChg>
       <pc:sldChg chg="modSp mod">
-        <pc:chgData name="Akash Levy" userId="0f662538-7453-45f3-952a-fc9f1a7c515e" providerId="ADAL" clId="{593DE006-A78F-1A44-90CA-63CFD0BF0D77}" dt="2020-08-07T03:08:18.195" v="37" actId="12"/>
+        <pc:chgData name="Akash Levy" userId="0f662538-7453-45f3-952a-fc9f1a7c515e" providerId="ADAL" clId="{593DE006-A78F-1A44-90CA-63CFD0BF0D77}" dt="2020-08-12T12:58:24.321" v="553" actId="20577"/>
         <pc:sldMkLst>
           <pc:docMk/>
           <pc:sldMk cId="3025206054" sldId="271"/>
         </pc:sldMkLst>
         <pc:spChg chg="mod">
-          <ac:chgData name="Akash Levy" userId="0f662538-7453-45f3-952a-fc9f1a7c515e" providerId="ADAL" clId="{593DE006-A78F-1A44-90CA-63CFD0BF0D77}" dt="2020-08-07T03:08:18.195" v="37" actId="12"/>
+          <ac:chgData name="Akash Levy" userId="0f662538-7453-45f3-952a-fc9f1a7c515e" providerId="ADAL" clId="{593DE006-A78F-1A44-90CA-63CFD0BF0D77}" dt="2020-08-12T12:58:24.321" v="553" actId="20577"/>
           <ac:spMkLst>
             <pc:docMk/>
             <pc:sldMk cId="3025206054" sldId="271"/>
@@ -405,7 +423,7 @@
         </pc:picChg>
       </pc:sldChg>
       <pc:sldChg chg="addSp delSp modSp add mod setBg delDesignElem">
-        <pc:chgData name="Akash Levy" userId="0f662538-7453-45f3-952a-fc9f1a7c515e" providerId="ADAL" clId="{593DE006-A78F-1A44-90CA-63CFD0BF0D77}" dt="2020-08-10T10:52:05.590" v="388" actId="20577"/>
+        <pc:chgData name="Akash Levy" userId="0f662538-7453-45f3-952a-fc9f1a7c515e" providerId="ADAL" clId="{593DE006-A78F-1A44-90CA-63CFD0BF0D77}" dt="2020-08-10T23:20:10.909" v="414" actId="20577"/>
         <pc:sldMkLst>
           <pc:docMk/>
           <pc:sldMk cId="608987082" sldId="302"/>
@@ -467,7 +485,7 @@
           </ac:spMkLst>
         </pc:spChg>
         <pc:graphicFrameChg chg="mod modGraphic">
-          <ac:chgData name="Akash Levy" userId="0f662538-7453-45f3-952a-fc9f1a7c515e" providerId="ADAL" clId="{593DE006-A78F-1A44-90CA-63CFD0BF0D77}" dt="2020-08-10T10:52:05.590" v="388" actId="20577"/>
+          <ac:chgData name="Akash Levy" userId="0f662538-7453-45f3-952a-fc9f1a7c515e" providerId="ADAL" clId="{593DE006-A78F-1A44-90CA-63CFD0BF0D77}" dt="2020-08-10T23:20:10.909" v="414" actId="20577"/>
           <ac:graphicFrameMkLst>
             <pc:docMk/>
             <pc:sldMk cId="608987082" sldId="302"/>
@@ -610,7 +628,7 @@
         </pc:graphicFrameChg>
       </pc:sldChg>
       <pc:sldChg chg="modSp add mod">
-        <pc:chgData name="Akash Levy" userId="0f662538-7453-45f3-952a-fc9f1a7c515e" providerId="ADAL" clId="{593DE006-A78F-1A44-90CA-63CFD0BF0D77}" dt="2020-08-10T05:43:38.790" v="329" actId="14826"/>
+        <pc:chgData name="Akash Levy" userId="0f662538-7453-45f3-952a-fc9f1a7c515e" providerId="ADAL" clId="{593DE006-A78F-1A44-90CA-63CFD0BF0D77}" dt="2020-08-10T23:18:44.822" v="409" actId="14826"/>
         <pc:sldMkLst>
           <pc:docMk/>
           <pc:sldMk cId="46029948" sldId="305"/>
@@ -624,7 +642,7 @@
           </ac:spMkLst>
         </pc:spChg>
         <pc:picChg chg="mod">
-          <ac:chgData name="Akash Levy" userId="0f662538-7453-45f3-952a-fc9f1a7c515e" providerId="ADAL" clId="{593DE006-A78F-1A44-90CA-63CFD0BF0D77}" dt="2020-08-10T05:43:38.790" v="329" actId="14826"/>
+          <ac:chgData name="Akash Levy" userId="0f662538-7453-45f3-952a-fc9f1a7c515e" providerId="ADAL" clId="{593DE006-A78F-1A44-90CA-63CFD0BF0D77}" dt="2020-08-10T23:18:44.822" v="409" actId="14826"/>
           <ac:picMkLst>
             <pc:docMk/>
             <pc:sldMk cId="46029948" sldId="305"/>
@@ -725,8 +743,8 @@
           </ac:spMkLst>
         </pc:spChg>
       </pc:sldChg>
-      <pc:sldChg chg="delSp modSp add mod">
-        <pc:chgData name="Akash Levy" userId="0f662538-7453-45f3-952a-fc9f1a7c515e" providerId="ADAL" clId="{593DE006-A78F-1A44-90CA-63CFD0BF0D77}" dt="2020-08-10T01:25:14.225" v="328" actId="478"/>
+      <pc:sldChg chg="delSp modSp add del mod">
+        <pc:chgData name="Akash Levy" userId="0f662538-7453-45f3-952a-fc9f1a7c515e" providerId="ADAL" clId="{593DE006-A78F-1A44-90CA-63CFD0BF0D77}" dt="2020-08-12T12:57:50.455" v="546" actId="2696"/>
         <pc:sldMkLst>
           <pc:docMk/>
           <pc:sldMk cId="1354862355" sldId="306"/>
@@ -749,7 +767,7 @@
         </pc:picChg>
       </pc:sldChg>
       <pc:sldChg chg="modSp add mod">
-        <pc:chgData name="Akash Levy" userId="0f662538-7453-45f3-952a-fc9f1a7c515e" providerId="ADAL" clId="{593DE006-A78F-1A44-90CA-63CFD0BF0D77}" dt="2020-08-10T10:59:55.886" v="394" actId="14826"/>
+        <pc:chgData name="Akash Levy" userId="0f662538-7453-45f3-952a-fc9f1a7c515e" providerId="ADAL" clId="{593DE006-A78F-1A44-90CA-63CFD0BF0D77}" dt="2020-08-11T05:12:56.631" v="430" actId="14826"/>
         <pc:sldMkLst>
           <pc:docMk/>
           <pc:sldMk cId="3981811176" sldId="307"/>
@@ -763,13 +781,129 @@
           </ac:spMkLst>
         </pc:spChg>
         <pc:picChg chg="mod">
-          <ac:chgData name="Akash Levy" userId="0f662538-7453-45f3-952a-fc9f1a7c515e" providerId="ADAL" clId="{593DE006-A78F-1A44-90CA-63CFD0BF0D77}" dt="2020-08-10T10:59:55.886" v="394" actId="14826"/>
+          <ac:chgData name="Akash Levy" userId="0f662538-7453-45f3-952a-fc9f1a7c515e" providerId="ADAL" clId="{593DE006-A78F-1A44-90CA-63CFD0BF0D77}" dt="2020-08-11T05:12:56.631" v="430" actId="14826"/>
           <ac:picMkLst>
             <pc:docMk/>
             <pc:sldMk cId="3981811176" sldId="307"/>
             <ac:picMk id="6" creationId="{B9A7FAC3-633F-DC4C-A765-A9F602BD6C78}"/>
           </ac:picMkLst>
         </pc:picChg>
+      </pc:sldChg>
+      <pc:sldChg chg="modSp add mod">
+        <pc:chgData name="Akash Levy" userId="0f662538-7453-45f3-952a-fc9f1a7c515e" providerId="ADAL" clId="{593DE006-A78F-1A44-90CA-63CFD0BF0D77}" dt="2020-08-12T01:08:11.030" v="440" actId="14826"/>
+        <pc:sldMkLst>
+          <pc:docMk/>
+          <pc:sldMk cId="451596560" sldId="308"/>
+        </pc:sldMkLst>
+        <pc:spChg chg="mod">
+          <ac:chgData name="Akash Levy" userId="0f662538-7453-45f3-952a-fc9f1a7c515e" providerId="ADAL" clId="{593DE006-A78F-1A44-90CA-63CFD0BF0D77}" dt="2020-08-12T01:06:43.684" v="438" actId="20577"/>
+          <ac:spMkLst>
+            <pc:docMk/>
+            <pc:sldMk cId="451596560" sldId="308"/>
+            <ac:spMk id="2" creationId="{0DC20D0A-1987-9B4E-A869-51F473A5029A}"/>
+          </ac:spMkLst>
+        </pc:spChg>
+        <pc:picChg chg="mod">
+          <ac:chgData name="Akash Levy" userId="0f662538-7453-45f3-952a-fc9f1a7c515e" providerId="ADAL" clId="{593DE006-A78F-1A44-90CA-63CFD0BF0D77}" dt="2020-08-12T01:08:11.030" v="440" actId="14826"/>
+          <ac:picMkLst>
+            <pc:docMk/>
+            <pc:sldMk cId="451596560" sldId="308"/>
+            <ac:picMk id="6" creationId="{B9A7FAC3-633F-DC4C-A765-A9F602BD6C78}"/>
+          </ac:picMkLst>
+        </pc:picChg>
+      </pc:sldChg>
+      <pc:sldChg chg="addSp delSp modSp add mod">
+        <pc:chgData name="Akash Levy" userId="0f662538-7453-45f3-952a-fc9f1a7c515e" providerId="ADAL" clId="{593DE006-A78F-1A44-90CA-63CFD0BF0D77}" dt="2020-08-12T14:02:40.376" v="556" actId="20577"/>
+        <pc:sldMkLst>
+          <pc:docMk/>
+          <pc:sldMk cId="3297295300" sldId="309"/>
+        </pc:sldMkLst>
+        <pc:spChg chg="mod">
+          <ac:chgData name="Akash Levy" userId="0f662538-7453-45f3-952a-fc9f1a7c515e" providerId="ADAL" clId="{593DE006-A78F-1A44-90CA-63CFD0BF0D77}" dt="2020-08-12T05:24:52.769" v="480" actId="20577"/>
+          <ac:spMkLst>
+            <pc:docMk/>
+            <pc:sldMk cId="3297295300" sldId="309"/>
+            <ac:spMk id="2" creationId="{CA11F7C2-3841-1740-9215-8CC731948CA9}"/>
+          </ac:spMkLst>
+        </pc:spChg>
+        <pc:spChg chg="del">
+          <ac:chgData name="Akash Levy" userId="0f662538-7453-45f3-952a-fc9f1a7c515e" providerId="ADAL" clId="{593DE006-A78F-1A44-90CA-63CFD0BF0D77}" dt="2020-08-12T14:02:30.142" v="554" actId="3680"/>
+          <ac:spMkLst>
+            <pc:docMk/>
+            <pc:sldMk cId="3297295300" sldId="309"/>
+            <ac:spMk id="3" creationId="{7257A919-707E-F441-8594-9AE9459BCE33}"/>
+          </ac:spMkLst>
+        </pc:spChg>
+        <pc:graphicFrameChg chg="add mod modGraphic">
+          <ac:chgData name="Akash Levy" userId="0f662538-7453-45f3-952a-fc9f1a7c515e" providerId="ADAL" clId="{593DE006-A78F-1A44-90CA-63CFD0BF0D77}" dt="2020-08-12T14:02:40.376" v="556" actId="20577"/>
+          <ac:graphicFrameMkLst>
+            <pc:docMk/>
+            <pc:sldMk cId="3297295300" sldId="309"/>
+            <ac:graphicFrameMk id="4" creationId="{E41E63AA-F870-A446-AED6-28F51E960149}"/>
+          </ac:graphicFrameMkLst>
+        </pc:graphicFrameChg>
+      </pc:sldChg>
+      <pc:sldChg chg="addSp delSp modSp add mod setBg">
+        <pc:chgData name="Akash Levy" userId="0f662538-7453-45f3-952a-fc9f1a7c515e" providerId="ADAL" clId="{593DE006-A78F-1A44-90CA-63CFD0BF0D77}" dt="2020-08-12T10:11:53.916" v="509" actId="26606"/>
+        <pc:sldMkLst>
+          <pc:docMk/>
+          <pc:sldMk cId="3132745694" sldId="310"/>
+        </pc:sldMkLst>
+        <pc:spChg chg="mod">
+          <ac:chgData name="Akash Levy" userId="0f662538-7453-45f3-952a-fc9f1a7c515e" providerId="ADAL" clId="{593DE006-A78F-1A44-90CA-63CFD0BF0D77}" dt="2020-08-12T10:11:53.916" v="509" actId="26606"/>
+          <ac:spMkLst>
+            <pc:docMk/>
+            <pc:sldMk cId="3132745694" sldId="310"/>
+            <ac:spMk id="2" creationId="{C8BD63A4-CD6E-3A4C-AD7A-90BCEAB6DB6B}"/>
+          </ac:spMkLst>
+        </pc:spChg>
+        <pc:spChg chg="del">
+          <ac:chgData name="Akash Levy" userId="0f662538-7453-45f3-952a-fc9f1a7c515e" providerId="ADAL" clId="{593DE006-A78F-1A44-90CA-63CFD0BF0D77}" dt="2020-08-12T10:11:10.649" v="508" actId="931"/>
+          <ac:spMkLst>
+            <pc:docMk/>
+            <pc:sldMk cId="3132745694" sldId="310"/>
+            <ac:spMk id="3" creationId="{BDC859E5-9FED-4C4D-83A0-4EC696C25461}"/>
+          </ac:spMkLst>
+        </pc:spChg>
+        <pc:spChg chg="add">
+          <ac:chgData name="Akash Levy" userId="0f662538-7453-45f3-952a-fc9f1a7c515e" providerId="ADAL" clId="{593DE006-A78F-1A44-90CA-63CFD0BF0D77}" dt="2020-08-12T10:11:53.916" v="509" actId="26606"/>
+          <ac:spMkLst>
+            <pc:docMk/>
+            <pc:sldMk cId="3132745694" sldId="310"/>
+            <ac:spMk id="10" creationId="{6753252F-4873-4F63-801D-CC719279A7D5}"/>
+          </ac:spMkLst>
+        </pc:spChg>
+        <pc:spChg chg="add">
+          <ac:chgData name="Akash Levy" userId="0f662538-7453-45f3-952a-fc9f1a7c515e" providerId="ADAL" clId="{593DE006-A78F-1A44-90CA-63CFD0BF0D77}" dt="2020-08-12T10:11:53.916" v="509" actId="26606"/>
+          <ac:spMkLst>
+            <pc:docMk/>
+            <pc:sldMk cId="3132745694" sldId="310"/>
+            <ac:spMk id="12" creationId="{047C8CCB-F95D-4249-92DD-651249D3535A}"/>
+          </ac:spMkLst>
+        </pc:spChg>
+        <pc:picChg chg="add mod">
+          <ac:chgData name="Akash Levy" userId="0f662538-7453-45f3-952a-fc9f1a7c515e" providerId="ADAL" clId="{593DE006-A78F-1A44-90CA-63CFD0BF0D77}" dt="2020-08-12T10:11:53.916" v="509" actId="26606"/>
+          <ac:picMkLst>
+            <pc:docMk/>
+            <pc:sldMk cId="3132745694" sldId="310"/>
+            <ac:picMk id="5" creationId="{348CD901-59EC-0343-8AA4-85640EB1213B}"/>
+          </ac:picMkLst>
+        </pc:picChg>
+      </pc:sldChg>
+      <pc:sldChg chg="modSp add mod">
+        <pc:chgData name="Akash Levy" userId="0f662538-7453-45f3-952a-fc9f1a7c515e" providerId="ADAL" clId="{593DE006-A78F-1A44-90CA-63CFD0BF0D77}" dt="2020-08-12T14:03:01.807" v="582" actId="20577"/>
+        <pc:sldMkLst>
+          <pc:docMk/>
+          <pc:sldMk cId="1533393798" sldId="311"/>
+        </pc:sldMkLst>
+        <pc:spChg chg="mod">
+          <ac:chgData name="Akash Levy" userId="0f662538-7453-45f3-952a-fc9f1a7c515e" providerId="ADAL" clId="{593DE006-A78F-1A44-90CA-63CFD0BF0D77}" dt="2020-08-12T14:03:01.807" v="582" actId="20577"/>
+          <ac:spMkLst>
+            <pc:docMk/>
+            <pc:sldMk cId="1533393798" sldId="311"/>
+            <ac:spMk id="2" creationId="{A2BDDA34-E8B0-024E-AD8F-AA2DF3DCE644}"/>
+          </ac:spMkLst>
+        </pc:spChg>
       </pc:sldChg>
     </pc:docChg>
   </pc:docChgLst>
@@ -5345,7 +5479,7 @@
           <a:p>
             <a:fld id="{C6F3DA7C-EC83-4247-A7C9-512D14D879DF}" type="slidenum">
               <a:rPr lang="en-US" smtClean="0"/>
-              <a:t>17</a:t>
+              <a:t>16</a:t>
             </a:fld>
             <a:endParaRPr lang="en-US"/>
           </a:p>
@@ -5429,6 +5563,93 @@
           <a:p>
             <a:fld id="{C6F3DA7C-EC83-4247-A7C9-512D14D879DF}" type="slidenum">
               <a:rPr lang="en-US" smtClean="0"/>
+              <a:t>17</a:t>
+            </a:fld>
+            <a:endParaRPr lang="en-US"/>
+          </a:p>
+        </p:txBody>
+      </p:sp>
+    </p:spTree>
+    <p:extLst>
+      <p:ext uri="{BB962C8B-B14F-4D97-AF65-F5344CB8AC3E}">
+        <p14:creationId xmlns:p14="http://schemas.microsoft.com/office/powerpoint/2010/main" val="838409900"/>
+      </p:ext>
+    </p:extLst>
+  </p:cSld>
+  <p:clrMapOvr>
+    <a:masterClrMapping/>
+  </p:clrMapOvr>
+</p:notes>
+</file>
+
+<file path=ppt/notesSlides/notesSlide4.xml><?xml version="1.0" encoding="utf-8"?>
+<p:notes xmlns:a="http://schemas.openxmlformats.org/drawingml/2006/main" xmlns:r="http://schemas.openxmlformats.org/officeDocument/2006/relationships" xmlns:p="http://schemas.openxmlformats.org/presentationml/2006/main">
+  <p:cSld>
+    <p:spTree>
+      <p:nvGrpSpPr>
+        <p:cNvPr id="1" name=""/>
+        <p:cNvGrpSpPr/>
+        <p:nvPr/>
+      </p:nvGrpSpPr>
+      <p:grpSpPr>
+        <a:xfrm>
+          <a:off x="0" y="0"/>
+          <a:ext cx="0" cy="0"/>
+          <a:chOff x="0" y="0"/>
+          <a:chExt cx="0" cy="0"/>
+        </a:xfrm>
+      </p:grpSpPr>
+      <p:sp>
+        <p:nvSpPr>
+          <p:cNvPr id="2" name="Slide Image Placeholder 1"/>
+          <p:cNvSpPr>
+            <a:spLocks noGrp="1" noRot="1" noChangeAspect="1"/>
+          </p:cNvSpPr>
+          <p:nvPr>
+            <p:ph type="sldImg"/>
+          </p:nvPr>
+        </p:nvSpPr>
+        <p:spPr/>
+      </p:sp>
+      <p:sp>
+        <p:nvSpPr>
+          <p:cNvPr id="3" name="Notes Placeholder 2"/>
+          <p:cNvSpPr>
+            <a:spLocks noGrp="1"/>
+          </p:cNvSpPr>
+          <p:nvPr>
+            <p:ph type="body" idx="1"/>
+          </p:nvPr>
+        </p:nvSpPr>
+        <p:spPr/>
+        <p:txBody>
+          <a:bodyPr/>
+          <a:lstStyle/>
+          <a:p>
+            <a:r>
+              <a:rPr lang="en-US" dirty="0"/>
+              <a:t>92.95 for chip 2 ISPP</a:t>
+            </a:r>
+          </a:p>
+        </p:txBody>
+      </p:sp>
+      <p:sp>
+        <p:nvSpPr>
+          <p:cNvPr id="4" name="Slide Number Placeholder 3"/>
+          <p:cNvSpPr>
+            <a:spLocks noGrp="1"/>
+          </p:cNvSpPr>
+          <p:nvPr>
+            <p:ph type="sldNum" sz="quarter" idx="5"/>
+          </p:nvPr>
+        </p:nvSpPr>
+        <p:spPr/>
+        <p:txBody>
+          <a:bodyPr/>
+          <a:lstStyle/>
+          <a:p>
+            <a:fld id="{C6F3DA7C-EC83-4247-A7C9-512D14D879DF}" type="slidenum">
+              <a:rPr lang="en-US" smtClean="0"/>
               <a:t>18</a:t>
             </a:fld>
             <a:endParaRPr lang="en-US"/>
@@ -5448,7 +5669,7 @@
 </p:notes>
 </file>
 
-<file path=ppt/notesSlides/notesSlide4.xml><?xml version="1.0" encoding="utf-8"?>
+<file path=ppt/notesSlides/notesSlide5.xml><?xml version="1.0" encoding="utf-8"?>
 <p:notes xmlns:a="http://schemas.openxmlformats.org/drawingml/2006/main" xmlns:r="http://schemas.openxmlformats.org/officeDocument/2006/relationships" xmlns:p="http://schemas.openxmlformats.org/presentationml/2006/main">
   <p:cSld>
     <p:spTree>
@@ -5592,7 +5813,7 @@
 </p:notes>
 </file>
 
-<file path=ppt/notesSlides/notesSlide5.xml><?xml version="1.0" encoding="utf-8"?>
+<file path=ppt/notesSlides/notesSlide6.xml><?xml version="1.0" encoding="utf-8"?>
 <p:notes xmlns:a="http://schemas.openxmlformats.org/drawingml/2006/main" xmlns:r="http://schemas.openxmlformats.org/officeDocument/2006/relationships" xmlns:p="http://schemas.openxmlformats.org/presentationml/2006/main">
   <p:cSld>
     <p:spTree>
@@ -5736,7 +5957,7 @@
 </p:notes>
 </file>
 
-<file path=ppt/notesSlides/notesSlide6.xml><?xml version="1.0" encoding="utf-8"?>
+<file path=ppt/notesSlides/notesSlide7.xml><?xml version="1.0" encoding="utf-8"?>
 <p:notes xmlns:a="http://schemas.openxmlformats.org/drawingml/2006/main" xmlns:r="http://schemas.openxmlformats.org/officeDocument/2006/relationships" xmlns:p="http://schemas.openxmlformats.org/presentationml/2006/main">
   <p:cSld>
     <p:spTree>
@@ -5820,7 +6041,7 @@
 </p:notes>
 </file>
 
-<file path=ppt/notesSlides/notesSlide7.xml><?xml version="1.0" encoding="utf-8"?>
+<file path=ppt/notesSlides/notesSlide8.xml><?xml version="1.0" encoding="utf-8"?>
 <p:notes xmlns:a="http://schemas.openxmlformats.org/drawingml/2006/main" xmlns:r="http://schemas.openxmlformats.org/officeDocument/2006/relationships" xmlns:p="http://schemas.openxmlformats.org/presentationml/2006/main">
   <p:cSld>
     <p:spTree>
@@ -5904,7 +6125,7 @@
 </p:notes>
 </file>
 
-<file path=ppt/notesSlides/notesSlide8.xml><?xml version="1.0" encoding="utf-8"?>
+<file path=ppt/notesSlides/notesSlide9.xml><?xml version="1.0" encoding="utf-8"?>
 <p:notes xmlns:a="http://schemas.openxmlformats.org/drawingml/2006/main" xmlns:r="http://schemas.openxmlformats.org/officeDocument/2006/relationships" xmlns:p="http://schemas.openxmlformats.org/presentationml/2006/main">
   <p:cSld>
     <p:spTree>
@@ -5969,7 +6190,7 @@
           <a:p>
             <a:fld id="{C6F3DA7C-EC83-4247-A7C9-512D14D879DF}" type="slidenum">
               <a:rPr lang="en-US" smtClean="0"/>
-              <a:t>35</a:t>
+              <a:t>38</a:t>
             </a:fld>
             <a:endParaRPr lang="en-US"/>
           </a:p>
@@ -9513,254 +9734,6 @@
           <a:chExt cx="0" cy="0"/>
         </a:xfrm>
       </p:grpSpPr>
-      <p:sp>
-        <p:nvSpPr>
-          <p:cNvPr id="17" name="Rectangle 16">
-            <a:extLst>
-              <a:ext uri="{FF2B5EF4-FFF2-40B4-BE49-F238E27FC236}">
-                <a16:creationId xmlns:a16="http://schemas.microsoft.com/office/drawing/2014/main" id="{6753252F-4873-4F63-801D-CC719279A7D5}"/>
-              </a:ext>
-              <a:ext uri="{C183D7F6-B498-43B3-948B-1728B52AA6E4}">
-                <adec:decorative xmlns:adec="http://schemas.microsoft.com/office/drawing/2017/decorative" val="1"/>
-              </a:ext>
-            </a:extLst>
-          </p:cNvPr>
-          <p:cNvSpPr>
-            <a:spLocks noGrp="1" noRot="1" noChangeAspect="1" noMove="1" noResize="1" noEditPoints="1" noAdjustHandles="1" noChangeArrowheads="1" noChangeShapeType="1" noTextEdit="1"/>
-          </p:cNvSpPr>
-          <p:nvPr>
-            <p:extLst>
-              <p:ext uri="{386F3935-93C4-4BCD-93E2-E3B085C9AB24}">
-                <p16:designElem xmlns:p16="http://schemas.microsoft.com/office/powerpoint/2015/main" val="1"/>
-              </p:ext>
-            </p:extLst>
-          </p:nvPr>
-        </p:nvSpPr>
-        <p:spPr>
-          <a:xfrm>
-            <a:off x="0" y="0"/>
-            <a:ext cx="12192000" cy="6858000"/>
-          </a:xfrm>
-          <a:prstGeom prst="rect">
-            <a:avLst/>
-          </a:prstGeom>
-          <a:solidFill>
-            <a:srgbClr val="FFFFFF"/>
-          </a:solidFill>
-          <a:ln>
-            <a:noFill/>
-          </a:ln>
-        </p:spPr>
-        <p:style>
-          <a:lnRef idx="2">
-            <a:schemeClr val="accent1">
-              <a:shade val="50000"/>
-            </a:schemeClr>
-          </a:lnRef>
-          <a:fillRef idx="1">
-            <a:schemeClr val="accent1"/>
-          </a:fillRef>
-          <a:effectRef idx="0">
-            <a:schemeClr val="accent1"/>
-          </a:effectRef>
-          <a:fontRef idx="minor">
-            <a:schemeClr val="lt1"/>
-          </a:fontRef>
-        </p:style>
-        <p:txBody>
-          <a:bodyPr rtlCol="0" anchor="ctr"/>
-          <a:lstStyle/>
-          <a:p>
-            <a:pPr algn="ctr"/>
-            <a:endParaRPr lang="en-US"/>
-          </a:p>
-        </p:txBody>
-      </p:sp>
-      <p:sp>
-        <p:nvSpPr>
-          <p:cNvPr id="19" name="Rectangle 18">
-            <a:extLst>
-              <a:ext uri="{FF2B5EF4-FFF2-40B4-BE49-F238E27FC236}">
-                <a16:creationId xmlns:a16="http://schemas.microsoft.com/office/drawing/2014/main" id="{047C8CCB-F95D-4249-92DD-651249D3535A}"/>
-              </a:ext>
-              <a:ext uri="{C183D7F6-B498-43B3-948B-1728B52AA6E4}">
-                <adec:decorative xmlns:adec="http://schemas.microsoft.com/office/drawing/2017/decorative" val="1"/>
-              </a:ext>
-            </a:extLst>
-          </p:cNvPr>
-          <p:cNvSpPr>
-            <a:spLocks noGrp="1" noRot="1" noChangeAspect="1" noMove="1" noResize="1" noEditPoints="1" noAdjustHandles="1" noChangeArrowheads="1" noChangeShapeType="1" noTextEdit="1"/>
-          </p:cNvSpPr>
-          <p:nvPr>
-            <p:extLst>
-              <p:ext uri="{386F3935-93C4-4BCD-93E2-E3B085C9AB24}">
-                <p16:designElem xmlns:p16="http://schemas.microsoft.com/office/powerpoint/2015/main" val="1"/>
-              </p:ext>
-            </p:extLst>
-          </p:nvPr>
-        </p:nvSpPr>
-        <p:spPr>
-          <a:xfrm>
-            <a:off x="0" y="0"/>
-            <a:ext cx="2013557" cy="6858000"/>
-          </a:xfrm>
-          <a:prstGeom prst="rect">
-            <a:avLst/>
-          </a:prstGeom>
-          <a:solidFill>
-            <a:srgbClr val="7F7F7F"/>
-          </a:solidFill>
-          <a:ln>
-            <a:noFill/>
-          </a:ln>
-        </p:spPr>
-        <p:style>
-          <a:lnRef idx="2">
-            <a:schemeClr val="accent1">
-              <a:shade val="50000"/>
-            </a:schemeClr>
-          </a:lnRef>
-          <a:fillRef idx="1">
-            <a:schemeClr val="accent1"/>
-          </a:fillRef>
-          <a:effectRef idx="0">
-            <a:schemeClr val="accent1"/>
-          </a:effectRef>
-          <a:fontRef idx="minor">
-            <a:schemeClr val="lt1"/>
-          </a:fontRef>
-        </p:style>
-        <p:txBody>
-          <a:bodyPr rtlCol="0" anchor="ctr"/>
-          <a:lstStyle/>
-          <a:p>
-            <a:pPr algn="ctr"/>
-            <a:endParaRPr lang="en-US"/>
-          </a:p>
-        </p:txBody>
-      </p:sp>
-      <p:sp>
-        <p:nvSpPr>
-          <p:cNvPr id="2" name="Title 1">
-            <a:extLst>
-              <a:ext uri="{FF2B5EF4-FFF2-40B4-BE49-F238E27FC236}">
-                <a16:creationId xmlns:a16="http://schemas.microsoft.com/office/drawing/2014/main" id="{939E9A6E-2BD9-404D-9F1F-84337CD49F52}"/>
-              </a:ext>
-            </a:extLst>
-          </p:cNvPr>
-          <p:cNvSpPr>
-            <a:spLocks noGrp="1"/>
-          </p:cNvSpPr>
-          <p:nvPr>
-            <p:ph type="title"/>
-          </p:nvPr>
-        </p:nvSpPr>
-        <p:spPr>
-          <a:xfrm>
-            <a:off x="640080" y="2074363"/>
-            <a:ext cx="2752354" cy="2709275"/>
-          </a:xfrm>
-          <a:prstGeom prst="ellipse">
-            <a:avLst/>
-          </a:prstGeom>
-          <a:solidFill>
-            <a:srgbClr val="262626"/>
-          </a:solidFill>
-          <a:ln w="174625" cmpd="thinThick">
-            <a:solidFill>
-              <a:srgbClr val="262626"/>
-            </a:solidFill>
-          </a:ln>
-        </p:spPr>
-        <p:txBody>
-          <a:bodyPr vert="horz" lIns="91440" tIns="45720" rIns="91440" bIns="45720" rtlCol="0" anchor="ctr">
-            <a:normAutofit/>
-          </a:bodyPr>
-          <a:lstStyle/>
-          <a:p>
-            <a:pPr algn="ctr"/>
-            <a:r>
-              <a:rPr lang="en-US" sz="2600" kern="1200">
-                <a:solidFill>
-                  <a:srgbClr val="FFFFFF"/>
-                </a:solidFill>
-                <a:latin typeface="+mj-lt"/>
-                <a:ea typeface="+mj-ea"/>
-                <a:cs typeface="+mj-cs"/>
-              </a:rPr>
-              <a:t>Sweep Plots: RESET VSL</a:t>
-            </a:r>
-          </a:p>
-        </p:txBody>
-      </p:sp>
-      <p:pic>
-        <p:nvPicPr>
-          <p:cNvPr id="5" name="Content Placeholder 4">
-            <a:extLst>
-              <a:ext uri="{FF2B5EF4-FFF2-40B4-BE49-F238E27FC236}">
-                <a16:creationId xmlns:a16="http://schemas.microsoft.com/office/drawing/2014/main" id="{AF831959-FF86-3D49-97DF-1E0DDCEDCD32}"/>
-              </a:ext>
-            </a:extLst>
-          </p:cNvPr>
-          <p:cNvPicPr>
-            <a:picLocks noChangeAspect="1"/>
-          </p:cNvPicPr>
-          <p:nvPr/>
-        </p:nvPicPr>
-        <p:blipFill>
-          <a:blip r:embed="rId2"/>
-          <a:stretch>
-            <a:fillRect/>
-          </a:stretch>
-        </p:blipFill>
-        <p:spPr>
-          <a:xfrm>
-            <a:off x="4345375" y="961812"/>
-            <a:ext cx="6574649" cy="4930987"/>
-          </a:xfrm>
-          <a:prstGeom prst="rect">
-            <a:avLst/>
-          </a:prstGeom>
-        </p:spPr>
-      </p:pic>
-    </p:spTree>
-    <p:extLst>
-      <p:ext uri="{BB962C8B-B14F-4D97-AF65-F5344CB8AC3E}">
-        <p14:creationId xmlns:p14="http://schemas.microsoft.com/office/powerpoint/2010/main" val="2697373964"/>
-      </p:ext>
-    </p:extLst>
-  </p:cSld>
-  <p:clrMapOvr>
-    <a:masterClrMapping/>
-  </p:clrMapOvr>
-</p:sld>
-</file>
-
-<file path=ppt/slides/slide11.xml><?xml version="1.0" encoding="utf-8"?>
-<p:sld xmlns:a="http://schemas.openxmlformats.org/drawingml/2006/main" xmlns:r="http://schemas.openxmlformats.org/officeDocument/2006/relationships" xmlns:p="http://schemas.openxmlformats.org/presentationml/2006/main">
-  <p:cSld>
-    <p:bg>
-      <p:bgPr>
-        <a:solidFill>
-          <a:schemeClr val="bg1"/>
-        </a:solidFill>
-        <a:effectLst/>
-      </p:bgPr>
-    </p:bg>
-    <p:spTree>
-      <p:nvGrpSpPr>
-        <p:cNvPr id="1" name=""/>
-        <p:cNvGrpSpPr/>
-        <p:nvPr/>
-      </p:nvGrpSpPr>
-      <p:grpSpPr>
-        <a:xfrm>
-          <a:off x="0" y="0"/>
-          <a:ext cx="0" cy="0"/>
-          <a:chOff x="0" y="0"/>
-          <a:chExt cx="0" cy="0"/>
-        </a:xfrm>
-      </p:grpSpPr>
       <p:sp useBgFill="1">
         <p:nvSpPr>
           <p:cNvPr id="9" name="Rectangle 8">
@@ -10176,7 +10149,7 @@
 </p:sld>
 </file>
 
-<file path=ppt/slides/slide12.xml><?xml version="1.0" encoding="utf-8"?>
+<file path=ppt/slides/slide11.xml><?xml version="1.0" encoding="utf-8"?>
 <p:sld xmlns:a="http://schemas.openxmlformats.org/drawingml/2006/main" xmlns:r="http://schemas.openxmlformats.org/officeDocument/2006/relationships" xmlns:p="http://schemas.openxmlformats.org/presentationml/2006/main">
   <p:cSld>
     <p:bg>
@@ -12775,7 +12748,7 @@
 </p:sld>
 </file>
 
-<file path=ppt/slides/slide13.xml><?xml version="1.0" encoding="utf-8"?>
+<file path=ppt/slides/slide12.xml><?xml version="1.0" encoding="utf-8"?>
 <p:sld xmlns:a="http://schemas.openxmlformats.org/drawingml/2006/main" xmlns:r="http://schemas.openxmlformats.org/officeDocument/2006/relationships" xmlns:p="http://schemas.openxmlformats.org/presentationml/2006/main">
   <p:cSld>
     <p:bg>
@@ -13046,7 +13019,7 @@
 </p:sld>
 </file>
 
-<file path=ppt/slides/slide14.xml><?xml version="1.0" encoding="utf-8"?>
+<file path=ppt/slides/slide13.xml><?xml version="1.0" encoding="utf-8"?>
 <p:sld xmlns:a="http://schemas.openxmlformats.org/drawingml/2006/main" xmlns:r="http://schemas.openxmlformats.org/officeDocument/2006/relationships" xmlns:p="http://schemas.openxmlformats.org/presentationml/2006/main">
   <p:cSld>
     <p:bg>
@@ -13293,7 +13266,7 @@
 </p:sld>
 </file>
 
-<file path=ppt/slides/slide15.xml><?xml version="1.0" encoding="utf-8"?>
+<file path=ppt/slides/slide14.xml><?xml version="1.0" encoding="utf-8"?>
 <p:sld xmlns:a="http://schemas.openxmlformats.org/drawingml/2006/main" xmlns:r="http://schemas.openxmlformats.org/officeDocument/2006/relationships" xmlns:p="http://schemas.openxmlformats.org/presentationml/2006/main">
   <p:cSld>
     <p:bg>
@@ -13540,7 +13513,7 @@
 </p:sld>
 </file>
 
-<file path=ppt/slides/slide16.xml><?xml version="1.0" encoding="utf-8"?>
+<file path=ppt/slides/slide15.xml><?xml version="1.0" encoding="utf-8"?>
 <p:sld xmlns:a="http://schemas.openxmlformats.org/drawingml/2006/main" xmlns:r="http://schemas.openxmlformats.org/officeDocument/2006/relationships" xmlns:p="http://schemas.openxmlformats.org/presentationml/2006/main">
   <p:cSld>
     <p:bg>
@@ -15914,7 +15887,7 @@
 </p:sld>
 </file>
 
-<file path=ppt/slides/slide17.xml><?xml version="1.0" encoding="utf-8"?>
+<file path=ppt/slides/slide16.xml><?xml version="1.0" encoding="utf-8"?>
 <p:sld xmlns:a="http://schemas.openxmlformats.org/drawingml/2006/main" xmlns:r="http://schemas.openxmlformats.org/officeDocument/2006/relationships" xmlns:p="http://schemas.openxmlformats.org/presentationml/2006/main">
   <p:cSld>
     <p:bg>
@@ -16152,6 +16125,253 @@
     <p:extLst>
       <p:ext uri="{BB962C8B-B14F-4D97-AF65-F5344CB8AC3E}">
         <p14:creationId xmlns:p14="http://schemas.microsoft.com/office/powerpoint/2010/main" val="2254662136"/>
+      </p:ext>
+    </p:extLst>
+  </p:cSld>
+  <p:clrMapOvr>
+    <a:masterClrMapping/>
+  </p:clrMapOvr>
+</p:sld>
+</file>
+
+<file path=ppt/slides/slide17.xml><?xml version="1.0" encoding="utf-8"?>
+<p:sld xmlns:a="http://schemas.openxmlformats.org/drawingml/2006/main" xmlns:r="http://schemas.openxmlformats.org/officeDocument/2006/relationships" xmlns:p="http://schemas.openxmlformats.org/presentationml/2006/main">
+  <p:cSld>
+    <p:bg>
+      <p:bgPr>
+        <a:solidFill>
+          <a:schemeClr val="bg1"/>
+        </a:solidFill>
+        <a:effectLst/>
+      </p:bgPr>
+    </p:bg>
+    <p:spTree>
+      <p:nvGrpSpPr>
+        <p:cNvPr id="1" name=""/>
+        <p:cNvGrpSpPr/>
+        <p:nvPr/>
+      </p:nvGrpSpPr>
+      <p:grpSpPr>
+        <a:xfrm>
+          <a:off x="0" y="0"/>
+          <a:ext cx="0" cy="0"/>
+          <a:chOff x="0" y="0"/>
+          <a:chExt cx="0" cy="0"/>
+        </a:xfrm>
+      </p:grpSpPr>
+      <p:sp>
+        <p:nvSpPr>
+          <p:cNvPr id="37" name="Rectangle 36">
+            <a:extLst>
+              <a:ext uri="{FF2B5EF4-FFF2-40B4-BE49-F238E27FC236}">
+                <a16:creationId xmlns:a16="http://schemas.microsoft.com/office/drawing/2014/main" id="{6753252F-4873-4F63-801D-CC719279A7D5}"/>
+              </a:ext>
+              <a:ext uri="{C183D7F6-B498-43B3-948B-1728B52AA6E4}">
+                <adec:decorative xmlns:adec="http://schemas.microsoft.com/office/drawing/2017/decorative" val="1"/>
+              </a:ext>
+            </a:extLst>
+          </p:cNvPr>
+          <p:cNvSpPr>
+            <a:spLocks noGrp="1" noRot="1" noChangeAspect="1" noMove="1" noResize="1" noEditPoints="1" noAdjustHandles="1" noChangeArrowheads="1" noChangeShapeType="1" noTextEdit="1"/>
+          </p:cNvSpPr>
+          <p:nvPr>
+            <p:extLst>
+              <p:ext uri="{386F3935-93C4-4BCD-93E2-E3B085C9AB24}">
+                <p16:designElem xmlns:p16="http://schemas.microsoft.com/office/powerpoint/2015/main" val="1"/>
+              </p:ext>
+            </p:extLst>
+          </p:nvPr>
+        </p:nvSpPr>
+        <p:spPr>
+          <a:xfrm>
+            <a:off x="0" y="0"/>
+            <a:ext cx="12192000" cy="6858000"/>
+          </a:xfrm>
+          <a:prstGeom prst="rect">
+            <a:avLst/>
+          </a:prstGeom>
+          <a:solidFill>
+            <a:srgbClr val="FFFFFF"/>
+          </a:solidFill>
+          <a:ln>
+            <a:noFill/>
+          </a:ln>
+        </p:spPr>
+        <p:style>
+          <a:lnRef idx="2">
+            <a:schemeClr val="accent1">
+              <a:shade val="50000"/>
+            </a:schemeClr>
+          </a:lnRef>
+          <a:fillRef idx="1">
+            <a:schemeClr val="accent1"/>
+          </a:fillRef>
+          <a:effectRef idx="0">
+            <a:schemeClr val="accent1"/>
+          </a:effectRef>
+          <a:fontRef idx="minor">
+            <a:schemeClr val="lt1"/>
+          </a:fontRef>
+        </p:style>
+        <p:txBody>
+          <a:bodyPr rtlCol="0" anchor="ctr"/>
+          <a:lstStyle/>
+          <a:p>
+            <a:pPr algn="ctr"/>
+            <a:endParaRPr lang="en-US"/>
+          </a:p>
+        </p:txBody>
+      </p:sp>
+      <p:sp>
+        <p:nvSpPr>
+          <p:cNvPr id="39" name="Rectangle 38">
+            <a:extLst>
+              <a:ext uri="{FF2B5EF4-FFF2-40B4-BE49-F238E27FC236}">
+                <a16:creationId xmlns:a16="http://schemas.microsoft.com/office/drawing/2014/main" id="{047C8CCB-F95D-4249-92DD-651249D3535A}"/>
+              </a:ext>
+              <a:ext uri="{C183D7F6-B498-43B3-948B-1728B52AA6E4}">
+                <adec:decorative xmlns:adec="http://schemas.microsoft.com/office/drawing/2017/decorative" val="1"/>
+              </a:ext>
+            </a:extLst>
+          </p:cNvPr>
+          <p:cNvSpPr>
+            <a:spLocks noGrp="1" noRot="1" noChangeAspect="1" noMove="1" noResize="1" noEditPoints="1" noAdjustHandles="1" noChangeArrowheads="1" noChangeShapeType="1" noTextEdit="1"/>
+          </p:cNvSpPr>
+          <p:nvPr>
+            <p:extLst>
+              <p:ext uri="{386F3935-93C4-4BCD-93E2-E3B085C9AB24}">
+                <p16:designElem xmlns:p16="http://schemas.microsoft.com/office/powerpoint/2015/main" val="1"/>
+              </p:ext>
+            </p:extLst>
+          </p:nvPr>
+        </p:nvSpPr>
+        <p:spPr>
+          <a:xfrm>
+            <a:off x="0" y="0"/>
+            <a:ext cx="2013557" cy="6858000"/>
+          </a:xfrm>
+          <a:prstGeom prst="rect">
+            <a:avLst/>
+          </a:prstGeom>
+          <a:solidFill>
+            <a:srgbClr val="7F7F7F"/>
+          </a:solidFill>
+          <a:ln>
+            <a:noFill/>
+          </a:ln>
+        </p:spPr>
+        <p:style>
+          <a:lnRef idx="2">
+            <a:schemeClr val="accent1">
+              <a:shade val="50000"/>
+            </a:schemeClr>
+          </a:lnRef>
+          <a:fillRef idx="1">
+            <a:schemeClr val="accent1"/>
+          </a:fillRef>
+          <a:effectRef idx="0">
+            <a:schemeClr val="accent1"/>
+          </a:effectRef>
+          <a:fontRef idx="minor">
+            <a:schemeClr val="lt1"/>
+          </a:fontRef>
+        </p:style>
+        <p:txBody>
+          <a:bodyPr rtlCol="0" anchor="ctr"/>
+          <a:lstStyle/>
+          <a:p>
+            <a:pPr algn="ctr"/>
+            <a:endParaRPr lang="en-US"/>
+          </a:p>
+        </p:txBody>
+      </p:sp>
+      <p:sp>
+        <p:nvSpPr>
+          <p:cNvPr id="2" name="Title 1">
+            <a:extLst>
+              <a:ext uri="{FF2B5EF4-FFF2-40B4-BE49-F238E27FC236}">
+                <a16:creationId xmlns:a16="http://schemas.microsoft.com/office/drawing/2014/main" id="{0DC20D0A-1987-9B4E-A869-51F473A5029A}"/>
+              </a:ext>
+            </a:extLst>
+          </p:cNvPr>
+          <p:cNvSpPr>
+            <a:spLocks noGrp="1"/>
+          </p:cNvSpPr>
+          <p:nvPr>
+            <p:ph type="title"/>
+          </p:nvPr>
+        </p:nvSpPr>
+        <p:spPr>
+          <a:xfrm>
+            <a:off x="640080" y="2074363"/>
+            <a:ext cx="2752354" cy="2709275"/>
+          </a:xfrm>
+          <a:prstGeom prst="ellipse">
+            <a:avLst/>
+          </a:prstGeom>
+          <a:solidFill>
+            <a:srgbClr val="262626"/>
+          </a:solidFill>
+          <a:ln w="174625" cmpd="thinThick">
+            <a:solidFill>
+              <a:srgbClr val="262626"/>
+            </a:solidFill>
+          </a:ln>
+        </p:spPr>
+        <p:txBody>
+          <a:bodyPr vert="horz" lIns="91440" tIns="45720" rIns="91440" bIns="45720" rtlCol="0" anchor="ctr">
+            <a:normAutofit/>
+          </a:bodyPr>
+          <a:lstStyle/>
+          <a:p>
+            <a:pPr algn="ctr"/>
+            <a:r>
+              <a:rPr lang="en-US" sz="2600" kern="1200" dirty="0">
+                <a:solidFill>
+                  <a:srgbClr val="FFFFFF"/>
+                </a:solidFill>
+                <a:latin typeface="+mj-lt"/>
+                <a:ea typeface="+mj-ea"/>
+                <a:cs typeface="+mj-cs"/>
+              </a:rPr>
+              <a:t>Algorithm evaluation on 4 WLs: chip 2</a:t>
+            </a:r>
+          </a:p>
+        </p:txBody>
+      </p:sp>
+      <p:pic>
+        <p:nvPicPr>
+          <p:cNvPr id="6" name="Content Placeholder 5">
+            <a:extLst>
+              <a:ext uri="{FF2B5EF4-FFF2-40B4-BE49-F238E27FC236}">
+                <a16:creationId xmlns:a16="http://schemas.microsoft.com/office/drawing/2014/main" id="{B9A7FAC3-633F-DC4C-A765-A9F602BD6C78}"/>
+              </a:ext>
+            </a:extLst>
+          </p:cNvPr>
+          <p:cNvPicPr>
+            <a:picLocks noChangeAspect="1"/>
+          </p:cNvPicPr>
+          <p:nvPr/>
+        </p:nvPicPr>
+        <p:blipFill>
+          <a:blip r:embed="rId3"/>
+          <a:srcRect/>
+          <a:stretch/>
+        </p:blipFill>
+        <p:spPr>
+          <a:xfrm>
+            <a:off x="4345376" y="1367654"/>
+            <a:ext cx="6574647" cy="4119301"/>
+          </a:xfrm>
+          <a:prstGeom prst="rect">
+            <a:avLst/>
+          </a:prstGeom>
+        </p:spPr>
+      </p:pic>
+    </p:spTree>
+    <p:extLst>
+      <p:ext uri="{BB962C8B-B14F-4D97-AF65-F5344CB8AC3E}">
+        <p14:creationId xmlns:p14="http://schemas.microsoft.com/office/powerpoint/2010/main" val="451596560"/>
       </p:ext>
     </p:extLst>
   </p:cSld>
@@ -16389,7 +16609,7 @@
           <p:nvPr>
             <p:extLst>
               <p:ext uri="{D42A27DB-BD31-4B8C-83A1-F6EECF244321}">
-                <p14:modId xmlns:p14="http://schemas.microsoft.com/office/powerpoint/2010/main" val="4079835604"/>
+                <p14:modId xmlns:p14="http://schemas.microsoft.com/office/powerpoint/2010/main" val="2370790977"/>
               </p:ext>
             </p:extLst>
           </p:nvPr>
@@ -17244,7 +17464,7 @@
                             <a:schemeClr val="tx1"/>
                           </a:solidFill>
                         </a:rPr>
-                        <a:t>TODO</a:t>
+                        <a:t>35.88</a:t>
                       </a:r>
                     </a:p>
                   </a:txBody>
@@ -17311,7 +17531,7 @@
                             <a:schemeClr val="tx1"/>
                           </a:solidFill>
                         </a:rPr>
-                        <a:t>TODO</a:t>
+                        <a:t>&gt;90</a:t>
                       </a:r>
                     </a:p>
                   </a:txBody>
@@ -17375,10 +17595,10 @@
                       <a:r>
                         <a:rPr lang="en-US" sz="2600" cap="none" spc="0" dirty="0">
                           <a:solidFill>
-                            <a:schemeClr val="tx1"/>
+                            <a:srgbClr val="FF0000"/>
                           </a:solidFill>
                         </a:rPr>
-                        <a:t>TODO</a:t>
+                        <a:t>&gt;90</a:t>
                       </a:r>
                     </a:p>
                   </a:txBody>
@@ -17769,7 +17989,7 @@
                     <a:lstStyle/>
                     <a:p>
                       <a:r>
-                        <a:rPr lang="en-US" sz="2600" cap="none" spc="0">
+                        <a:rPr lang="en-US" sz="2600" cap="none" spc="0" dirty="0">
                           <a:solidFill>
                             <a:schemeClr val="tx1"/>
                           </a:solidFill>
@@ -17905,7 +18125,7 @@
                       <a:r>
                         <a:rPr lang="en-US" sz="2600" cap="none" spc="0" dirty="0">
                           <a:solidFill>
-                            <a:schemeClr val="tx1"/>
+                            <a:srgbClr val="FF0000"/>
                           </a:solidFill>
                         </a:rPr>
                         <a:t>TODO</a:t>
@@ -17972,10 +18192,10 @@
                       <a:r>
                         <a:rPr lang="en-US" sz="2600" cap="none" spc="0" dirty="0">
                           <a:solidFill>
-                            <a:schemeClr val="tx1"/>
+                            <a:srgbClr val="FF0000"/>
                           </a:solidFill>
                         </a:rPr>
-                        <a:t>TODO</a:t>
+                        <a:t>&gt;90</a:t>
                       </a:r>
                     </a:p>
                   </a:txBody>
@@ -18039,10 +18259,10 @@
                       <a:r>
                         <a:rPr lang="en-US" sz="2600" cap="none" spc="0" dirty="0">
                           <a:solidFill>
-                            <a:schemeClr val="tx1"/>
+                            <a:srgbClr val="FF0000"/>
                           </a:solidFill>
                         </a:rPr>
-                        <a:t>TODO</a:t>
+                        <a:t>&gt;90</a:t>
                       </a:r>
                     </a:p>
                   </a:txBody>
@@ -23685,7 +23905,7 @@
           <p:nvPr>
             <p:extLst>
               <p:ext uri="{D42A27DB-BD31-4B8C-83A1-F6EECF244321}">
-                <p14:modId xmlns:p14="http://schemas.microsoft.com/office/powerpoint/2010/main" val="1560705595"/>
+                <p14:modId xmlns:p14="http://schemas.microsoft.com/office/powerpoint/2010/main" val="402697792"/>
               </p:ext>
             </p:extLst>
           </p:nvPr>
@@ -24157,7 +24377,7 @@
                     <a:lstStyle/>
                     <a:p>
                       <a:r>
-                        <a:rPr lang="en-US" sz="2600" cap="none" spc="0">
+                        <a:rPr lang="en-US" sz="2600" cap="none" spc="0" dirty="0">
                           <a:solidFill>
                             <a:schemeClr val="tx1"/>
                           </a:solidFill>
@@ -24689,7 +24909,7 @@
                             <a:schemeClr val="tx1"/>
                           </a:solidFill>
                         </a:rPr>
-                        <a:t>&gt;25</a:t>
+                        <a:t>16.83</a:t>
                       </a:r>
                     </a:p>
                   </a:txBody>
@@ -25229,18 +25449,13 @@
                     <a:lstStyle/>
                     <a:p>
                       <a:r>
-                        <a:rPr lang="en-US" sz="2600" cap="none" spc="0">
+                        <a:rPr lang="en-US" sz="2600" cap="none" spc="0" dirty="0">
                           <a:solidFill>
                             <a:schemeClr val="tx1"/>
                           </a:solidFill>
                         </a:rPr>
-                        <a:t>TODO</a:t>
+                        <a:t>9.39</a:t>
                       </a:r>
-                      <a:endParaRPr lang="en-US" sz="2600" cap="none" spc="0" dirty="0">
-                        <a:solidFill>
-                          <a:schemeClr val="tx1"/>
-                        </a:solidFill>
-                      </a:endParaRPr>
                     </a:p>
                   </a:txBody>
                   <a:tcPr marL="220027" marR="163524" marT="169253" marB="169253">
@@ -25306,7 +25521,7 @@
                             <a:schemeClr val="tx1"/>
                           </a:solidFill>
                         </a:rPr>
-                        <a:t>TODO</a:t>
+                        <a:t>&gt;25</a:t>
                       </a:r>
                     </a:p>
                   </a:txBody>
@@ -25373,7 +25588,7 @@
                             <a:schemeClr val="tx1"/>
                           </a:solidFill>
                         </a:rPr>
-                        <a:t>TODO</a:t>
+                        <a:t>&gt;25</a:t>
                       </a:r>
                     </a:p>
                   </a:txBody>
@@ -26747,6 +26962,10 @@
             </a:r>
           </a:p>
           <a:p>
+            <a:pPr>
+              <a:buFont typeface="Wingdings" pitchFamily="2" charset="2"/>
+              <a:buChar char="ü"/>
+            </a:pPr>
             <a:r>
               <a:rPr lang="en-US" sz="1500" dirty="0"/>
               <a:t>Chip 2</a:t>
@@ -27284,6 +27503,333 @@
 </file>
 
 <file path=ppt/slides/slide32.xml><?xml version="1.0" encoding="utf-8"?>
+<p:sld xmlns:a="http://schemas.openxmlformats.org/drawingml/2006/main" xmlns:r="http://schemas.openxmlformats.org/officeDocument/2006/relationships" xmlns:p="http://schemas.openxmlformats.org/presentationml/2006/main">
+  <p:cSld>
+    <p:spTree>
+      <p:nvGrpSpPr>
+        <p:cNvPr id="1" name=""/>
+        <p:cNvGrpSpPr/>
+        <p:nvPr/>
+      </p:nvGrpSpPr>
+      <p:grpSpPr>
+        <a:xfrm>
+          <a:off x="0" y="0"/>
+          <a:ext cx="0" cy="0"/>
+          <a:chOff x="0" y="0"/>
+          <a:chExt cx="0" cy="0"/>
+        </a:xfrm>
+      </p:grpSpPr>
+      <p:sp>
+        <p:nvSpPr>
+          <p:cNvPr id="2" name="Title 1">
+            <a:extLst>
+              <a:ext uri="{FF2B5EF4-FFF2-40B4-BE49-F238E27FC236}">
+                <a16:creationId xmlns:a16="http://schemas.microsoft.com/office/drawing/2014/main" id="{CA11F7C2-3841-1740-9215-8CC731948CA9}"/>
+              </a:ext>
+            </a:extLst>
+          </p:cNvPr>
+          <p:cNvSpPr>
+            <a:spLocks noGrp="1"/>
+          </p:cNvSpPr>
+          <p:nvPr>
+            <p:ph type="title"/>
+          </p:nvPr>
+        </p:nvSpPr>
+        <p:spPr/>
+        <p:txBody>
+          <a:bodyPr/>
+          <a:lstStyle/>
+          <a:p>
+            <a:r>
+              <a:rPr lang="en-US" dirty="0"/>
+              <a:t>Comparison Table</a:t>
+            </a:r>
+          </a:p>
+        </p:txBody>
+      </p:sp>
+      <p:graphicFrame>
+        <p:nvGraphicFramePr>
+          <p:cNvPr id="4" name="Content Placeholder 3">
+            <a:extLst>
+              <a:ext uri="{FF2B5EF4-FFF2-40B4-BE49-F238E27FC236}">
+                <a16:creationId xmlns:a16="http://schemas.microsoft.com/office/drawing/2014/main" id="{E41E63AA-F870-A446-AED6-28F51E960149}"/>
+              </a:ext>
+            </a:extLst>
+          </p:cNvPr>
+          <p:cNvGraphicFramePr>
+            <a:graphicFrameLocks noGrp="1"/>
+          </p:cNvGraphicFramePr>
+          <p:nvPr>
+            <p:ph idx="1"/>
+            <p:extLst>
+              <p:ext uri="{D42A27DB-BD31-4B8C-83A1-F6EECF244321}">
+                <p14:modId xmlns:p14="http://schemas.microsoft.com/office/powerpoint/2010/main" val="2664171858"/>
+              </p:ext>
+            </p:extLst>
+          </p:nvPr>
+        </p:nvGraphicFramePr>
+        <p:xfrm>
+          <a:off x="838200" y="1825625"/>
+          <a:ext cx="10515600" cy="741680"/>
+        </p:xfrm>
+        <a:graphic>
+          <a:graphicData uri="http://schemas.openxmlformats.org/drawingml/2006/table">
+            <a:tbl>
+              <a:tblPr firstRow="1" bandRow="1">
+                <a:tableStyleId>{5C22544A-7EE6-4342-B048-85BDC9FD1C3A}</a:tableStyleId>
+              </a:tblPr>
+              <a:tblGrid>
+                <a:gridCol w="2103120">
+                  <a:extLst>
+                    <a:ext uri="{9D8B030D-6E8A-4147-A177-3AD203B41FA5}">
+                      <a16:colId xmlns:a16="http://schemas.microsoft.com/office/drawing/2014/main" val="2942958380"/>
+                    </a:ext>
+                  </a:extLst>
+                </a:gridCol>
+                <a:gridCol w="2103120">
+                  <a:extLst>
+                    <a:ext uri="{9D8B030D-6E8A-4147-A177-3AD203B41FA5}">
+                      <a16:colId xmlns:a16="http://schemas.microsoft.com/office/drawing/2014/main" val="2047399589"/>
+                    </a:ext>
+                  </a:extLst>
+                </a:gridCol>
+                <a:gridCol w="2103120">
+                  <a:extLst>
+                    <a:ext uri="{9D8B030D-6E8A-4147-A177-3AD203B41FA5}">
+                      <a16:colId xmlns:a16="http://schemas.microsoft.com/office/drawing/2014/main" val="2674457514"/>
+                    </a:ext>
+                  </a:extLst>
+                </a:gridCol>
+                <a:gridCol w="2103120">
+                  <a:extLst>
+                    <a:ext uri="{9D8B030D-6E8A-4147-A177-3AD203B41FA5}">
+                      <a16:colId xmlns:a16="http://schemas.microsoft.com/office/drawing/2014/main" val="2162607969"/>
+                    </a:ext>
+                  </a:extLst>
+                </a:gridCol>
+                <a:gridCol w="2103120">
+                  <a:extLst>
+                    <a:ext uri="{9D8B030D-6E8A-4147-A177-3AD203B41FA5}">
+                      <a16:colId xmlns:a16="http://schemas.microsoft.com/office/drawing/2014/main" val="2942171251"/>
+                    </a:ext>
+                  </a:extLst>
+                </a:gridCol>
+              </a:tblGrid>
+              <a:tr h="370840">
+                <a:tc>
+                  <a:txBody>
+                    <a:bodyPr/>
+                    <a:lstStyle/>
+                    <a:p>
+                      <a:endParaRPr lang="en-US" dirty="0"/>
+                    </a:p>
+                  </a:txBody>
+                  <a:tcPr/>
+                </a:tc>
+                <a:tc>
+                  <a:txBody>
+                    <a:bodyPr/>
+                    <a:lstStyle/>
+                    <a:p>
+                      <a:endParaRPr lang="en-US"/>
+                    </a:p>
+                  </a:txBody>
+                  <a:tcPr/>
+                </a:tc>
+                <a:tc>
+                  <a:txBody>
+                    <a:bodyPr/>
+                    <a:lstStyle/>
+                    <a:p>
+                      <a:endParaRPr lang="en-US"/>
+                    </a:p>
+                  </a:txBody>
+                  <a:tcPr/>
+                </a:tc>
+                <a:tc>
+                  <a:txBody>
+                    <a:bodyPr/>
+                    <a:lstStyle/>
+                    <a:p>
+                      <a:endParaRPr lang="en-US"/>
+                    </a:p>
+                  </a:txBody>
+                  <a:tcPr/>
+                </a:tc>
+                <a:tc>
+                  <a:txBody>
+                    <a:bodyPr/>
+                    <a:lstStyle/>
+                    <a:p>
+                      <a:endParaRPr lang="en-US"/>
+                    </a:p>
+                  </a:txBody>
+                  <a:tcPr/>
+                </a:tc>
+                <a:extLst>
+                  <a:ext uri="{0D108BD9-81ED-4DB2-BD59-A6C34878D82A}">
+                    <a16:rowId xmlns:a16="http://schemas.microsoft.com/office/drawing/2014/main" val="2422510566"/>
+                  </a:ext>
+                </a:extLst>
+              </a:tr>
+              <a:tr h="370840">
+                <a:tc>
+                  <a:txBody>
+                    <a:bodyPr/>
+                    <a:lstStyle/>
+                    <a:p>
+                      <a:endParaRPr lang="en-US"/>
+                    </a:p>
+                  </a:txBody>
+                  <a:tcPr/>
+                </a:tc>
+                <a:tc>
+                  <a:txBody>
+                    <a:bodyPr/>
+                    <a:lstStyle/>
+                    <a:p>
+                      <a:endParaRPr lang="en-US"/>
+                    </a:p>
+                  </a:txBody>
+                  <a:tcPr/>
+                </a:tc>
+                <a:tc>
+                  <a:txBody>
+                    <a:bodyPr/>
+                    <a:lstStyle/>
+                    <a:p>
+                      <a:endParaRPr lang="en-US"/>
+                    </a:p>
+                  </a:txBody>
+                  <a:tcPr/>
+                </a:tc>
+                <a:tc>
+                  <a:txBody>
+                    <a:bodyPr/>
+                    <a:lstStyle/>
+                    <a:p>
+                      <a:endParaRPr lang="en-US"/>
+                    </a:p>
+                  </a:txBody>
+                  <a:tcPr/>
+                </a:tc>
+                <a:tc>
+                  <a:txBody>
+                    <a:bodyPr/>
+                    <a:lstStyle/>
+                    <a:p>
+                      <a:endParaRPr lang="en-US"/>
+                    </a:p>
+                  </a:txBody>
+                  <a:tcPr/>
+                </a:tc>
+                <a:extLst>
+                  <a:ext uri="{0D108BD9-81ED-4DB2-BD59-A6C34878D82A}">
+                    <a16:rowId xmlns:a16="http://schemas.microsoft.com/office/drawing/2014/main" val="760437705"/>
+                  </a:ext>
+                </a:extLst>
+              </a:tr>
+            </a:tbl>
+          </a:graphicData>
+        </a:graphic>
+      </p:graphicFrame>
+    </p:spTree>
+    <p:extLst>
+      <p:ext uri="{BB962C8B-B14F-4D97-AF65-F5344CB8AC3E}">
+        <p14:creationId xmlns:p14="http://schemas.microsoft.com/office/powerpoint/2010/main" val="3297295300"/>
+      </p:ext>
+    </p:extLst>
+  </p:cSld>
+  <p:clrMapOvr>
+    <a:masterClrMapping/>
+  </p:clrMapOvr>
+</p:sld>
+</file>
+
+<file path=ppt/slides/slide33.xml><?xml version="1.0" encoding="utf-8"?>
+<p:sld xmlns:a="http://schemas.openxmlformats.org/drawingml/2006/main" xmlns:r="http://schemas.openxmlformats.org/officeDocument/2006/relationships" xmlns:p="http://schemas.openxmlformats.org/presentationml/2006/main">
+  <p:cSld>
+    <p:spTree>
+      <p:nvGrpSpPr>
+        <p:cNvPr id="1" name=""/>
+        <p:cNvGrpSpPr/>
+        <p:nvPr/>
+      </p:nvGrpSpPr>
+      <p:grpSpPr>
+        <a:xfrm>
+          <a:off x="0" y="0"/>
+          <a:ext cx="0" cy="0"/>
+          <a:chOff x="0" y="0"/>
+          <a:chExt cx="0" cy="0"/>
+        </a:xfrm>
+      </p:grpSpPr>
+      <p:sp>
+        <p:nvSpPr>
+          <p:cNvPr id="2" name="Title 1">
+            <a:extLst>
+              <a:ext uri="{FF2B5EF4-FFF2-40B4-BE49-F238E27FC236}">
+                <a16:creationId xmlns:a16="http://schemas.microsoft.com/office/drawing/2014/main" id="{A2BDDA34-E8B0-024E-AD8F-AA2DF3DCE644}"/>
+              </a:ext>
+            </a:extLst>
+          </p:cNvPr>
+          <p:cNvSpPr>
+            <a:spLocks noGrp="1"/>
+          </p:cNvSpPr>
+          <p:nvPr>
+            <p:ph type="title"/>
+          </p:nvPr>
+        </p:nvSpPr>
+        <p:spPr/>
+        <p:txBody>
+          <a:bodyPr/>
+          <a:lstStyle/>
+          <a:p>
+            <a:r>
+              <a:rPr lang="en-US" dirty="0"/>
+              <a:t>Comparison References</a:t>
+            </a:r>
+          </a:p>
+        </p:txBody>
+      </p:sp>
+      <p:sp>
+        <p:nvSpPr>
+          <p:cNvPr id="3" name="Content Placeholder 2">
+            <a:extLst>
+              <a:ext uri="{FF2B5EF4-FFF2-40B4-BE49-F238E27FC236}">
+                <a16:creationId xmlns:a16="http://schemas.microsoft.com/office/drawing/2014/main" id="{37EBC3F8-9C56-3048-A2C7-443980180490}"/>
+              </a:ext>
+            </a:extLst>
+          </p:cNvPr>
+          <p:cNvSpPr>
+            <a:spLocks noGrp="1"/>
+          </p:cNvSpPr>
+          <p:nvPr>
+            <p:ph idx="1"/>
+          </p:nvPr>
+        </p:nvSpPr>
+        <p:spPr/>
+        <p:txBody>
+          <a:bodyPr/>
+          <a:lstStyle/>
+          <a:p>
+            <a:endParaRPr lang="en-US"/>
+          </a:p>
+        </p:txBody>
+      </p:sp>
+    </p:spTree>
+    <p:extLst>
+      <p:ext uri="{BB962C8B-B14F-4D97-AF65-F5344CB8AC3E}">
+        <p14:creationId xmlns:p14="http://schemas.microsoft.com/office/powerpoint/2010/main" val="1533393798"/>
+      </p:ext>
+    </p:extLst>
+  </p:cSld>
+  <p:clrMapOvr>
+    <a:masterClrMapping/>
+  </p:clrMapOvr>
+</p:sld>
+</file>
+
+<file path=ppt/slides/slide34.xml><?xml version="1.0" encoding="utf-8"?>
 <p:sld xmlns:a="http://schemas.openxmlformats.org/drawingml/2006/main" xmlns:r="http://schemas.openxmlformats.org/officeDocument/2006/relationships" xmlns:p="http://schemas.openxmlformats.org/presentationml/2006/main">
   <p:cSld>
     <p:bg>
@@ -27723,7 +28269,7 @@
 </p:sld>
 </file>
 
-<file path=ppt/slides/slide33.xml><?xml version="1.0" encoding="utf-8"?>
+<file path=ppt/slides/slide35.xml><?xml version="1.0" encoding="utf-8"?>
 <p:sld xmlns:a="http://schemas.openxmlformats.org/drawingml/2006/main" xmlns:r="http://schemas.openxmlformats.org/officeDocument/2006/relationships" xmlns:p="http://schemas.openxmlformats.org/presentationml/2006/main">
   <p:cSld>
     <p:bg>
@@ -30186,7 +30732,7 @@
 </p:sld>
 </file>
 
-<file path=ppt/slides/slide34.xml><?xml version="1.0" encoding="utf-8"?>
+<file path=ppt/slides/slide36.xml><?xml version="1.0" encoding="utf-8"?>
 <p:sld xmlns:a="http://schemas.openxmlformats.org/drawingml/2006/main" xmlns:r="http://schemas.openxmlformats.org/officeDocument/2006/relationships" xmlns:p="http://schemas.openxmlformats.org/presentationml/2006/main">
   <p:cSld>
     <p:bg>
@@ -31562,7 +32108,257 @@
 </p:sld>
 </file>
 
-<file path=ppt/slides/slide35.xml><?xml version="1.0" encoding="utf-8"?>
+<file path=ppt/slides/slide37.xml><?xml version="1.0" encoding="utf-8"?>
+<p:sld xmlns:a="http://schemas.openxmlformats.org/drawingml/2006/main" xmlns:r="http://schemas.openxmlformats.org/officeDocument/2006/relationships" xmlns:p="http://schemas.openxmlformats.org/presentationml/2006/main">
+  <p:cSld>
+    <p:bg>
+      <p:bgPr>
+        <a:solidFill>
+          <a:schemeClr val="bg1"/>
+        </a:solidFill>
+        <a:effectLst/>
+      </p:bgPr>
+    </p:bg>
+    <p:spTree>
+      <p:nvGrpSpPr>
+        <p:cNvPr id="1" name=""/>
+        <p:cNvGrpSpPr/>
+        <p:nvPr/>
+      </p:nvGrpSpPr>
+      <p:grpSpPr>
+        <a:xfrm>
+          <a:off x="0" y="0"/>
+          <a:ext cx="0" cy="0"/>
+          <a:chOff x="0" y="0"/>
+          <a:chExt cx="0" cy="0"/>
+        </a:xfrm>
+      </p:grpSpPr>
+      <p:sp>
+        <p:nvSpPr>
+          <p:cNvPr id="10" name="Rectangle 9">
+            <a:extLst>
+              <a:ext uri="{FF2B5EF4-FFF2-40B4-BE49-F238E27FC236}">
+                <a16:creationId xmlns:a16="http://schemas.microsoft.com/office/drawing/2014/main" id="{6753252F-4873-4F63-801D-CC719279A7D5}"/>
+              </a:ext>
+              <a:ext uri="{C183D7F6-B498-43B3-948B-1728B52AA6E4}">
+                <adec:decorative xmlns:adec="http://schemas.microsoft.com/office/drawing/2017/decorative" val="1"/>
+              </a:ext>
+            </a:extLst>
+          </p:cNvPr>
+          <p:cNvSpPr>
+            <a:spLocks noGrp="1" noRot="1" noChangeAspect="1" noMove="1" noResize="1" noEditPoints="1" noAdjustHandles="1" noChangeArrowheads="1" noChangeShapeType="1" noTextEdit="1"/>
+          </p:cNvSpPr>
+          <p:nvPr>
+            <p:extLst>
+              <p:ext uri="{386F3935-93C4-4BCD-93E2-E3B085C9AB24}">
+                <p16:designElem xmlns:p16="http://schemas.microsoft.com/office/powerpoint/2015/main" val="1"/>
+              </p:ext>
+            </p:extLst>
+          </p:nvPr>
+        </p:nvSpPr>
+        <p:spPr>
+          <a:xfrm>
+            <a:off x="0" y="0"/>
+            <a:ext cx="12192000" cy="6858000"/>
+          </a:xfrm>
+          <a:prstGeom prst="rect">
+            <a:avLst/>
+          </a:prstGeom>
+          <a:solidFill>
+            <a:srgbClr val="FFFFFF"/>
+          </a:solidFill>
+          <a:ln>
+            <a:noFill/>
+          </a:ln>
+        </p:spPr>
+        <p:style>
+          <a:lnRef idx="2">
+            <a:schemeClr val="accent1">
+              <a:shade val="50000"/>
+            </a:schemeClr>
+          </a:lnRef>
+          <a:fillRef idx="1">
+            <a:schemeClr val="accent1"/>
+          </a:fillRef>
+          <a:effectRef idx="0">
+            <a:schemeClr val="accent1"/>
+          </a:effectRef>
+          <a:fontRef idx="minor">
+            <a:schemeClr val="lt1"/>
+          </a:fontRef>
+        </p:style>
+        <p:txBody>
+          <a:bodyPr rtlCol="0" anchor="ctr"/>
+          <a:lstStyle/>
+          <a:p>
+            <a:pPr algn="ctr"/>
+            <a:endParaRPr lang="en-US"/>
+          </a:p>
+        </p:txBody>
+      </p:sp>
+      <p:sp>
+        <p:nvSpPr>
+          <p:cNvPr id="12" name="Rectangle 11">
+            <a:extLst>
+              <a:ext uri="{FF2B5EF4-FFF2-40B4-BE49-F238E27FC236}">
+                <a16:creationId xmlns:a16="http://schemas.microsoft.com/office/drawing/2014/main" id="{047C8CCB-F95D-4249-92DD-651249D3535A}"/>
+              </a:ext>
+              <a:ext uri="{C183D7F6-B498-43B3-948B-1728B52AA6E4}">
+                <adec:decorative xmlns:adec="http://schemas.microsoft.com/office/drawing/2017/decorative" val="1"/>
+              </a:ext>
+            </a:extLst>
+          </p:cNvPr>
+          <p:cNvSpPr>
+            <a:spLocks noGrp="1" noRot="1" noChangeAspect="1" noMove="1" noResize="1" noEditPoints="1" noAdjustHandles="1" noChangeArrowheads="1" noChangeShapeType="1" noTextEdit="1"/>
+          </p:cNvSpPr>
+          <p:nvPr>
+            <p:extLst>
+              <p:ext uri="{386F3935-93C4-4BCD-93E2-E3B085C9AB24}">
+                <p16:designElem xmlns:p16="http://schemas.microsoft.com/office/powerpoint/2015/main" val="1"/>
+              </p:ext>
+            </p:extLst>
+          </p:nvPr>
+        </p:nvSpPr>
+        <p:spPr>
+          <a:xfrm>
+            <a:off x="0" y="0"/>
+            <a:ext cx="2013557" cy="6858000"/>
+          </a:xfrm>
+          <a:prstGeom prst="rect">
+            <a:avLst/>
+          </a:prstGeom>
+          <a:solidFill>
+            <a:srgbClr val="7F7F7F"/>
+          </a:solidFill>
+          <a:ln>
+            <a:noFill/>
+          </a:ln>
+        </p:spPr>
+        <p:style>
+          <a:lnRef idx="2">
+            <a:schemeClr val="accent1">
+              <a:shade val="50000"/>
+            </a:schemeClr>
+          </a:lnRef>
+          <a:fillRef idx="1">
+            <a:schemeClr val="accent1"/>
+          </a:fillRef>
+          <a:effectRef idx="0">
+            <a:schemeClr val="accent1"/>
+          </a:effectRef>
+          <a:fontRef idx="minor">
+            <a:schemeClr val="lt1"/>
+          </a:fontRef>
+        </p:style>
+        <p:txBody>
+          <a:bodyPr rtlCol="0" anchor="ctr"/>
+          <a:lstStyle/>
+          <a:p>
+            <a:pPr algn="ctr"/>
+            <a:endParaRPr lang="en-US"/>
+          </a:p>
+        </p:txBody>
+      </p:sp>
+      <p:sp>
+        <p:nvSpPr>
+          <p:cNvPr id="2" name="Title 1">
+            <a:extLst>
+              <a:ext uri="{FF2B5EF4-FFF2-40B4-BE49-F238E27FC236}">
+                <a16:creationId xmlns:a16="http://schemas.microsoft.com/office/drawing/2014/main" id="{C8BD63A4-CD6E-3A4C-AD7A-90BCEAB6DB6B}"/>
+              </a:ext>
+            </a:extLst>
+          </p:cNvPr>
+          <p:cNvSpPr>
+            <a:spLocks noGrp="1"/>
+          </p:cNvSpPr>
+          <p:nvPr>
+            <p:ph type="title"/>
+          </p:nvPr>
+        </p:nvSpPr>
+        <p:spPr>
+          <a:xfrm>
+            <a:off x="640080" y="2074363"/>
+            <a:ext cx="2752354" cy="2709275"/>
+          </a:xfrm>
+          <a:prstGeom prst="ellipse">
+            <a:avLst/>
+          </a:prstGeom>
+          <a:solidFill>
+            <a:srgbClr val="262626"/>
+          </a:solidFill>
+          <a:ln w="174625" cmpd="thinThick">
+            <a:solidFill>
+              <a:srgbClr val="262626"/>
+            </a:solidFill>
+          </a:ln>
+        </p:spPr>
+        <p:txBody>
+          <a:bodyPr vert="horz" lIns="91440" tIns="45720" rIns="91440" bIns="45720" rtlCol="0" anchor="ctr">
+            <a:normAutofit/>
+          </a:bodyPr>
+          <a:lstStyle/>
+          <a:p>
+            <a:pPr algn="ctr"/>
+            <a:r>
+              <a:rPr lang="en-US" sz="2600" kern="1200">
+                <a:solidFill>
+                  <a:srgbClr val="FFFFFF"/>
+                </a:solidFill>
+                <a:latin typeface="+mj-lt"/>
+                <a:ea typeface="+mj-ea"/>
+                <a:cs typeface="+mj-cs"/>
+              </a:rPr>
+              <a:t>BER Plot at 100 Pulses</a:t>
+            </a:r>
+          </a:p>
+        </p:txBody>
+      </p:sp>
+      <p:pic>
+        <p:nvPicPr>
+          <p:cNvPr id="5" name="Content Placeholder 4">
+            <a:extLst>
+              <a:ext uri="{FF2B5EF4-FFF2-40B4-BE49-F238E27FC236}">
+                <a16:creationId xmlns:a16="http://schemas.microsoft.com/office/drawing/2014/main" id="{348CD901-59EC-0343-8AA4-85640EB1213B}"/>
+              </a:ext>
+            </a:extLst>
+          </p:cNvPr>
+          <p:cNvPicPr>
+            <a:picLocks noGrp="1" noChangeAspect="1"/>
+          </p:cNvPicPr>
+          <p:nvPr>
+            <p:ph idx="1"/>
+          </p:nvPr>
+        </p:nvPicPr>
+        <p:blipFill>
+          <a:blip r:embed="rId2"/>
+          <a:stretch>
+            <a:fillRect/>
+          </a:stretch>
+        </p:blipFill>
+        <p:spPr>
+          <a:xfrm>
+            <a:off x="4038600" y="1144567"/>
+            <a:ext cx="7188199" cy="4565477"/>
+          </a:xfrm>
+          <a:prstGeom prst="rect">
+            <a:avLst/>
+          </a:prstGeom>
+        </p:spPr>
+      </p:pic>
+    </p:spTree>
+    <p:extLst>
+      <p:ext uri="{BB962C8B-B14F-4D97-AF65-F5344CB8AC3E}">
+        <p14:creationId xmlns:p14="http://schemas.microsoft.com/office/powerpoint/2010/main" val="3132745694"/>
+      </p:ext>
+    </p:extLst>
+  </p:cSld>
+  <p:clrMapOvr>
+    <a:masterClrMapping/>
+  </p:clrMapOvr>
+</p:sld>
+</file>
+
+<file path=ppt/slides/slide38.xml><?xml version="1.0" encoding="utf-8"?>
 <p:sld xmlns:a="http://schemas.openxmlformats.org/drawingml/2006/main" xmlns:r="http://schemas.openxmlformats.org/officeDocument/2006/relationships" xmlns:p="http://schemas.openxmlformats.org/presentationml/2006/main" show="0">
   <p:cSld>
     <p:bg>
@@ -31812,7 +32608,7 @@
 </p:sld>
 </file>
 
-<file path=ppt/slides/slide36.xml><?xml version="1.0" encoding="utf-8"?>
+<file path=ppt/slides/slide39.xml><?xml version="1.0" encoding="utf-8"?>
 <p:sld xmlns:a="http://schemas.openxmlformats.org/drawingml/2006/main" xmlns:r="http://schemas.openxmlformats.org/officeDocument/2006/relationships" xmlns:p="http://schemas.openxmlformats.org/presentationml/2006/main" show="0">
   <p:cSld>
     <p:spTree>
@@ -31965,493 +32761,6 @@
     <p:extLst>
       <p:ext uri="{BB962C8B-B14F-4D97-AF65-F5344CB8AC3E}">
         <p14:creationId xmlns:p14="http://schemas.microsoft.com/office/powerpoint/2010/main" val="3800919461"/>
-      </p:ext>
-    </p:extLst>
-  </p:cSld>
-  <p:clrMapOvr>
-    <a:masterClrMapping/>
-  </p:clrMapOvr>
-</p:sld>
-</file>
-
-<file path=ppt/slides/slide37.xml><?xml version="1.0" encoding="utf-8"?>
-<p:sld xmlns:a="http://schemas.openxmlformats.org/drawingml/2006/main" xmlns:r="http://schemas.openxmlformats.org/officeDocument/2006/relationships" xmlns:p="http://schemas.openxmlformats.org/presentationml/2006/main" show="0">
-  <p:cSld>
-    <p:spTree>
-      <p:nvGrpSpPr>
-        <p:cNvPr id="1" name=""/>
-        <p:cNvGrpSpPr/>
-        <p:nvPr/>
-      </p:nvGrpSpPr>
-      <p:grpSpPr>
-        <a:xfrm>
-          <a:off x="0" y="0"/>
-          <a:ext cx="0" cy="0"/>
-          <a:chOff x="0" y="0"/>
-          <a:chExt cx="0" cy="0"/>
-        </a:xfrm>
-      </p:grpSpPr>
-      <p:pic>
-        <p:nvPicPr>
-          <p:cNvPr id="16" name="Content Placeholder 15">
-            <a:extLst>
-              <a:ext uri="{FF2B5EF4-FFF2-40B4-BE49-F238E27FC236}">
-                <a16:creationId xmlns:a16="http://schemas.microsoft.com/office/drawing/2014/main" id="{9770E254-8A18-0847-8D17-2AD2222A61E9}"/>
-              </a:ext>
-            </a:extLst>
-          </p:cNvPr>
-          <p:cNvPicPr>
-            <a:picLocks noGrp="1" noChangeAspect="1"/>
-          </p:cNvPicPr>
-          <p:nvPr>
-            <p:ph idx="1"/>
-          </p:nvPr>
-        </p:nvPicPr>
-        <p:blipFill>
-          <a:blip r:embed="rId2"/>
-          <a:srcRect/>
-          <a:stretch/>
-        </p:blipFill>
-        <p:spPr>
-          <a:xfrm>
-            <a:off x="3757613" y="2035930"/>
-            <a:ext cx="5237182" cy="3930726"/>
-          </a:xfrm>
-        </p:spPr>
-      </p:pic>
-      <p:sp>
-        <p:nvSpPr>
-          <p:cNvPr id="2" name="Title 1">
-            <a:extLst>
-              <a:ext uri="{FF2B5EF4-FFF2-40B4-BE49-F238E27FC236}">
-                <a16:creationId xmlns:a16="http://schemas.microsoft.com/office/drawing/2014/main" id="{010B0EF1-1183-1F45-8E15-96E43B1A0326}"/>
-              </a:ext>
-            </a:extLst>
-          </p:cNvPr>
-          <p:cNvSpPr>
-            <a:spLocks noGrp="1"/>
-          </p:cNvSpPr>
-          <p:nvPr>
-            <p:ph type="title"/>
-          </p:nvPr>
-        </p:nvSpPr>
-        <p:spPr/>
-        <p:txBody>
-          <a:bodyPr/>
-          <a:lstStyle/>
-          <a:p>
-            <a:r>
-              <a:rPr lang="en-US" dirty="0"/>
-              <a:t>VBL Optimization</a:t>
-            </a:r>
-          </a:p>
-        </p:txBody>
-      </p:sp>
-      <p:cxnSp>
-        <p:nvCxnSpPr>
-          <p:cNvPr id="11" name="Straight Arrow Connector 10">
-            <a:extLst>
-              <a:ext uri="{FF2B5EF4-FFF2-40B4-BE49-F238E27FC236}">
-                <a16:creationId xmlns:a16="http://schemas.microsoft.com/office/drawing/2014/main" id="{50FF218F-F2D1-5C4A-BAC3-A55C1074DEAF}"/>
-              </a:ext>
-            </a:extLst>
-          </p:cNvPr>
-          <p:cNvCxnSpPr>
-            <a:cxnSpLocks/>
-            <a:stCxn id="12" idx="2"/>
-          </p:cNvCxnSpPr>
-          <p:nvPr/>
-        </p:nvCxnSpPr>
-        <p:spPr>
-          <a:xfrm flipH="1">
-            <a:off x="5413972" y="3492894"/>
-            <a:ext cx="373579" cy="1676635"/>
-          </a:xfrm>
-          <a:prstGeom prst="straightConnector1">
-            <a:avLst/>
-          </a:prstGeom>
-          <a:ln w="57150">
-            <a:solidFill>
-              <a:srgbClr val="FF0000"/>
-            </a:solidFill>
-            <a:tailEnd type="triangle"/>
-          </a:ln>
-        </p:spPr>
-        <p:style>
-          <a:lnRef idx="1">
-            <a:schemeClr val="accent1"/>
-          </a:lnRef>
-          <a:fillRef idx="0">
-            <a:schemeClr val="accent1"/>
-          </a:fillRef>
-          <a:effectRef idx="0">
-            <a:schemeClr val="accent1"/>
-          </a:effectRef>
-          <a:fontRef idx="minor">
-            <a:schemeClr val="tx1"/>
-          </a:fontRef>
-        </p:style>
-      </p:cxnSp>
-      <p:sp>
-        <p:nvSpPr>
-          <p:cNvPr id="12" name="TextBox 11">
-            <a:extLst>
-              <a:ext uri="{FF2B5EF4-FFF2-40B4-BE49-F238E27FC236}">
-                <a16:creationId xmlns:a16="http://schemas.microsoft.com/office/drawing/2014/main" id="{1E56ED6F-BA81-8246-B88C-60D460FDC251}"/>
-              </a:ext>
-            </a:extLst>
-          </p:cNvPr>
-          <p:cNvSpPr txBox="1"/>
-          <p:nvPr/>
-        </p:nvSpPr>
-        <p:spPr>
-          <a:xfrm>
-            <a:off x="4893644" y="2846563"/>
-            <a:ext cx="1787813" cy="646331"/>
-          </a:xfrm>
-          <a:prstGeom prst="rect">
-            <a:avLst/>
-          </a:prstGeom>
-          <a:solidFill>
-            <a:srgbClr val="FFFFFF">
-              <a:alpha val="70588"/>
-            </a:srgbClr>
-          </a:solidFill>
-        </p:spPr>
-        <p:txBody>
-          <a:bodyPr wrap="square" rtlCol="0">
-            <a:spAutoFit/>
-          </a:bodyPr>
-          <a:lstStyle/>
-          <a:p>
-            <a:r>
-              <a:rPr lang="en-US" sz="1200" b="1" dirty="0">
-                <a:solidFill>
-                  <a:srgbClr val="FF0000"/>
-                </a:solidFill>
-                <a:latin typeface="Times New Roman" panose="02020603050405020304" pitchFamily="18" charset="0"/>
-                <a:cs typeface="Times New Roman" panose="02020603050405020304" pitchFamily="18" charset="0"/>
-              </a:rPr>
-              <a:t>Optimal Parameter Set</a:t>
-            </a:r>
-          </a:p>
-          <a:p>
-            <a:r>
-              <a:rPr lang="en-US" sz="1200" dirty="0">
-                <a:solidFill>
-                  <a:srgbClr val="FF0000"/>
-                </a:solidFill>
-                <a:latin typeface="Times New Roman" panose="02020603050405020304" pitchFamily="18" charset="0"/>
-                <a:cs typeface="Times New Roman" panose="02020603050405020304" pitchFamily="18" charset="0"/>
-              </a:rPr>
-              <a:t>Step Size: 0.1V</a:t>
-            </a:r>
-          </a:p>
-          <a:p>
-            <a:r>
-              <a:rPr lang="en-US" sz="1200" dirty="0">
-                <a:solidFill>
-                  <a:srgbClr val="FF0000"/>
-                </a:solidFill>
-                <a:latin typeface="Times New Roman" panose="02020603050405020304" pitchFamily="18" charset="0"/>
-                <a:cs typeface="Times New Roman" panose="02020603050405020304" pitchFamily="18" charset="0"/>
-              </a:rPr>
-              <a:t>Start Voltage: 0V</a:t>
-            </a:r>
-          </a:p>
-        </p:txBody>
-      </p:sp>
-    </p:spTree>
-    <p:extLst>
-      <p:ext uri="{BB962C8B-B14F-4D97-AF65-F5344CB8AC3E}">
-        <p14:creationId xmlns:p14="http://schemas.microsoft.com/office/powerpoint/2010/main" val="734798000"/>
-      </p:ext>
-    </p:extLst>
-  </p:cSld>
-  <p:clrMapOvr>
-    <a:masterClrMapping/>
-  </p:clrMapOvr>
-</p:sld>
-</file>
-
-<file path=ppt/slides/slide38.xml><?xml version="1.0" encoding="utf-8"?>
-<p:sld xmlns:a="http://schemas.openxmlformats.org/drawingml/2006/main" xmlns:r="http://schemas.openxmlformats.org/officeDocument/2006/relationships" xmlns:p="http://schemas.openxmlformats.org/presentationml/2006/main" show="0">
-  <p:cSld>
-    <p:spTree>
-      <p:nvGrpSpPr>
-        <p:cNvPr id="1" name=""/>
-        <p:cNvGrpSpPr/>
-        <p:nvPr/>
-      </p:nvGrpSpPr>
-      <p:grpSpPr>
-        <a:xfrm>
-          <a:off x="0" y="0"/>
-          <a:ext cx="0" cy="0"/>
-          <a:chOff x="0" y="0"/>
-          <a:chExt cx="0" cy="0"/>
-        </a:xfrm>
-      </p:grpSpPr>
-      <p:sp>
-        <p:nvSpPr>
-          <p:cNvPr id="2" name="Title 1">
-            <a:extLst>
-              <a:ext uri="{FF2B5EF4-FFF2-40B4-BE49-F238E27FC236}">
-                <a16:creationId xmlns:a16="http://schemas.microsoft.com/office/drawing/2014/main" id="{5FEC19CE-75E0-F744-931C-343EA8833947}"/>
-              </a:ext>
-            </a:extLst>
-          </p:cNvPr>
-          <p:cNvSpPr>
-            <a:spLocks noGrp="1"/>
-          </p:cNvSpPr>
-          <p:nvPr>
-            <p:ph type="title"/>
-          </p:nvPr>
-        </p:nvSpPr>
-        <p:spPr/>
-        <p:txBody>
-          <a:bodyPr/>
-          <a:lstStyle/>
-          <a:p>
-            <a:r>
-              <a:rPr lang="en-US" dirty="0"/>
-              <a:t>VSL Optimization 1</a:t>
-            </a:r>
-          </a:p>
-        </p:txBody>
-      </p:sp>
-      <p:pic>
-        <p:nvPicPr>
-          <p:cNvPr id="5" name="Content Placeholder 4">
-            <a:extLst>
-              <a:ext uri="{FF2B5EF4-FFF2-40B4-BE49-F238E27FC236}">
-                <a16:creationId xmlns:a16="http://schemas.microsoft.com/office/drawing/2014/main" id="{F878DF02-075C-E845-8247-61215B7D79CE}"/>
-              </a:ext>
-            </a:extLst>
-          </p:cNvPr>
-          <p:cNvPicPr>
-            <a:picLocks noGrp="1" noChangeAspect="1"/>
-          </p:cNvPicPr>
-          <p:nvPr>
-            <p:ph idx="1"/>
-          </p:nvPr>
-        </p:nvPicPr>
-        <p:blipFill>
-          <a:blip r:embed="rId2"/>
-          <a:stretch>
-            <a:fillRect/>
-          </a:stretch>
-        </p:blipFill>
-        <p:spPr>
-          <a:xfrm>
-            <a:off x="3197204" y="1825625"/>
-            <a:ext cx="5797591" cy="4351338"/>
-          </a:xfrm>
-        </p:spPr>
-      </p:pic>
-    </p:spTree>
-    <p:extLst>
-      <p:ext uri="{BB962C8B-B14F-4D97-AF65-F5344CB8AC3E}">
-        <p14:creationId xmlns:p14="http://schemas.microsoft.com/office/powerpoint/2010/main" val="3274438284"/>
-      </p:ext>
-    </p:extLst>
-  </p:cSld>
-  <p:clrMapOvr>
-    <a:masterClrMapping/>
-  </p:clrMapOvr>
-</p:sld>
-</file>
-
-<file path=ppt/slides/slide39.xml><?xml version="1.0" encoding="utf-8"?>
-<p:sld xmlns:a="http://schemas.openxmlformats.org/drawingml/2006/main" xmlns:r="http://schemas.openxmlformats.org/officeDocument/2006/relationships" xmlns:p="http://schemas.openxmlformats.org/presentationml/2006/main" show="0">
-  <p:cSld>
-    <p:spTree>
-      <p:nvGrpSpPr>
-        <p:cNvPr id="1" name=""/>
-        <p:cNvGrpSpPr/>
-        <p:nvPr/>
-      </p:nvGrpSpPr>
-      <p:grpSpPr>
-        <a:xfrm>
-          <a:off x="0" y="0"/>
-          <a:ext cx="0" cy="0"/>
-          <a:chOff x="0" y="0"/>
-          <a:chExt cx="0" cy="0"/>
-        </a:xfrm>
-      </p:grpSpPr>
-      <p:sp>
-        <p:nvSpPr>
-          <p:cNvPr id="2" name="Title 1">
-            <a:extLst>
-              <a:ext uri="{FF2B5EF4-FFF2-40B4-BE49-F238E27FC236}">
-                <a16:creationId xmlns:a16="http://schemas.microsoft.com/office/drawing/2014/main" id="{2DC06F1C-FFE1-8246-B03D-0691335248F4}"/>
-              </a:ext>
-            </a:extLst>
-          </p:cNvPr>
-          <p:cNvSpPr>
-            <a:spLocks noGrp="1"/>
-          </p:cNvSpPr>
-          <p:nvPr>
-            <p:ph type="title"/>
-          </p:nvPr>
-        </p:nvSpPr>
-        <p:spPr/>
-        <p:txBody>
-          <a:bodyPr/>
-          <a:lstStyle/>
-          <a:p>
-            <a:r>
-              <a:rPr lang="en-US" dirty="0"/>
-              <a:t>VSL Optimization 2</a:t>
-            </a:r>
-          </a:p>
-        </p:txBody>
-      </p:sp>
-      <p:pic>
-        <p:nvPicPr>
-          <p:cNvPr id="5" name="Content Placeholder 4">
-            <a:extLst>
-              <a:ext uri="{FF2B5EF4-FFF2-40B4-BE49-F238E27FC236}">
-                <a16:creationId xmlns:a16="http://schemas.microsoft.com/office/drawing/2014/main" id="{B0FAA5C2-43B0-5D47-9B31-323AF82B95AE}"/>
-              </a:ext>
-            </a:extLst>
-          </p:cNvPr>
-          <p:cNvPicPr>
-            <a:picLocks noGrp="1" noChangeAspect="1"/>
-          </p:cNvPicPr>
-          <p:nvPr>
-            <p:ph idx="1"/>
-          </p:nvPr>
-        </p:nvPicPr>
-        <p:blipFill>
-          <a:blip r:embed="rId2"/>
-          <a:srcRect/>
-          <a:stretch/>
-        </p:blipFill>
-        <p:spPr>
-          <a:xfrm>
-            <a:off x="3197204" y="1825625"/>
-            <a:ext cx="5797591" cy="4351337"/>
-          </a:xfrm>
-        </p:spPr>
-      </p:pic>
-      <p:cxnSp>
-        <p:nvCxnSpPr>
-          <p:cNvPr id="6" name="Straight Arrow Connector 5">
-            <a:extLst>
-              <a:ext uri="{FF2B5EF4-FFF2-40B4-BE49-F238E27FC236}">
-                <a16:creationId xmlns:a16="http://schemas.microsoft.com/office/drawing/2014/main" id="{63EFE287-0049-7C46-ACA4-A40706861225}"/>
-              </a:ext>
-            </a:extLst>
-          </p:cNvPr>
-          <p:cNvCxnSpPr>
-            <a:cxnSpLocks/>
-            <a:stCxn id="7" idx="2"/>
-          </p:cNvCxnSpPr>
-          <p:nvPr/>
-        </p:nvCxnSpPr>
-        <p:spPr>
-          <a:xfrm flipH="1">
-            <a:off x="5033380" y="3262333"/>
-            <a:ext cx="1694072" cy="2061105"/>
-          </a:xfrm>
-          <a:prstGeom prst="straightConnector1">
-            <a:avLst/>
-          </a:prstGeom>
-          <a:ln w="57150">
-            <a:solidFill>
-              <a:srgbClr val="FF0000"/>
-            </a:solidFill>
-            <a:tailEnd type="triangle"/>
-          </a:ln>
-        </p:spPr>
-        <p:style>
-          <a:lnRef idx="1">
-            <a:schemeClr val="accent1"/>
-          </a:lnRef>
-          <a:fillRef idx="0">
-            <a:schemeClr val="accent1"/>
-          </a:fillRef>
-          <a:effectRef idx="0">
-            <a:schemeClr val="accent1"/>
-          </a:effectRef>
-          <a:fontRef idx="minor">
-            <a:schemeClr val="tx1"/>
-          </a:fontRef>
-        </p:style>
-      </p:cxnSp>
-      <p:sp>
-        <p:nvSpPr>
-          <p:cNvPr id="7" name="TextBox 6">
-            <a:extLst>
-              <a:ext uri="{FF2B5EF4-FFF2-40B4-BE49-F238E27FC236}">
-                <a16:creationId xmlns:a16="http://schemas.microsoft.com/office/drawing/2014/main" id="{65E2A09C-1CC3-294D-9549-91D9C5E38A75}"/>
-              </a:ext>
-            </a:extLst>
-          </p:cNvPr>
-          <p:cNvSpPr txBox="1"/>
-          <p:nvPr/>
-        </p:nvSpPr>
-        <p:spPr>
-          <a:xfrm>
-            <a:off x="5795671" y="2616002"/>
-            <a:ext cx="1863561" cy="646331"/>
-          </a:xfrm>
-          <a:prstGeom prst="rect">
-            <a:avLst/>
-          </a:prstGeom>
-          <a:solidFill>
-            <a:srgbClr val="FFFFFF">
-              <a:alpha val="70588"/>
-            </a:srgbClr>
-          </a:solidFill>
-        </p:spPr>
-        <p:txBody>
-          <a:bodyPr wrap="square" rtlCol="0">
-            <a:spAutoFit/>
-          </a:bodyPr>
-          <a:lstStyle/>
-          <a:p>
-            <a:r>
-              <a:rPr lang="en-US" sz="1200" b="1" dirty="0">
-                <a:solidFill>
-                  <a:srgbClr val="FF0000"/>
-                </a:solidFill>
-                <a:latin typeface="Times New Roman" panose="02020603050405020304" pitchFamily="18" charset="0"/>
-                <a:cs typeface="Times New Roman" panose="02020603050405020304" pitchFamily="18" charset="0"/>
-              </a:rPr>
-              <a:t>Optimal Parameter Set</a:t>
-            </a:r>
-          </a:p>
-          <a:p>
-            <a:r>
-              <a:rPr lang="en-US" sz="1200" dirty="0">
-                <a:solidFill>
-                  <a:srgbClr val="FF0000"/>
-                </a:solidFill>
-                <a:latin typeface="Times New Roman" panose="02020603050405020304" pitchFamily="18" charset="0"/>
-                <a:cs typeface="Times New Roman" panose="02020603050405020304" pitchFamily="18" charset="0"/>
-              </a:rPr>
-              <a:t>Step Size: 0.1V</a:t>
-            </a:r>
-          </a:p>
-          <a:p>
-            <a:r>
-              <a:rPr lang="en-US" sz="1200" dirty="0">
-                <a:solidFill>
-                  <a:srgbClr val="FF0000"/>
-                </a:solidFill>
-                <a:latin typeface="Times New Roman" panose="02020603050405020304" pitchFamily="18" charset="0"/>
-                <a:cs typeface="Times New Roman" panose="02020603050405020304" pitchFamily="18" charset="0"/>
-              </a:rPr>
-              <a:t>Start Voltage: 0V</a:t>
-            </a:r>
-          </a:p>
-        </p:txBody>
-      </p:sp>
-    </p:spTree>
-    <p:extLst>
-      <p:ext uri="{BB962C8B-B14F-4D97-AF65-F5344CB8AC3E}">
-        <p14:creationId xmlns:p14="http://schemas.microsoft.com/office/powerpoint/2010/main" val="1284847308"/>
       </p:ext>
     </p:extLst>
   </p:cSld>
@@ -32918,6 +33227,493 @@
           <a:chExt cx="0" cy="0"/>
         </a:xfrm>
       </p:grpSpPr>
+      <p:pic>
+        <p:nvPicPr>
+          <p:cNvPr id="16" name="Content Placeholder 15">
+            <a:extLst>
+              <a:ext uri="{FF2B5EF4-FFF2-40B4-BE49-F238E27FC236}">
+                <a16:creationId xmlns:a16="http://schemas.microsoft.com/office/drawing/2014/main" id="{9770E254-8A18-0847-8D17-2AD2222A61E9}"/>
+              </a:ext>
+            </a:extLst>
+          </p:cNvPr>
+          <p:cNvPicPr>
+            <a:picLocks noGrp="1" noChangeAspect="1"/>
+          </p:cNvPicPr>
+          <p:nvPr>
+            <p:ph idx="1"/>
+          </p:nvPr>
+        </p:nvPicPr>
+        <p:blipFill>
+          <a:blip r:embed="rId2"/>
+          <a:srcRect/>
+          <a:stretch/>
+        </p:blipFill>
+        <p:spPr>
+          <a:xfrm>
+            <a:off x="3757613" y="2035930"/>
+            <a:ext cx="5237182" cy="3930726"/>
+          </a:xfrm>
+        </p:spPr>
+      </p:pic>
+      <p:sp>
+        <p:nvSpPr>
+          <p:cNvPr id="2" name="Title 1">
+            <a:extLst>
+              <a:ext uri="{FF2B5EF4-FFF2-40B4-BE49-F238E27FC236}">
+                <a16:creationId xmlns:a16="http://schemas.microsoft.com/office/drawing/2014/main" id="{010B0EF1-1183-1F45-8E15-96E43B1A0326}"/>
+              </a:ext>
+            </a:extLst>
+          </p:cNvPr>
+          <p:cNvSpPr>
+            <a:spLocks noGrp="1"/>
+          </p:cNvSpPr>
+          <p:nvPr>
+            <p:ph type="title"/>
+          </p:nvPr>
+        </p:nvSpPr>
+        <p:spPr/>
+        <p:txBody>
+          <a:bodyPr/>
+          <a:lstStyle/>
+          <a:p>
+            <a:r>
+              <a:rPr lang="en-US" dirty="0"/>
+              <a:t>VBL Optimization</a:t>
+            </a:r>
+          </a:p>
+        </p:txBody>
+      </p:sp>
+      <p:cxnSp>
+        <p:nvCxnSpPr>
+          <p:cNvPr id="11" name="Straight Arrow Connector 10">
+            <a:extLst>
+              <a:ext uri="{FF2B5EF4-FFF2-40B4-BE49-F238E27FC236}">
+                <a16:creationId xmlns:a16="http://schemas.microsoft.com/office/drawing/2014/main" id="{50FF218F-F2D1-5C4A-BAC3-A55C1074DEAF}"/>
+              </a:ext>
+            </a:extLst>
+          </p:cNvPr>
+          <p:cNvCxnSpPr>
+            <a:cxnSpLocks/>
+            <a:stCxn id="12" idx="2"/>
+          </p:cNvCxnSpPr>
+          <p:nvPr/>
+        </p:nvCxnSpPr>
+        <p:spPr>
+          <a:xfrm flipH="1">
+            <a:off x="5413972" y="3492894"/>
+            <a:ext cx="373579" cy="1676635"/>
+          </a:xfrm>
+          <a:prstGeom prst="straightConnector1">
+            <a:avLst/>
+          </a:prstGeom>
+          <a:ln w="57150">
+            <a:solidFill>
+              <a:srgbClr val="FF0000"/>
+            </a:solidFill>
+            <a:tailEnd type="triangle"/>
+          </a:ln>
+        </p:spPr>
+        <p:style>
+          <a:lnRef idx="1">
+            <a:schemeClr val="accent1"/>
+          </a:lnRef>
+          <a:fillRef idx="0">
+            <a:schemeClr val="accent1"/>
+          </a:fillRef>
+          <a:effectRef idx="0">
+            <a:schemeClr val="accent1"/>
+          </a:effectRef>
+          <a:fontRef idx="minor">
+            <a:schemeClr val="tx1"/>
+          </a:fontRef>
+        </p:style>
+      </p:cxnSp>
+      <p:sp>
+        <p:nvSpPr>
+          <p:cNvPr id="12" name="TextBox 11">
+            <a:extLst>
+              <a:ext uri="{FF2B5EF4-FFF2-40B4-BE49-F238E27FC236}">
+                <a16:creationId xmlns:a16="http://schemas.microsoft.com/office/drawing/2014/main" id="{1E56ED6F-BA81-8246-B88C-60D460FDC251}"/>
+              </a:ext>
+            </a:extLst>
+          </p:cNvPr>
+          <p:cNvSpPr txBox="1"/>
+          <p:nvPr/>
+        </p:nvSpPr>
+        <p:spPr>
+          <a:xfrm>
+            <a:off x="4893644" y="2846563"/>
+            <a:ext cx="1787813" cy="646331"/>
+          </a:xfrm>
+          <a:prstGeom prst="rect">
+            <a:avLst/>
+          </a:prstGeom>
+          <a:solidFill>
+            <a:srgbClr val="FFFFFF">
+              <a:alpha val="70588"/>
+            </a:srgbClr>
+          </a:solidFill>
+        </p:spPr>
+        <p:txBody>
+          <a:bodyPr wrap="square" rtlCol="0">
+            <a:spAutoFit/>
+          </a:bodyPr>
+          <a:lstStyle/>
+          <a:p>
+            <a:r>
+              <a:rPr lang="en-US" sz="1200" b="1" dirty="0">
+                <a:solidFill>
+                  <a:srgbClr val="FF0000"/>
+                </a:solidFill>
+                <a:latin typeface="Times New Roman" panose="02020603050405020304" pitchFamily="18" charset="0"/>
+                <a:cs typeface="Times New Roman" panose="02020603050405020304" pitchFamily="18" charset="0"/>
+              </a:rPr>
+              <a:t>Optimal Parameter Set</a:t>
+            </a:r>
+          </a:p>
+          <a:p>
+            <a:r>
+              <a:rPr lang="en-US" sz="1200" dirty="0">
+                <a:solidFill>
+                  <a:srgbClr val="FF0000"/>
+                </a:solidFill>
+                <a:latin typeface="Times New Roman" panose="02020603050405020304" pitchFamily="18" charset="0"/>
+                <a:cs typeface="Times New Roman" panose="02020603050405020304" pitchFamily="18" charset="0"/>
+              </a:rPr>
+              <a:t>Step Size: 0.1V</a:t>
+            </a:r>
+          </a:p>
+          <a:p>
+            <a:r>
+              <a:rPr lang="en-US" sz="1200" dirty="0">
+                <a:solidFill>
+                  <a:srgbClr val="FF0000"/>
+                </a:solidFill>
+                <a:latin typeface="Times New Roman" panose="02020603050405020304" pitchFamily="18" charset="0"/>
+                <a:cs typeface="Times New Roman" panose="02020603050405020304" pitchFamily="18" charset="0"/>
+              </a:rPr>
+              <a:t>Start Voltage: 0V</a:t>
+            </a:r>
+          </a:p>
+        </p:txBody>
+      </p:sp>
+    </p:spTree>
+    <p:extLst>
+      <p:ext uri="{BB962C8B-B14F-4D97-AF65-F5344CB8AC3E}">
+        <p14:creationId xmlns:p14="http://schemas.microsoft.com/office/powerpoint/2010/main" val="734798000"/>
+      </p:ext>
+    </p:extLst>
+  </p:cSld>
+  <p:clrMapOvr>
+    <a:masterClrMapping/>
+  </p:clrMapOvr>
+</p:sld>
+</file>
+
+<file path=ppt/slides/slide41.xml><?xml version="1.0" encoding="utf-8"?>
+<p:sld xmlns:a="http://schemas.openxmlformats.org/drawingml/2006/main" xmlns:r="http://schemas.openxmlformats.org/officeDocument/2006/relationships" xmlns:p="http://schemas.openxmlformats.org/presentationml/2006/main" show="0">
+  <p:cSld>
+    <p:spTree>
+      <p:nvGrpSpPr>
+        <p:cNvPr id="1" name=""/>
+        <p:cNvGrpSpPr/>
+        <p:nvPr/>
+      </p:nvGrpSpPr>
+      <p:grpSpPr>
+        <a:xfrm>
+          <a:off x="0" y="0"/>
+          <a:ext cx="0" cy="0"/>
+          <a:chOff x="0" y="0"/>
+          <a:chExt cx="0" cy="0"/>
+        </a:xfrm>
+      </p:grpSpPr>
+      <p:sp>
+        <p:nvSpPr>
+          <p:cNvPr id="2" name="Title 1">
+            <a:extLst>
+              <a:ext uri="{FF2B5EF4-FFF2-40B4-BE49-F238E27FC236}">
+                <a16:creationId xmlns:a16="http://schemas.microsoft.com/office/drawing/2014/main" id="{5FEC19CE-75E0-F744-931C-343EA8833947}"/>
+              </a:ext>
+            </a:extLst>
+          </p:cNvPr>
+          <p:cNvSpPr>
+            <a:spLocks noGrp="1"/>
+          </p:cNvSpPr>
+          <p:nvPr>
+            <p:ph type="title"/>
+          </p:nvPr>
+        </p:nvSpPr>
+        <p:spPr/>
+        <p:txBody>
+          <a:bodyPr/>
+          <a:lstStyle/>
+          <a:p>
+            <a:r>
+              <a:rPr lang="en-US" dirty="0"/>
+              <a:t>VSL Optimization 1</a:t>
+            </a:r>
+          </a:p>
+        </p:txBody>
+      </p:sp>
+      <p:pic>
+        <p:nvPicPr>
+          <p:cNvPr id="5" name="Content Placeholder 4">
+            <a:extLst>
+              <a:ext uri="{FF2B5EF4-FFF2-40B4-BE49-F238E27FC236}">
+                <a16:creationId xmlns:a16="http://schemas.microsoft.com/office/drawing/2014/main" id="{F878DF02-075C-E845-8247-61215B7D79CE}"/>
+              </a:ext>
+            </a:extLst>
+          </p:cNvPr>
+          <p:cNvPicPr>
+            <a:picLocks noGrp="1" noChangeAspect="1"/>
+          </p:cNvPicPr>
+          <p:nvPr>
+            <p:ph idx="1"/>
+          </p:nvPr>
+        </p:nvPicPr>
+        <p:blipFill>
+          <a:blip r:embed="rId2"/>
+          <a:stretch>
+            <a:fillRect/>
+          </a:stretch>
+        </p:blipFill>
+        <p:spPr>
+          <a:xfrm>
+            <a:off x="3197204" y="1825625"/>
+            <a:ext cx="5797591" cy="4351338"/>
+          </a:xfrm>
+        </p:spPr>
+      </p:pic>
+    </p:spTree>
+    <p:extLst>
+      <p:ext uri="{BB962C8B-B14F-4D97-AF65-F5344CB8AC3E}">
+        <p14:creationId xmlns:p14="http://schemas.microsoft.com/office/powerpoint/2010/main" val="3274438284"/>
+      </p:ext>
+    </p:extLst>
+  </p:cSld>
+  <p:clrMapOvr>
+    <a:masterClrMapping/>
+  </p:clrMapOvr>
+</p:sld>
+</file>
+
+<file path=ppt/slides/slide42.xml><?xml version="1.0" encoding="utf-8"?>
+<p:sld xmlns:a="http://schemas.openxmlformats.org/drawingml/2006/main" xmlns:r="http://schemas.openxmlformats.org/officeDocument/2006/relationships" xmlns:p="http://schemas.openxmlformats.org/presentationml/2006/main" show="0">
+  <p:cSld>
+    <p:spTree>
+      <p:nvGrpSpPr>
+        <p:cNvPr id="1" name=""/>
+        <p:cNvGrpSpPr/>
+        <p:nvPr/>
+      </p:nvGrpSpPr>
+      <p:grpSpPr>
+        <a:xfrm>
+          <a:off x="0" y="0"/>
+          <a:ext cx="0" cy="0"/>
+          <a:chOff x="0" y="0"/>
+          <a:chExt cx="0" cy="0"/>
+        </a:xfrm>
+      </p:grpSpPr>
+      <p:sp>
+        <p:nvSpPr>
+          <p:cNvPr id="2" name="Title 1">
+            <a:extLst>
+              <a:ext uri="{FF2B5EF4-FFF2-40B4-BE49-F238E27FC236}">
+                <a16:creationId xmlns:a16="http://schemas.microsoft.com/office/drawing/2014/main" id="{2DC06F1C-FFE1-8246-B03D-0691335248F4}"/>
+              </a:ext>
+            </a:extLst>
+          </p:cNvPr>
+          <p:cNvSpPr>
+            <a:spLocks noGrp="1"/>
+          </p:cNvSpPr>
+          <p:nvPr>
+            <p:ph type="title"/>
+          </p:nvPr>
+        </p:nvSpPr>
+        <p:spPr/>
+        <p:txBody>
+          <a:bodyPr/>
+          <a:lstStyle/>
+          <a:p>
+            <a:r>
+              <a:rPr lang="en-US" dirty="0"/>
+              <a:t>VSL Optimization 2</a:t>
+            </a:r>
+          </a:p>
+        </p:txBody>
+      </p:sp>
+      <p:pic>
+        <p:nvPicPr>
+          <p:cNvPr id="5" name="Content Placeholder 4">
+            <a:extLst>
+              <a:ext uri="{FF2B5EF4-FFF2-40B4-BE49-F238E27FC236}">
+                <a16:creationId xmlns:a16="http://schemas.microsoft.com/office/drawing/2014/main" id="{B0FAA5C2-43B0-5D47-9B31-323AF82B95AE}"/>
+              </a:ext>
+            </a:extLst>
+          </p:cNvPr>
+          <p:cNvPicPr>
+            <a:picLocks noGrp="1" noChangeAspect="1"/>
+          </p:cNvPicPr>
+          <p:nvPr>
+            <p:ph idx="1"/>
+          </p:nvPr>
+        </p:nvPicPr>
+        <p:blipFill>
+          <a:blip r:embed="rId2"/>
+          <a:srcRect/>
+          <a:stretch/>
+        </p:blipFill>
+        <p:spPr>
+          <a:xfrm>
+            <a:off x="3197204" y="1825625"/>
+            <a:ext cx="5797591" cy="4351337"/>
+          </a:xfrm>
+        </p:spPr>
+      </p:pic>
+      <p:cxnSp>
+        <p:nvCxnSpPr>
+          <p:cNvPr id="6" name="Straight Arrow Connector 5">
+            <a:extLst>
+              <a:ext uri="{FF2B5EF4-FFF2-40B4-BE49-F238E27FC236}">
+                <a16:creationId xmlns:a16="http://schemas.microsoft.com/office/drawing/2014/main" id="{63EFE287-0049-7C46-ACA4-A40706861225}"/>
+              </a:ext>
+            </a:extLst>
+          </p:cNvPr>
+          <p:cNvCxnSpPr>
+            <a:cxnSpLocks/>
+            <a:stCxn id="7" idx="2"/>
+          </p:cNvCxnSpPr>
+          <p:nvPr/>
+        </p:nvCxnSpPr>
+        <p:spPr>
+          <a:xfrm flipH="1">
+            <a:off x="5033380" y="3262333"/>
+            <a:ext cx="1694072" cy="2061105"/>
+          </a:xfrm>
+          <a:prstGeom prst="straightConnector1">
+            <a:avLst/>
+          </a:prstGeom>
+          <a:ln w="57150">
+            <a:solidFill>
+              <a:srgbClr val="FF0000"/>
+            </a:solidFill>
+            <a:tailEnd type="triangle"/>
+          </a:ln>
+        </p:spPr>
+        <p:style>
+          <a:lnRef idx="1">
+            <a:schemeClr val="accent1"/>
+          </a:lnRef>
+          <a:fillRef idx="0">
+            <a:schemeClr val="accent1"/>
+          </a:fillRef>
+          <a:effectRef idx="0">
+            <a:schemeClr val="accent1"/>
+          </a:effectRef>
+          <a:fontRef idx="minor">
+            <a:schemeClr val="tx1"/>
+          </a:fontRef>
+        </p:style>
+      </p:cxnSp>
+      <p:sp>
+        <p:nvSpPr>
+          <p:cNvPr id="7" name="TextBox 6">
+            <a:extLst>
+              <a:ext uri="{FF2B5EF4-FFF2-40B4-BE49-F238E27FC236}">
+                <a16:creationId xmlns:a16="http://schemas.microsoft.com/office/drawing/2014/main" id="{65E2A09C-1CC3-294D-9549-91D9C5E38A75}"/>
+              </a:ext>
+            </a:extLst>
+          </p:cNvPr>
+          <p:cNvSpPr txBox="1"/>
+          <p:nvPr/>
+        </p:nvSpPr>
+        <p:spPr>
+          <a:xfrm>
+            <a:off x="5795671" y="2616002"/>
+            <a:ext cx="1863561" cy="646331"/>
+          </a:xfrm>
+          <a:prstGeom prst="rect">
+            <a:avLst/>
+          </a:prstGeom>
+          <a:solidFill>
+            <a:srgbClr val="FFFFFF">
+              <a:alpha val="70588"/>
+            </a:srgbClr>
+          </a:solidFill>
+        </p:spPr>
+        <p:txBody>
+          <a:bodyPr wrap="square" rtlCol="0">
+            <a:spAutoFit/>
+          </a:bodyPr>
+          <a:lstStyle/>
+          <a:p>
+            <a:r>
+              <a:rPr lang="en-US" sz="1200" b="1" dirty="0">
+                <a:solidFill>
+                  <a:srgbClr val="FF0000"/>
+                </a:solidFill>
+                <a:latin typeface="Times New Roman" panose="02020603050405020304" pitchFamily="18" charset="0"/>
+                <a:cs typeface="Times New Roman" panose="02020603050405020304" pitchFamily="18" charset="0"/>
+              </a:rPr>
+              <a:t>Optimal Parameter Set</a:t>
+            </a:r>
+          </a:p>
+          <a:p>
+            <a:r>
+              <a:rPr lang="en-US" sz="1200" dirty="0">
+                <a:solidFill>
+                  <a:srgbClr val="FF0000"/>
+                </a:solidFill>
+                <a:latin typeface="Times New Roman" panose="02020603050405020304" pitchFamily="18" charset="0"/>
+                <a:cs typeface="Times New Roman" panose="02020603050405020304" pitchFamily="18" charset="0"/>
+              </a:rPr>
+              <a:t>Step Size: 0.1V</a:t>
+            </a:r>
+          </a:p>
+          <a:p>
+            <a:r>
+              <a:rPr lang="en-US" sz="1200" dirty="0">
+                <a:solidFill>
+                  <a:srgbClr val="FF0000"/>
+                </a:solidFill>
+                <a:latin typeface="Times New Roman" panose="02020603050405020304" pitchFamily="18" charset="0"/>
+                <a:cs typeface="Times New Roman" panose="02020603050405020304" pitchFamily="18" charset="0"/>
+              </a:rPr>
+              <a:t>Start Voltage: 0V</a:t>
+            </a:r>
+          </a:p>
+        </p:txBody>
+      </p:sp>
+    </p:spTree>
+    <p:extLst>
+      <p:ext uri="{BB962C8B-B14F-4D97-AF65-F5344CB8AC3E}">
+        <p14:creationId xmlns:p14="http://schemas.microsoft.com/office/powerpoint/2010/main" val="1284847308"/>
+      </p:ext>
+    </p:extLst>
+  </p:cSld>
+  <p:clrMapOvr>
+    <a:masterClrMapping/>
+  </p:clrMapOvr>
+</p:sld>
+</file>
+
+<file path=ppt/slides/slide43.xml><?xml version="1.0" encoding="utf-8"?>
+<p:sld xmlns:a="http://schemas.openxmlformats.org/drawingml/2006/main" xmlns:r="http://schemas.openxmlformats.org/officeDocument/2006/relationships" xmlns:p="http://schemas.openxmlformats.org/presentationml/2006/main" show="0">
+  <p:cSld>
+    <p:spTree>
+      <p:nvGrpSpPr>
+        <p:cNvPr id="1" name=""/>
+        <p:cNvGrpSpPr/>
+        <p:nvPr/>
+      </p:nvGrpSpPr>
+      <p:grpSpPr>
+        <a:xfrm>
+          <a:off x="0" y="0"/>
+          <a:ext cx="0" cy="0"/>
+          <a:chOff x="0" y="0"/>
+          <a:chExt cx="0" cy="0"/>
+        </a:xfrm>
+      </p:grpSpPr>
       <p:sp>
         <p:nvSpPr>
           <p:cNvPr id="2" name="Title 1">
@@ -33264,224 +34060,6 @@
       </p:grpSpPr>
       <p:sp>
         <p:nvSpPr>
-          <p:cNvPr id="63" name="Rectangle 62">
-            <a:extLst>
-              <a:ext uri="{FF2B5EF4-FFF2-40B4-BE49-F238E27FC236}">
-                <a16:creationId xmlns:a16="http://schemas.microsoft.com/office/drawing/2014/main" id="{6753252F-4873-4F63-801D-CC719279A7D5}"/>
-              </a:ext>
-              <a:ext uri="{C183D7F6-B498-43B3-948B-1728B52AA6E4}">
-                <adec:decorative xmlns:adec="http://schemas.microsoft.com/office/drawing/2017/decorative" val="1"/>
-              </a:ext>
-            </a:extLst>
-          </p:cNvPr>
-          <p:cNvSpPr>
-            <a:spLocks noGrp="1" noRot="1" noChangeAspect="1" noMove="1" noResize="1" noEditPoints="1" noAdjustHandles="1" noChangeArrowheads="1" noChangeShapeType="1" noTextEdit="1"/>
-          </p:cNvSpPr>
-          <p:nvPr>
-            <p:extLst>
-              <p:ext uri="{386F3935-93C4-4BCD-93E2-E3B085C9AB24}">
-                <p16:designElem xmlns:p16="http://schemas.microsoft.com/office/powerpoint/2015/main" val="1"/>
-              </p:ext>
-            </p:extLst>
-          </p:nvPr>
-        </p:nvSpPr>
-        <p:spPr>
-          <a:xfrm>
-            <a:off x="0" y="0"/>
-            <a:ext cx="12192000" cy="6858000"/>
-          </a:xfrm>
-          <a:prstGeom prst="rect">
-            <a:avLst/>
-          </a:prstGeom>
-          <a:solidFill>
-            <a:srgbClr val="FFFFFF"/>
-          </a:solidFill>
-          <a:ln>
-            <a:noFill/>
-          </a:ln>
-        </p:spPr>
-        <p:style>
-          <a:lnRef idx="2">
-            <a:schemeClr val="accent1">
-              <a:shade val="50000"/>
-            </a:schemeClr>
-          </a:lnRef>
-          <a:fillRef idx="1">
-            <a:schemeClr val="accent1"/>
-          </a:fillRef>
-          <a:effectRef idx="0">
-            <a:schemeClr val="accent1"/>
-          </a:effectRef>
-          <a:fontRef idx="minor">
-            <a:schemeClr val="lt1"/>
-          </a:fontRef>
-        </p:style>
-        <p:txBody>
-          <a:bodyPr rtlCol="0" anchor="ctr"/>
-          <a:lstStyle/>
-          <a:p>
-            <a:pPr algn="ctr"/>
-            <a:endParaRPr lang="en-US"/>
-          </a:p>
-        </p:txBody>
-      </p:sp>
-      <p:sp>
-        <p:nvSpPr>
-          <p:cNvPr id="65" name="Rectangle 64">
-            <a:extLst>
-              <a:ext uri="{FF2B5EF4-FFF2-40B4-BE49-F238E27FC236}">
-                <a16:creationId xmlns:a16="http://schemas.microsoft.com/office/drawing/2014/main" id="{047C8CCB-F95D-4249-92DD-651249D3535A}"/>
-              </a:ext>
-              <a:ext uri="{C183D7F6-B498-43B3-948B-1728B52AA6E4}">
-                <adec:decorative xmlns:adec="http://schemas.microsoft.com/office/drawing/2017/decorative" val="1"/>
-              </a:ext>
-            </a:extLst>
-          </p:cNvPr>
-          <p:cNvSpPr>
-            <a:spLocks noGrp="1" noRot="1" noChangeAspect="1" noMove="1" noResize="1" noEditPoints="1" noAdjustHandles="1" noChangeArrowheads="1" noChangeShapeType="1" noTextEdit="1"/>
-          </p:cNvSpPr>
-          <p:nvPr>
-            <p:extLst>
-              <p:ext uri="{386F3935-93C4-4BCD-93E2-E3B085C9AB24}">
-                <p16:designElem xmlns:p16="http://schemas.microsoft.com/office/powerpoint/2015/main" val="1"/>
-              </p:ext>
-            </p:extLst>
-          </p:nvPr>
-        </p:nvSpPr>
-        <p:spPr>
-          <a:xfrm>
-            <a:off x="0" y="0"/>
-            <a:ext cx="2013557" cy="6858000"/>
-          </a:xfrm>
-          <a:prstGeom prst="rect">
-            <a:avLst/>
-          </a:prstGeom>
-          <a:solidFill>
-            <a:srgbClr val="7F7F7F"/>
-          </a:solidFill>
-          <a:ln>
-            <a:noFill/>
-          </a:ln>
-        </p:spPr>
-        <p:style>
-          <a:lnRef idx="2">
-            <a:schemeClr val="accent1">
-              <a:shade val="50000"/>
-            </a:schemeClr>
-          </a:lnRef>
-          <a:fillRef idx="1">
-            <a:schemeClr val="accent1"/>
-          </a:fillRef>
-          <a:effectRef idx="0">
-            <a:schemeClr val="accent1"/>
-          </a:effectRef>
-          <a:fontRef idx="minor">
-            <a:schemeClr val="lt1"/>
-          </a:fontRef>
-        </p:style>
-        <p:txBody>
-          <a:bodyPr rtlCol="0" anchor="ctr"/>
-          <a:lstStyle/>
-          <a:p>
-            <a:pPr algn="ctr"/>
-            <a:endParaRPr lang="en-US"/>
-          </a:p>
-        </p:txBody>
-      </p:sp>
-      <p:sp>
-        <p:nvSpPr>
-          <p:cNvPr id="2" name="Title 1">
-            <a:extLst>
-              <a:ext uri="{FF2B5EF4-FFF2-40B4-BE49-F238E27FC236}">
-                <a16:creationId xmlns:a16="http://schemas.microsoft.com/office/drawing/2014/main" id="{FAEACA96-64F6-BC4F-9132-A1706242999D}"/>
-              </a:ext>
-            </a:extLst>
-          </p:cNvPr>
-          <p:cNvSpPr>
-            <a:spLocks noGrp="1"/>
-          </p:cNvSpPr>
-          <p:nvPr>
-            <p:ph type="title"/>
-          </p:nvPr>
-        </p:nvSpPr>
-        <p:spPr>
-          <a:xfrm>
-            <a:off x="640080" y="2074363"/>
-            <a:ext cx="2752354" cy="2709275"/>
-          </a:xfrm>
-          <a:prstGeom prst="ellipse">
-            <a:avLst/>
-          </a:prstGeom>
-          <a:solidFill>
-            <a:srgbClr val="262626"/>
-          </a:solidFill>
-          <a:ln w="174625" cmpd="thinThick">
-            <a:solidFill>
-              <a:srgbClr val="262626"/>
-            </a:solidFill>
-          </a:ln>
-        </p:spPr>
-        <p:txBody>
-          <a:bodyPr vert="horz" lIns="91440" tIns="45720" rIns="91440" bIns="45720" rtlCol="0" anchor="ctr">
-            <a:normAutofit/>
-          </a:bodyPr>
-          <a:lstStyle/>
-          <a:p>
-            <a:pPr algn="ctr"/>
-            <a:r>
-              <a:rPr lang="en-US" sz="2600" kern="1200" dirty="0">
-                <a:solidFill>
-                  <a:srgbClr val="FFFFFF"/>
-                </a:solidFill>
-                <a:latin typeface="+mj-lt"/>
-                <a:ea typeface="+mj-ea"/>
-                <a:cs typeface="+mj-cs"/>
-              </a:rPr>
-              <a:t>Sweep Plots: FPPV VWL Chip 2</a:t>
-            </a:r>
-          </a:p>
-        </p:txBody>
-      </p:sp>
-    </p:spTree>
-    <p:extLst>
-      <p:ext uri="{BB962C8B-B14F-4D97-AF65-F5344CB8AC3E}">
-        <p14:creationId xmlns:p14="http://schemas.microsoft.com/office/powerpoint/2010/main" val="1354862355"/>
-      </p:ext>
-    </p:extLst>
-  </p:cSld>
-  <p:clrMapOvr>
-    <a:masterClrMapping/>
-  </p:clrMapOvr>
-</p:sld>
-</file>
-
-<file path=ppt/slides/slide7.xml><?xml version="1.0" encoding="utf-8"?>
-<p:sld xmlns:a="http://schemas.openxmlformats.org/drawingml/2006/main" xmlns:r="http://schemas.openxmlformats.org/officeDocument/2006/relationships" xmlns:p="http://schemas.openxmlformats.org/presentationml/2006/main">
-  <p:cSld>
-    <p:bg>
-      <p:bgPr>
-        <a:solidFill>
-          <a:schemeClr val="bg1"/>
-        </a:solidFill>
-        <a:effectLst/>
-      </p:bgPr>
-    </p:bg>
-    <p:spTree>
-      <p:nvGrpSpPr>
-        <p:cNvPr id="1" name=""/>
-        <p:cNvGrpSpPr/>
-        <p:nvPr/>
-      </p:nvGrpSpPr>
-      <p:grpSpPr>
-        <a:xfrm>
-          <a:off x="0" y="0"/>
-          <a:ext cx="0" cy="0"/>
-          <a:chOff x="0" y="0"/>
-          <a:chExt cx="0" cy="0"/>
-        </a:xfrm>
-      </p:grpSpPr>
-      <p:sp>
-        <p:nvSpPr>
           <p:cNvPr id="17" name="Rectangle 16">
             <a:extLst>
               <a:ext uri="{FF2B5EF4-FFF2-40B4-BE49-F238E27FC236}">
@@ -33703,7 +34281,7 @@
 </p:sld>
 </file>
 
-<file path=ppt/slides/slide8.xml><?xml version="1.0" encoding="utf-8"?>
+<file path=ppt/slides/slide7.xml><?xml version="1.0" encoding="utf-8"?>
 <p:sld xmlns:a="http://schemas.openxmlformats.org/drawingml/2006/main" xmlns:r="http://schemas.openxmlformats.org/officeDocument/2006/relationships" xmlns:p="http://schemas.openxmlformats.org/presentationml/2006/main">
   <p:cSld>
     <p:bg>
@@ -33951,7 +34529,7 @@
 </p:sld>
 </file>
 
-<file path=ppt/slides/slide9.xml><?xml version="1.0" encoding="utf-8"?>
+<file path=ppt/slides/slide8.xml><?xml version="1.0" encoding="utf-8"?>
 <p:sld xmlns:a="http://schemas.openxmlformats.org/drawingml/2006/main" xmlns:r="http://schemas.openxmlformats.org/officeDocument/2006/relationships" xmlns:p="http://schemas.openxmlformats.org/presentationml/2006/main">
   <p:cSld>
     <p:bg>
@@ -34188,6 +34766,254 @@
     <p:extLst>
       <p:ext uri="{BB962C8B-B14F-4D97-AF65-F5344CB8AC3E}">
         <p14:creationId xmlns:p14="http://schemas.microsoft.com/office/powerpoint/2010/main" val="1812697610"/>
+      </p:ext>
+    </p:extLst>
+  </p:cSld>
+  <p:clrMapOvr>
+    <a:masterClrMapping/>
+  </p:clrMapOvr>
+</p:sld>
+</file>
+
+<file path=ppt/slides/slide9.xml><?xml version="1.0" encoding="utf-8"?>
+<p:sld xmlns:a="http://schemas.openxmlformats.org/drawingml/2006/main" xmlns:r="http://schemas.openxmlformats.org/officeDocument/2006/relationships" xmlns:p="http://schemas.openxmlformats.org/presentationml/2006/main">
+  <p:cSld>
+    <p:bg>
+      <p:bgPr>
+        <a:solidFill>
+          <a:schemeClr val="bg1"/>
+        </a:solidFill>
+        <a:effectLst/>
+      </p:bgPr>
+    </p:bg>
+    <p:spTree>
+      <p:nvGrpSpPr>
+        <p:cNvPr id="1" name=""/>
+        <p:cNvGrpSpPr/>
+        <p:nvPr/>
+      </p:nvGrpSpPr>
+      <p:grpSpPr>
+        <a:xfrm>
+          <a:off x="0" y="0"/>
+          <a:ext cx="0" cy="0"/>
+          <a:chOff x="0" y="0"/>
+          <a:chExt cx="0" cy="0"/>
+        </a:xfrm>
+      </p:grpSpPr>
+      <p:sp>
+        <p:nvSpPr>
+          <p:cNvPr id="17" name="Rectangle 16">
+            <a:extLst>
+              <a:ext uri="{FF2B5EF4-FFF2-40B4-BE49-F238E27FC236}">
+                <a16:creationId xmlns:a16="http://schemas.microsoft.com/office/drawing/2014/main" id="{6753252F-4873-4F63-801D-CC719279A7D5}"/>
+              </a:ext>
+              <a:ext uri="{C183D7F6-B498-43B3-948B-1728B52AA6E4}">
+                <adec:decorative xmlns:adec="http://schemas.microsoft.com/office/drawing/2017/decorative" val="1"/>
+              </a:ext>
+            </a:extLst>
+          </p:cNvPr>
+          <p:cNvSpPr>
+            <a:spLocks noGrp="1" noRot="1" noChangeAspect="1" noMove="1" noResize="1" noEditPoints="1" noAdjustHandles="1" noChangeArrowheads="1" noChangeShapeType="1" noTextEdit="1"/>
+          </p:cNvSpPr>
+          <p:nvPr>
+            <p:extLst>
+              <p:ext uri="{386F3935-93C4-4BCD-93E2-E3B085C9AB24}">
+                <p16:designElem xmlns:p16="http://schemas.microsoft.com/office/powerpoint/2015/main" val="1"/>
+              </p:ext>
+            </p:extLst>
+          </p:nvPr>
+        </p:nvSpPr>
+        <p:spPr>
+          <a:xfrm>
+            <a:off x="0" y="0"/>
+            <a:ext cx="12192000" cy="6858000"/>
+          </a:xfrm>
+          <a:prstGeom prst="rect">
+            <a:avLst/>
+          </a:prstGeom>
+          <a:solidFill>
+            <a:srgbClr val="FFFFFF"/>
+          </a:solidFill>
+          <a:ln>
+            <a:noFill/>
+          </a:ln>
+        </p:spPr>
+        <p:style>
+          <a:lnRef idx="2">
+            <a:schemeClr val="accent1">
+              <a:shade val="50000"/>
+            </a:schemeClr>
+          </a:lnRef>
+          <a:fillRef idx="1">
+            <a:schemeClr val="accent1"/>
+          </a:fillRef>
+          <a:effectRef idx="0">
+            <a:schemeClr val="accent1"/>
+          </a:effectRef>
+          <a:fontRef idx="minor">
+            <a:schemeClr val="lt1"/>
+          </a:fontRef>
+        </p:style>
+        <p:txBody>
+          <a:bodyPr rtlCol="0" anchor="ctr"/>
+          <a:lstStyle/>
+          <a:p>
+            <a:pPr algn="ctr"/>
+            <a:endParaRPr lang="en-US"/>
+          </a:p>
+        </p:txBody>
+      </p:sp>
+      <p:sp>
+        <p:nvSpPr>
+          <p:cNvPr id="19" name="Rectangle 18">
+            <a:extLst>
+              <a:ext uri="{FF2B5EF4-FFF2-40B4-BE49-F238E27FC236}">
+                <a16:creationId xmlns:a16="http://schemas.microsoft.com/office/drawing/2014/main" id="{047C8CCB-F95D-4249-92DD-651249D3535A}"/>
+              </a:ext>
+              <a:ext uri="{C183D7F6-B498-43B3-948B-1728B52AA6E4}">
+                <adec:decorative xmlns:adec="http://schemas.microsoft.com/office/drawing/2017/decorative" val="1"/>
+              </a:ext>
+            </a:extLst>
+          </p:cNvPr>
+          <p:cNvSpPr>
+            <a:spLocks noGrp="1" noRot="1" noChangeAspect="1" noMove="1" noResize="1" noEditPoints="1" noAdjustHandles="1" noChangeArrowheads="1" noChangeShapeType="1" noTextEdit="1"/>
+          </p:cNvSpPr>
+          <p:nvPr>
+            <p:extLst>
+              <p:ext uri="{386F3935-93C4-4BCD-93E2-E3B085C9AB24}">
+                <p16:designElem xmlns:p16="http://schemas.microsoft.com/office/powerpoint/2015/main" val="1"/>
+              </p:ext>
+            </p:extLst>
+          </p:nvPr>
+        </p:nvSpPr>
+        <p:spPr>
+          <a:xfrm>
+            <a:off x="0" y="0"/>
+            <a:ext cx="2013557" cy="6858000"/>
+          </a:xfrm>
+          <a:prstGeom prst="rect">
+            <a:avLst/>
+          </a:prstGeom>
+          <a:solidFill>
+            <a:srgbClr val="7F7F7F"/>
+          </a:solidFill>
+          <a:ln>
+            <a:noFill/>
+          </a:ln>
+        </p:spPr>
+        <p:style>
+          <a:lnRef idx="2">
+            <a:schemeClr val="accent1">
+              <a:shade val="50000"/>
+            </a:schemeClr>
+          </a:lnRef>
+          <a:fillRef idx="1">
+            <a:schemeClr val="accent1"/>
+          </a:fillRef>
+          <a:effectRef idx="0">
+            <a:schemeClr val="accent1"/>
+          </a:effectRef>
+          <a:fontRef idx="minor">
+            <a:schemeClr val="lt1"/>
+          </a:fontRef>
+        </p:style>
+        <p:txBody>
+          <a:bodyPr rtlCol="0" anchor="ctr"/>
+          <a:lstStyle/>
+          <a:p>
+            <a:pPr algn="ctr"/>
+            <a:endParaRPr lang="en-US"/>
+          </a:p>
+        </p:txBody>
+      </p:sp>
+      <p:sp>
+        <p:nvSpPr>
+          <p:cNvPr id="2" name="Title 1">
+            <a:extLst>
+              <a:ext uri="{FF2B5EF4-FFF2-40B4-BE49-F238E27FC236}">
+                <a16:creationId xmlns:a16="http://schemas.microsoft.com/office/drawing/2014/main" id="{939E9A6E-2BD9-404D-9F1F-84337CD49F52}"/>
+              </a:ext>
+            </a:extLst>
+          </p:cNvPr>
+          <p:cNvSpPr>
+            <a:spLocks noGrp="1"/>
+          </p:cNvSpPr>
+          <p:nvPr>
+            <p:ph type="title"/>
+          </p:nvPr>
+        </p:nvSpPr>
+        <p:spPr>
+          <a:xfrm>
+            <a:off x="640080" y="2074363"/>
+            <a:ext cx="2752354" cy="2709275"/>
+          </a:xfrm>
+          <a:prstGeom prst="ellipse">
+            <a:avLst/>
+          </a:prstGeom>
+          <a:solidFill>
+            <a:srgbClr val="262626"/>
+          </a:solidFill>
+          <a:ln w="174625" cmpd="thinThick">
+            <a:solidFill>
+              <a:srgbClr val="262626"/>
+            </a:solidFill>
+          </a:ln>
+        </p:spPr>
+        <p:txBody>
+          <a:bodyPr vert="horz" lIns="91440" tIns="45720" rIns="91440" bIns="45720" rtlCol="0" anchor="ctr">
+            <a:normAutofit/>
+          </a:bodyPr>
+          <a:lstStyle/>
+          <a:p>
+            <a:pPr algn="ctr"/>
+            <a:r>
+              <a:rPr lang="en-US" sz="2600" kern="1200">
+                <a:solidFill>
+                  <a:srgbClr val="FFFFFF"/>
+                </a:solidFill>
+                <a:latin typeface="+mj-lt"/>
+                <a:ea typeface="+mj-ea"/>
+                <a:cs typeface="+mj-cs"/>
+              </a:rPr>
+              <a:t>Sweep Plots: RESET VSL</a:t>
+            </a:r>
+          </a:p>
+        </p:txBody>
+      </p:sp>
+      <p:pic>
+        <p:nvPicPr>
+          <p:cNvPr id="5" name="Content Placeholder 4">
+            <a:extLst>
+              <a:ext uri="{FF2B5EF4-FFF2-40B4-BE49-F238E27FC236}">
+                <a16:creationId xmlns:a16="http://schemas.microsoft.com/office/drawing/2014/main" id="{AF831959-FF86-3D49-97DF-1E0DDCEDCD32}"/>
+              </a:ext>
+            </a:extLst>
+          </p:cNvPr>
+          <p:cNvPicPr>
+            <a:picLocks noChangeAspect="1"/>
+          </p:cNvPicPr>
+          <p:nvPr/>
+        </p:nvPicPr>
+        <p:blipFill>
+          <a:blip r:embed="rId2"/>
+          <a:stretch>
+            <a:fillRect/>
+          </a:stretch>
+        </p:blipFill>
+        <p:spPr>
+          <a:xfrm>
+            <a:off x="4345375" y="961812"/>
+            <a:ext cx="6574649" cy="4930987"/>
+          </a:xfrm>
+          <a:prstGeom prst="rect">
+            <a:avLst/>
+          </a:prstGeom>
+        </p:spPr>
+      </p:pic>
+    </p:spTree>
+    <p:extLst>
+      <p:ext uri="{BB962C8B-B14F-4D97-AF65-F5344CB8AC3E}">
+        <p14:creationId xmlns:p14="http://schemas.microsoft.com/office/powerpoint/2010/main" val="2697373964"/>
       </p:ext>
     </p:extLst>
   </p:cSld>
